--- a/V2.2526_Hardware/__WDM/V2.2526 Wiring Diagram.pptx
+++ b/V2.2526_Hardware/__WDM/V2.2526 Wiring Diagram.pptx
@@ -243,7 +243,7 @@
           <a:p>
             <a:fld id="{965F083E-E327-42BE-A4AB-9DCC0F96DD77}" type="datetimeFigureOut">
               <a:rPr lang="en-US" smtClean="0"/>
-              <a:t>16-Jan-22</a:t>
+              <a:t>10-Feb-22</a:t>
             </a:fld>
             <a:endParaRPr lang="en-US"/>
           </a:p>
@@ -413,7 +413,7 @@
           <a:p>
             <a:fld id="{965F083E-E327-42BE-A4AB-9DCC0F96DD77}" type="datetimeFigureOut">
               <a:rPr lang="en-US" smtClean="0"/>
-              <a:t>16-Jan-22</a:t>
+              <a:t>10-Feb-22</a:t>
             </a:fld>
             <a:endParaRPr lang="en-US"/>
           </a:p>
@@ -593,7 +593,7 @@
           <a:p>
             <a:fld id="{965F083E-E327-42BE-A4AB-9DCC0F96DD77}" type="datetimeFigureOut">
               <a:rPr lang="en-US" smtClean="0"/>
-              <a:t>16-Jan-22</a:t>
+              <a:t>10-Feb-22</a:t>
             </a:fld>
             <a:endParaRPr lang="en-US"/>
           </a:p>
@@ -763,7 +763,7 @@
           <a:p>
             <a:fld id="{965F083E-E327-42BE-A4AB-9DCC0F96DD77}" type="datetimeFigureOut">
               <a:rPr lang="en-US" smtClean="0"/>
-              <a:t>16-Jan-22</a:t>
+              <a:t>10-Feb-22</a:t>
             </a:fld>
             <a:endParaRPr lang="en-US"/>
           </a:p>
@@ -1007,7 +1007,7 @@
           <a:p>
             <a:fld id="{965F083E-E327-42BE-A4AB-9DCC0F96DD77}" type="datetimeFigureOut">
               <a:rPr lang="en-US" smtClean="0"/>
-              <a:t>16-Jan-22</a:t>
+              <a:t>10-Feb-22</a:t>
             </a:fld>
             <a:endParaRPr lang="en-US"/>
           </a:p>
@@ -1239,7 +1239,7 @@
           <a:p>
             <a:fld id="{965F083E-E327-42BE-A4AB-9DCC0F96DD77}" type="datetimeFigureOut">
               <a:rPr lang="en-US" smtClean="0"/>
-              <a:t>16-Jan-22</a:t>
+              <a:t>10-Feb-22</a:t>
             </a:fld>
             <a:endParaRPr lang="en-US"/>
           </a:p>
@@ -1606,7 +1606,7 @@
           <a:p>
             <a:fld id="{965F083E-E327-42BE-A4AB-9DCC0F96DD77}" type="datetimeFigureOut">
               <a:rPr lang="en-US" smtClean="0"/>
-              <a:t>16-Jan-22</a:t>
+              <a:t>10-Feb-22</a:t>
             </a:fld>
             <a:endParaRPr lang="en-US"/>
           </a:p>
@@ -1724,7 +1724,7 @@
           <a:p>
             <a:fld id="{965F083E-E327-42BE-A4AB-9DCC0F96DD77}" type="datetimeFigureOut">
               <a:rPr lang="en-US" smtClean="0"/>
-              <a:t>16-Jan-22</a:t>
+              <a:t>10-Feb-22</a:t>
             </a:fld>
             <a:endParaRPr lang="en-US"/>
           </a:p>
@@ -1819,7 +1819,7 @@
           <a:p>
             <a:fld id="{965F083E-E327-42BE-A4AB-9DCC0F96DD77}" type="datetimeFigureOut">
               <a:rPr lang="en-US" smtClean="0"/>
-              <a:t>16-Jan-22</a:t>
+              <a:t>10-Feb-22</a:t>
             </a:fld>
             <a:endParaRPr lang="en-US"/>
           </a:p>
@@ -2096,7 +2096,7 @@
           <a:p>
             <a:fld id="{965F083E-E327-42BE-A4AB-9DCC0F96DD77}" type="datetimeFigureOut">
               <a:rPr lang="en-US" smtClean="0"/>
-              <a:t>16-Jan-22</a:t>
+              <a:t>10-Feb-22</a:t>
             </a:fld>
             <a:endParaRPr lang="en-US"/>
           </a:p>
@@ -2353,7 +2353,7 @@
           <a:p>
             <a:fld id="{965F083E-E327-42BE-A4AB-9DCC0F96DD77}" type="datetimeFigureOut">
               <a:rPr lang="en-US" smtClean="0"/>
-              <a:t>16-Jan-22</a:t>
+              <a:t>10-Feb-22</a:t>
             </a:fld>
             <a:endParaRPr lang="en-US"/>
           </a:p>
@@ -2566,7 +2566,7 @@
           <a:p>
             <a:fld id="{965F083E-E327-42BE-A4AB-9DCC0F96DD77}" type="datetimeFigureOut">
               <a:rPr lang="en-US" smtClean="0"/>
-              <a:t>16-Jan-22</a:t>
+              <a:t>10-Feb-22</a:t>
             </a:fld>
             <a:endParaRPr lang="en-US"/>
           </a:p>
@@ -2983,6 +2983,118 @@
       </p:grpSpPr>
       <p:sp>
         <p:nvSpPr>
+          <p:cNvPr id="1095" name="Rectangle 1094">
+            <a:extLst>
+              <a:ext uri="{FF2B5EF4-FFF2-40B4-BE49-F238E27FC236}">
+                <a16:creationId xmlns:a16="http://schemas.microsoft.com/office/drawing/2014/main" id="{F7721B93-0A52-4A40-9F31-B4922C0B2E2E}"/>
+              </a:ext>
+            </a:extLst>
+          </p:cNvPr>
+          <p:cNvSpPr/>
+          <p:nvPr/>
+        </p:nvSpPr>
+        <p:spPr>
+          <a:xfrm>
+            <a:off x="8304063" y="6979968"/>
+            <a:ext cx="2025620" cy="1901748"/>
+          </a:xfrm>
+          <a:prstGeom prst="rect">
+            <a:avLst/>
+          </a:prstGeom>
+          <a:solidFill>
+            <a:srgbClr val="FF0000">
+              <a:alpha val="58000"/>
+            </a:srgbClr>
+          </a:solidFill>
+          <a:ln>
+            <a:solidFill>
+              <a:schemeClr val="tx1"/>
+            </a:solidFill>
+          </a:ln>
+        </p:spPr>
+        <p:style>
+          <a:lnRef idx="2">
+            <a:schemeClr val="accent1">
+              <a:shade val="50000"/>
+            </a:schemeClr>
+          </a:lnRef>
+          <a:fillRef idx="1">
+            <a:schemeClr val="accent1"/>
+          </a:fillRef>
+          <a:effectRef idx="0">
+            <a:schemeClr val="accent1"/>
+          </a:effectRef>
+          <a:fontRef idx="minor">
+            <a:schemeClr val="lt1"/>
+          </a:fontRef>
+        </p:style>
+        <p:txBody>
+          <a:bodyPr rtlCol="0" anchor="ctr"/>
+          <a:lstStyle/>
+          <a:p>
+            <a:pPr algn="ctr"/>
+            <a:endParaRPr lang="en-US" sz="12101"/>
+          </a:p>
+        </p:txBody>
+      </p:sp>
+      <p:sp>
+        <p:nvSpPr>
+          <p:cNvPr id="1094" name="Rectangle 1093">
+            <a:extLst>
+              <a:ext uri="{FF2B5EF4-FFF2-40B4-BE49-F238E27FC236}">
+                <a16:creationId xmlns:a16="http://schemas.microsoft.com/office/drawing/2014/main" id="{D8BC2800-F457-44DF-9F63-15C3BCF45EF3}"/>
+              </a:ext>
+            </a:extLst>
+          </p:cNvPr>
+          <p:cNvSpPr/>
+          <p:nvPr/>
+        </p:nvSpPr>
+        <p:spPr>
+          <a:xfrm>
+            <a:off x="6027881" y="6947100"/>
+            <a:ext cx="2043754" cy="1901748"/>
+          </a:xfrm>
+          <a:prstGeom prst="rect">
+            <a:avLst/>
+          </a:prstGeom>
+          <a:solidFill>
+            <a:schemeClr val="tx1">
+              <a:alpha val="58000"/>
+            </a:schemeClr>
+          </a:solidFill>
+          <a:ln>
+            <a:solidFill>
+              <a:schemeClr val="tx1"/>
+            </a:solidFill>
+          </a:ln>
+        </p:spPr>
+        <p:style>
+          <a:lnRef idx="2">
+            <a:schemeClr val="accent1">
+              <a:shade val="50000"/>
+            </a:schemeClr>
+          </a:lnRef>
+          <a:fillRef idx="1">
+            <a:schemeClr val="accent1"/>
+          </a:fillRef>
+          <a:effectRef idx="0">
+            <a:schemeClr val="accent1"/>
+          </a:effectRef>
+          <a:fontRef idx="minor">
+            <a:schemeClr val="lt1"/>
+          </a:fontRef>
+        </p:style>
+        <p:txBody>
+          <a:bodyPr rtlCol="0" anchor="ctr"/>
+          <a:lstStyle/>
+          <a:p>
+            <a:pPr algn="ctr"/>
+            <a:endParaRPr lang="en-US" sz="12101"/>
+          </a:p>
+        </p:txBody>
+      </p:sp>
+      <p:sp>
+        <p:nvSpPr>
           <p:cNvPr id="896" name="Oval 895">
             <a:extLst>
               <a:ext uri="{FF2B5EF4-FFF2-40B4-BE49-F238E27FC236}">
@@ -11727,7 +11839,7 @@
         </p:nvSpPr>
         <p:spPr>
           <a:xfrm rot="16200000">
-            <a:off x="648632" y="4185748"/>
+            <a:off x="725622" y="3497686"/>
             <a:ext cx="572593" cy="1569660"/>
           </a:xfrm>
           <a:prstGeom prst="rect">
@@ -11762,7 +11874,7 @@
         </p:nvSpPr>
         <p:spPr>
           <a:xfrm rot="16200000">
-            <a:off x="2509266" y="4174716"/>
+            <a:off x="2643773" y="3488243"/>
             <a:ext cx="572593" cy="1569660"/>
           </a:xfrm>
           <a:prstGeom prst="rect">
@@ -11797,7 +11909,7 @@
         </p:nvSpPr>
         <p:spPr>
           <a:xfrm rot="16200000">
-            <a:off x="4522920" y="4174716"/>
+            <a:off x="4657427" y="3488243"/>
             <a:ext cx="572593" cy="1569660"/>
           </a:xfrm>
           <a:prstGeom prst="rect">
@@ -11832,7 +11944,7 @@
         </p:nvSpPr>
         <p:spPr>
           <a:xfrm rot="16200000">
-            <a:off x="6404301" y="4174717"/>
+            <a:off x="6538808" y="3488244"/>
             <a:ext cx="572593" cy="1569660"/>
           </a:xfrm>
           <a:prstGeom prst="rect">
@@ -11867,7 +11979,7 @@
         </p:nvSpPr>
         <p:spPr>
           <a:xfrm rot="16200000">
-            <a:off x="8236790" y="4224443"/>
+            <a:off x="8737105" y="3538205"/>
             <a:ext cx="572593" cy="1569660"/>
           </a:xfrm>
           <a:prstGeom prst="rect">
@@ -11902,7 +12014,7 @@
         </p:nvSpPr>
         <p:spPr>
           <a:xfrm>
-            <a:off x="610339" y="4254038"/>
+            <a:off x="744846" y="3567565"/>
             <a:ext cx="835421" cy="646331"/>
           </a:xfrm>
           <a:prstGeom prst="rect">
@@ -11945,7 +12057,7 @@
         </p:nvSpPr>
         <p:spPr>
           <a:xfrm>
-            <a:off x="2415555" y="4234358"/>
+            <a:off x="2550062" y="3547885"/>
             <a:ext cx="878702" cy="646331"/>
           </a:xfrm>
           <a:prstGeom prst="rect">
@@ -11988,7 +12100,7 @@
         </p:nvSpPr>
         <p:spPr>
           <a:xfrm>
-            <a:off x="4462321" y="4284374"/>
+            <a:off x="4596828" y="3597901"/>
             <a:ext cx="881908" cy="646331"/>
           </a:xfrm>
           <a:prstGeom prst="rect">
@@ -12031,7 +12143,7 @@
         </p:nvSpPr>
         <p:spPr>
           <a:xfrm>
-            <a:off x="6246316" y="4283738"/>
+            <a:off x="6380823" y="3597265"/>
             <a:ext cx="893193" cy="646331"/>
           </a:xfrm>
           <a:prstGeom prst="rect">
@@ -12074,7 +12186,7 @@
         </p:nvSpPr>
         <p:spPr>
           <a:xfrm>
-            <a:off x="8201140" y="4283738"/>
+            <a:off x="8701455" y="3597500"/>
             <a:ext cx="816249" cy="646331"/>
           </a:xfrm>
           <a:prstGeom prst="rect">
@@ -13277,7 +13389,7 @@
         </p:nvSpPr>
         <p:spPr>
           <a:xfrm>
-            <a:off x="7962098" y="6971949"/>
+            <a:off x="8339789" y="7014932"/>
             <a:ext cx="453539" cy="1838960"/>
           </a:xfrm>
           <a:prstGeom prst="rect">
@@ -13329,7 +13441,7 @@
         </p:nvSpPr>
         <p:spPr>
           <a:xfrm>
-            <a:off x="8155508" y="6935844"/>
+            <a:off x="8533199" y="6978827"/>
             <a:ext cx="66716" cy="72212"/>
           </a:xfrm>
           <a:prstGeom prst="ellipse">
@@ -13383,7 +13495,7 @@
         </p:nvSpPr>
         <p:spPr>
           <a:xfrm>
-            <a:off x="8143765" y="8766188"/>
+            <a:off x="8521456" y="8809171"/>
             <a:ext cx="66716" cy="72212"/>
           </a:xfrm>
           <a:prstGeom prst="ellipse">
@@ -13440,7 +13552,7 @@
         </p:nvCxnSpPr>
         <p:spPr>
           <a:xfrm flipH="1">
-            <a:off x="8175944" y="6971949"/>
+            <a:off x="8553635" y="7014932"/>
             <a:ext cx="12924" cy="1846906"/>
           </a:xfrm>
           <a:prstGeom prst="line">
@@ -13477,7 +13589,7 @@
         </p:nvSpPr>
         <p:spPr>
           <a:xfrm>
-            <a:off x="8151136" y="7516508"/>
+            <a:off x="8528827" y="7559491"/>
             <a:ext cx="66716" cy="72212"/>
           </a:xfrm>
           <a:prstGeom prst="ellipse">
@@ -13531,7 +13643,7 @@
         </p:nvSpPr>
         <p:spPr>
           <a:xfrm>
-            <a:off x="8149048" y="8185524"/>
+            <a:off x="8526739" y="8228507"/>
             <a:ext cx="66716" cy="72212"/>
           </a:xfrm>
           <a:prstGeom prst="ellipse">
@@ -13585,7 +13697,7 @@
         </p:nvSpPr>
         <p:spPr>
           <a:xfrm>
-            <a:off x="8485283" y="6971949"/>
+            <a:off x="8862974" y="7014932"/>
             <a:ext cx="453539" cy="1838960"/>
           </a:xfrm>
           <a:prstGeom prst="rect">
@@ -13637,7 +13749,7 @@
         </p:nvSpPr>
         <p:spPr>
           <a:xfrm>
-            <a:off x="8678692" y="6935844"/>
+            <a:off x="9056383" y="6978827"/>
             <a:ext cx="66716" cy="72212"/>
           </a:xfrm>
           <a:prstGeom prst="ellipse">
@@ -13691,7 +13803,7 @@
         </p:nvSpPr>
         <p:spPr>
           <a:xfrm>
-            <a:off x="8666952" y="8766188"/>
+            <a:off x="9044643" y="8809171"/>
             <a:ext cx="66716" cy="72212"/>
           </a:xfrm>
           <a:prstGeom prst="ellipse">
@@ -13748,7 +13860,7 @@
         </p:nvCxnSpPr>
         <p:spPr>
           <a:xfrm flipH="1">
-            <a:off x="8699128" y="6971949"/>
+            <a:off x="9076819" y="7014932"/>
             <a:ext cx="12924" cy="1846906"/>
           </a:xfrm>
           <a:prstGeom prst="line">
@@ -13785,7 +13897,7 @@
         </p:nvSpPr>
         <p:spPr>
           <a:xfrm>
-            <a:off x="8674321" y="7516508"/>
+            <a:off x="9052012" y="7559491"/>
             <a:ext cx="66716" cy="72212"/>
           </a:xfrm>
           <a:prstGeom prst="ellipse">
@@ -13839,7 +13951,7 @@
         </p:nvSpPr>
         <p:spPr>
           <a:xfrm>
-            <a:off x="8672232" y="8185524"/>
+            <a:off x="9049923" y="8228507"/>
             <a:ext cx="66716" cy="72212"/>
           </a:xfrm>
           <a:prstGeom prst="ellipse">
@@ -13893,7 +14005,7 @@
         </p:nvSpPr>
         <p:spPr>
           <a:xfrm>
-            <a:off x="8996723" y="6971949"/>
+            <a:off x="9374414" y="7014932"/>
             <a:ext cx="453539" cy="1838960"/>
           </a:xfrm>
           <a:prstGeom prst="rect">
@@ -13945,7 +14057,7 @@
         </p:nvSpPr>
         <p:spPr>
           <a:xfrm>
-            <a:off x="9190136" y="6935844"/>
+            <a:off x="9567827" y="6978827"/>
             <a:ext cx="66716" cy="72212"/>
           </a:xfrm>
           <a:prstGeom prst="ellipse">
@@ -13999,7 +14111,7 @@
         </p:nvSpPr>
         <p:spPr>
           <a:xfrm>
-            <a:off x="9178392" y="8766188"/>
+            <a:off x="9556083" y="8809171"/>
             <a:ext cx="66716" cy="72212"/>
           </a:xfrm>
           <a:prstGeom prst="ellipse">
@@ -14056,7 +14168,7 @@
         </p:nvCxnSpPr>
         <p:spPr>
           <a:xfrm flipH="1">
-            <a:off x="9210569" y="6971949"/>
+            <a:off x="9588260" y="7014932"/>
             <a:ext cx="12924" cy="1846906"/>
           </a:xfrm>
           <a:prstGeom prst="line">
@@ -14093,7 +14205,7 @@
         </p:nvSpPr>
         <p:spPr>
           <a:xfrm>
-            <a:off x="9185764" y="7516508"/>
+            <a:off x="9563455" y="7559491"/>
             <a:ext cx="66716" cy="72212"/>
           </a:xfrm>
           <a:prstGeom prst="ellipse">
@@ -14147,7 +14259,7 @@
         </p:nvSpPr>
         <p:spPr>
           <a:xfrm>
-            <a:off x="9183673" y="8185524"/>
+            <a:off x="9561364" y="8228507"/>
             <a:ext cx="66716" cy="72212"/>
           </a:xfrm>
           <a:prstGeom prst="ellipse">
@@ -14281,7 +14393,7 @@
         </p:nvCxnSpPr>
         <p:spPr>
           <a:xfrm>
-            <a:off x="8175942" y="7561229"/>
+            <a:off x="8553633" y="7604212"/>
             <a:ext cx="589901" cy="0"/>
           </a:xfrm>
           <a:prstGeom prst="line">
@@ -14320,7 +14432,7 @@
         </p:nvCxnSpPr>
         <p:spPr>
           <a:xfrm>
-            <a:off x="8691758" y="8219747"/>
+            <a:off x="9069449" y="8262730"/>
             <a:ext cx="589901" cy="0"/>
           </a:xfrm>
           <a:prstGeom prst="line">
@@ -15397,13 +15509,13 @@
         </p:nvCxnSpPr>
         <p:spPr>
           <a:xfrm rot="16200000" flipH="1">
-            <a:off x="9100616" y="6024093"/>
-            <a:ext cx="2302439" cy="4125938"/>
+            <a:off x="9283142" y="6262241"/>
+            <a:ext cx="2325197" cy="3758368"/>
           </a:xfrm>
           <a:prstGeom prst="bentConnector4">
             <a:avLst>
-              <a:gd name="adj1" fmla="val -22362"/>
-              <a:gd name="adj2" fmla="val 102039"/>
+              <a:gd name="adj1" fmla="val -23202"/>
+              <a:gd name="adj2" fmla="val 107051"/>
             </a:avLst>
           </a:prstGeom>
           <a:ln>
@@ -15507,45 +15619,6 @@
       </p:cxnSp>
       <p:cxnSp>
         <p:nvCxnSpPr>
-          <p:cNvPr id="724" name="Straight Connector 723">
-            <a:extLst>
-              <a:ext uri="{FF2B5EF4-FFF2-40B4-BE49-F238E27FC236}">
-                <a16:creationId xmlns:a16="http://schemas.microsoft.com/office/drawing/2014/main" id="{551B8F72-E644-4462-A74A-60A457A926B0}"/>
-              </a:ext>
-            </a:extLst>
-          </p:cNvPr>
-          <p:cNvCxnSpPr>
-            <a:cxnSpLocks/>
-            <a:stCxn id="417" idx="4"/>
-          </p:cNvCxnSpPr>
-          <p:nvPr/>
-        </p:nvCxnSpPr>
-        <p:spPr>
-          <a:xfrm>
-            <a:off x="3378710" y="8878941"/>
-            <a:ext cx="11741" cy="1177337"/>
-          </a:xfrm>
-          <a:prstGeom prst="line">
-            <a:avLst/>
-          </a:prstGeom>
-        </p:spPr>
-        <p:style>
-          <a:lnRef idx="1">
-            <a:schemeClr val="dk1"/>
-          </a:lnRef>
-          <a:fillRef idx="0">
-            <a:schemeClr val="dk1"/>
-          </a:fillRef>
-          <a:effectRef idx="0">
-            <a:schemeClr val="dk1"/>
-          </a:effectRef>
-          <a:fontRef idx="minor">
-            <a:schemeClr val="tx1"/>
-          </a:fontRef>
-        </p:style>
-      </p:cxnSp>
-      <p:cxnSp>
-        <p:nvCxnSpPr>
           <p:cNvPr id="730" name="Straight Connector 729">
             <a:extLst>
               <a:ext uri="{FF2B5EF4-FFF2-40B4-BE49-F238E27FC236}">
@@ -15562,7 +15635,7 @@
         <p:spPr>
           <a:xfrm>
             <a:off x="4770575" y="8868440"/>
-            <a:ext cx="0" cy="187616"/>
+            <a:ext cx="0" cy="2354755"/>
           </a:xfrm>
           <a:prstGeom prst="line">
             <a:avLst/>
@@ -15640,13 +15713,13 @@
         </p:nvCxnSpPr>
         <p:spPr>
           <a:xfrm rot="16200000" flipH="1">
-            <a:off x="9247649" y="6434409"/>
-            <a:ext cx="2579950" cy="3603973"/>
+            <a:off x="9547433" y="6555298"/>
+            <a:ext cx="2539780" cy="3407989"/>
           </a:xfrm>
           <a:prstGeom prst="bentConnector4">
             <a:avLst>
-              <a:gd name="adj1" fmla="val -25909"/>
-              <a:gd name="adj2" fmla="val 105697"/>
+              <a:gd name="adj1" fmla="val -26763"/>
+              <a:gd name="adj2" fmla="val 106488"/>
             </a:avLst>
           </a:prstGeom>
           <a:ln>
@@ -15687,12 +15760,12 @@
         </p:nvCxnSpPr>
         <p:spPr>
           <a:xfrm rot="16200000" flipH="1">
-            <a:off x="9580572" y="6578764"/>
+            <a:off x="9958263" y="6621747"/>
             <a:ext cx="2827028" cy="3541188"/>
           </a:xfrm>
           <a:prstGeom prst="bentConnector4">
             <a:avLst>
-              <a:gd name="adj1" fmla="val -7727"/>
+              <a:gd name="adj1" fmla="val -8805"/>
               <a:gd name="adj2" fmla="val 100049"/>
             </a:avLst>
           </a:prstGeom>
@@ -15810,8 +15883,8 @@
         </p:nvCxnSpPr>
         <p:spPr>
           <a:xfrm flipH="1">
-            <a:off x="12321925" y="9762871"/>
-            <a:ext cx="442757" cy="0"/>
+            <a:off x="12321925" y="9803696"/>
+            <a:ext cx="820446" cy="0"/>
           </a:xfrm>
           <a:prstGeom prst="line">
             <a:avLst/>
@@ -16151,18 +16224,17 @@
           </p:cNvPr>
           <p:cNvCxnSpPr>
             <a:cxnSpLocks/>
+            <a:endCxn id="1230" idx="2"/>
           </p:cNvCxnSpPr>
           <p:nvPr/>
         </p:nvCxnSpPr>
         <p:spPr>
           <a:xfrm flipV="1">
-            <a:off x="4769396" y="8699986"/>
-            <a:ext cx="9469225" cy="356075"/>
-          </a:xfrm>
-          <a:prstGeom prst="bentConnector3">
-            <a:avLst>
-              <a:gd name="adj1" fmla="val 52689"/>
-            </a:avLst>
+            <a:off x="4769396" y="9239080"/>
+            <a:ext cx="10245256" cy="1973541"/>
+          </a:xfrm>
+          <a:prstGeom prst="bentConnector2">
+            <a:avLst/>
           </a:prstGeom>
         </p:spPr>
         <p:style>
@@ -16392,12 +16464,12 @@
         </p:nvCxnSpPr>
         <p:spPr>
           <a:xfrm flipV="1">
-            <a:off x="3387857" y="4713399"/>
-            <a:ext cx="6845186" cy="5342879"/>
+            <a:off x="2343354" y="4713399"/>
+            <a:ext cx="7889689" cy="2304984"/>
           </a:xfrm>
           <a:prstGeom prst="bentConnector3">
             <a:avLst>
-              <a:gd name="adj1" fmla="val 97953"/>
+              <a:gd name="adj1" fmla="val 164"/>
             </a:avLst>
           </a:prstGeom>
         </p:spPr>
@@ -18532,118 +18604,6 @@
       </p:sp>
       <p:sp>
         <p:nvSpPr>
-          <p:cNvPr id="1094" name="Rectangle 1093">
-            <a:extLst>
-              <a:ext uri="{FF2B5EF4-FFF2-40B4-BE49-F238E27FC236}">
-                <a16:creationId xmlns:a16="http://schemas.microsoft.com/office/drawing/2014/main" id="{D8BC2800-F457-44DF-9F63-15C3BCF45EF3}"/>
-              </a:ext>
-            </a:extLst>
-          </p:cNvPr>
-          <p:cNvSpPr/>
-          <p:nvPr/>
-        </p:nvSpPr>
-        <p:spPr>
-          <a:xfrm>
-            <a:off x="6027881" y="6947100"/>
-            <a:ext cx="1541878" cy="1901748"/>
-          </a:xfrm>
-          <a:prstGeom prst="rect">
-            <a:avLst/>
-          </a:prstGeom>
-          <a:solidFill>
-            <a:schemeClr val="tx1">
-              <a:alpha val="58000"/>
-            </a:schemeClr>
-          </a:solidFill>
-          <a:ln>
-            <a:solidFill>
-              <a:schemeClr val="tx1"/>
-            </a:solidFill>
-          </a:ln>
-        </p:spPr>
-        <p:style>
-          <a:lnRef idx="2">
-            <a:schemeClr val="accent1">
-              <a:shade val="50000"/>
-            </a:schemeClr>
-          </a:lnRef>
-          <a:fillRef idx="1">
-            <a:schemeClr val="accent1"/>
-          </a:fillRef>
-          <a:effectRef idx="0">
-            <a:schemeClr val="accent1"/>
-          </a:effectRef>
-          <a:fontRef idx="minor">
-            <a:schemeClr val="lt1"/>
-          </a:fontRef>
-        </p:style>
-        <p:txBody>
-          <a:bodyPr rtlCol="0" anchor="ctr"/>
-          <a:lstStyle/>
-          <a:p>
-            <a:pPr algn="ctr"/>
-            <a:endParaRPr lang="en-US" sz="12101"/>
-          </a:p>
-        </p:txBody>
-      </p:sp>
-      <p:sp>
-        <p:nvSpPr>
-          <p:cNvPr id="1095" name="Rectangle 1094">
-            <a:extLst>
-              <a:ext uri="{FF2B5EF4-FFF2-40B4-BE49-F238E27FC236}">
-                <a16:creationId xmlns:a16="http://schemas.microsoft.com/office/drawing/2014/main" id="{F7721B93-0A52-4A40-9F31-B4922C0B2E2E}"/>
-              </a:ext>
-            </a:extLst>
-          </p:cNvPr>
-          <p:cNvSpPr/>
-          <p:nvPr/>
-        </p:nvSpPr>
-        <p:spPr>
-          <a:xfrm>
-            <a:off x="7926372" y="6936985"/>
-            <a:ext cx="1541878" cy="1901748"/>
-          </a:xfrm>
-          <a:prstGeom prst="rect">
-            <a:avLst/>
-          </a:prstGeom>
-          <a:solidFill>
-            <a:srgbClr val="FF0000">
-              <a:alpha val="58000"/>
-            </a:srgbClr>
-          </a:solidFill>
-          <a:ln>
-            <a:solidFill>
-              <a:schemeClr val="tx1"/>
-            </a:solidFill>
-          </a:ln>
-        </p:spPr>
-        <p:style>
-          <a:lnRef idx="2">
-            <a:schemeClr val="accent1">
-              <a:shade val="50000"/>
-            </a:schemeClr>
-          </a:lnRef>
-          <a:fillRef idx="1">
-            <a:schemeClr val="accent1"/>
-          </a:fillRef>
-          <a:effectRef idx="0">
-            <a:schemeClr val="accent1"/>
-          </a:effectRef>
-          <a:fontRef idx="minor">
-            <a:schemeClr val="lt1"/>
-          </a:fontRef>
-        </p:style>
-        <p:txBody>
-          <a:bodyPr rtlCol="0" anchor="ctr"/>
-          <a:lstStyle/>
-          <a:p>
-            <a:pPr algn="ctr"/>
-            <a:endParaRPr lang="en-US" sz="12101"/>
-          </a:p>
-        </p:txBody>
-      </p:sp>
-      <p:sp>
-        <p:nvSpPr>
           <p:cNvPr id="1099" name="Rectangle 1098">
             <a:extLst>
               <a:ext uri="{FF2B5EF4-FFF2-40B4-BE49-F238E27FC236}">
@@ -23066,48 +23026,6 @@
       </p:cxnSp>
       <p:cxnSp>
         <p:nvCxnSpPr>
-          <p:cNvPr id="1249" name="Connector: Elbow 1248">
-            <a:extLst>
-              <a:ext uri="{FF2B5EF4-FFF2-40B4-BE49-F238E27FC236}">
-                <a16:creationId xmlns:a16="http://schemas.microsoft.com/office/drawing/2014/main" id="{118681A4-6900-41BD-8C5E-6911886EEA68}"/>
-              </a:ext>
-            </a:extLst>
-          </p:cNvPr>
-          <p:cNvCxnSpPr>
-            <a:cxnSpLocks/>
-            <a:stCxn id="1230" idx="2"/>
-          </p:cNvCxnSpPr>
-          <p:nvPr/>
-        </p:nvCxnSpPr>
-        <p:spPr>
-          <a:xfrm rot="5400000" flipH="1">
-            <a:off x="14188492" y="8412920"/>
-            <a:ext cx="539095" cy="1113224"/>
-          </a:xfrm>
-          <a:prstGeom prst="bentConnector4">
-            <a:avLst>
-              <a:gd name="adj1" fmla="val -42404"/>
-              <a:gd name="adj2" fmla="val 61038"/>
-            </a:avLst>
-          </a:prstGeom>
-        </p:spPr>
-        <p:style>
-          <a:lnRef idx="1">
-            <a:schemeClr val="dk1"/>
-          </a:lnRef>
-          <a:fillRef idx="0">
-            <a:schemeClr val="dk1"/>
-          </a:fillRef>
-          <a:effectRef idx="0">
-            <a:schemeClr val="dk1"/>
-          </a:effectRef>
-          <a:fontRef idx="minor">
-            <a:schemeClr val="tx1"/>
-          </a:fontRef>
-        </p:style>
-      </p:cxnSp>
-      <p:cxnSp>
-        <p:nvCxnSpPr>
           <p:cNvPr id="1260" name="Straight Connector 1259">
             <a:extLst>
               <a:ext uri="{FF2B5EF4-FFF2-40B4-BE49-F238E27FC236}">
@@ -25399,17 +25317,19 @@
           </p:cNvPr>
           <p:cNvCxnSpPr>
             <a:cxnSpLocks/>
+            <a:stCxn id="929" idx="0"/>
           </p:cNvCxnSpPr>
           <p:nvPr/>
         </p:nvCxnSpPr>
         <p:spPr>
-          <a:xfrm>
-            <a:off x="9193760" y="8578478"/>
-            <a:ext cx="19670800" cy="2790023"/>
-          </a:xfrm>
-          <a:prstGeom prst="bentConnector3">
+          <a:xfrm rot="16200000" flipH="1">
+            <a:off x="18206391" y="710334"/>
+            <a:ext cx="2547853" cy="18768482"/>
+          </a:xfrm>
+          <a:prstGeom prst="bentConnector4">
             <a:avLst>
-              <a:gd name="adj1" fmla="val -49"/>
+              <a:gd name="adj1" fmla="val 99493"/>
+              <a:gd name="adj2" fmla="val 124"/>
             </a:avLst>
           </a:prstGeom>
           <a:ln>
@@ -25883,7 +25803,7 @@
           </a:xfrm>
           <a:prstGeom prst="bentConnector3">
             <a:avLst>
-              <a:gd name="adj1" fmla="val 953"/>
+              <a:gd name="adj1" fmla="val 78517"/>
             </a:avLst>
           </a:prstGeom>
           <a:ln>
@@ -29525,7 +29445,7 @@
           </a:xfrm>
           <a:prstGeom prst="bentConnector3">
             <a:avLst>
-              <a:gd name="adj1" fmla="val -5581"/>
+              <a:gd name="adj1" fmla="val 6307"/>
             </a:avLst>
           </a:prstGeom>
           <a:ln>
@@ -41095,8 +41015,8 @@
         </p:nvCxnSpPr>
         <p:spPr>
           <a:xfrm rot="16200000" flipH="1">
-            <a:off x="12195390" y="3452277"/>
-            <a:ext cx="2920143" cy="13713283"/>
+            <a:off x="12320859" y="3577747"/>
+            <a:ext cx="2920142" cy="13462344"/>
           </a:xfrm>
           <a:prstGeom prst="bentConnector2">
             <a:avLst/>
@@ -41128,14 +41048,14 @@
           </p:cNvPr>
           <p:cNvCxnSpPr>
             <a:cxnSpLocks/>
-            <a:stCxn id="1095" idx="2"/>
+            <a:stCxn id="536" idx="5"/>
           </p:cNvCxnSpPr>
           <p:nvPr/>
         </p:nvCxnSpPr>
         <p:spPr>
           <a:xfrm rot="16200000" flipH="1">
-            <a:off x="13445563" y="4090481"/>
-            <a:ext cx="2695150" cy="12191654"/>
+            <a:off x="13584739" y="3864471"/>
+            <a:ext cx="2675578" cy="12688252"/>
           </a:xfrm>
           <a:prstGeom prst="bentConnector2">
             <a:avLst/>
@@ -44898,6 +44818,1237 @@
           </a:fontRef>
         </p:style>
       </p:cxnSp>
+      <p:cxnSp>
+        <p:nvCxnSpPr>
+          <p:cNvPr id="889" name="Connector: Elbow 888">
+            <a:extLst>
+              <a:ext uri="{FF2B5EF4-FFF2-40B4-BE49-F238E27FC236}">
+                <a16:creationId xmlns:a16="http://schemas.microsoft.com/office/drawing/2014/main" id="{263EE712-42FE-4EA3-AA29-99B594944E6B}"/>
+              </a:ext>
+            </a:extLst>
+          </p:cNvPr>
+          <p:cNvCxnSpPr>
+            <a:cxnSpLocks/>
+          </p:cNvCxnSpPr>
+          <p:nvPr/>
+        </p:nvCxnSpPr>
+        <p:spPr>
+          <a:xfrm rot="16200000" flipV="1">
+            <a:off x="33554591" y="7695818"/>
+            <a:ext cx="3048774" cy="519698"/>
+          </a:xfrm>
+          <a:prstGeom prst="bentConnector3">
+            <a:avLst>
+              <a:gd name="adj1" fmla="val 99355"/>
+            </a:avLst>
+          </a:prstGeom>
+        </p:spPr>
+        <p:style>
+          <a:lnRef idx="1">
+            <a:schemeClr val="dk1"/>
+          </a:lnRef>
+          <a:fillRef idx="0">
+            <a:schemeClr val="dk1"/>
+          </a:fillRef>
+          <a:effectRef idx="0">
+            <a:schemeClr val="dk1"/>
+          </a:effectRef>
+          <a:fontRef idx="minor">
+            <a:schemeClr val="tx1"/>
+          </a:fontRef>
+        </p:style>
+      </p:cxnSp>
+      <p:sp>
+        <p:nvSpPr>
+          <p:cNvPr id="894" name="Rectangle 893">
+            <a:extLst>
+              <a:ext uri="{FF2B5EF4-FFF2-40B4-BE49-F238E27FC236}">
+                <a16:creationId xmlns:a16="http://schemas.microsoft.com/office/drawing/2014/main" id="{A50DBA78-E9E6-4C73-AD10-97FE7C36F55B}"/>
+              </a:ext>
+            </a:extLst>
+          </p:cNvPr>
+          <p:cNvSpPr/>
+          <p:nvPr/>
+        </p:nvSpPr>
+        <p:spPr>
+          <a:xfrm>
+            <a:off x="10597180" y="7276324"/>
+            <a:ext cx="1846001" cy="1315683"/>
+          </a:xfrm>
+          <a:prstGeom prst="rect">
+            <a:avLst/>
+          </a:prstGeom>
+          <a:solidFill>
+            <a:schemeClr val="bg1"/>
+          </a:solidFill>
+          <a:ln>
+            <a:solidFill>
+              <a:schemeClr val="tx1"/>
+            </a:solidFill>
+          </a:ln>
+        </p:spPr>
+        <p:style>
+          <a:lnRef idx="2">
+            <a:schemeClr val="accent1">
+              <a:shade val="50000"/>
+            </a:schemeClr>
+          </a:lnRef>
+          <a:fillRef idx="1">
+            <a:schemeClr val="accent1"/>
+          </a:fillRef>
+          <a:effectRef idx="0">
+            <a:schemeClr val="accent1"/>
+          </a:effectRef>
+          <a:fontRef idx="minor">
+            <a:schemeClr val="lt1"/>
+          </a:fontRef>
+        </p:style>
+        <p:txBody>
+          <a:bodyPr rtlCol="0" anchor="ctr"/>
+          <a:lstStyle/>
+          <a:p>
+            <a:pPr algn="ctr"/>
+            <a:r>
+              <a:rPr lang="en-US" dirty="0">
+                <a:solidFill>
+                  <a:schemeClr val="tx1"/>
+                </a:solidFill>
+              </a:rPr>
+              <a:t>24-5 DC Buck Converter for powering ERCF &amp; ERCF </a:t>
+            </a:r>
+            <a:r>
+              <a:rPr lang="en-US" dirty="0" err="1">
+                <a:solidFill>
+                  <a:schemeClr val="tx1"/>
+                </a:solidFill>
+              </a:rPr>
+              <a:t>Neopixels</a:t>
+            </a:r>
+            <a:endParaRPr lang="en-US" dirty="0">
+              <a:solidFill>
+                <a:schemeClr val="tx1"/>
+              </a:solidFill>
+            </a:endParaRPr>
+          </a:p>
+        </p:txBody>
+      </p:sp>
+      <p:sp>
+        <p:nvSpPr>
+          <p:cNvPr id="920" name="Rectangle 919">
+            <a:extLst>
+              <a:ext uri="{FF2B5EF4-FFF2-40B4-BE49-F238E27FC236}">
+                <a16:creationId xmlns:a16="http://schemas.microsoft.com/office/drawing/2014/main" id="{2C600E36-AFF2-4DDB-8332-4BB3B224EA8F}"/>
+              </a:ext>
+            </a:extLst>
+          </p:cNvPr>
+          <p:cNvSpPr/>
+          <p:nvPr/>
+        </p:nvSpPr>
+        <p:spPr>
+          <a:xfrm>
+            <a:off x="7575457" y="6995134"/>
+            <a:ext cx="453539" cy="1838960"/>
+          </a:xfrm>
+          <a:prstGeom prst="rect">
+            <a:avLst/>
+          </a:prstGeom>
+          <a:noFill/>
+          <a:ln>
+            <a:solidFill>
+              <a:schemeClr val="tx1"/>
+            </a:solidFill>
+          </a:ln>
+        </p:spPr>
+        <p:style>
+          <a:lnRef idx="2">
+            <a:schemeClr val="accent1">
+              <a:shade val="50000"/>
+            </a:schemeClr>
+          </a:lnRef>
+          <a:fillRef idx="1">
+            <a:schemeClr val="accent1"/>
+          </a:fillRef>
+          <a:effectRef idx="0">
+            <a:schemeClr val="accent1"/>
+          </a:effectRef>
+          <a:fontRef idx="minor">
+            <a:schemeClr val="lt1"/>
+          </a:fontRef>
+        </p:style>
+        <p:txBody>
+          <a:bodyPr rtlCol="0" anchor="ctr"/>
+          <a:lstStyle/>
+          <a:p>
+            <a:pPr algn="ctr"/>
+            <a:endParaRPr lang="en-US" sz="12101"/>
+          </a:p>
+        </p:txBody>
+      </p:sp>
+      <p:sp>
+        <p:nvSpPr>
+          <p:cNvPr id="921" name="Oval 920">
+            <a:extLst>
+              <a:ext uri="{FF2B5EF4-FFF2-40B4-BE49-F238E27FC236}">
+                <a16:creationId xmlns:a16="http://schemas.microsoft.com/office/drawing/2014/main" id="{AEF63803-E970-496E-AFBE-70F622CC0B62}"/>
+              </a:ext>
+            </a:extLst>
+          </p:cNvPr>
+          <p:cNvSpPr/>
+          <p:nvPr/>
+        </p:nvSpPr>
+        <p:spPr>
+          <a:xfrm>
+            <a:off x="7768870" y="6959030"/>
+            <a:ext cx="66716" cy="72212"/>
+          </a:xfrm>
+          <a:prstGeom prst="ellipse">
+            <a:avLst/>
+          </a:prstGeom>
+          <a:solidFill>
+            <a:schemeClr val="tx1"/>
+          </a:solidFill>
+          <a:ln>
+            <a:solidFill>
+              <a:schemeClr val="tx1"/>
+            </a:solidFill>
+          </a:ln>
+        </p:spPr>
+        <p:style>
+          <a:lnRef idx="2">
+            <a:schemeClr val="accent1">
+              <a:shade val="50000"/>
+            </a:schemeClr>
+          </a:lnRef>
+          <a:fillRef idx="1">
+            <a:schemeClr val="accent1"/>
+          </a:fillRef>
+          <a:effectRef idx="0">
+            <a:schemeClr val="accent1"/>
+          </a:effectRef>
+          <a:fontRef idx="minor">
+            <a:schemeClr val="lt1"/>
+          </a:fontRef>
+        </p:style>
+        <p:txBody>
+          <a:bodyPr rtlCol="0" anchor="ctr"/>
+          <a:lstStyle/>
+          <a:p>
+            <a:pPr algn="ctr"/>
+            <a:endParaRPr lang="en-US" sz="12101"/>
+          </a:p>
+        </p:txBody>
+      </p:sp>
+      <p:sp>
+        <p:nvSpPr>
+          <p:cNvPr id="922" name="Oval 921">
+            <a:extLst>
+              <a:ext uri="{FF2B5EF4-FFF2-40B4-BE49-F238E27FC236}">
+                <a16:creationId xmlns:a16="http://schemas.microsoft.com/office/drawing/2014/main" id="{6A245758-A450-439C-9AEC-C2DC8E648102}"/>
+              </a:ext>
+            </a:extLst>
+          </p:cNvPr>
+          <p:cNvSpPr/>
+          <p:nvPr/>
+        </p:nvSpPr>
+        <p:spPr>
+          <a:xfrm>
+            <a:off x="7757126" y="8789371"/>
+            <a:ext cx="66716" cy="72212"/>
+          </a:xfrm>
+          <a:prstGeom prst="ellipse">
+            <a:avLst/>
+          </a:prstGeom>
+          <a:solidFill>
+            <a:schemeClr val="tx1"/>
+          </a:solidFill>
+          <a:ln>
+            <a:solidFill>
+              <a:schemeClr val="tx1"/>
+            </a:solidFill>
+          </a:ln>
+        </p:spPr>
+        <p:style>
+          <a:lnRef idx="2">
+            <a:schemeClr val="accent1">
+              <a:shade val="50000"/>
+            </a:schemeClr>
+          </a:lnRef>
+          <a:fillRef idx="1">
+            <a:schemeClr val="accent1"/>
+          </a:fillRef>
+          <a:effectRef idx="0">
+            <a:schemeClr val="accent1"/>
+          </a:effectRef>
+          <a:fontRef idx="minor">
+            <a:schemeClr val="lt1"/>
+          </a:fontRef>
+        </p:style>
+        <p:txBody>
+          <a:bodyPr rtlCol="0" anchor="ctr"/>
+          <a:lstStyle/>
+          <a:p>
+            <a:pPr algn="ctr"/>
+            <a:endParaRPr lang="en-US" sz="12101"/>
+          </a:p>
+        </p:txBody>
+      </p:sp>
+      <p:cxnSp>
+        <p:nvCxnSpPr>
+          <p:cNvPr id="923" name="Straight Connector 922">
+            <a:extLst>
+              <a:ext uri="{FF2B5EF4-FFF2-40B4-BE49-F238E27FC236}">
+                <a16:creationId xmlns:a16="http://schemas.microsoft.com/office/drawing/2014/main" id="{9E3C0D8B-9338-4557-86E5-3423ECB69A3F}"/>
+              </a:ext>
+            </a:extLst>
+          </p:cNvPr>
+          <p:cNvCxnSpPr>
+            <a:cxnSpLocks/>
+            <a:stCxn id="920" idx="0"/>
+          </p:cNvCxnSpPr>
+          <p:nvPr/>
+        </p:nvCxnSpPr>
+        <p:spPr>
+          <a:xfrm flipH="1">
+            <a:off x="7789303" y="6995135"/>
+            <a:ext cx="12924" cy="1846906"/>
+          </a:xfrm>
+          <a:prstGeom prst="line">
+            <a:avLst/>
+          </a:prstGeom>
+          <a:ln w="63500"/>
+        </p:spPr>
+        <p:style>
+          <a:lnRef idx="1">
+            <a:schemeClr val="dk1"/>
+          </a:lnRef>
+          <a:fillRef idx="0">
+            <a:schemeClr val="dk1"/>
+          </a:fillRef>
+          <a:effectRef idx="0">
+            <a:schemeClr val="dk1"/>
+          </a:effectRef>
+          <a:fontRef idx="minor">
+            <a:schemeClr val="tx1"/>
+          </a:fontRef>
+        </p:style>
+      </p:cxnSp>
+      <p:sp>
+        <p:nvSpPr>
+          <p:cNvPr id="924" name="Oval 923">
+            <a:extLst>
+              <a:ext uri="{FF2B5EF4-FFF2-40B4-BE49-F238E27FC236}">
+                <a16:creationId xmlns:a16="http://schemas.microsoft.com/office/drawing/2014/main" id="{21FE6415-31D1-4BE0-ADB5-365A287942BD}"/>
+              </a:ext>
+            </a:extLst>
+          </p:cNvPr>
+          <p:cNvSpPr/>
+          <p:nvPr/>
+        </p:nvSpPr>
+        <p:spPr>
+          <a:xfrm>
+            <a:off x="7764498" y="7539691"/>
+            <a:ext cx="66716" cy="72212"/>
+          </a:xfrm>
+          <a:prstGeom prst="ellipse">
+            <a:avLst/>
+          </a:prstGeom>
+          <a:solidFill>
+            <a:schemeClr val="tx1"/>
+          </a:solidFill>
+          <a:ln>
+            <a:solidFill>
+              <a:schemeClr val="tx1"/>
+            </a:solidFill>
+          </a:ln>
+        </p:spPr>
+        <p:style>
+          <a:lnRef idx="2">
+            <a:schemeClr val="accent1">
+              <a:shade val="50000"/>
+            </a:schemeClr>
+          </a:lnRef>
+          <a:fillRef idx="1">
+            <a:schemeClr val="accent1"/>
+          </a:fillRef>
+          <a:effectRef idx="0">
+            <a:schemeClr val="accent1"/>
+          </a:effectRef>
+          <a:fontRef idx="minor">
+            <a:schemeClr val="lt1"/>
+          </a:fontRef>
+        </p:style>
+        <p:txBody>
+          <a:bodyPr rtlCol="0" anchor="ctr"/>
+          <a:lstStyle/>
+          <a:p>
+            <a:pPr algn="ctr"/>
+            <a:endParaRPr lang="en-US" sz="12101"/>
+          </a:p>
+        </p:txBody>
+      </p:sp>
+      <p:sp>
+        <p:nvSpPr>
+          <p:cNvPr id="925" name="Oval 924">
+            <a:extLst>
+              <a:ext uri="{FF2B5EF4-FFF2-40B4-BE49-F238E27FC236}">
+                <a16:creationId xmlns:a16="http://schemas.microsoft.com/office/drawing/2014/main" id="{A8326797-B241-4890-9381-018855631E58}"/>
+              </a:ext>
+            </a:extLst>
+          </p:cNvPr>
+          <p:cNvSpPr/>
+          <p:nvPr/>
+        </p:nvSpPr>
+        <p:spPr>
+          <a:xfrm>
+            <a:off x="7762407" y="8208710"/>
+            <a:ext cx="66716" cy="72212"/>
+          </a:xfrm>
+          <a:prstGeom prst="ellipse">
+            <a:avLst/>
+          </a:prstGeom>
+          <a:solidFill>
+            <a:schemeClr val="tx1"/>
+          </a:solidFill>
+          <a:ln>
+            <a:solidFill>
+              <a:schemeClr val="tx1"/>
+            </a:solidFill>
+          </a:ln>
+        </p:spPr>
+        <p:style>
+          <a:lnRef idx="2">
+            <a:schemeClr val="accent1">
+              <a:shade val="50000"/>
+            </a:schemeClr>
+          </a:lnRef>
+          <a:fillRef idx="1">
+            <a:schemeClr val="accent1"/>
+          </a:fillRef>
+          <a:effectRef idx="0">
+            <a:schemeClr val="accent1"/>
+          </a:effectRef>
+          <a:fontRef idx="minor">
+            <a:schemeClr val="lt1"/>
+          </a:fontRef>
+        </p:style>
+        <p:txBody>
+          <a:bodyPr rtlCol="0" anchor="ctr"/>
+          <a:lstStyle/>
+          <a:p>
+            <a:pPr algn="ctr"/>
+            <a:endParaRPr lang="en-US" sz="12101"/>
+          </a:p>
+        </p:txBody>
+      </p:sp>
+      <p:cxnSp>
+        <p:nvCxnSpPr>
+          <p:cNvPr id="926" name="Straight Connector 925">
+            <a:extLst>
+              <a:ext uri="{FF2B5EF4-FFF2-40B4-BE49-F238E27FC236}">
+                <a16:creationId xmlns:a16="http://schemas.microsoft.com/office/drawing/2014/main" id="{DFCC26D3-5CC1-4B78-AE15-8FE19321E491}"/>
+              </a:ext>
+            </a:extLst>
+          </p:cNvPr>
+          <p:cNvCxnSpPr>
+            <a:cxnSpLocks/>
+          </p:cNvCxnSpPr>
+          <p:nvPr/>
+        </p:nvCxnSpPr>
+        <p:spPr>
+          <a:xfrm>
+            <a:off x="7252003" y="7564862"/>
+            <a:ext cx="589901" cy="0"/>
+          </a:xfrm>
+          <a:prstGeom prst="line">
+            <a:avLst/>
+          </a:prstGeom>
+          <a:ln w="63500"/>
+        </p:spPr>
+        <p:style>
+          <a:lnRef idx="1">
+            <a:schemeClr val="dk1"/>
+          </a:lnRef>
+          <a:fillRef idx="0">
+            <a:schemeClr val="dk1"/>
+          </a:fillRef>
+          <a:effectRef idx="0">
+            <a:schemeClr val="dk1"/>
+          </a:effectRef>
+          <a:fontRef idx="minor">
+            <a:schemeClr val="tx1"/>
+          </a:fontRef>
+        </p:style>
+      </p:cxnSp>
+      <p:sp>
+        <p:nvSpPr>
+          <p:cNvPr id="927" name="Rectangle 926">
+            <a:extLst>
+              <a:ext uri="{FF2B5EF4-FFF2-40B4-BE49-F238E27FC236}">
+                <a16:creationId xmlns:a16="http://schemas.microsoft.com/office/drawing/2014/main" id="{D5A43CF2-14EC-43DD-A7CC-91664E4C94E3}"/>
+              </a:ext>
+            </a:extLst>
+          </p:cNvPr>
+          <p:cNvSpPr/>
+          <p:nvPr/>
+        </p:nvSpPr>
+        <p:spPr>
+          <a:xfrm>
+            <a:off x="9881050" y="7026410"/>
+            <a:ext cx="453539" cy="1838960"/>
+          </a:xfrm>
+          <a:prstGeom prst="rect">
+            <a:avLst/>
+          </a:prstGeom>
+          <a:noFill/>
+          <a:ln>
+            <a:solidFill>
+              <a:schemeClr val="tx1"/>
+            </a:solidFill>
+          </a:ln>
+        </p:spPr>
+        <p:style>
+          <a:lnRef idx="2">
+            <a:schemeClr val="accent1">
+              <a:shade val="50000"/>
+            </a:schemeClr>
+          </a:lnRef>
+          <a:fillRef idx="1">
+            <a:schemeClr val="accent1"/>
+          </a:fillRef>
+          <a:effectRef idx="0">
+            <a:schemeClr val="accent1"/>
+          </a:effectRef>
+          <a:fontRef idx="minor">
+            <a:schemeClr val="lt1"/>
+          </a:fontRef>
+        </p:style>
+        <p:txBody>
+          <a:bodyPr rtlCol="0" anchor="ctr"/>
+          <a:lstStyle/>
+          <a:p>
+            <a:pPr algn="ctr"/>
+            <a:endParaRPr lang="en-US" sz="12101"/>
+          </a:p>
+        </p:txBody>
+      </p:sp>
+      <p:sp>
+        <p:nvSpPr>
+          <p:cNvPr id="928" name="Oval 927">
+            <a:extLst>
+              <a:ext uri="{FF2B5EF4-FFF2-40B4-BE49-F238E27FC236}">
+                <a16:creationId xmlns:a16="http://schemas.microsoft.com/office/drawing/2014/main" id="{06AA18A5-A397-4E14-A517-8FB132CBC122}"/>
+              </a:ext>
+            </a:extLst>
+          </p:cNvPr>
+          <p:cNvSpPr/>
+          <p:nvPr/>
+        </p:nvSpPr>
+        <p:spPr>
+          <a:xfrm>
+            <a:off x="10074463" y="6990305"/>
+            <a:ext cx="66716" cy="72212"/>
+          </a:xfrm>
+          <a:prstGeom prst="ellipse">
+            <a:avLst/>
+          </a:prstGeom>
+          <a:solidFill>
+            <a:schemeClr val="tx1"/>
+          </a:solidFill>
+          <a:ln>
+            <a:solidFill>
+              <a:schemeClr val="tx1"/>
+            </a:solidFill>
+          </a:ln>
+        </p:spPr>
+        <p:style>
+          <a:lnRef idx="2">
+            <a:schemeClr val="accent1">
+              <a:shade val="50000"/>
+            </a:schemeClr>
+          </a:lnRef>
+          <a:fillRef idx="1">
+            <a:schemeClr val="accent1"/>
+          </a:fillRef>
+          <a:effectRef idx="0">
+            <a:schemeClr val="accent1"/>
+          </a:effectRef>
+          <a:fontRef idx="minor">
+            <a:schemeClr val="lt1"/>
+          </a:fontRef>
+        </p:style>
+        <p:txBody>
+          <a:bodyPr rtlCol="0" anchor="ctr"/>
+          <a:lstStyle/>
+          <a:p>
+            <a:pPr algn="ctr"/>
+            <a:endParaRPr lang="en-US" sz="12101"/>
+          </a:p>
+        </p:txBody>
+      </p:sp>
+      <p:sp>
+        <p:nvSpPr>
+          <p:cNvPr id="929" name="Oval 928">
+            <a:extLst>
+              <a:ext uri="{FF2B5EF4-FFF2-40B4-BE49-F238E27FC236}">
+                <a16:creationId xmlns:a16="http://schemas.microsoft.com/office/drawing/2014/main" id="{6034E654-8A2C-457E-AB0F-21C55F352619}"/>
+              </a:ext>
+            </a:extLst>
+          </p:cNvPr>
+          <p:cNvSpPr/>
+          <p:nvPr/>
+        </p:nvSpPr>
+        <p:spPr>
+          <a:xfrm>
+            <a:off x="10062719" y="8820649"/>
+            <a:ext cx="66716" cy="72212"/>
+          </a:xfrm>
+          <a:prstGeom prst="ellipse">
+            <a:avLst/>
+          </a:prstGeom>
+          <a:solidFill>
+            <a:schemeClr val="tx1"/>
+          </a:solidFill>
+          <a:ln>
+            <a:solidFill>
+              <a:schemeClr val="tx1"/>
+            </a:solidFill>
+          </a:ln>
+        </p:spPr>
+        <p:style>
+          <a:lnRef idx="2">
+            <a:schemeClr val="accent1">
+              <a:shade val="50000"/>
+            </a:schemeClr>
+          </a:lnRef>
+          <a:fillRef idx="1">
+            <a:schemeClr val="accent1"/>
+          </a:fillRef>
+          <a:effectRef idx="0">
+            <a:schemeClr val="accent1"/>
+          </a:effectRef>
+          <a:fontRef idx="minor">
+            <a:schemeClr val="lt1"/>
+          </a:fontRef>
+        </p:style>
+        <p:txBody>
+          <a:bodyPr rtlCol="0" anchor="ctr"/>
+          <a:lstStyle/>
+          <a:p>
+            <a:pPr algn="ctr"/>
+            <a:endParaRPr lang="en-US" sz="12101"/>
+          </a:p>
+        </p:txBody>
+      </p:sp>
+      <p:cxnSp>
+        <p:nvCxnSpPr>
+          <p:cNvPr id="930" name="Straight Connector 929">
+            <a:extLst>
+              <a:ext uri="{FF2B5EF4-FFF2-40B4-BE49-F238E27FC236}">
+                <a16:creationId xmlns:a16="http://schemas.microsoft.com/office/drawing/2014/main" id="{E382C2CB-DC51-4C2A-8476-F642ECF9CC02}"/>
+              </a:ext>
+            </a:extLst>
+          </p:cNvPr>
+          <p:cNvCxnSpPr>
+            <a:cxnSpLocks/>
+            <a:stCxn id="927" idx="0"/>
+          </p:cNvCxnSpPr>
+          <p:nvPr/>
+        </p:nvCxnSpPr>
+        <p:spPr>
+          <a:xfrm flipH="1">
+            <a:off x="10094896" y="7026410"/>
+            <a:ext cx="12924" cy="1846906"/>
+          </a:xfrm>
+          <a:prstGeom prst="line">
+            <a:avLst/>
+          </a:prstGeom>
+          <a:ln w="63500"/>
+        </p:spPr>
+        <p:style>
+          <a:lnRef idx="1">
+            <a:schemeClr val="dk1"/>
+          </a:lnRef>
+          <a:fillRef idx="0">
+            <a:schemeClr val="dk1"/>
+          </a:fillRef>
+          <a:effectRef idx="0">
+            <a:schemeClr val="dk1"/>
+          </a:effectRef>
+          <a:fontRef idx="minor">
+            <a:schemeClr val="tx1"/>
+          </a:fontRef>
+        </p:style>
+      </p:cxnSp>
+      <p:sp>
+        <p:nvSpPr>
+          <p:cNvPr id="931" name="Oval 930">
+            <a:extLst>
+              <a:ext uri="{FF2B5EF4-FFF2-40B4-BE49-F238E27FC236}">
+                <a16:creationId xmlns:a16="http://schemas.microsoft.com/office/drawing/2014/main" id="{678D18AB-96F2-413D-B9E7-E69F1E8F759A}"/>
+              </a:ext>
+            </a:extLst>
+          </p:cNvPr>
+          <p:cNvSpPr/>
+          <p:nvPr/>
+        </p:nvSpPr>
+        <p:spPr>
+          <a:xfrm>
+            <a:off x="10070091" y="7570969"/>
+            <a:ext cx="66716" cy="72212"/>
+          </a:xfrm>
+          <a:prstGeom prst="ellipse">
+            <a:avLst/>
+          </a:prstGeom>
+          <a:solidFill>
+            <a:schemeClr val="tx1"/>
+          </a:solidFill>
+          <a:ln>
+            <a:solidFill>
+              <a:schemeClr val="tx1"/>
+            </a:solidFill>
+          </a:ln>
+        </p:spPr>
+        <p:style>
+          <a:lnRef idx="2">
+            <a:schemeClr val="accent1">
+              <a:shade val="50000"/>
+            </a:schemeClr>
+          </a:lnRef>
+          <a:fillRef idx="1">
+            <a:schemeClr val="accent1"/>
+          </a:fillRef>
+          <a:effectRef idx="0">
+            <a:schemeClr val="accent1"/>
+          </a:effectRef>
+          <a:fontRef idx="minor">
+            <a:schemeClr val="lt1"/>
+          </a:fontRef>
+        </p:style>
+        <p:txBody>
+          <a:bodyPr rtlCol="0" anchor="ctr"/>
+          <a:lstStyle/>
+          <a:p>
+            <a:pPr algn="ctr"/>
+            <a:endParaRPr lang="en-US" sz="12101"/>
+          </a:p>
+        </p:txBody>
+      </p:sp>
+      <p:sp>
+        <p:nvSpPr>
+          <p:cNvPr id="932" name="Oval 931">
+            <a:extLst>
+              <a:ext uri="{FF2B5EF4-FFF2-40B4-BE49-F238E27FC236}">
+                <a16:creationId xmlns:a16="http://schemas.microsoft.com/office/drawing/2014/main" id="{C2346525-0DCA-41A9-B71D-00DDB6038AF7}"/>
+              </a:ext>
+            </a:extLst>
+          </p:cNvPr>
+          <p:cNvSpPr/>
+          <p:nvPr/>
+        </p:nvSpPr>
+        <p:spPr>
+          <a:xfrm>
+            <a:off x="10068000" y="8239985"/>
+            <a:ext cx="66716" cy="72212"/>
+          </a:xfrm>
+          <a:prstGeom prst="ellipse">
+            <a:avLst/>
+          </a:prstGeom>
+          <a:solidFill>
+            <a:schemeClr val="tx1"/>
+          </a:solidFill>
+          <a:ln>
+            <a:solidFill>
+              <a:schemeClr val="tx1"/>
+            </a:solidFill>
+          </a:ln>
+        </p:spPr>
+        <p:style>
+          <a:lnRef idx="2">
+            <a:schemeClr val="accent1">
+              <a:shade val="50000"/>
+            </a:schemeClr>
+          </a:lnRef>
+          <a:fillRef idx="1">
+            <a:schemeClr val="accent1"/>
+          </a:fillRef>
+          <a:effectRef idx="0">
+            <a:schemeClr val="accent1"/>
+          </a:effectRef>
+          <a:fontRef idx="minor">
+            <a:schemeClr val="lt1"/>
+          </a:fontRef>
+        </p:style>
+        <p:txBody>
+          <a:bodyPr rtlCol="0" anchor="ctr"/>
+          <a:lstStyle/>
+          <a:p>
+            <a:pPr algn="ctr"/>
+            <a:endParaRPr lang="en-US" sz="12101"/>
+          </a:p>
+        </p:txBody>
+      </p:sp>
+      <p:cxnSp>
+        <p:nvCxnSpPr>
+          <p:cNvPr id="933" name="Straight Connector 932">
+            <a:extLst>
+              <a:ext uri="{FF2B5EF4-FFF2-40B4-BE49-F238E27FC236}">
+                <a16:creationId xmlns:a16="http://schemas.microsoft.com/office/drawing/2014/main" id="{9ED1E91B-322A-4C92-AF91-A95D449C766F}"/>
+              </a:ext>
+            </a:extLst>
+          </p:cNvPr>
+          <p:cNvCxnSpPr>
+            <a:cxnSpLocks/>
+          </p:cNvCxnSpPr>
+          <p:nvPr/>
+        </p:nvCxnSpPr>
+        <p:spPr>
+          <a:xfrm>
+            <a:off x="9577529" y="7600616"/>
+            <a:ext cx="589901" cy="0"/>
+          </a:xfrm>
+          <a:prstGeom prst="line">
+            <a:avLst/>
+          </a:prstGeom>
+          <a:ln w="63500"/>
+        </p:spPr>
+        <p:style>
+          <a:lnRef idx="1">
+            <a:schemeClr val="dk1"/>
+          </a:lnRef>
+          <a:fillRef idx="0">
+            <a:schemeClr val="dk1"/>
+          </a:fillRef>
+          <a:effectRef idx="0">
+            <a:schemeClr val="dk1"/>
+          </a:effectRef>
+          <a:fontRef idx="minor">
+            <a:schemeClr val="tx1"/>
+          </a:fontRef>
+        </p:style>
+      </p:cxnSp>
+      <p:cxnSp>
+        <p:nvCxnSpPr>
+          <p:cNvPr id="939" name="Connector: Elbow 938">
+            <a:extLst>
+              <a:ext uri="{FF2B5EF4-FFF2-40B4-BE49-F238E27FC236}">
+                <a16:creationId xmlns:a16="http://schemas.microsoft.com/office/drawing/2014/main" id="{9EFD9F0F-9A52-459B-A148-ECFFF08CF6D8}"/>
+              </a:ext>
+            </a:extLst>
+          </p:cNvPr>
+          <p:cNvCxnSpPr>
+            <a:cxnSpLocks/>
+            <a:stCxn id="928" idx="1"/>
+          </p:cNvCxnSpPr>
+          <p:nvPr/>
+        </p:nvCxnSpPr>
+        <p:spPr>
+          <a:xfrm rot="16200000" flipH="1">
+            <a:off x="10371439" y="6713673"/>
+            <a:ext cx="261637" cy="836050"/>
+          </a:xfrm>
+          <a:prstGeom prst="bentConnector4">
+            <a:avLst>
+              <a:gd name="adj1" fmla="val -37862"/>
+              <a:gd name="adj2" fmla="val 98066"/>
+            </a:avLst>
+          </a:prstGeom>
+          <a:ln>
+            <a:solidFill>
+              <a:srgbClr val="FF0000"/>
+            </a:solidFill>
+          </a:ln>
+        </p:spPr>
+        <p:style>
+          <a:lnRef idx="1">
+            <a:schemeClr val="dk1"/>
+          </a:lnRef>
+          <a:fillRef idx="0">
+            <a:schemeClr val="dk1"/>
+          </a:fillRef>
+          <a:effectRef idx="0">
+            <a:schemeClr val="dk1"/>
+          </a:effectRef>
+          <a:fontRef idx="minor">
+            <a:schemeClr val="tx1"/>
+          </a:fontRef>
+        </p:style>
+      </p:cxnSp>
+      <p:cxnSp>
+        <p:nvCxnSpPr>
+          <p:cNvPr id="946" name="Connector: Elbow 945">
+            <a:extLst>
+              <a:ext uri="{FF2B5EF4-FFF2-40B4-BE49-F238E27FC236}">
+                <a16:creationId xmlns:a16="http://schemas.microsoft.com/office/drawing/2014/main" id="{5412C271-56C9-47E0-B925-00C2CF0AF3B0}"/>
+              </a:ext>
+            </a:extLst>
+          </p:cNvPr>
+          <p:cNvCxnSpPr>
+            <a:cxnSpLocks/>
+            <a:stCxn id="921" idx="0"/>
+          </p:cNvCxnSpPr>
+          <p:nvPr/>
+        </p:nvCxnSpPr>
+        <p:spPr>
+          <a:xfrm rot="16200000" flipH="1">
+            <a:off x="9354487" y="5406770"/>
+            <a:ext cx="296317" cy="3400837"/>
+          </a:xfrm>
+          <a:prstGeom prst="bentConnector4">
+            <a:avLst>
+              <a:gd name="adj1" fmla="val -249442"/>
+              <a:gd name="adj2" fmla="val 100456"/>
+            </a:avLst>
+          </a:prstGeom>
+          <a:ln>
+            <a:solidFill>
+              <a:schemeClr val="tx1"/>
+            </a:solidFill>
+          </a:ln>
+        </p:spPr>
+        <p:style>
+          <a:lnRef idx="1">
+            <a:schemeClr val="dk1"/>
+          </a:lnRef>
+          <a:fillRef idx="0">
+            <a:schemeClr val="dk1"/>
+          </a:fillRef>
+          <a:effectRef idx="0">
+            <a:schemeClr val="dk1"/>
+          </a:effectRef>
+          <a:fontRef idx="minor">
+            <a:schemeClr val="tx1"/>
+          </a:fontRef>
+        </p:style>
+      </p:cxnSp>
+      <p:sp>
+        <p:nvSpPr>
+          <p:cNvPr id="951" name="Rectangle 950">
+            <a:extLst>
+              <a:ext uri="{FF2B5EF4-FFF2-40B4-BE49-F238E27FC236}">
+                <a16:creationId xmlns:a16="http://schemas.microsoft.com/office/drawing/2014/main" id="{234105DF-2DDF-4DEE-8786-B348D872D015}"/>
+              </a:ext>
+            </a:extLst>
+          </p:cNvPr>
+          <p:cNvSpPr/>
+          <p:nvPr/>
+        </p:nvSpPr>
+        <p:spPr>
+          <a:xfrm>
+            <a:off x="34246987" y="9453208"/>
+            <a:ext cx="1624631" cy="982069"/>
+          </a:xfrm>
+          <a:prstGeom prst="rect">
+            <a:avLst/>
+          </a:prstGeom>
+          <a:solidFill>
+            <a:schemeClr val="bg1"/>
+          </a:solidFill>
+          <a:ln>
+            <a:solidFill>
+              <a:schemeClr val="tx1"/>
+            </a:solidFill>
+          </a:ln>
+        </p:spPr>
+        <p:style>
+          <a:lnRef idx="2">
+            <a:schemeClr val="accent1">
+              <a:shade val="50000"/>
+            </a:schemeClr>
+          </a:lnRef>
+          <a:fillRef idx="1">
+            <a:schemeClr val="accent1"/>
+          </a:fillRef>
+          <a:effectRef idx="0">
+            <a:schemeClr val="accent1"/>
+          </a:effectRef>
+          <a:fontRef idx="minor">
+            <a:schemeClr val="lt1"/>
+          </a:fontRef>
+        </p:style>
+        <p:txBody>
+          <a:bodyPr rtlCol="0" anchor="ctr"/>
+          <a:lstStyle/>
+          <a:p>
+            <a:pPr algn="ctr"/>
+            <a:r>
+              <a:rPr lang="en-US" dirty="0">
+                <a:solidFill>
+                  <a:schemeClr val="tx1"/>
+                </a:solidFill>
+              </a:rPr>
+              <a:t>ERCF 8x1 </a:t>
+            </a:r>
+            <a:r>
+              <a:rPr lang="en-US" dirty="0" err="1">
+                <a:solidFill>
+                  <a:schemeClr val="tx1"/>
+                </a:solidFill>
+              </a:rPr>
+              <a:t>Neopixel</a:t>
+            </a:r>
+            <a:r>
+              <a:rPr lang="en-US" dirty="0">
+                <a:solidFill>
+                  <a:schemeClr val="tx1"/>
+                </a:solidFill>
+              </a:rPr>
+              <a:t> Data</a:t>
+            </a:r>
+          </a:p>
+        </p:txBody>
+      </p:sp>
+      <p:sp>
+        <p:nvSpPr>
+          <p:cNvPr id="952" name="Rectangle 951">
+            <a:extLst>
+              <a:ext uri="{FF2B5EF4-FFF2-40B4-BE49-F238E27FC236}">
+                <a16:creationId xmlns:a16="http://schemas.microsoft.com/office/drawing/2014/main" id="{DC6DCBB8-C34F-4FDD-A7EA-3FC4A6229A61}"/>
+              </a:ext>
+            </a:extLst>
+          </p:cNvPr>
+          <p:cNvSpPr/>
+          <p:nvPr/>
+        </p:nvSpPr>
+        <p:spPr>
+          <a:xfrm>
+            <a:off x="20643694" y="13558700"/>
+            <a:ext cx="2898302" cy="2282658"/>
+          </a:xfrm>
+          <a:prstGeom prst="rect">
+            <a:avLst/>
+          </a:prstGeom>
+          <a:solidFill>
+            <a:schemeClr val="bg1"/>
+          </a:solidFill>
+          <a:ln>
+            <a:solidFill>
+              <a:schemeClr val="tx1"/>
+            </a:solidFill>
+          </a:ln>
+        </p:spPr>
+        <p:style>
+          <a:lnRef idx="2">
+            <a:schemeClr val="accent1">
+              <a:shade val="50000"/>
+            </a:schemeClr>
+          </a:lnRef>
+          <a:fillRef idx="1">
+            <a:schemeClr val="accent1"/>
+          </a:fillRef>
+          <a:effectRef idx="0">
+            <a:schemeClr val="accent1"/>
+          </a:effectRef>
+          <a:fontRef idx="minor">
+            <a:schemeClr val="lt1"/>
+          </a:fontRef>
+        </p:style>
+        <p:txBody>
+          <a:bodyPr rtlCol="0" anchor="ctr"/>
+          <a:lstStyle/>
+          <a:p>
+            <a:pPr algn="ctr"/>
+            <a:r>
+              <a:rPr lang="en-US" dirty="0">
+                <a:solidFill>
+                  <a:schemeClr val="tx1"/>
+                </a:solidFill>
+              </a:rPr>
+              <a:t>ERCF </a:t>
+            </a:r>
+            <a:r>
+              <a:rPr lang="en-US" dirty="0" err="1">
+                <a:solidFill>
+                  <a:schemeClr val="tx1"/>
+                </a:solidFill>
+              </a:rPr>
+              <a:t>EasyBrd</a:t>
+            </a:r>
+            <a:endParaRPr lang="en-US" dirty="0">
+              <a:solidFill>
+                <a:schemeClr val="tx1"/>
+              </a:solidFill>
+            </a:endParaRPr>
+          </a:p>
+        </p:txBody>
+      </p:sp>
+      <p:sp>
+        <p:nvSpPr>
+          <p:cNvPr id="953" name="Rectangle 952">
+            <a:extLst>
+              <a:ext uri="{FF2B5EF4-FFF2-40B4-BE49-F238E27FC236}">
+                <a16:creationId xmlns:a16="http://schemas.microsoft.com/office/drawing/2014/main" id="{E87A3BE2-1572-41C2-A0AB-FE067EA158C4}"/>
+              </a:ext>
+            </a:extLst>
+          </p:cNvPr>
+          <p:cNvSpPr/>
+          <p:nvPr/>
+        </p:nvSpPr>
+        <p:spPr>
+          <a:xfrm>
+            <a:off x="12406895" y="27063635"/>
+            <a:ext cx="2150962" cy="1209142"/>
+          </a:xfrm>
+          <a:prstGeom prst="rect">
+            <a:avLst/>
+          </a:prstGeom>
+          <a:solidFill>
+            <a:schemeClr val="bg1"/>
+          </a:solidFill>
+          <a:ln>
+            <a:solidFill>
+              <a:schemeClr val="tx1"/>
+            </a:solidFill>
+          </a:ln>
+        </p:spPr>
+        <p:style>
+          <a:lnRef idx="2">
+            <a:schemeClr val="accent1">
+              <a:shade val="50000"/>
+            </a:schemeClr>
+          </a:lnRef>
+          <a:fillRef idx="1">
+            <a:schemeClr val="accent1"/>
+          </a:fillRef>
+          <a:effectRef idx="0">
+            <a:schemeClr val="accent1"/>
+          </a:effectRef>
+          <a:fontRef idx="minor">
+            <a:schemeClr val="lt1"/>
+          </a:fontRef>
+        </p:style>
+        <p:txBody>
+          <a:bodyPr rtlCol="0" anchor="ctr"/>
+          <a:lstStyle/>
+          <a:p>
+            <a:pPr algn="ctr"/>
+            <a:r>
+              <a:rPr lang="en-US" dirty="0">
+                <a:solidFill>
+                  <a:schemeClr val="tx1"/>
+                </a:solidFill>
+              </a:rPr>
+              <a:t>8x1 </a:t>
+            </a:r>
+            <a:r>
+              <a:rPr lang="en-US" dirty="0" err="1">
+                <a:solidFill>
+                  <a:schemeClr val="tx1"/>
+                </a:solidFill>
+              </a:rPr>
+              <a:t>Neopixel</a:t>
+            </a:r>
+            <a:br>
+              <a:rPr lang="en-US" dirty="0">
+                <a:solidFill>
+                  <a:schemeClr val="tx1"/>
+                </a:solidFill>
+              </a:rPr>
+            </a:br>
+            <a:r>
+              <a:rPr lang="en-US" dirty="0">
+                <a:solidFill>
+                  <a:schemeClr val="tx1"/>
+                </a:solidFill>
+              </a:rPr>
+              <a:t>(on ‘Dashboard’)</a:t>
+            </a:r>
+          </a:p>
+        </p:txBody>
+      </p:sp>
+      <p:cxnSp>
+        <p:nvCxnSpPr>
+          <p:cNvPr id="954" name="Connector: Elbow 953">
+            <a:extLst>
+              <a:ext uri="{FF2B5EF4-FFF2-40B4-BE49-F238E27FC236}">
+                <a16:creationId xmlns:a16="http://schemas.microsoft.com/office/drawing/2014/main" id="{CFF3AE3B-4F70-4B77-985B-38C6F489123B}"/>
+              </a:ext>
+            </a:extLst>
+          </p:cNvPr>
+          <p:cNvCxnSpPr>
+            <a:cxnSpLocks/>
+            <a:stCxn id="953" idx="2"/>
+          </p:cNvCxnSpPr>
+          <p:nvPr/>
+        </p:nvCxnSpPr>
+        <p:spPr>
+          <a:xfrm rot="16200000" flipH="1">
+            <a:off x="18745916" y="23009237"/>
+            <a:ext cx="1457056" cy="11984136"/>
+          </a:xfrm>
+          <a:prstGeom prst="bentConnector2">
+            <a:avLst/>
+          </a:prstGeom>
+          <a:ln w="50800">
+            <a:tailEnd type="triangle"/>
+          </a:ln>
+        </p:spPr>
+        <p:style>
+          <a:lnRef idx="1">
+            <a:schemeClr val="dk1"/>
+          </a:lnRef>
+          <a:fillRef idx="0">
+            <a:schemeClr val="dk1"/>
+          </a:fillRef>
+          <a:effectRef idx="0">
+            <a:schemeClr val="dk1"/>
+          </a:effectRef>
+          <a:fontRef idx="minor">
+            <a:schemeClr val="tx1"/>
+          </a:fontRef>
+        </p:style>
+      </p:cxnSp>
+      <p:sp>
+        <p:nvSpPr>
+          <p:cNvPr id="958" name="Rectangle 957">
+            <a:extLst>
+              <a:ext uri="{FF2B5EF4-FFF2-40B4-BE49-F238E27FC236}">
+                <a16:creationId xmlns:a16="http://schemas.microsoft.com/office/drawing/2014/main" id="{511F95B4-BBA8-4255-86B1-B2D5C5553EE0}"/>
+              </a:ext>
+            </a:extLst>
+          </p:cNvPr>
+          <p:cNvSpPr/>
+          <p:nvPr/>
+        </p:nvSpPr>
+        <p:spPr>
+          <a:xfrm>
+            <a:off x="25422693" y="29192613"/>
+            <a:ext cx="230985" cy="678748"/>
+          </a:xfrm>
+          <a:prstGeom prst="rect">
+            <a:avLst/>
+          </a:prstGeom>
+          <a:noFill/>
+          <a:ln w="38100">
+            <a:solidFill>
+              <a:srgbClr val="FF0000"/>
+            </a:solidFill>
+          </a:ln>
+        </p:spPr>
+        <p:style>
+          <a:lnRef idx="2">
+            <a:schemeClr val="accent1">
+              <a:shade val="50000"/>
+            </a:schemeClr>
+          </a:lnRef>
+          <a:fillRef idx="1">
+            <a:schemeClr val="accent1"/>
+          </a:fillRef>
+          <a:effectRef idx="0">
+            <a:schemeClr val="accent1"/>
+          </a:effectRef>
+          <a:fontRef idx="minor">
+            <a:schemeClr val="lt1"/>
+          </a:fontRef>
+        </p:style>
+        <p:txBody>
+          <a:bodyPr rtlCol="0" anchor="ctr"/>
+          <a:lstStyle/>
+          <a:p>
+            <a:pPr algn="ctr"/>
+            <a:endParaRPr lang="en-US" sz="12101"/>
+          </a:p>
+        </p:txBody>
+      </p:sp>
     </p:spTree>
     <p:extLst>
       <p:ext uri="{BB962C8B-B14F-4D97-AF65-F5344CB8AC3E}">

--- a/V2.2526_Hardware/__WDM/V2.2526 Wiring Diagram.pptx
+++ b/V2.2526_Hardware/__WDM/V2.2526 Wiring Diagram.pptx
@@ -243,7 +243,7 @@
           <a:p>
             <a:fld id="{965F083E-E327-42BE-A4AB-9DCC0F96DD77}" type="datetimeFigureOut">
               <a:rPr lang="en-US" smtClean="0"/>
-              <a:t>10-Feb-22</a:t>
+              <a:t>14-Apr-22</a:t>
             </a:fld>
             <a:endParaRPr lang="en-US"/>
           </a:p>
@@ -413,7 +413,7 @@
           <a:p>
             <a:fld id="{965F083E-E327-42BE-A4AB-9DCC0F96DD77}" type="datetimeFigureOut">
               <a:rPr lang="en-US" smtClean="0"/>
-              <a:t>10-Feb-22</a:t>
+              <a:t>14-Apr-22</a:t>
             </a:fld>
             <a:endParaRPr lang="en-US"/>
           </a:p>
@@ -593,7 +593,7 @@
           <a:p>
             <a:fld id="{965F083E-E327-42BE-A4AB-9DCC0F96DD77}" type="datetimeFigureOut">
               <a:rPr lang="en-US" smtClean="0"/>
-              <a:t>10-Feb-22</a:t>
+              <a:t>14-Apr-22</a:t>
             </a:fld>
             <a:endParaRPr lang="en-US"/>
           </a:p>
@@ -763,7 +763,7 @@
           <a:p>
             <a:fld id="{965F083E-E327-42BE-A4AB-9DCC0F96DD77}" type="datetimeFigureOut">
               <a:rPr lang="en-US" smtClean="0"/>
-              <a:t>10-Feb-22</a:t>
+              <a:t>14-Apr-22</a:t>
             </a:fld>
             <a:endParaRPr lang="en-US"/>
           </a:p>
@@ -1007,7 +1007,7 @@
           <a:p>
             <a:fld id="{965F083E-E327-42BE-A4AB-9DCC0F96DD77}" type="datetimeFigureOut">
               <a:rPr lang="en-US" smtClean="0"/>
-              <a:t>10-Feb-22</a:t>
+              <a:t>14-Apr-22</a:t>
             </a:fld>
             <a:endParaRPr lang="en-US"/>
           </a:p>
@@ -1239,7 +1239,7 @@
           <a:p>
             <a:fld id="{965F083E-E327-42BE-A4AB-9DCC0F96DD77}" type="datetimeFigureOut">
               <a:rPr lang="en-US" smtClean="0"/>
-              <a:t>10-Feb-22</a:t>
+              <a:t>14-Apr-22</a:t>
             </a:fld>
             <a:endParaRPr lang="en-US"/>
           </a:p>
@@ -1606,7 +1606,7 @@
           <a:p>
             <a:fld id="{965F083E-E327-42BE-A4AB-9DCC0F96DD77}" type="datetimeFigureOut">
               <a:rPr lang="en-US" smtClean="0"/>
-              <a:t>10-Feb-22</a:t>
+              <a:t>14-Apr-22</a:t>
             </a:fld>
             <a:endParaRPr lang="en-US"/>
           </a:p>
@@ -1724,7 +1724,7 @@
           <a:p>
             <a:fld id="{965F083E-E327-42BE-A4AB-9DCC0F96DD77}" type="datetimeFigureOut">
               <a:rPr lang="en-US" smtClean="0"/>
-              <a:t>10-Feb-22</a:t>
+              <a:t>14-Apr-22</a:t>
             </a:fld>
             <a:endParaRPr lang="en-US"/>
           </a:p>
@@ -1819,7 +1819,7 @@
           <a:p>
             <a:fld id="{965F083E-E327-42BE-A4AB-9DCC0F96DD77}" type="datetimeFigureOut">
               <a:rPr lang="en-US" smtClean="0"/>
-              <a:t>10-Feb-22</a:t>
+              <a:t>14-Apr-22</a:t>
             </a:fld>
             <a:endParaRPr lang="en-US"/>
           </a:p>
@@ -2096,7 +2096,7 @@
           <a:p>
             <a:fld id="{965F083E-E327-42BE-A4AB-9DCC0F96DD77}" type="datetimeFigureOut">
               <a:rPr lang="en-US" smtClean="0"/>
-              <a:t>10-Feb-22</a:t>
+              <a:t>14-Apr-22</a:t>
             </a:fld>
             <a:endParaRPr lang="en-US"/>
           </a:p>
@@ -2353,7 +2353,7 @@
           <a:p>
             <a:fld id="{965F083E-E327-42BE-A4AB-9DCC0F96DD77}" type="datetimeFigureOut">
               <a:rPr lang="en-US" smtClean="0"/>
-              <a:t>10-Feb-22</a:t>
+              <a:t>14-Apr-22</a:t>
             </a:fld>
             <a:endParaRPr lang="en-US"/>
           </a:p>
@@ -2566,7 +2566,7 @@
           <a:p>
             <a:fld id="{965F083E-E327-42BE-A4AB-9DCC0F96DD77}" type="datetimeFigureOut">
               <a:rPr lang="en-US" smtClean="0"/>
-              <a:t>10-Feb-22</a:t>
+              <a:t>14-Apr-22</a:t>
             </a:fld>
             <a:endParaRPr lang="en-US"/>
           </a:p>
@@ -16230,8 +16230,8 @@
         </p:nvCxnSpPr>
         <p:spPr>
           <a:xfrm flipV="1">
-            <a:off x="4769396" y="9239080"/>
-            <a:ext cx="10245256" cy="1973541"/>
+            <a:off x="4769396" y="9220279"/>
+            <a:ext cx="9332055" cy="1963438"/>
           </a:xfrm>
           <a:prstGeom prst="bentConnector2">
             <a:avLst/>
@@ -22381,7 +22381,7 @@
         </p:nvSpPr>
         <p:spPr>
           <a:xfrm>
-            <a:off x="14795291" y="7373571"/>
+            <a:off x="13882090" y="7354770"/>
             <a:ext cx="453539" cy="1838960"/>
           </a:xfrm>
           <a:prstGeom prst="rect">
@@ -22433,7 +22433,7 @@
         </p:nvSpPr>
         <p:spPr>
           <a:xfrm>
-            <a:off x="14988704" y="7337465"/>
+            <a:off x="14075503" y="7318664"/>
             <a:ext cx="66716" cy="72212"/>
           </a:xfrm>
           <a:prstGeom prst="ellipse">
@@ -22487,7 +22487,7 @@
         </p:nvSpPr>
         <p:spPr>
           <a:xfrm>
-            <a:off x="14976960" y="9167808"/>
+            <a:off x="14063759" y="9149007"/>
             <a:ext cx="66716" cy="72212"/>
           </a:xfrm>
           <a:prstGeom prst="ellipse">
@@ -22544,7 +22544,7 @@
         </p:nvCxnSpPr>
         <p:spPr>
           <a:xfrm flipH="1">
-            <a:off x="15009110" y="7373573"/>
+            <a:off x="14095909" y="7354772"/>
             <a:ext cx="12953" cy="1846906"/>
           </a:xfrm>
           <a:prstGeom prst="line">
@@ -22581,7 +22581,7 @@
         </p:nvSpPr>
         <p:spPr>
           <a:xfrm>
-            <a:off x="14982241" y="8587145"/>
+            <a:off x="14069040" y="8568344"/>
             <a:ext cx="66716" cy="72212"/>
           </a:xfrm>
           <a:prstGeom prst="ellipse">
@@ -22637,7 +22637,7 @@
         </p:nvCxnSpPr>
         <p:spPr>
           <a:xfrm>
-            <a:off x="15022060" y="8623251"/>
+            <a:off x="14108859" y="8604450"/>
             <a:ext cx="493948" cy="0"/>
           </a:xfrm>
           <a:prstGeom prst="line">
@@ -22676,7 +22676,7 @@
         </p:nvCxnSpPr>
         <p:spPr>
           <a:xfrm>
-            <a:off x="15516008" y="8603710"/>
+            <a:off x="14602807" y="8584909"/>
             <a:ext cx="0" cy="230479"/>
           </a:xfrm>
           <a:prstGeom prst="line">
@@ -22715,7 +22715,7 @@
         </p:nvCxnSpPr>
         <p:spPr>
           <a:xfrm>
-            <a:off x="15322348" y="8853987"/>
+            <a:off x="14409147" y="8835186"/>
             <a:ext cx="376225" cy="0"/>
           </a:xfrm>
           <a:prstGeom prst="line">
@@ -22754,7 +22754,7 @@
         </p:nvCxnSpPr>
         <p:spPr>
           <a:xfrm>
-            <a:off x="15396822" y="8949237"/>
+            <a:off x="14483621" y="8930436"/>
             <a:ext cx="228405" cy="0"/>
           </a:xfrm>
           <a:prstGeom prst="line">
@@ -22793,7 +22793,7 @@
         </p:nvCxnSpPr>
         <p:spPr>
           <a:xfrm>
-            <a:off x="15478821" y="9048297"/>
+            <a:off x="14565620" y="9029496"/>
             <a:ext cx="90210" cy="0"/>
           </a:xfrm>
           <a:prstGeom prst="line">
@@ -22833,7 +22833,7 @@
         </p:nvCxnSpPr>
         <p:spPr>
           <a:xfrm>
-            <a:off x="15022060" y="7133693"/>
+            <a:off x="14108859" y="7114892"/>
             <a:ext cx="0" cy="203772"/>
           </a:xfrm>
           <a:prstGeom prst="line">
@@ -22869,7 +22869,7 @@
         </p:nvSpPr>
         <p:spPr>
           <a:xfrm>
-            <a:off x="15230525" y="7715773"/>
+            <a:off x="14317324" y="7696972"/>
             <a:ext cx="495649" cy="830997"/>
           </a:xfrm>
           <a:prstGeom prst="rect">
@@ -22916,7 +22916,7 @@
         </p:nvSpPr>
         <p:spPr>
           <a:xfrm>
-            <a:off x="14768887" y="7337332"/>
+            <a:off x="13855686" y="7318531"/>
             <a:ext cx="491529" cy="1901748"/>
           </a:xfrm>
           <a:prstGeom prst="rect">
@@ -22999,13 +22999,13 @@
           <p:nvPr/>
         </p:nvCxnSpPr>
         <p:spPr>
-          <a:xfrm>
-            <a:off x="12087502" y="5011866"/>
-            <a:ext cx="2937662" cy="2121829"/>
+          <a:xfrm rot="16200000" flipH="1">
+            <a:off x="12034837" y="5064531"/>
+            <a:ext cx="2133889" cy="2028558"/>
           </a:xfrm>
           <a:prstGeom prst="bentConnector3">
             <a:avLst>
-              <a:gd name="adj1" fmla="val -2009"/>
+              <a:gd name="adj1" fmla="val 90173"/>
             </a:avLst>
           </a:prstGeom>
         </p:spPr>
@@ -44517,7 +44517,7 @@
         </p:nvSpPr>
         <p:spPr>
           <a:xfrm>
-            <a:off x="16729712" y="8453530"/>
+            <a:off x="17397622" y="8491303"/>
             <a:ext cx="1846001" cy="1315683"/>
           </a:xfrm>
           <a:prstGeom prst="rect">
@@ -44600,7 +44600,7 @@
         </p:nvSpPr>
         <p:spPr>
           <a:xfrm>
-            <a:off x="16867177" y="8477748"/>
+            <a:off x="17535087" y="8515521"/>
             <a:ext cx="1580693" cy="369332"/>
           </a:xfrm>
           <a:prstGeom prst="rect">
@@ -44635,7 +44635,7 @@
         </p:nvSpPr>
         <p:spPr>
           <a:xfrm>
-            <a:off x="17136747" y="8420140"/>
+            <a:off x="17804657" y="8457913"/>
             <a:ext cx="66716" cy="72212"/>
           </a:xfrm>
           <a:prstGeom prst="ellipse">
@@ -44689,7 +44689,7 @@
         </p:nvSpPr>
         <p:spPr>
           <a:xfrm>
-            <a:off x="17929127" y="8417404"/>
+            <a:off x="18597037" y="8455177"/>
             <a:ext cx="66716" cy="72212"/>
           </a:xfrm>
           <a:prstGeom prst="ellipse">
@@ -44747,8 +44747,8 @@
         </p:nvCxnSpPr>
         <p:spPr>
           <a:xfrm rot="5400000" flipH="1" flipV="1">
-            <a:off x="16843336" y="6746787"/>
-            <a:ext cx="2000123" cy="1346584"/>
+            <a:off x="17158404" y="7099628"/>
+            <a:ext cx="2037896" cy="678674"/>
           </a:xfrm>
           <a:prstGeom prst="bentConnector3">
             <a:avLst>
@@ -44794,12 +44794,12 @@
         </p:nvCxnSpPr>
         <p:spPr>
           <a:xfrm rot="5400000" flipH="1" flipV="1">
-            <a:off x="19097766" y="5250569"/>
-            <a:ext cx="2031555" cy="4302116"/>
+            <a:off x="19412834" y="5603410"/>
+            <a:ext cx="2069328" cy="3634206"/>
           </a:xfrm>
           <a:prstGeom prst="bentConnector3">
             <a:avLst>
-              <a:gd name="adj1" fmla="val 38605"/>
+              <a:gd name="adj1" fmla="val 31588"/>
             </a:avLst>
           </a:prstGeom>
         </p:spPr>
@@ -45690,13 +45690,13 @@
         </p:nvCxnSpPr>
         <p:spPr>
           <a:xfrm rot="16200000" flipH="1">
-            <a:off x="9354487" y="5406770"/>
-            <a:ext cx="296317" cy="3400837"/>
+            <a:off x="9344419" y="5416838"/>
+            <a:ext cx="316611" cy="3400995"/>
           </a:xfrm>
           <a:prstGeom prst="bentConnector4">
             <a:avLst>
-              <a:gd name="adj1" fmla="val -249442"/>
-              <a:gd name="adj2" fmla="val 100456"/>
+              <a:gd name="adj1" fmla="val -235860"/>
+              <a:gd name="adj2" fmla="val 100678"/>
             </a:avLst>
           </a:prstGeom>
           <a:ln>
@@ -46046,6 +46046,919 @@
           <a:p>
             <a:pPr algn="ctr"/>
             <a:endParaRPr lang="en-US" sz="12101"/>
+          </a:p>
+        </p:txBody>
+      </p:sp>
+      <p:sp>
+        <p:nvSpPr>
+          <p:cNvPr id="934" name="Rectangle 933">
+            <a:extLst>
+              <a:ext uri="{FF2B5EF4-FFF2-40B4-BE49-F238E27FC236}">
+                <a16:creationId xmlns:a16="http://schemas.microsoft.com/office/drawing/2014/main" id="{4AF5FBB0-8348-4C18-BD3B-5BF9158385AA}"/>
+              </a:ext>
+            </a:extLst>
+          </p:cNvPr>
+          <p:cNvSpPr/>
+          <p:nvPr/>
+        </p:nvSpPr>
+        <p:spPr>
+          <a:xfrm>
+            <a:off x="15092633" y="7411506"/>
+            <a:ext cx="1846001" cy="1315683"/>
+          </a:xfrm>
+          <a:prstGeom prst="rect">
+            <a:avLst/>
+          </a:prstGeom>
+          <a:solidFill>
+            <a:schemeClr val="bg1"/>
+          </a:solidFill>
+          <a:ln>
+            <a:solidFill>
+              <a:schemeClr val="tx1"/>
+            </a:solidFill>
+          </a:ln>
+        </p:spPr>
+        <p:style>
+          <a:lnRef idx="2">
+            <a:schemeClr val="accent1">
+              <a:shade val="50000"/>
+            </a:schemeClr>
+          </a:lnRef>
+          <a:fillRef idx="1">
+            <a:schemeClr val="accent1"/>
+          </a:fillRef>
+          <a:effectRef idx="0">
+            <a:schemeClr val="accent1"/>
+          </a:effectRef>
+          <a:fontRef idx="minor">
+            <a:schemeClr val="lt1"/>
+          </a:fontRef>
+        </p:style>
+        <p:txBody>
+          <a:bodyPr rtlCol="0" anchor="ctr"/>
+          <a:lstStyle/>
+          <a:p>
+            <a:pPr algn="ctr"/>
+            <a:r>
+              <a:rPr lang="en-US" dirty="0">
+                <a:solidFill>
+                  <a:schemeClr val="tx1"/>
+                </a:solidFill>
+              </a:rPr>
+              <a:t>24-12 DC Buck Converter for powering Water Pump</a:t>
+            </a:r>
+          </a:p>
+        </p:txBody>
+      </p:sp>
+      <p:cxnSp>
+        <p:nvCxnSpPr>
+          <p:cNvPr id="936" name="Connector: Elbow 935">
+            <a:extLst>
+              <a:ext uri="{FF2B5EF4-FFF2-40B4-BE49-F238E27FC236}">
+                <a16:creationId xmlns:a16="http://schemas.microsoft.com/office/drawing/2014/main" id="{D726EFC2-8CB3-4933-9E4A-835CCD36CD8D}"/>
+              </a:ext>
+            </a:extLst>
+          </p:cNvPr>
+          <p:cNvCxnSpPr>
+            <a:cxnSpLocks/>
+          </p:cNvCxnSpPr>
+          <p:nvPr/>
+        </p:nvCxnSpPr>
+        <p:spPr>
+          <a:xfrm>
+            <a:off x="10900065" y="7059236"/>
+            <a:ext cx="4563446" cy="349876"/>
+          </a:xfrm>
+          <a:prstGeom prst="bentConnector3">
+            <a:avLst>
+              <a:gd name="adj1" fmla="val 99781"/>
+            </a:avLst>
+          </a:prstGeom>
+          <a:ln>
+            <a:solidFill>
+              <a:srgbClr val="FF0000"/>
+            </a:solidFill>
+          </a:ln>
+        </p:spPr>
+        <p:style>
+          <a:lnRef idx="1">
+            <a:schemeClr val="dk1"/>
+          </a:lnRef>
+          <a:fillRef idx="0">
+            <a:schemeClr val="dk1"/>
+          </a:fillRef>
+          <a:effectRef idx="0">
+            <a:schemeClr val="dk1"/>
+          </a:effectRef>
+          <a:fontRef idx="minor">
+            <a:schemeClr val="tx1"/>
+          </a:fontRef>
+        </p:style>
+      </p:cxnSp>
+      <p:cxnSp>
+        <p:nvCxnSpPr>
+          <p:cNvPr id="940" name="Connector: Elbow 939">
+            <a:extLst>
+              <a:ext uri="{FF2B5EF4-FFF2-40B4-BE49-F238E27FC236}">
+                <a16:creationId xmlns:a16="http://schemas.microsoft.com/office/drawing/2014/main" id="{BF36FAC8-C83E-4C30-A598-8B5FFD73772E}"/>
+              </a:ext>
+            </a:extLst>
+          </p:cNvPr>
+          <p:cNvCxnSpPr>
+            <a:cxnSpLocks/>
+          </p:cNvCxnSpPr>
+          <p:nvPr/>
+        </p:nvCxnSpPr>
+        <p:spPr>
+          <a:xfrm>
+            <a:off x="11219005" y="7155189"/>
+            <a:ext cx="4511780" cy="253122"/>
+          </a:xfrm>
+          <a:prstGeom prst="bentConnector3">
+            <a:avLst>
+              <a:gd name="adj1" fmla="val 100105"/>
+            </a:avLst>
+          </a:prstGeom>
+          <a:ln>
+            <a:solidFill>
+              <a:schemeClr val="tx1"/>
+            </a:solidFill>
+          </a:ln>
+        </p:spPr>
+        <p:style>
+          <a:lnRef idx="1">
+            <a:schemeClr val="dk1"/>
+          </a:lnRef>
+          <a:fillRef idx="0">
+            <a:schemeClr val="dk1"/>
+          </a:fillRef>
+          <a:effectRef idx="0">
+            <a:schemeClr val="dk1"/>
+          </a:effectRef>
+          <a:fontRef idx="minor">
+            <a:schemeClr val="tx1"/>
+          </a:fontRef>
+        </p:style>
+      </p:cxnSp>
+      <p:sp>
+        <p:nvSpPr>
+          <p:cNvPr id="942" name="Oval 941">
+            <a:extLst>
+              <a:ext uri="{FF2B5EF4-FFF2-40B4-BE49-F238E27FC236}">
+                <a16:creationId xmlns:a16="http://schemas.microsoft.com/office/drawing/2014/main" id="{E1BB80CD-805F-4E6F-B5C3-08C68868A56D}"/>
+              </a:ext>
+            </a:extLst>
+          </p:cNvPr>
+          <p:cNvSpPr/>
+          <p:nvPr/>
+        </p:nvSpPr>
+        <p:spPr>
+          <a:xfrm>
+            <a:off x="36150371" y="5185392"/>
+            <a:ext cx="66716" cy="72212"/>
+          </a:xfrm>
+          <a:prstGeom prst="ellipse">
+            <a:avLst/>
+          </a:prstGeom>
+          <a:solidFill>
+            <a:schemeClr val="tx1"/>
+          </a:solidFill>
+          <a:ln>
+            <a:solidFill>
+              <a:schemeClr val="tx1"/>
+            </a:solidFill>
+          </a:ln>
+        </p:spPr>
+        <p:style>
+          <a:lnRef idx="2">
+            <a:schemeClr val="accent1">
+              <a:shade val="50000"/>
+            </a:schemeClr>
+          </a:lnRef>
+          <a:fillRef idx="1">
+            <a:schemeClr val="accent1"/>
+          </a:fillRef>
+          <a:effectRef idx="0">
+            <a:schemeClr val="accent1"/>
+          </a:effectRef>
+          <a:fontRef idx="minor">
+            <a:schemeClr val="lt1"/>
+          </a:fontRef>
+        </p:style>
+        <p:txBody>
+          <a:bodyPr rtlCol="0" anchor="ctr"/>
+          <a:lstStyle/>
+          <a:p>
+            <a:pPr algn="ctr"/>
+            <a:endParaRPr lang="en-US"/>
+          </a:p>
+        </p:txBody>
+      </p:sp>
+      <p:sp>
+        <p:nvSpPr>
+          <p:cNvPr id="943" name="Oval 942">
+            <a:extLst>
+              <a:ext uri="{FF2B5EF4-FFF2-40B4-BE49-F238E27FC236}">
+                <a16:creationId xmlns:a16="http://schemas.microsoft.com/office/drawing/2014/main" id="{20BBE516-1924-4DA0-B210-F795BEBB4AF4}"/>
+              </a:ext>
+            </a:extLst>
+          </p:cNvPr>
+          <p:cNvSpPr/>
+          <p:nvPr/>
+        </p:nvSpPr>
+        <p:spPr>
+          <a:xfrm>
+            <a:off x="36385755" y="4758595"/>
+            <a:ext cx="66716" cy="72212"/>
+          </a:xfrm>
+          <a:prstGeom prst="ellipse">
+            <a:avLst/>
+          </a:prstGeom>
+          <a:solidFill>
+            <a:schemeClr val="tx1"/>
+          </a:solidFill>
+          <a:ln>
+            <a:solidFill>
+              <a:schemeClr val="tx1"/>
+            </a:solidFill>
+          </a:ln>
+        </p:spPr>
+        <p:style>
+          <a:lnRef idx="2">
+            <a:schemeClr val="accent1">
+              <a:shade val="50000"/>
+            </a:schemeClr>
+          </a:lnRef>
+          <a:fillRef idx="1">
+            <a:schemeClr val="accent1"/>
+          </a:fillRef>
+          <a:effectRef idx="0">
+            <a:schemeClr val="accent1"/>
+          </a:effectRef>
+          <a:fontRef idx="minor">
+            <a:schemeClr val="lt1"/>
+          </a:fontRef>
+        </p:style>
+        <p:txBody>
+          <a:bodyPr rtlCol="0" anchor="ctr"/>
+          <a:lstStyle/>
+          <a:p>
+            <a:pPr algn="ctr"/>
+            <a:endParaRPr lang="en-US"/>
+          </a:p>
+        </p:txBody>
+      </p:sp>
+      <p:pic>
+        <p:nvPicPr>
+          <p:cNvPr id="945" name="Picture 944">
+            <a:extLst>
+              <a:ext uri="{FF2B5EF4-FFF2-40B4-BE49-F238E27FC236}">
+                <a16:creationId xmlns:a16="http://schemas.microsoft.com/office/drawing/2014/main" id="{840DC3EB-EDFE-48B1-9C8C-6EA2849107C4}"/>
+              </a:ext>
+            </a:extLst>
+          </p:cNvPr>
+          <p:cNvPicPr>
+            <a:picLocks noChangeAspect="1"/>
+          </p:cNvPicPr>
+          <p:nvPr/>
+        </p:nvPicPr>
+        <p:blipFill>
+          <a:blip r:embed="rId8">
+            <a:clrChange>
+              <a:clrFrom>
+                <a:srgbClr val="000000">
+                  <a:alpha val="0"/>
+                </a:srgbClr>
+              </a:clrFrom>
+              <a:clrTo>
+                <a:srgbClr val="000000">
+                  <a:alpha val="0"/>
+                </a:srgbClr>
+              </a:clrTo>
+            </a:clrChange>
+          </a:blip>
+          <a:stretch>
+            <a:fillRect/>
+          </a:stretch>
+        </p:blipFill>
+        <p:spPr>
+          <a:xfrm>
+            <a:off x="35970334" y="5259085"/>
+            <a:ext cx="469433" cy="512108"/>
+          </a:xfrm>
+          <a:prstGeom prst="rect">
+            <a:avLst/>
+          </a:prstGeom>
+        </p:spPr>
+      </p:pic>
+      <p:cxnSp>
+        <p:nvCxnSpPr>
+          <p:cNvPr id="950" name="Connector: Elbow 949">
+            <a:extLst>
+              <a:ext uri="{FF2B5EF4-FFF2-40B4-BE49-F238E27FC236}">
+                <a16:creationId xmlns:a16="http://schemas.microsoft.com/office/drawing/2014/main" id="{D321CF99-193E-4B97-AC29-EE75E2EA21CB}"/>
+              </a:ext>
+            </a:extLst>
+          </p:cNvPr>
+          <p:cNvCxnSpPr>
+            <a:cxnSpLocks/>
+          </p:cNvCxnSpPr>
+          <p:nvPr/>
+        </p:nvCxnSpPr>
+        <p:spPr>
+          <a:xfrm flipV="1">
+            <a:off x="34745733" y="5647057"/>
+            <a:ext cx="1439742" cy="206058"/>
+          </a:xfrm>
+          <a:prstGeom prst="bentConnector3">
+            <a:avLst>
+              <a:gd name="adj1" fmla="val 99839"/>
+            </a:avLst>
+          </a:prstGeom>
+        </p:spPr>
+        <p:style>
+          <a:lnRef idx="1">
+            <a:schemeClr val="dk1"/>
+          </a:lnRef>
+          <a:fillRef idx="0">
+            <a:schemeClr val="dk1"/>
+          </a:fillRef>
+          <a:effectRef idx="0">
+            <a:schemeClr val="dk1"/>
+          </a:effectRef>
+          <a:fontRef idx="minor">
+            <a:schemeClr val="tx1"/>
+          </a:fontRef>
+        </p:style>
+      </p:cxnSp>
+      <p:cxnSp>
+        <p:nvCxnSpPr>
+          <p:cNvPr id="955" name="Connector: Elbow 954">
+            <a:extLst>
+              <a:ext uri="{FF2B5EF4-FFF2-40B4-BE49-F238E27FC236}">
+                <a16:creationId xmlns:a16="http://schemas.microsoft.com/office/drawing/2014/main" id="{4F8C4607-7FD3-4C28-9795-EA14DAF10599}"/>
+              </a:ext>
+            </a:extLst>
+          </p:cNvPr>
+          <p:cNvCxnSpPr>
+            <a:cxnSpLocks/>
+          </p:cNvCxnSpPr>
+          <p:nvPr/>
+        </p:nvCxnSpPr>
+        <p:spPr>
+          <a:xfrm>
+            <a:off x="34755452" y="5205847"/>
+            <a:ext cx="1445898" cy="184041"/>
+          </a:xfrm>
+          <a:prstGeom prst="bentConnector3">
+            <a:avLst>
+              <a:gd name="adj1" fmla="val 99407"/>
+            </a:avLst>
+          </a:prstGeom>
+        </p:spPr>
+        <p:style>
+          <a:lnRef idx="1">
+            <a:schemeClr val="dk1"/>
+          </a:lnRef>
+          <a:fillRef idx="0">
+            <a:schemeClr val="dk1"/>
+          </a:fillRef>
+          <a:effectRef idx="0">
+            <a:schemeClr val="dk1"/>
+          </a:effectRef>
+          <a:fontRef idx="minor">
+            <a:schemeClr val="tx1"/>
+          </a:fontRef>
+        </p:style>
+      </p:cxnSp>
+      <p:cxnSp>
+        <p:nvCxnSpPr>
+          <p:cNvPr id="956" name="Connector: Elbow 955">
+            <a:extLst>
+              <a:ext uri="{FF2B5EF4-FFF2-40B4-BE49-F238E27FC236}">
+                <a16:creationId xmlns:a16="http://schemas.microsoft.com/office/drawing/2014/main" id="{A35F018B-2604-451F-889E-29264FCAB915}"/>
+              </a:ext>
+            </a:extLst>
+          </p:cNvPr>
+          <p:cNvCxnSpPr>
+            <a:cxnSpLocks/>
+          </p:cNvCxnSpPr>
+          <p:nvPr/>
+        </p:nvCxnSpPr>
+        <p:spPr>
+          <a:xfrm>
+            <a:off x="35245675" y="4645133"/>
+            <a:ext cx="1165225" cy="284937"/>
+          </a:xfrm>
+          <a:prstGeom prst="bentConnector3">
+            <a:avLst>
+              <a:gd name="adj1" fmla="val 100681"/>
+            </a:avLst>
+          </a:prstGeom>
+        </p:spPr>
+        <p:style>
+          <a:lnRef idx="1">
+            <a:schemeClr val="dk1"/>
+          </a:lnRef>
+          <a:fillRef idx="0">
+            <a:schemeClr val="dk1"/>
+          </a:fillRef>
+          <a:effectRef idx="0">
+            <a:schemeClr val="dk1"/>
+          </a:effectRef>
+          <a:fontRef idx="minor">
+            <a:schemeClr val="tx1"/>
+          </a:fontRef>
+        </p:style>
+      </p:cxnSp>
+      <p:cxnSp>
+        <p:nvCxnSpPr>
+          <p:cNvPr id="963" name="Connector: Elbow 962">
+            <a:extLst>
+              <a:ext uri="{FF2B5EF4-FFF2-40B4-BE49-F238E27FC236}">
+                <a16:creationId xmlns:a16="http://schemas.microsoft.com/office/drawing/2014/main" id="{C459CB11-8E3D-4A64-ACC2-4F5808B1121F}"/>
+              </a:ext>
+            </a:extLst>
+          </p:cNvPr>
+          <p:cNvCxnSpPr>
+            <a:cxnSpLocks/>
+          </p:cNvCxnSpPr>
+          <p:nvPr/>
+        </p:nvCxnSpPr>
+        <p:spPr>
+          <a:xfrm rot="5400000">
+            <a:off x="36035193" y="5464783"/>
+            <a:ext cx="548215" cy="254000"/>
+          </a:xfrm>
+          <a:prstGeom prst="bentConnector3">
+            <a:avLst>
+              <a:gd name="adj1" fmla="val 98649"/>
+            </a:avLst>
+          </a:prstGeom>
+        </p:spPr>
+        <p:style>
+          <a:lnRef idx="1">
+            <a:schemeClr val="dk1"/>
+          </a:lnRef>
+          <a:fillRef idx="0">
+            <a:schemeClr val="dk1"/>
+          </a:fillRef>
+          <a:effectRef idx="0">
+            <a:schemeClr val="dk1"/>
+          </a:effectRef>
+          <a:fontRef idx="minor">
+            <a:schemeClr val="tx1"/>
+          </a:fontRef>
+        </p:style>
+      </p:cxnSp>
+      <p:cxnSp>
+        <p:nvCxnSpPr>
+          <p:cNvPr id="96" name="Straight Connector 95">
+            <a:extLst>
+              <a:ext uri="{FF2B5EF4-FFF2-40B4-BE49-F238E27FC236}">
+                <a16:creationId xmlns:a16="http://schemas.microsoft.com/office/drawing/2014/main" id="{B288EB96-2AF3-47AE-8F4D-B714F300E6D6}"/>
+              </a:ext>
+            </a:extLst>
+          </p:cNvPr>
+          <p:cNvCxnSpPr>
+            <a:cxnSpLocks/>
+          </p:cNvCxnSpPr>
+          <p:nvPr/>
+        </p:nvCxnSpPr>
+        <p:spPr>
+          <a:xfrm flipH="1">
+            <a:off x="36385499" y="4930070"/>
+            <a:ext cx="40482" cy="41620"/>
+          </a:xfrm>
+          <a:prstGeom prst="line">
+            <a:avLst/>
+          </a:prstGeom>
+        </p:spPr>
+        <p:style>
+          <a:lnRef idx="1">
+            <a:schemeClr val="dk1"/>
+          </a:lnRef>
+          <a:fillRef idx="0">
+            <a:schemeClr val="dk1"/>
+          </a:fillRef>
+          <a:effectRef idx="0">
+            <a:schemeClr val="dk1"/>
+          </a:effectRef>
+          <a:fontRef idx="minor">
+            <a:schemeClr val="tx1"/>
+          </a:fontRef>
+        </p:style>
+      </p:cxnSp>
+      <p:cxnSp>
+        <p:nvCxnSpPr>
+          <p:cNvPr id="970" name="Straight Connector 969">
+            <a:extLst>
+              <a:ext uri="{FF2B5EF4-FFF2-40B4-BE49-F238E27FC236}">
+                <a16:creationId xmlns:a16="http://schemas.microsoft.com/office/drawing/2014/main" id="{45818500-B0B3-4827-89CD-32CCD53DB3A5}"/>
+              </a:ext>
+            </a:extLst>
+          </p:cNvPr>
+          <p:cNvCxnSpPr>
+            <a:cxnSpLocks/>
+          </p:cNvCxnSpPr>
+          <p:nvPr/>
+        </p:nvCxnSpPr>
+        <p:spPr>
+          <a:xfrm flipH="1">
+            <a:off x="36406931" y="5145287"/>
+            <a:ext cx="67287" cy="63080"/>
+          </a:xfrm>
+          <a:prstGeom prst="line">
+            <a:avLst/>
+          </a:prstGeom>
+        </p:spPr>
+        <p:style>
+          <a:lnRef idx="1">
+            <a:schemeClr val="dk1"/>
+          </a:lnRef>
+          <a:fillRef idx="0">
+            <a:schemeClr val="dk1"/>
+          </a:fillRef>
+          <a:effectRef idx="0">
+            <a:schemeClr val="dk1"/>
+          </a:effectRef>
+          <a:fontRef idx="minor">
+            <a:schemeClr val="tx1"/>
+          </a:fontRef>
+        </p:style>
+      </p:cxnSp>
+      <p:cxnSp>
+        <p:nvCxnSpPr>
+          <p:cNvPr id="971" name="Straight Connector 970">
+            <a:extLst>
+              <a:ext uri="{FF2B5EF4-FFF2-40B4-BE49-F238E27FC236}">
+                <a16:creationId xmlns:a16="http://schemas.microsoft.com/office/drawing/2014/main" id="{31E4895B-FB10-4684-9492-0E29CDC66C25}"/>
+              </a:ext>
+            </a:extLst>
+          </p:cNvPr>
+          <p:cNvCxnSpPr>
+            <a:cxnSpLocks/>
+          </p:cNvCxnSpPr>
+          <p:nvPr/>
+        </p:nvCxnSpPr>
+        <p:spPr>
+          <a:xfrm flipH="1">
+            <a:off x="36397406" y="5025821"/>
+            <a:ext cx="67287" cy="63080"/>
+          </a:xfrm>
+          <a:prstGeom prst="line">
+            <a:avLst/>
+          </a:prstGeom>
+        </p:spPr>
+        <p:style>
+          <a:lnRef idx="1">
+            <a:schemeClr val="dk1"/>
+          </a:lnRef>
+          <a:fillRef idx="0">
+            <a:schemeClr val="dk1"/>
+          </a:fillRef>
+          <a:effectRef idx="0">
+            <a:schemeClr val="dk1"/>
+          </a:effectRef>
+          <a:fontRef idx="minor">
+            <a:schemeClr val="tx1"/>
+          </a:fontRef>
+        </p:style>
+      </p:cxnSp>
+      <p:cxnSp>
+        <p:nvCxnSpPr>
+          <p:cNvPr id="972" name="Straight Connector 971">
+            <a:extLst>
+              <a:ext uri="{FF2B5EF4-FFF2-40B4-BE49-F238E27FC236}">
+                <a16:creationId xmlns:a16="http://schemas.microsoft.com/office/drawing/2014/main" id="{A64556C3-B00C-4CC5-87D7-CF6387617332}"/>
+              </a:ext>
+            </a:extLst>
+          </p:cNvPr>
+          <p:cNvCxnSpPr>
+            <a:cxnSpLocks/>
+          </p:cNvCxnSpPr>
+          <p:nvPr/>
+        </p:nvCxnSpPr>
+        <p:spPr>
+          <a:xfrm>
+            <a:off x="36414075" y="5205847"/>
+            <a:ext cx="69056" cy="70704"/>
+          </a:xfrm>
+          <a:prstGeom prst="line">
+            <a:avLst/>
+          </a:prstGeom>
+        </p:spPr>
+        <p:style>
+          <a:lnRef idx="1">
+            <a:schemeClr val="dk1"/>
+          </a:lnRef>
+          <a:fillRef idx="0">
+            <a:schemeClr val="dk1"/>
+          </a:fillRef>
+          <a:effectRef idx="0">
+            <a:schemeClr val="dk1"/>
+          </a:effectRef>
+          <a:fontRef idx="minor">
+            <a:schemeClr val="tx1"/>
+          </a:fontRef>
+        </p:style>
+      </p:cxnSp>
+      <p:cxnSp>
+        <p:nvCxnSpPr>
+          <p:cNvPr id="973" name="Straight Connector 972">
+            <a:extLst>
+              <a:ext uri="{FF2B5EF4-FFF2-40B4-BE49-F238E27FC236}">
+                <a16:creationId xmlns:a16="http://schemas.microsoft.com/office/drawing/2014/main" id="{64986A0B-93E5-4708-999D-54778AB51FE1}"/>
+              </a:ext>
+            </a:extLst>
+          </p:cNvPr>
+          <p:cNvCxnSpPr>
+            <a:cxnSpLocks/>
+          </p:cNvCxnSpPr>
+          <p:nvPr/>
+        </p:nvCxnSpPr>
+        <p:spPr>
+          <a:xfrm flipH="1">
+            <a:off x="36433125" y="5274933"/>
+            <a:ext cx="41093" cy="42743"/>
+          </a:xfrm>
+          <a:prstGeom prst="line">
+            <a:avLst/>
+          </a:prstGeom>
+        </p:spPr>
+        <p:style>
+          <a:lnRef idx="1">
+            <a:schemeClr val="dk1"/>
+          </a:lnRef>
+          <a:fillRef idx="0">
+            <a:schemeClr val="dk1"/>
+          </a:fillRef>
+          <a:effectRef idx="0">
+            <a:schemeClr val="dk1"/>
+          </a:effectRef>
+          <a:fontRef idx="minor">
+            <a:schemeClr val="tx1"/>
+          </a:fontRef>
+        </p:style>
+      </p:cxnSp>
+      <p:cxnSp>
+        <p:nvCxnSpPr>
+          <p:cNvPr id="977" name="Straight Connector 976">
+            <a:extLst>
+              <a:ext uri="{FF2B5EF4-FFF2-40B4-BE49-F238E27FC236}">
+                <a16:creationId xmlns:a16="http://schemas.microsoft.com/office/drawing/2014/main" id="{568D91A4-8661-4563-A3AD-9768550CBE23}"/>
+              </a:ext>
+            </a:extLst>
+          </p:cNvPr>
+          <p:cNvCxnSpPr>
+            <a:cxnSpLocks/>
+          </p:cNvCxnSpPr>
+          <p:nvPr/>
+        </p:nvCxnSpPr>
+        <p:spPr>
+          <a:xfrm>
+            <a:off x="36406931" y="5085756"/>
+            <a:ext cx="69056" cy="70704"/>
+          </a:xfrm>
+          <a:prstGeom prst="line">
+            <a:avLst/>
+          </a:prstGeom>
+        </p:spPr>
+        <p:style>
+          <a:lnRef idx="1">
+            <a:schemeClr val="dk1"/>
+          </a:lnRef>
+          <a:fillRef idx="0">
+            <a:schemeClr val="dk1"/>
+          </a:fillRef>
+          <a:effectRef idx="0">
+            <a:schemeClr val="dk1"/>
+          </a:effectRef>
+          <a:fontRef idx="minor">
+            <a:schemeClr val="tx1"/>
+          </a:fontRef>
+        </p:style>
+      </p:cxnSp>
+      <p:cxnSp>
+        <p:nvCxnSpPr>
+          <p:cNvPr id="978" name="Straight Connector 977">
+            <a:extLst>
+              <a:ext uri="{FF2B5EF4-FFF2-40B4-BE49-F238E27FC236}">
+                <a16:creationId xmlns:a16="http://schemas.microsoft.com/office/drawing/2014/main" id="{693635CD-FB74-40C8-A32E-66D607F3B81E}"/>
+              </a:ext>
+            </a:extLst>
+          </p:cNvPr>
+          <p:cNvCxnSpPr>
+            <a:cxnSpLocks/>
+          </p:cNvCxnSpPr>
+          <p:nvPr/>
+        </p:nvCxnSpPr>
+        <p:spPr>
+          <a:xfrm>
+            <a:off x="36392643" y="4969417"/>
+            <a:ext cx="69056" cy="70704"/>
+          </a:xfrm>
+          <a:prstGeom prst="line">
+            <a:avLst/>
+          </a:prstGeom>
+        </p:spPr>
+        <p:style>
+          <a:lnRef idx="1">
+            <a:schemeClr val="dk1"/>
+          </a:lnRef>
+          <a:fillRef idx="0">
+            <a:schemeClr val="dk1"/>
+          </a:fillRef>
+          <a:effectRef idx="0">
+            <a:schemeClr val="dk1"/>
+          </a:effectRef>
+          <a:fontRef idx="minor">
+            <a:schemeClr val="tx1"/>
+          </a:fontRef>
+        </p:style>
+      </p:cxnSp>
+      <p:sp>
+        <p:nvSpPr>
+          <p:cNvPr id="980" name="Oval 979">
+            <a:extLst>
+              <a:ext uri="{FF2B5EF4-FFF2-40B4-BE49-F238E27FC236}">
+                <a16:creationId xmlns:a16="http://schemas.microsoft.com/office/drawing/2014/main" id="{EE25A5E7-5D73-491B-B5C9-882273182CE8}"/>
+              </a:ext>
+            </a:extLst>
+          </p:cNvPr>
+          <p:cNvSpPr/>
+          <p:nvPr/>
+        </p:nvSpPr>
+        <p:spPr>
+          <a:xfrm>
+            <a:off x="36400995" y="5400835"/>
+            <a:ext cx="66716" cy="72212"/>
+          </a:xfrm>
+          <a:prstGeom prst="ellipse">
+            <a:avLst/>
+          </a:prstGeom>
+          <a:solidFill>
+            <a:schemeClr val="tx1"/>
+          </a:solidFill>
+          <a:ln>
+            <a:solidFill>
+              <a:schemeClr val="tx1"/>
+            </a:solidFill>
+          </a:ln>
+        </p:spPr>
+        <p:style>
+          <a:lnRef idx="2">
+            <a:schemeClr val="accent1">
+              <a:shade val="50000"/>
+            </a:schemeClr>
+          </a:lnRef>
+          <a:fillRef idx="1">
+            <a:schemeClr val="accent1"/>
+          </a:fillRef>
+          <a:effectRef idx="0">
+            <a:schemeClr val="accent1"/>
+          </a:effectRef>
+          <a:fontRef idx="minor">
+            <a:schemeClr val="lt1"/>
+          </a:fontRef>
+        </p:style>
+        <p:txBody>
+          <a:bodyPr rtlCol="0" anchor="ctr"/>
+          <a:lstStyle/>
+          <a:p>
+            <a:pPr algn="ctr"/>
+            <a:endParaRPr lang="en-US"/>
+          </a:p>
+        </p:txBody>
+      </p:sp>
+      <p:sp>
+        <p:nvSpPr>
+          <p:cNvPr id="981" name="Oval 980">
+            <a:extLst>
+              <a:ext uri="{FF2B5EF4-FFF2-40B4-BE49-F238E27FC236}">
+                <a16:creationId xmlns:a16="http://schemas.microsoft.com/office/drawing/2014/main" id="{E00F26FB-1F31-4A93-9812-6498E44C0CDE}"/>
+              </a:ext>
+            </a:extLst>
+          </p:cNvPr>
+          <p:cNvSpPr/>
+          <p:nvPr/>
+        </p:nvSpPr>
+        <p:spPr>
+          <a:xfrm>
+            <a:off x="36157155" y="5832710"/>
+            <a:ext cx="66716" cy="72212"/>
+          </a:xfrm>
+          <a:prstGeom prst="ellipse">
+            <a:avLst/>
+          </a:prstGeom>
+          <a:solidFill>
+            <a:schemeClr val="tx1"/>
+          </a:solidFill>
+          <a:ln>
+            <a:solidFill>
+              <a:schemeClr val="tx1"/>
+            </a:solidFill>
+          </a:ln>
+        </p:spPr>
+        <p:style>
+          <a:lnRef idx="2">
+            <a:schemeClr val="accent1">
+              <a:shade val="50000"/>
+            </a:schemeClr>
+          </a:lnRef>
+          <a:fillRef idx="1">
+            <a:schemeClr val="accent1"/>
+          </a:fillRef>
+          <a:effectRef idx="0">
+            <a:schemeClr val="accent1"/>
+          </a:effectRef>
+          <a:fontRef idx="minor">
+            <a:schemeClr val="lt1"/>
+          </a:fontRef>
+        </p:style>
+        <p:txBody>
+          <a:bodyPr rtlCol="0" anchor="ctr"/>
+          <a:lstStyle/>
+          <a:p>
+            <a:pPr algn="ctr"/>
+            <a:endParaRPr lang="en-US"/>
+          </a:p>
+        </p:txBody>
+      </p:sp>
+      <p:sp>
+        <p:nvSpPr>
+          <p:cNvPr id="102" name="TextBox 101">
+            <a:extLst>
+              <a:ext uri="{FF2B5EF4-FFF2-40B4-BE49-F238E27FC236}">
+                <a16:creationId xmlns:a16="http://schemas.microsoft.com/office/drawing/2014/main" id="{CE4320F0-11B5-4F82-8A27-89B4C65864B5}"/>
+              </a:ext>
+            </a:extLst>
+          </p:cNvPr>
+          <p:cNvSpPr txBox="1"/>
+          <p:nvPr/>
+        </p:nvSpPr>
+        <p:spPr>
+          <a:xfrm>
+            <a:off x="35724928" y="4776096"/>
+            <a:ext cx="723275" cy="276999"/>
+          </a:xfrm>
+          <a:prstGeom prst="rect">
+            <a:avLst/>
+          </a:prstGeom>
+          <a:noFill/>
+        </p:spPr>
+        <p:txBody>
+          <a:bodyPr wrap="none" rtlCol="0">
+            <a:spAutoFit/>
+          </a:bodyPr>
+          <a:lstStyle/>
+          <a:p>
+            <a:r>
+              <a:rPr lang="en-US" sz="1200" dirty="0"/>
+              <a:t>4.7K .1%</a:t>
+            </a:r>
+          </a:p>
+        </p:txBody>
+      </p:sp>
+      <p:sp>
+        <p:nvSpPr>
+          <p:cNvPr id="983" name="TextBox 982">
+            <a:extLst>
+              <a:ext uri="{FF2B5EF4-FFF2-40B4-BE49-F238E27FC236}">
+                <a16:creationId xmlns:a16="http://schemas.microsoft.com/office/drawing/2014/main" id="{DC2DA04E-186E-4F18-AF1A-40E917B19700}"/>
+              </a:ext>
+            </a:extLst>
+          </p:cNvPr>
+          <p:cNvSpPr txBox="1"/>
+          <p:nvPr/>
+        </p:nvSpPr>
+        <p:spPr>
+          <a:xfrm>
+            <a:off x="35664407" y="5909314"/>
+            <a:ext cx="872355" cy="461665"/>
+          </a:xfrm>
+          <a:prstGeom prst="rect">
+            <a:avLst/>
+          </a:prstGeom>
+          <a:noFill/>
+        </p:spPr>
+        <p:txBody>
+          <a:bodyPr wrap="none" rtlCol="0">
+            <a:spAutoFit/>
+          </a:bodyPr>
+          <a:lstStyle/>
+          <a:p>
+            <a:r>
+              <a:rPr lang="en-US" sz="1200" dirty="0" err="1"/>
+              <a:t>Heatblock</a:t>
+            </a:r>
+            <a:br>
+              <a:rPr lang="en-US" sz="1200" dirty="0"/>
+            </a:br>
+            <a:r>
+              <a:rPr lang="en-US" sz="1200" dirty="0"/>
+              <a:t>Thermistor</a:t>
+            </a:r>
           </a:p>
         </p:txBody>
       </p:sp>

--- a/V2.2526_Hardware/__WDM/V2.2526 Wiring Diagram.pptx
+++ b/V2.2526_Hardware/__WDM/V2.2526 Wiring Diagram.pptx
@@ -243,7 +243,7 @@
           <a:p>
             <a:fld id="{965F083E-E327-42BE-A4AB-9DCC0F96DD77}" type="datetimeFigureOut">
               <a:rPr lang="en-US" smtClean="0"/>
-              <a:t>14-Apr-22</a:t>
+              <a:t>19-Apr-22</a:t>
             </a:fld>
             <a:endParaRPr lang="en-US"/>
           </a:p>
@@ -413,7 +413,7 @@
           <a:p>
             <a:fld id="{965F083E-E327-42BE-A4AB-9DCC0F96DD77}" type="datetimeFigureOut">
               <a:rPr lang="en-US" smtClean="0"/>
-              <a:t>14-Apr-22</a:t>
+              <a:t>19-Apr-22</a:t>
             </a:fld>
             <a:endParaRPr lang="en-US"/>
           </a:p>
@@ -593,7 +593,7 @@
           <a:p>
             <a:fld id="{965F083E-E327-42BE-A4AB-9DCC0F96DD77}" type="datetimeFigureOut">
               <a:rPr lang="en-US" smtClean="0"/>
-              <a:t>14-Apr-22</a:t>
+              <a:t>19-Apr-22</a:t>
             </a:fld>
             <a:endParaRPr lang="en-US"/>
           </a:p>
@@ -763,7 +763,7 @@
           <a:p>
             <a:fld id="{965F083E-E327-42BE-A4AB-9DCC0F96DD77}" type="datetimeFigureOut">
               <a:rPr lang="en-US" smtClean="0"/>
-              <a:t>14-Apr-22</a:t>
+              <a:t>19-Apr-22</a:t>
             </a:fld>
             <a:endParaRPr lang="en-US"/>
           </a:p>
@@ -1007,7 +1007,7 @@
           <a:p>
             <a:fld id="{965F083E-E327-42BE-A4AB-9DCC0F96DD77}" type="datetimeFigureOut">
               <a:rPr lang="en-US" smtClean="0"/>
-              <a:t>14-Apr-22</a:t>
+              <a:t>19-Apr-22</a:t>
             </a:fld>
             <a:endParaRPr lang="en-US"/>
           </a:p>
@@ -1239,7 +1239,7 @@
           <a:p>
             <a:fld id="{965F083E-E327-42BE-A4AB-9DCC0F96DD77}" type="datetimeFigureOut">
               <a:rPr lang="en-US" smtClean="0"/>
-              <a:t>14-Apr-22</a:t>
+              <a:t>19-Apr-22</a:t>
             </a:fld>
             <a:endParaRPr lang="en-US"/>
           </a:p>
@@ -1606,7 +1606,7 @@
           <a:p>
             <a:fld id="{965F083E-E327-42BE-A4AB-9DCC0F96DD77}" type="datetimeFigureOut">
               <a:rPr lang="en-US" smtClean="0"/>
-              <a:t>14-Apr-22</a:t>
+              <a:t>19-Apr-22</a:t>
             </a:fld>
             <a:endParaRPr lang="en-US"/>
           </a:p>
@@ -1724,7 +1724,7 @@
           <a:p>
             <a:fld id="{965F083E-E327-42BE-A4AB-9DCC0F96DD77}" type="datetimeFigureOut">
               <a:rPr lang="en-US" smtClean="0"/>
-              <a:t>14-Apr-22</a:t>
+              <a:t>19-Apr-22</a:t>
             </a:fld>
             <a:endParaRPr lang="en-US"/>
           </a:p>
@@ -1819,7 +1819,7 @@
           <a:p>
             <a:fld id="{965F083E-E327-42BE-A4AB-9DCC0F96DD77}" type="datetimeFigureOut">
               <a:rPr lang="en-US" smtClean="0"/>
-              <a:t>14-Apr-22</a:t>
+              <a:t>19-Apr-22</a:t>
             </a:fld>
             <a:endParaRPr lang="en-US"/>
           </a:p>
@@ -2096,7 +2096,7 @@
           <a:p>
             <a:fld id="{965F083E-E327-42BE-A4AB-9DCC0F96DD77}" type="datetimeFigureOut">
               <a:rPr lang="en-US" smtClean="0"/>
-              <a:t>14-Apr-22</a:t>
+              <a:t>19-Apr-22</a:t>
             </a:fld>
             <a:endParaRPr lang="en-US"/>
           </a:p>
@@ -2353,7 +2353,7 @@
           <a:p>
             <a:fld id="{965F083E-E327-42BE-A4AB-9DCC0F96DD77}" type="datetimeFigureOut">
               <a:rPr lang="en-US" smtClean="0"/>
-              <a:t>14-Apr-22</a:t>
+              <a:t>19-Apr-22</a:t>
             </a:fld>
             <a:endParaRPr lang="en-US"/>
           </a:p>
@@ -2566,7 +2566,7 @@
           <a:p>
             <a:fld id="{965F083E-E327-42BE-A4AB-9DCC0F96DD77}" type="datetimeFigureOut">
               <a:rPr lang="en-US" smtClean="0"/>
-              <a:t>14-Apr-22</a:t>
+              <a:t>19-Apr-22</a:t>
             </a:fld>
             <a:endParaRPr lang="en-US"/>
           </a:p>
@@ -15619,45 +15619,6 @@
       </p:cxnSp>
       <p:cxnSp>
         <p:nvCxnSpPr>
-          <p:cNvPr id="730" name="Straight Connector 729">
-            <a:extLst>
-              <a:ext uri="{FF2B5EF4-FFF2-40B4-BE49-F238E27FC236}">
-                <a16:creationId xmlns:a16="http://schemas.microsoft.com/office/drawing/2014/main" id="{4289574A-5496-47B0-8D58-E533F4764F2A}"/>
-              </a:ext>
-            </a:extLst>
-          </p:cNvPr>
-          <p:cNvCxnSpPr>
-            <a:cxnSpLocks/>
-            <a:stCxn id="429" idx="4"/>
-          </p:cNvCxnSpPr>
-          <p:nvPr/>
-        </p:nvCxnSpPr>
-        <p:spPr>
-          <a:xfrm>
-            <a:off x="4770575" y="8868440"/>
-            <a:ext cx="0" cy="2354755"/>
-          </a:xfrm>
-          <a:prstGeom prst="line">
-            <a:avLst/>
-          </a:prstGeom>
-        </p:spPr>
-        <p:style>
-          <a:lnRef idx="1">
-            <a:schemeClr val="dk1"/>
-          </a:lnRef>
-          <a:fillRef idx="0">
-            <a:schemeClr val="dk1"/>
-          </a:fillRef>
-          <a:effectRef idx="0">
-            <a:schemeClr val="dk1"/>
-          </a:effectRef>
-          <a:fontRef idx="minor">
-            <a:schemeClr val="tx1"/>
-          </a:fontRef>
-        </p:style>
-      </p:cxnSp>
-      <p:cxnSp>
-        <p:nvCxnSpPr>
           <p:cNvPr id="745" name="Connector: Elbow 744">
             <a:extLst>
               <a:ext uri="{FF2B5EF4-FFF2-40B4-BE49-F238E27FC236}">
@@ -16197,45 +16158,6 @@
             <a:avLst/>
           </a:prstGeom>
           <a:ln w="63500"/>
-        </p:spPr>
-        <p:style>
-          <a:lnRef idx="1">
-            <a:schemeClr val="dk1"/>
-          </a:lnRef>
-          <a:fillRef idx="0">
-            <a:schemeClr val="dk1"/>
-          </a:fillRef>
-          <a:effectRef idx="0">
-            <a:schemeClr val="dk1"/>
-          </a:effectRef>
-          <a:fontRef idx="minor">
-            <a:schemeClr val="tx1"/>
-          </a:fontRef>
-        </p:style>
-      </p:cxnSp>
-      <p:cxnSp>
-        <p:nvCxnSpPr>
-          <p:cNvPr id="823" name="Connector: Elbow 822">
-            <a:extLst>
-              <a:ext uri="{FF2B5EF4-FFF2-40B4-BE49-F238E27FC236}">
-                <a16:creationId xmlns:a16="http://schemas.microsoft.com/office/drawing/2014/main" id="{E2BE1C29-39C4-4A05-AD39-834B43A52482}"/>
-              </a:ext>
-            </a:extLst>
-          </p:cNvPr>
-          <p:cNvCxnSpPr>
-            <a:cxnSpLocks/>
-            <a:endCxn id="1230" idx="2"/>
-          </p:cNvCxnSpPr>
-          <p:nvPr/>
-        </p:nvCxnSpPr>
-        <p:spPr>
-          <a:xfrm flipV="1">
-            <a:off x="4769396" y="9220279"/>
-            <a:ext cx="9332055" cy="1963438"/>
-          </a:xfrm>
-          <a:prstGeom prst="bentConnector2">
-            <a:avLst/>
-          </a:prstGeom>
         </p:spPr>
         <p:style>
           <a:lnRef idx="1">
@@ -16774,7 +16696,7 @@
         </p:nvSpPr>
         <p:spPr>
           <a:xfrm>
-            <a:off x="10327273" y="11755669"/>
+            <a:off x="11126210" y="12137941"/>
             <a:ext cx="1192789" cy="369332"/>
           </a:xfrm>
           <a:prstGeom prst="rect">
@@ -39871,482 +39793,6 @@
           </a:fontRef>
         </p:style>
       </p:cxnSp>
-      <p:pic>
-        <p:nvPicPr>
-          <p:cNvPr id="2249" name="Picture 36" descr="Capacitive proximity sensor 3 wire symbol, NC">
-            <a:extLst>
-              <a:ext uri="{FF2B5EF4-FFF2-40B4-BE49-F238E27FC236}">
-                <a16:creationId xmlns:a16="http://schemas.microsoft.com/office/drawing/2014/main" id="{7B49DA2B-543D-4BD7-9475-CCE26468111D}"/>
-              </a:ext>
-            </a:extLst>
-          </p:cNvPr>
-          <p:cNvPicPr>
-            <a:picLocks noChangeAspect="1" noChangeArrowheads="1"/>
-          </p:cNvPicPr>
-          <p:nvPr/>
-        </p:nvPicPr>
-        <p:blipFill>
-          <a:blip r:embed="rId15">
-            <a:extLst>
-              <a:ext uri="{28A0092B-C50C-407E-A947-70E740481C1C}">
-                <a14:useLocalDpi xmlns:a14="http://schemas.microsoft.com/office/drawing/2010/main" val="0"/>
-              </a:ext>
-            </a:extLst>
-          </a:blip>
-          <a:srcRect/>
-          <a:stretch>
-            <a:fillRect/>
-          </a:stretch>
-        </p:blipFill>
-        <p:spPr bwMode="auto">
-          <a:xfrm>
-            <a:off x="10397604" y="28388824"/>
-            <a:ext cx="1115720" cy="1238250"/>
-          </a:xfrm>
-          <a:prstGeom prst="rect">
-            <a:avLst/>
-          </a:prstGeom>
-          <a:noFill/>
-          <a:extLst>
-            <a:ext uri="{909E8E84-426E-40DD-AFC4-6F175D3DCCD1}">
-              <a14:hiddenFill xmlns:a14="http://schemas.microsoft.com/office/drawing/2010/main">
-                <a:solidFill>
-                  <a:srgbClr val="FFFFFF"/>
-                </a:solidFill>
-              </a14:hiddenFill>
-            </a:ext>
-          </a:extLst>
-        </p:spPr>
-      </p:pic>
-      <p:sp>
-        <p:nvSpPr>
-          <p:cNvPr id="2250" name="Rectangle 2249">
-            <a:extLst>
-              <a:ext uri="{FF2B5EF4-FFF2-40B4-BE49-F238E27FC236}">
-                <a16:creationId xmlns:a16="http://schemas.microsoft.com/office/drawing/2014/main" id="{88C3271D-2C43-4812-BB0E-CECDC7F5ED75}"/>
-              </a:ext>
-            </a:extLst>
-          </p:cNvPr>
-          <p:cNvSpPr/>
-          <p:nvPr/>
-        </p:nvSpPr>
-        <p:spPr>
-          <a:xfrm>
-            <a:off x="10317238" y="28523759"/>
-            <a:ext cx="1580771" cy="1023044"/>
-          </a:xfrm>
-          <a:prstGeom prst="rect">
-            <a:avLst/>
-          </a:prstGeom>
-          <a:noFill/>
-          <a:ln>
-            <a:solidFill>
-              <a:schemeClr val="tx1"/>
-            </a:solidFill>
-          </a:ln>
-        </p:spPr>
-        <p:style>
-          <a:lnRef idx="2">
-            <a:schemeClr val="accent1">
-              <a:shade val="50000"/>
-            </a:schemeClr>
-          </a:lnRef>
-          <a:fillRef idx="1">
-            <a:schemeClr val="accent1"/>
-          </a:fillRef>
-          <a:effectRef idx="0">
-            <a:schemeClr val="accent1"/>
-          </a:effectRef>
-          <a:fontRef idx="minor">
-            <a:schemeClr val="lt1"/>
-          </a:fontRef>
-        </p:style>
-        <p:txBody>
-          <a:bodyPr rtlCol="0" anchor="ctr"/>
-          <a:lstStyle/>
-          <a:p>
-            <a:pPr algn="ctr"/>
-            <a:endParaRPr lang="en-US" sz="12101"/>
-          </a:p>
-        </p:txBody>
-      </p:sp>
-      <p:sp>
-        <p:nvSpPr>
-          <p:cNvPr id="2251" name="TextBox 2250">
-            <a:extLst>
-              <a:ext uri="{FF2B5EF4-FFF2-40B4-BE49-F238E27FC236}">
-                <a16:creationId xmlns:a16="http://schemas.microsoft.com/office/drawing/2014/main" id="{4F5E8026-EE7C-4820-BAA4-CA4D04E30EC5}"/>
-              </a:ext>
-            </a:extLst>
-          </p:cNvPr>
-          <p:cNvSpPr txBox="1"/>
-          <p:nvPr/>
-        </p:nvSpPr>
-        <p:spPr>
-          <a:xfrm>
-            <a:off x="10246016" y="27941302"/>
-            <a:ext cx="2352082" cy="646331"/>
-          </a:xfrm>
-          <a:prstGeom prst="rect">
-            <a:avLst/>
-          </a:prstGeom>
-          <a:noFill/>
-        </p:spPr>
-        <p:txBody>
-          <a:bodyPr wrap="square" rtlCol="0">
-            <a:spAutoFit/>
-          </a:bodyPr>
-          <a:lstStyle/>
-          <a:p>
-            <a:r>
-              <a:rPr lang="en-US" dirty="0"/>
-              <a:t>BTT Smart</a:t>
-            </a:r>
-            <a:br>
-              <a:rPr lang="en-US" dirty="0"/>
-            </a:br>
-            <a:r>
-              <a:rPr lang="en-US" dirty="0"/>
-              <a:t>Filament Sensor</a:t>
-            </a:r>
-          </a:p>
-        </p:txBody>
-      </p:sp>
-      <p:sp>
-        <p:nvSpPr>
-          <p:cNvPr id="2252" name="TextBox 2251">
-            <a:extLst>
-              <a:ext uri="{FF2B5EF4-FFF2-40B4-BE49-F238E27FC236}">
-                <a16:creationId xmlns:a16="http://schemas.microsoft.com/office/drawing/2014/main" id="{70BC8D34-9294-4559-B6DA-A498D843EEBD}"/>
-              </a:ext>
-            </a:extLst>
-          </p:cNvPr>
-          <p:cNvSpPr txBox="1"/>
-          <p:nvPr/>
-        </p:nvSpPr>
-        <p:spPr>
-          <a:xfrm>
-            <a:off x="11081330" y="28587712"/>
-            <a:ext cx="774460" cy="923330"/>
-          </a:xfrm>
-          <a:prstGeom prst="rect">
-            <a:avLst/>
-          </a:prstGeom>
-          <a:noFill/>
-        </p:spPr>
-        <p:txBody>
-          <a:bodyPr wrap="square" rtlCol="0">
-            <a:spAutoFit/>
-          </a:bodyPr>
-          <a:lstStyle/>
-          <a:p>
-            <a:pPr algn="r"/>
-            <a:r>
-              <a:rPr lang="en-US" dirty="0"/>
-              <a:t>3v3</a:t>
-            </a:r>
-          </a:p>
-          <a:p>
-            <a:pPr algn="r"/>
-            <a:r>
-              <a:rPr lang="en-US" dirty="0"/>
-              <a:t>Sig</a:t>
-            </a:r>
-          </a:p>
-          <a:p>
-            <a:pPr algn="r"/>
-            <a:r>
-              <a:rPr lang="en-US" dirty="0"/>
-              <a:t>Gnd</a:t>
-            </a:r>
-          </a:p>
-        </p:txBody>
-      </p:sp>
-      <p:sp>
-        <p:nvSpPr>
-          <p:cNvPr id="2253" name="Oval 2252">
-            <a:extLst>
-              <a:ext uri="{FF2B5EF4-FFF2-40B4-BE49-F238E27FC236}">
-                <a16:creationId xmlns:a16="http://schemas.microsoft.com/office/drawing/2014/main" id="{33C3A978-AAFF-4FE5-A786-E5C161C8F8BD}"/>
-              </a:ext>
-            </a:extLst>
-          </p:cNvPr>
-          <p:cNvSpPr/>
-          <p:nvPr/>
-        </p:nvSpPr>
-        <p:spPr>
-          <a:xfrm>
-            <a:off x="11864651" y="28729240"/>
-            <a:ext cx="66716" cy="72212"/>
-          </a:xfrm>
-          <a:prstGeom prst="ellipse">
-            <a:avLst/>
-          </a:prstGeom>
-          <a:solidFill>
-            <a:schemeClr val="tx1"/>
-          </a:solidFill>
-          <a:ln>
-            <a:solidFill>
-              <a:schemeClr val="tx1"/>
-            </a:solidFill>
-          </a:ln>
-        </p:spPr>
-        <p:style>
-          <a:lnRef idx="2">
-            <a:schemeClr val="accent1">
-              <a:shade val="50000"/>
-            </a:schemeClr>
-          </a:lnRef>
-          <a:fillRef idx="1">
-            <a:schemeClr val="accent1"/>
-          </a:fillRef>
-          <a:effectRef idx="0">
-            <a:schemeClr val="accent1"/>
-          </a:effectRef>
-          <a:fontRef idx="minor">
-            <a:schemeClr val="lt1"/>
-          </a:fontRef>
-        </p:style>
-        <p:txBody>
-          <a:bodyPr rtlCol="0" anchor="ctr"/>
-          <a:lstStyle/>
-          <a:p>
-            <a:pPr algn="ctr"/>
-            <a:endParaRPr lang="en-US"/>
-          </a:p>
-        </p:txBody>
-      </p:sp>
-      <p:sp>
-        <p:nvSpPr>
-          <p:cNvPr id="2254" name="Oval 2253">
-            <a:extLst>
-              <a:ext uri="{FF2B5EF4-FFF2-40B4-BE49-F238E27FC236}">
-                <a16:creationId xmlns:a16="http://schemas.microsoft.com/office/drawing/2014/main" id="{EAA6EFB2-C5BA-4265-9748-D35CA382A75D}"/>
-              </a:ext>
-            </a:extLst>
-          </p:cNvPr>
-          <p:cNvSpPr/>
-          <p:nvPr/>
-        </p:nvSpPr>
-        <p:spPr>
-          <a:xfrm>
-            <a:off x="11864651" y="29019121"/>
-            <a:ext cx="66716" cy="72212"/>
-          </a:xfrm>
-          <a:prstGeom prst="ellipse">
-            <a:avLst/>
-          </a:prstGeom>
-          <a:solidFill>
-            <a:schemeClr val="tx1"/>
-          </a:solidFill>
-          <a:ln>
-            <a:solidFill>
-              <a:schemeClr val="tx1"/>
-            </a:solidFill>
-          </a:ln>
-        </p:spPr>
-        <p:style>
-          <a:lnRef idx="2">
-            <a:schemeClr val="accent1">
-              <a:shade val="50000"/>
-            </a:schemeClr>
-          </a:lnRef>
-          <a:fillRef idx="1">
-            <a:schemeClr val="accent1"/>
-          </a:fillRef>
-          <a:effectRef idx="0">
-            <a:schemeClr val="accent1"/>
-          </a:effectRef>
-          <a:fontRef idx="minor">
-            <a:schemeClr val="lt1"/>
-          </a:fontRef>
-        </p:style>
-        <p:txBody>
-          <a:bodyPr rtlCol="0" anchor="ctr"/>
-          <a:lstStyle/>
-          <a:p>
-            <a:pPr algn="ctr"/>
-            <a:endParaRPr lang="en-US"/>
-          </a:p>
-        </p:txBody>
-      </p:sp>
-      <p:sp>
-        <p:nvSpPr>
-          <p:cNvPr id="2255" name="Oval 2254">
-            <a:extLst>
-              <a:ext uri="{FF2B5EF4-FFF2-40B4-BE49-F238E27FC236}">
-                <a16:creationId xmlns:a16="http://schemas.microsoft.com/office/drawing/2014/main" id="{97AE31B0-1BD5-4172-91B6-5A2996BC72E9}"/>
-              </a:ext>
-            </a:extLst>
-          </p:cNvPr>
-          <p:cNvSpPr/>
-          <p:nvPr/>
-        </p:nvSpPr>
-        <p:spPr>
-          <a:xfrm>
-            <a:off x="11861528" y="29306072"/>
-            <a:ext cx="66716" cy="72212"/>
-          </a:xfrm>
-          <a:prstGeom prst="ellipse">
-            <a:avLst/>
-          </a:prstGeom>
-          <a:solidFill>
-            <a:schemeClr val="tx1"/>
-          </a:solidFill>
-          <a:ln>
-            <a:solidFill>
-              <a:schemeClr val="tx1"/>
-            </a:solidFill>
-          </a:ln>
-        </p:spPr>
-        <p:style>
-          <a:lnRef idx="2">
-            <a:schemeClr val="accent1">
-              <a:shade val="50000"/>
-            </a:schemeClr>
-          </a:lnRef>
-          <a:fillRef idx="1">
-            <a:schemeClr val="accent1"/>
-          </a:fillRef>
-          <a:effectRef idx="0">
-            <a:schemeClr val="accent1"/>
-          </a:effectRef>
-          <a:fontRef idx="minor">
-            <a:schemeClr val="lt1"/>
-          </a:fontRef>
-        </p:style>
-        <p:txBody>
-          <a:bodyPr rtlCol="0" anchor="ctr"/>
-          <a:lstStyle/>
-          <a:p>
-            <a:pPr algn="ctr"/>
-            <a:endParaRPr lang="en-US"/>
-          </a:p>
-        </p:txBody>
-      </p:sp>
-      <p:cxnSp>
-        <p:nvCxnSpPr>
-          <p:cNvPr id="2261" name="Connector: Elbow 2260">
-            <a:extLst>
-              <a:ext uri="{FF2B5EF4-FFF2-40B4-BE49-F238E27FC236}">
-                <a16:creationId xmlns:a16="http://schemas.microsoft.com/office/drawing/2014/main" id="{3953BB0A-CEDF-4C14-A336-5D24C4205AD5}"/>
-              </a:ext>
-            </a:extLst>
-          </p:cNvPr>
-          <p:cNvCxnSpPr>
-            <a:cxnSpLocks/>
-            <a:stCxn id="2254" idx="0"/>
-          </p:cNvCxnSpPr>
-          <p:nvPr/>
-        </p:nvCxnSpPr>
-        <p:spPr>
-          <a:xfrm rot="16200000" flipH="1">
-            <a:off x="17503397" y="23413732"/>
-            <a:ext cx="1092771" cy="12303548"/>
-          </a:xfrm>
-          <a:prstGeom prst="bentConnector4">
-            <a:avLst>
-              <a:gd name="adj1" fmla="val 2790"/>
-              <a:gd name="adj2" fmla="val 5792"/>
-            </a:avLst>
-          </a:prstGeom>
-          <a:ln w="50800">
-            <a:tailEnd type="triangle"/>
-          </a:ln>
-        </p:spPr>
-        <p:style>
-          <a:lnRef idx="1">
-            <a:schemeClr val="dk1"/>
-          </a:lnRef>
-          <a:fillRef idx="0">
-            <a:schemeClr val="dk1"/>
-          </a:fillRef>
-          <a:effectRef idx="0">
-            <a:schemeClr val="dk1"/>
-          </a:effectRef>
-          <a:fontRef idx="minor">
-            <a:schemeClr val="tx1"/>
-          </a:fontRef>
-        </p:style>
-      </p:cxnSp>
-      <p:cxnSp>
-        <p:nvCxnSpPr>
-          <p:cNvPr id="2265" name="Connector: Elbow 2264">
-            <a:extLst>
-              <a:ext uri="{FF2B5EF4-FFF2-40B4-BE49-F238E27FC236}">
-                <a16:creationId xmlns:a16="http://schemas.microsoft.com/office/drawing/2014/main" id="{97A46839-760D-46D6-820B-52C1C5EB6A65}"/>
-              </a:ext>
-            </a:extLst>
-          </p:cNvPr>
-          <p:cNvCxnSpPr>
-            <a:cxnSpLocks/>
-          </p:cNvCxnSpPr>
-          <p:nvPr/>
-        </p:nvCxnSpPr>
-        <p:spPr>
-          <a:xfrm>
-            <a:off x="11914045" y="28759885"/>
-            <a:ext cx="526880" cy="292105"/>
-          </a:xfrm>
-          <a:prstGeom prst="bentConnector3">
-            <a:avLst/>
-          </a:prstGeom>
-          <a:ln w="50800"/>
-        </p:spPr>
-        <p:style>
-          <a:lnRef idx="1">
-            <a:schemeClr val="dk1"/>
-          </a:lnRef>
-          <a:fillRef idx="0">
-            <a:schemeClr val="dk1"/>
-          </a:fillRef>
-          <a:effectRef idx="0">
-            <a:schemeClr val="dk1"/>
-          </a:effectRef>
-          <a:fontRef idx="minor">
-            <a:schemeClr val="tx1"/>
-          </a:fontRef>
-        </p:style>
-      </p:cxnSp>
-      <p:cxnSp>
-        <p:nvCxnSpPr>
-          <p:cNvPr id="2266" name="Connector: Elbow 2265">
-            <a:extLst>
-              <a:ext uri="{FF2B5EF4-FFF2-40B4-BE49-F238E27FC236}">
-                <a16:creationId xmlns:a16="http://schemas.microsoft.com/office/drawing/2014/main" id="{8A878DF3-4081-480D-9CA1-B7B9AC0BF7B9}"/>
-              </a:ext>
-            </a:extLst>
-          </p:cNvPr>
-          <p:cNvCxnSpPr>
-            <a:cxnSpLocks/>
-          </p:cNvCxnSpPr>
-          <p:nvPr/>
-        </p:nvCxnSpPr>
-        <p:spPr>
-          <a:xfrm flipV="1">
-            <a:off x="11891430" y="29051990"/>
-            <a:ext cx="384630" cy="286230"/>
-          </a:xfrm>
-          <a:prstGeom prst="bentConnector3">
-            <a:avLst/>
-          </a:prstGeom>
-          <a:ln w="50800"/>
-        </p:spPr>
-        <p:style>
-          <a:lnRef idx="1">
-            <a:schemeClr val="dk1"/>
-          </a:lnRef>
-          <a:fillRef idx="0">
-            <a:schemeClr val="dk1"/>
-          </a:fillRef>
-          <a:effectRef idx="0">
-            <a:schemeClr val="dk1"/>
-          </a:effectRef>
-          <a:fontRef idx="minor">
-            <a:schemeClr val="tx1"/>
-          </a:fontRef>
-        </p:style>
-      </p:cxnSp>
       <p:cxnSp>
         <p:nvCxnSpPr>
           <p:cNvPr id="2269" name="Connector: Elbow 2268">
@@ -41009,14 +40455,14 @@
           </p:cNvPr>
           <p:cNvCxnSpPr>
             <a:cxnSpLocks/>
-            <a:stCxn id="1094" idx="2"/>
+            <a:stCxn id="524" idx="4"/>
           </p:cNvCxnSpPr>
           <p:nvPr/>
         </p:nvCxnSpPr>
         <p:spPr>
           <a:xfrm rot="16200000" flipH="1">
-            <a:off x="12320859" y="3577747"/>
-            <a:ext cx="2920142" cy="13462344"/>
+            <a:off x="12194506" y="3451393"/>
+            <a:ext cx="2920092" cy="13715100"/>
           </a:xfrm>
           <a:prstGeom prst="bentConnector2">
             <a:avLst/>
@@ -41666,8 +41112,8 @@
         </p:nvSpPr>
         <p:spPr>
           <a:xfrm>
-            <a:off x="668221" y="32704680"/>
-            <a:ext cx="16050281" cy="3600986"/>
+            <a:off x="131890" y="32296228"/>
+            <a:ext cx="16050281" cy="4216539"/>
           </a:xfrm>
           <a:prstGeom prst="rect">
             <a:avLst/>
@@ -41689,19 +41135,38 @@
             </a:br>
             <a:r>
               <a:rPr lang="en-US" sz="4000" dirty="0"/>
-              <a:t>1) Klipper Host is an Acer Chromebox running Ubuntu 20.04.3</a:t>
+              <a:t>1) Klipper Host is an Acer Chromebox CXI2 running Ubuntu 20.04.3 LTS</a:t>
             </a:r>
           </a:p>
           <a:p>
             <a:r>
               <a:rPr lang="en-US" sz="4000" dirty="0"/>
-              <a:t>2) USB Nozzle Cam not shown </a:t>
+              <a:t>2) </a:t>
             </a:r>
-          </a:p>
-          <a:p>
+            <a:r>
+              <a:rPr lang="en-US" sz="4000" dirty="0">
+                <a:solidFill>
+                  <a:schemeClr val="bg2">
+                    <a:lumMod val="90000"/>
+                  </a:schemeClr>
+                </a:solidFill>
+              </a:rPr>
+              <a:t>– DELETED –</a:t>
+            </a:r>
+            <a:br>
+              <a:rPr lang="en-US" sz="4000" dirty="0"/>
+            </a:br>
             <a:r>
               <a:rPr lang="en-US" sz="4000" dirty="0"/>
-              <a:t>3) USB 3.0 Hub not shown (connects Host to MCU 1, MCU 2, Nozzle Cam)</a:t>
+              <a:t>3) USB 3.0 Hub connects Host to MCU1 (Octopus v1.1), MCU2 (RP2040 on </a:t>
+            </a:r>
+            <a:r>
+              <a:rPr lang="en-US" sz="4000" dirty="0" err="1"/>
+              <a:t>rPi</a:t>
+            </a:r>
+            <a:r>
+              <a:rPr lang="en-US" sz="4000" dirty="0"/>
+              <a:t> Pico), MCU3 (Xiao on ERCF Easy BRD), and Nozzle Cam</a:t>
             </a:r>
             <a:br>
               <a:rPr lang="en-US" sz="4000" dirty="0"/>
@@ -41712,13 +41177,7 @@
             </a:r>
             <a:r>
               <a:rPr lang="en-US" sz="2800" dirty="0"/>
-              <a:t>– MCU 2’s port’s power switch to</a:t>
-            </a:r>
-          </a:p>
-          <a:p>
-            <a:r>
-              <a:rPr lang="en-US" sz="2800" dirty="0"/>
-              <a:t>     remain in the off position so it is powered down when the switched 5VDC power supply gets shut off</a:t>
+              <a:t>– MCU 1-3 port’s power switch to remain in the off position so they are powered down when the switched DC power supplies power down</a:t>
             </a:r>
           </a:p>
         </p:txBody>
@@ -42707,7 +42166,7 @@
           <p:nvPr/>
         </p:nvPicPr>
         <p:blipFill rotWithShape="1">
-          <a:blip r:embed="rId16">
+          <a:blip r:embed="rId15">
             <a:extLst>
               <a:ext uri="{28A0092B-C50C-407E-A947-70E740481C1C}">
                 <a14:useLocalDpi xmlns:a14="http://schemas.microsoft.com/office/drawing/2010/main" val="0"/>
@@ -42752,7 +42211,7 @@
           <p:nvPr/>
         </p:nvPicPr>
         <p:blipFill rotWithShape="1">
-          <a:blip r:embed="rId16">
+          <a:blip r:embed="rId15">
             <a:extLst>
               <a:ext uri="{28A0092B-C50C-407E-A947-70E740481C1C}">
                 <a14:useLocalDpi xmlns:a14="http://schemas.microsoft.com/office/drawing/2010/main" val="0"/>
@@ -43710,7 +43169,7 @@
         </p:nvSpPr>
         <p:spPr>
           <a:xfrm>
-            <a:off x="29293664" y="10994692"/>
+            <a:off x="29293663" y="10782347"/>
             <a:ext cx="1303097" cy="258082"/>
           </a:xfrm>
           <a:custGeom>
@@ -43834,8 +43293,8 @@
         </p:nvSpPr>
         <p:spPr>
           <a:xfrm>
-            <a:off x="31038166" y="10859588"/>
-            <a:ext cx="4791120" cy="646331"/>
+            <a:off x="31725722" y="9434416"/>
+            <a:ext cx="2432684" cy="1477328"/>
           </a:xfrm>
           <a:prstGeom prst="rect">
             <a:avLst/>
@@ -43843,7 +43302,7 @@
           <a:noFill/>
         </p:spPr>
         <p:txBody>
-          <a:bodyPr wrap="none" rtlCol="0">
+          <a:bodyPr wrap="square" rtlCol="0">
             <a:spAutoFit/>
           </a:bodyPr>
           <a:lstStyle/>
@@ -43858,14 +43317,7 @@
             </a:r>
             <a:r>
               <a:rPr lang="en-US" dirty="0"/>
-              <a:t> 24awg 4cond shielded ETFE wire</a:t>
-            </a:r>
-            <a:br>
-              <a:rPr lang="en-US" dirty="0"/>
-            </a:br>
-            <a:r>
-              <a:rPr lang="en-US" dirty="0"/>
-              <a:t>MIL-W-27500-24SB4T23-3 </a:t>
+              <a:t> 24awg 4cond shielded ETFE wire MIL-W-27500-24SB4T23-3 </a:t>
             </a:r>
             <a:r>
               <a:rPr lang="en-US" dirty="0" err="1"/>
@@ -44036,15 +43488,16 @@
             </a:extLst>
           </p:cNvPr>
           <p:cNvCxnSpPr>
+            <a:cxnSpLocks/>
             <a:stCxn id="4" idx="1"/>
             <a:endCxn id="3" idx="6"/>
           </p:cNvCxnSpPr>
           <p:nvPr/>
         </p:nvCxnSpPr>
         <p:spPr>
-          <a:xfrm flipH="1" flipV="1">
-            <a:off x="30596761" y="11123733"/>
-            <a:ext cx="441405" cy="59021"/>
+          <a:xfrm flipH="1">
+            <a:off x="30596760" y="10173080"/>
+            <a:ext cx="1128962" cy="738308"/>
           </a:xfrm>
           <a:prstGeom prst="straightConnector1">
             <a:avLst/>
@@ -44517,8 +43970,8 @@
         </p:nvSpPr>
         <p:spPr>
           <a:xfrm>
-            <a:off x="17397622" y="8491303"/>
-            <a:ext cx="1846001" cy="1315683"/>
+            <a:off x="23073899" y="4699358"/>
+            <a:ext cx="2473361" cy="1715657"/>
           </a:xfrm>
           <a:prstGeom prst="rect">
             <a:avLst/>
@@ -44583,6 +44036,18 @@
               </a:rPr>
               <a:t>(See Notes 3 &amp; 4)</a:t>
             </a:r>
+            <a:br>
+              <a:rPr lang="en-US" dirty="0">
+                <a:solidFill>
+                  <a:schemeClr val="tx1"/>
+                </a:solidFill>
+              </a:rPr>
+            </a:br>
+            <a:endParaRPr lang="en-US" dirty="0">
+              <a:solidFill>
+                <a:schemeClr val="tx1"/>
+              </a:solidFill>
+            </a:endParaRPr>
           </a:p>
         </p:txBody>
       </p:sp>
@@ -44600,7 +44065,7 @@
         </p:nvSpPr>
         <p:spPr>
           <a:xfrm>
-            <a:off x="17535087" y="8515521"/>
+            <a:off x="23271167" y="4759491"/>
             <a:ext cx="1580693" cy="369332"/>
           </a:xfrm>
           <a:prstGeom prst="rect">
@@ -44635,7 +44100,7 @@
         </p:nvSpPr>
         <p:spPr>
           <a:xfrm>
-            <a:off x="17804657" y="8457913"/>
+            <a:off x="23629728" y="4679740"/>
             <a:ext cx="66716" cy="72212"/>
           </a:xfrm>
           <a:prstGeom prst="ellipse">
@@ -44689,7 +44154,7 @@
         </p:nvSpPr>
         <p:spPr>
           <a:xfrm>
-            <a:off x="18597037" y="8455177"/>
+            <a:off x="24353230" y="4645944"/>
             <a:ext cx="66716" cy="72212"/>
           </a:xfrm>
           <a:prstGeom prst="ellipse">
@@ -44740,15 +44205,13 @@
           </p:cNvPr>
           <p:cNvCxnSpPr>
             <a:cxnSpLocks/>
-            <a:stCxn id="914" idx="0"/>
-            <a:endCxn id="897" idx="4"/>
           </p:cNvCxnSpPr>
           <p:nvPr/>
         </p:nvCxnSpPr>
         <p:spPr>
-          <a:xfrm rot="5400000" flipH="1" flipV="1">
-            <a:off x="17158404" y="7099628"/>
-            <a:ext cx="2037896" cy="678674"/>
+          <a:xfrm rot="10800000">
+            <a:off x="18546362" y="3975831"/>
+            <a:ext cx="5160067" cy="6586"/>
           </a:xfrm>
           <a:prstGeom prst="bentConnector3">
             <a:avLst>
@@ -44787,20 +44250,17 @@
           </p:cNvPr>
           <p:cNvCxnSpPr>
             <a:cxnSpLocks/>
-            <a:stCxn id="915" idx="0"/>
-            <a:endCxn id="904" idx="3"/>
+            <a:endCxn id="903" idx="7"/>
           </p:cNvCxnSpPr>
           <p:nvPr/>
         </p:nvCxnSpPr>
         <p:spPr>
-          <a:xfrm rot="5400000" flipH="1" flipV="1">
-            <a:off x="19412834" y="5603410"/>
-            <a:ext cx="2069328" cy="3634206"/>
-          </a:xfrm>
-          <a:prstGeom prst="bentConnector3">
-            <a:avLst>
-              <a:gd name="adj1" fmla="val 31588"/>
-            </a:avLst>
+          <a:xfrm rot="10800000" flipV="1">
+            <a:off x="22323518" y="4111081"/>
+            <a:ext cx="2091889" cy="393361"/>
+          </a:xfrm>
+          <a:prstGeom prst="bentConnector2">
+            <a:avLst/>
           </a:prstGeom>
         </p:spPr>
         <p:style>
@@ -44829,17 +44289,18 @@
           </p:cNvPr>
           <p:cNvCxnSpPr>
             <a:cxnSpLocks/>
+            <a:stCxn id="951" idx="3"/>
           </p:cNvCxnSpPr>
           <p:nvPr/>
         </p:nvCxnSpPr>
         <p:spPr>
-          <a:xfrm rot="16200000" flipV="1">
-            <a:off x="33554591" y="7695818"/>
-            <a:ext cx="3048774" cy="519698"/>
+          <a:xfrm flipV="1">
+            <a:off x="24966068" y="382337"/>
+            <a:ext cx="9937061" cy="2063316"/>
           </a:xfrm>
           <a:prstGeom prst="bentConnector3">
             <a:avLst>
-              <a:gd name="adj1" fmla="val 99355"/>
+              <a:gd name="adj1" fmla="val 2840"/>
             </a:avLst>
           </a:prstGeom>
         </p:spPr>
@@ -44872,8 +44333,8 @@
         </p:nvSpPr>
         <p:spPr>
           <a:xfrm>
-            <a:off x="10597180" y="7276324"/>
-            <a:ext cx="1846001" cy="1315683"/>
+            <a:off x="30943438" y="13463832"/>
+            <a:ext cx="1290461" cy="707782"/>
           </a:xfrm>
           <a:prstGeom prst="rect">
             <a:avLst/>
@@ -44909,26 +44370,13 @@
           <a:p>
             <a:pPr algn="ctr"/>
             <a:r>
-              <a:rPr lang="en-US" dirty="0">
+              <a:rPr lang="en-US" sz="1200" dirty="0">
                 <a:solidFill>
                   <a:schemeClr val="tx1"/>
                 </a:solidFill>
               </a:rPr>
-              <a:t>24-5 DC Buck Converter for powering ERCF &amp; ERCF </a:t>
+              <a:t>24-5 DC Buck Converter for ERCF</a:t>
             </a:r>
-            <a:r>
-              <a:rPr lang="en-US" dirty="0" err="1">
-                <a:solidFill>
-                  <a:schemeClr val="tx1"/>
-                </a:solidFill>
-              </a:rPr>
-              <a:t>Neopixels</a:t>
-            </a:r>
-            <a:endParaRPr lang="en-US" dirty="0">
-              <a:solidFill>
-                <a:schemeClr val="tx1"/>
-              </a:solidFill>
-            </a:endParaRPr>
           </a:p>
         </p:txBody>
       </p:sp>
@@ -45643,13 +45091,13 @@
         </p:nvCxnSpPr>
         <p:spPr>
           <a:xfrm rot="16200000" flipH="1">
-            <a:off x="10371439" y="6713673"/>
-            <a:ext cx="261637" cy="836050"/>
+            <a:off x="10465581" y="6619531"/>
+            <a:ext cx="57947" cy="820644"/>
           </a:xfrm>
           <a:prstGeom prst="bentConnector4">
             <a:avLst>
-              <a:gd name="adj1" fmla="val -37862"/>
-              <a:gd name="adj2" fmla="val 98066"/>
+              <a:gd name="adj1" fmla="val -189031"/>
+              <a:gd name="adj2" fmla="val 53470"/>
             </a:avLst>
           </a:prstGeom>
           <a:ln>
@@ -45673,53 +45121,6 @@
           </a:fontRef>
         </p:style>
       </p:cxnSp>
-      <p:cxnSp>
-        <p:nvCxnSpPr>
-          <p:cNvPr id="946" name="Connector: Elbow 945">
-            <a:extLst>
-              <a:ext uri="{FF2B5EF4-FFF2-40B4-BE49-F238E27FC236}">
-                <a16:creationId xmlns:a16="http://schemas.microsoft.com/office/drawing/2014/main" id="{5412C271-56C9-47E0-B925-00C2CF0AF3B0}"/>
-              </a:ext>
-            </a:extLst>
-          </p:cNvPr>
-          <p:cNvCxnSpPr>
-            <a:cxnSpLocks/>
-            <a:stCxn id="921" idx="0"/>
-          </p:cNvCxnSpPr>
-          <p:nvPr/>
-        </p:nvCxnSpPr>
-        <p:spPr>
-          <a:xfrm rot="16200000" flipH="1">
-            <a:off x="9344419" y="5416838"/>
-            <a:ext cx="316611" cy="3400995"/>
-          </a:xfrm>
-          <a:prstGeom prst="bentConnector4">
-            <a:avLst>
-              <a:gd name="adj1" fmla="val -235860"/>
-              <a:gd name="adj2" fmla="val 100678"/>
-            </a:avLst>
-          </a:prstGeom>
-          <a:ln>
-            <a:solidFill>
-              <a:schemeClr val="tx1"/>
-            </a:solidFill>
-          </a:ln>
-        </p:spPr>
-        <p:style>
-          <a:lnRef idx="1">
-            <a:schemeClr val="dk1"/>
-          </a:lnRef>
-          <a:fillRef idx="0">
-            <a:schemeClr val="dk1"/>
-          </a:fillRef>
-          <a:effectRef idx="0">
-            <a:schemeClr val="dk1"/>
-          </a:effectRef>
-          <a:fontRef idx="minor">
-            <a:schemeClr val="tx1"/>
-          </a:fontRef>
-        </p:style>
-      </p:cxnSp>
       <p:sp>
         <p:nvSpPr>
           <p:cNvPr id="951" name="Rectangle 950">
@@ -45734,8 +45135,8 @@
         </p:nvSpPr>
         <p:spPr>
           <a:xfrm>
-            <a:off x="34246987" y="9453208"/>
-            <a:ext cx="1624631" cy="982069"/>
+            <a:off x="23180456" y="1954618"/>
+            <a:ext cx="1785612" cy="982069"/>
           </a:xfrm>
           <a:prstGeom prst="rect">
             <a:avLst/>
@@ -45786,13 +45187,20 @@
               </a:rPr>
               <a:t>Neopixel</a:t>
             </a:r>
+            <a:br>
+              <a:rPr lang="en-US" dirty="0">
+                <a:solidFill>
+                  <a:schemeClr val="tx1"/>
+                </a:solidFill>
+              </a:rPr>
+            </a:br>
             <a:r>
               <a:rPr lang="en-US" dirty="0">
                 <a:solidFill>
                   <a:schemeClr val="tx1"/>
                 </a:solidFill>
               </a:rPr>
-              <a:t> Data</a:t>
+              <a:t>(on ‘Dashboard’)</a:t>
             </a:r>
           </a:p>
         </p:txBody>
@@ -45811,8 +45219,8 @@
         </p:nvSpPr>
         <p:spPr>
           <a:xfrm>
-            <a:off x="20643694" y="13558700"/>
-            <a:ext cx="2898302" cy="2282658"/>
+            <a:off x="30986920" y="14711987"/>
+            <a:ext cx="1157941" cy="848854"/>
           </a:xfrm>
           <a:prstGeom prst="rect">
             <a:avLst/>
@@ -46063,8 +45471,8 @@
         </p:nvSpPr>
         <p:spPr>
           <a:xfrm>
-            <a:off x="15092633" y="7411506"/>
-            <a:ext cx="1846001" cy="1315683"/>
+            <a:off x="30923234" y="12163350"/>
+            <a:ext cx="1289390" cy="707811"/>
           </a:xfrm>
           <a:prstGeom prst="rect">
             <a:avLst/>
@@ -46100,12 +45508,12 @@
           <a:p>
             <a:pPr algn="ctr"/>
             <a:r>
-              <a:rPr lang="en-US" dirty="0">
+              <a:rPr lang="en-US" sz="1200" dirty="0">
                 <a:solidFill>
                   <a:schemeClr val="tx1"/>
                 </a:solidFill>
               </a:rPr>
-              <a:t>24-12 DC Buck Converter for powering Water Pump</a:t>
+              <a:t>24-12 DC Buck Converter for Water Cooling</a:t>
             </a:r>
           </a:p>
         </p:txBody>
@@ -46126,12 +45534,12 @@
         </p:nvCxnSpPr>
         <p:spPr>
           <a:xfrm>
-            <a:off x="10900065" y="7059236"/>
-            <a:ext cx="4563446" cy="349876"/>
+            <a:off x="10882983" y="7049892"/>
+            <a:ext cx="17474858" cy="7289260"/>
           </a:xfrm>
           <a:prstGeom prst="bentConnector3">
             <a:avLst>
-              <a:gd name="adj1" fmla="val 99781"/>
+              <a:gd name="adj1" fmla="val 36834"/>
             </a:avLst>
           </a:prstGeom>
           <a:ln>
@@ -46166,17 +45574,18 @@
           </p:cNvPr>
           <p:cNvCxnSpPr>
             <a:cxnSpLocks/>
+            <a:endCxn id="1178" idx="0"/>
           </p:cNvCxnSpPr>
           <p:nvPr/>
         </p:nvCxnSpPr>
         <p:spPr>
           <a:xfrm>
-            <a:off x="11219005" y="7155189"/>
-            <a:ext cx="4511780" cy="253122"/>
+            <a:off x="7771614" y="11217273"/>
+            <a:ext cx="24812729" cy="312482"/>
           </a:xfrm>
           <a:prstGeom prst="bentConnector3">
             <a:avLst>
-              <a:gd name="adj1" fmla="val 100105"/>
+              <a:gd name="adj1" fmla="val 95055"/>
             </a:avLst>
           </a:prstGeom>
           <a:ln>
@@ -46202,10 +45611,10 @@
       </p:cxnSp>
       <p:sp>
         <p:nvSpPr>
-          <p:cNvPr id="942" name="Oval 941">
-            <a:extLst>
-              <a:ext uri="{FF2B5EF4-FFF2-40B4-BE49-F238E27FC236}">
-                <a16:creationId xmlns:a16="http://schemas.microsoft.com/office/drawing/2014/main" id="{E1BB80CD-805F-4E6F-B5C3-08C68868A56D}"/>
+          <p:cNvPr id="943" name="Oval 942">
+            <a:extLst>
+              <a:ext uri="{FF2B5EF4-FFF2-40B4-BE49-F238E27FC236}">
+                <a16:creationId xmlns:a16="http://schemas.microsoft.com/office/drawing/2014/main" id="{20BBE516-1924-4DA0-B210-F795BEBB4AF4}"/>
               </a:ext>
             </a:extLst>
           </p:cNvPr>
@@ -46214,7 +45623,7 @@
         </p:nvSpPr>
         <p:spPr>
           <a:xfrm>
-            <a:off x="36150371" y="5185392"/>
+            <a:off x="36137097" y="4627393"/>
             <a:ext cx="66716" cy="72212"/>
           </a:xfrm>
           <a:prstGeom prst="ellipse">
@@ -46254,60 +45663,6 @@
           </a:p>
         </p:txBody>
       </p:sp>
-      <p:sp>
-        <p:nvSpPr>
-          <p:cNvPr id="943" name="Oval 942">
-            <a:extLst>
-              <a:ext uri="{FF2B5EF4-FFF2-40B4-BE49-F238E27FC236}">
-                <a16:creationId xmlns:a16="http://schemas.microsoft.com/office/drawing/2014/main" id="{20BBE516-1924-4DA0-B210-F795BEBB4AF4}"/>
-              </a:ext>
-            </a:extLst>
-          </p:cNvPr>
-          <p:cNvSpPr/>
-          <p:nvPr/>
-        </p:nvSpPr>
-        <p:spPr>
-          <a:xfrm>
-            <a:off x="36385755" y="4758595"/>
-            <a:ext cx="66716" cy="72212"/>
-          </a:xfrm>
-          <a:prstGeom prst="ellipse">
-            <a:avLst/>
-          </a:prstGeom>
-          <a:solidFill>
-            <a:schemeClr val="tx1"/>
-          </a:solidFill>
-          <a:ln>
-            <a:solidFill>
-              <a:schemeClr val="tx1"/>
-            </a:solidFill>
-          </a:ln>
-        </p:spPr>
-        <p:style>
-          <a:lnRef idx="2">
-            <a:schemeClr val="accent1">
-              <a:shade val="50000"/>
-            </a:schemeClr>
-          </a:lnRef>
-          <a:fillRef idx="1">
-            <a:schemeClr val="accent1"/>
-          </a:fillRef>
-          <a:effectRef idx="0">
-            <a:schemeClr val="accent1"/>
-          </a:effectRef>
-          <a:fontRef idx="minor">
-            <a:schemeClr val="lt1"/>
-          </a:fontRef>
-        </p:style>
-        <p:txBody>
-          <a:bodyPr rtlCol="0" anchor="ctr"/>
-          <a:lstStyle/>
-          <a:p>
-            <a:pPr algn="ctr"/>
-            <a:endParaRPr lang="en-US"/>
-          </a:p>
-        </p:txBody>
-      </p:sp>
       <p:pic>
         <p:nvPicPr>
           <p:cNvPr id="945" name="Picture 944">
@@ -46322,7 +45677,7 @@
           </p:cNvPicPr>
           <p:nvPr/>
         </p:nvPicPr>
-        <p:blipFill>
+        <p:blipFill rotWithShape="1">
           <a:blip r:embed="rId8">
             <a:clrChange>
               <a:clrFrom>
@@ -46337,14 +45692,13 @@
               </a:clrTo>
             </a:clrChange>
           </a:blip>
-          <a:stretch>
-            <a:fillRect/>
-          </a:stretch>
+          <a:srcRect r="7623"/>
+          <a:stretch/>
         </p:blipFill>
         <p:spPr>
           <a:xfrm>
-            <a:off x="35970334" y="5259085"/>
-            <a:ext cx="469433" cy="512108"/>
+            <a:off x="36219368" y="11845247"/>
+            <a:ext cx="317394" cy="351867"/>
           </a:xfrm>
           <a:prstGeom prst="rect">
             <a:avLst/>
@@ -46362,17 +45716,18 @@
           </p:cNvPr>
           <p:cNvCxnSpPr>
             <a:cxnSpLocks/>
+            <a:endCxn id="1079" idx="0"/>
           </p:cNvCxnSpPr>
           <p:nvPr/>
         </p:nvCxnSpPr>
         <p:spPr>
-          <a:xfrm flipV="1">
-            <a:off x="34745733" y="5647057"/>
-            <a:ext cx="1439742" cy="206058"/>
+          <a:xfrm rot="16200000" flipH="1">
+            <a:off x="33046738" y="7552108"/>
+            <a:ext cx="4861296" cy="1463310"/>
           </a:xfrm>
           <a:prstGeom prst="bentConnector3">
             <a:avLst>
-              <a:gd name="adj1" fmla="val 99839"/>
+              <a:gd name="adj1" fmla="val 102"/>
             </a:avLst>
           </a:prstGeom>
         </p:spPr>
@@ -46407,12 +45762,12 @@
         </p:nvCxnSpPr>
         <p:spPr>
           <a:xfrm>
-            <a:off x="34755452" y="5205847"/>
-            <a:ext cx="1445898" cy="184041"/>
+            <a:off x="34721460" y="8867500"/>
+            <a:ext cx="606541" cy="253205"/>
           </a:xfrm>
           <a:prstGeom prst="bentConnector3">
             <a:avLst>
-              <a:gd name="adj1" fmla="val 99407"/>
+              <a:gd name="adj1" fmla="val 50000"/>
             </a:avLst>
           </a:prstGeom>
         </p:spPr>
@@ -46447,12 +45802,12 @@
         </p:nvCxnSpPr>
         <p:spPr>
           <a:xfrm>
-            <a:off x="35245675" y="4645133"/>
-            <a:ext cx="1165225" cy="284937"/>
+            <a:off x="34661475" y="4645133"/>
+            <a:ext cx="1524000" cy="284937"/>
           </a:xfrm>
           <a:prstGeom prst="bentConnector3">
             <a:avLst>
-              <a:gd name="adj1" fmla="val 100681"/>
+              <a:gd name="adj1" fmla="val 99688"/>
             </a:avLst>
           </a:prstGeom>
         </p:spPr>
@@ -46482,17 +45837,18 @@
           </p:cNvPr>
           <p:cNvCxnSpPr>
             <a:cxnSpLocks/>
+            <a:endCxn id="981" idx="0"/>
           </p:cNvCxnSpPr>
           <p:nvPr/>
         </p:nvCxnSpPr>
         <p:spPr>
           <a:xfrm rot="5400000">
-            <a:off x="36035193" y="5464783"/>
-            <a:ext cx="548215" cy="254000"/>
+            <a:off x="35932996" y="5575193"/>
+            <a:ext cx="515034" cy="12700"/>
           </a:xfrm>
           <a:prstGeom prst="bentConnector3">
             <a:avLst>
-              <a:gd name="adj1" fmla="val 98649"/>
+              <a:gd name="adj1" fmla="val 50000"/>
             </a:avLst>
           </a:prstGeom>
         </p:spPr>
@@ -46527,7 +45883,7 @@
         </p:nvCxnSpPr>
         <p:spPr>
           <a:xfrm flipH="1">
-            <a:off x="36385499" y="4930070"/>
+            <a:off x="36141603" y="4938171"/>
             <a:ext cx="40482" cy="41620"/>
           </a:xfrm>
           <a:prstGeom prst="line">
@@ -46565,7 +45921,7 @@
         </p:nvCxnSpPr>
         <p:spPr>
           <a:xfrm flipH="1">
-            <a:off x="36406931" y="5145287"/>
+            <a:off x="36163035" y="5153388"/>
             <a:ext cx="67287" cy="63080"/>
           </a:xfrm>
           <a:prstGeom prst="line">
@@ -46603,7 +45959,7 @@
         </p:nvCxnSpPr>
         <p:spPr>
           <a:xfrm flipH="1">
-            <a:off x="36397406" y="5025821"/>
+            <a:off x="36153510" y="5033922"/>
             <a:ext cx="67287" cy="63080"/>
           </a:xfrm>
           <a:prstGeom prst="line">
@@ -46641,7 +45997,7 @@
         </p:nvCxnSpPr>
         <p:spPr>
           <a:xfrm>
-            <a:off x="36414075" y="5205847"/>
+            <a:off x="36170179" y="5213948"/>
             <a:ext cx="69056" cy="70704"/>
           </a:xfrm>
           <a:prstGeom prst="line">
@@ -46679,7 +46035,7 @@
         </p:nvCxnSpPr>
         <p:spPr>
           <a:xfrm flipH="1">
-            <a:off x="36433125" y="5274933"/>
+            <a:off x="36189229" y="5283034"/>
             <a:ext cx="41093" cy="42743"/>
           </a:xfrm>
           <a:prstGeom prst="line">
@@ -46717,7 +46073,7 @@
         </p:nvCxnSpPr>
         <p:spPr>
           <a:xfrm>
-            <a:off x="36406931" y="5085756"/>
+            <a:off x="36163035" y="5093857"/>
             <a:ext cx="69056" cy="70704"/>
           </a:xfrm>
           <a:prstGeom prst="line">
@@ -46755,7 +46111,7 @@
         </p:nvCxnSpPr>
         <p:spPr>
           <a:xfrm>
-            <a:off x="36392643" y="4969417"/>
+            <a:off x="36148747" y="4977518"/>
             <a:ext cx="69056" cy="70704"/>
           </a:xfrm>
           <a:prstGeom prst="line">
@@ -46779,10 +46135,10 @@
       </p:cxnSp>
       <p:sp>
         <p:nvSpPr>
-          <p:cNvPr id="980" name="Oval 979">
-            <a:extLst>
-              <a:ext uri="{FF2B5EF4-FFF2-40B4-BE49-F238E27FC236}">
-                <a16:creationId xmlns:a16="http://schemas.microsoft.com/office/drawing/2014/main" id="{EE25A5E7-5D73-491B-B5C9-882273182CE8}"/>
+          <p:cNvPr id="981" name="Oval 980">
+            <a:extLst>
+              <a:ext uri="{FF2B5EF4-FFF2-40B4-BE49-F238E27FC236}">
+                <a16:creationId xmlns:a16="http://schemas.microsoft.com/office/drawing/2014/main" id="{E00F26FB-1F31-4A93-9812-6498E44C0CDE}"/>
               </a:ext>
             </a:extLst>
           </p:cNvPr>
@@ -46791,7 +46147,7 @@
         </p:nvSpPr>
         <p:spPr>
           <a:xfrm>
-            <a:off x="36400995" y="5400835"/>
+            <a:off x="36157155" y="5832710"/>
             <a:ext cx="66716" cy="72212"/>
           </a:xfrm>
           <a:prstGeom prst="ellipse">
@@ -46833,10 +46189,215 @@
       </p:sp>
       <p:sp>
         <p:nvSpPr>
-          <p:cNvPr id="981" name="Oval 980">
-            <a:extLst>
-              <a:ext uri="{FF2B5EF4-FFF2-40B4-BE49-F238E27FC236}">
-                <a16:creationId xmlns:a16="http://schemas.microsoft.com/office/drawing/2014/main" id="{E00F26FB-1F31-4A93-9812-6498E44C0CDE}"/>
+          <p:cNvPr id="102" name="TextBox 101">
+            <a:extLst>
+              <a:ext uri="{FF2B5EF4-FFF2-40B4-BE49-F238E27FC236}">
+                <a16:creationId xmlns:a16="http://schemas.microsoft.com/office/drawing/2014/main" id="{CE4320F0-11B5-4F82-8A27-89B4C65864B5}"/>
+              </a:ext>
+            </a:extLst>
+          </p:cNvPr>
+          <p:cNvSpPr txBox="1"/>
+          <p:nvPr/>
+        </p:nvSpPr>
+        <p:spPr>
+          <a:xfrm>
+            <a:off x="35715403" y="4275863"/>
+            <a:ext cx="723275" cy="276999"/>
+          </a:xfrm>
+          <a:prstGeom prst="rect">
+            <a:avLst/>
+          </a:prstGeom>
+          <a:noFill/>
+        </p:spPr>
+        <p:txBody>
+          <a:bodyPr wrap="none" rtlCol="0">
+            <a:spAutoFit/>
+          </a:bodyPr>
+          <a:lstStyle/>
+          <a:p>
+            <a:r>
+              <a:rPr lang="en-US" sz="1200" dirty="0"/>
+              <a:t>4.7K .1%</a:t>
+            </a:r>
+          </a:p>
+        </p:txBody>
+      </p:sp>
+      <p:sp>
+        <p:nvSpPr>
+          <p:cNvPr id="983" name="TextBox 982">
+            <a:extLst>
+              <a:ext uri="{FF2B5EF4-FFF2-40B4-BE49-F238E27FC236}">
+                <a16:creationId xmlns:a16="http://schemas.microsoft.com/office/drawing/2014/main" id="{DC2DA04E-186E-4F18-AF1A-40E917B19700}"/>
+              </a:ext>
+            </a:extLst>
+          </p:cNvPr>
+          <p:cNvSpPr txBox="1"/>
+          <p:nvPr/>
+        </p:nvSpPr>
+        <p:spPr>
+          <a:xfrm>
+            <a:off x="36089407" y="12399253"/>
+            <a:ext cx="486593" cy="400110"/>
+          </a:xfrm>
+          <a:prstGeom prst="rect">
+            <a:avLst/>
+          </a:prstGeom>
+          <a:noFill/>
+        </p:spPr>
+        <p:txBody>
+          <a:bodyPr wrap="square" rtlCol="0">
+            <a:spAutoFit/>
+          </a:bodyPr>
+          <a:lstStyle/>
+          <a:p>
+            <a:r>
+              <a:rPr lang="en-US" sz="1000" dirty="0"/>
+              <a:t>H2O</a:t>
+            </a:r>
+            <a:br>
+              <a:rPr lang="en-US" sz="1000" dirty="0"/>
+            </a:br>
+            <a:r>
+              <a:rPr lang="en-US" sz="1000" dirty="0"/>
+              <a:t>Temp</a:t>
+            </a:r>
+          </a:p>
+        </p:txBody>
+      </p:sp>
+      <p:cxnSp>
+        <p:nvCxnSpPr>
+          <p:cNvPr id="19" name="Straight Connector 18">
+            <a:extLst>
+              <a:ext uri="{FF2B5EF4-FFF2-40B4-BE49-F238E27FC236}">
+                <a16:creationId xmlns:a16="http://schemas.microsoft.com/office/drawing/2014/main" id="{4823CB93-745F-4DAE-91DA-29572849E65D}"/>
+              </a:ext>
+            </a:extLst>
+          </p:cNvPr>
+          <p:cNvCxnSpPr>
+            <a:cxnSpLocks/>
+          </p:cNvCxnSpPr>
+          <p:nvPr/>
+        </p:nvCxnSpPr>
+        <p:spPr>
+          <a:xfrm flipH="1">
+            <a:off x="34675543" y="6467226"/>
+            <a:ext cx="399086" cy="0"/>
+          </a:xfrm>
+          <a:prstGeom prst="line">
+            <a:avLst/>
+          </a:prstGeom>
+        </p:spPr>
+        <p:style>
+          <a:lnRef idx="1">
+            <a:schemeClr val="dk1"/>
+          </a:lnRef>
+          <a:fillRef idx="0">
+            <a:schemeClr val="dk1"/>
+          </a:fillRef>
+          <a:effectRef idx="0">
+            <a:schemeClr val="dk1"/>
+          </a:effectRef>
+          <a:fontRef idx="minor">
+            <a:schemeClr val="tx1"/>
+          </a:fontRef>
+        </p:style>
+      </p:cxnSp>
+      <p:sp>
+        <p:nvSpPr>
+          <p:cNvPr id="944" name="TextBox 943">
+            <a:extLst>
+              <a:ext uri="{FF2B5EF4-FFF2-40B4-BE49-F238E27FC236}">
+                <a16:creationId xmlns:a16="http://schemas.microsoft.com/office/drawing/2014/main" id="{0F584926-1C31-4858-A69B-29B3D79E106F}"/>
+              </a:ext>
+            </a:extLst>
+          </p:cNvPr>
+          <p:cNvSpPr txBox="1"/>
+          <p:nvPr/>
+        </p:nvSpPr>
+        <p:spPr>
+          <a:xfrm>
+            <a:off x="37703988" y="4687622"/>
+            <a:ext cx="2034312" cy="923330"/>
+          </a:xfrm>
+          <a:prstGeom prst="rect">
+            <a:avLst/>
+          </a:prstGeom>
+          <a:noFill/>
+        </p:spPr>
+        <p:txBody>
+          <a:bodyPr wrap="square" rtlCol="0">
+            <a:spAutoFit/>
+          </a:bodyPr>
+          <a:lstStyle/>
+          <a:p>
+            <a:r>
+              <a:rPr lang="en-US" dirty="0"/>
+              <a:t>NC</a:t>
+            </a:r>
+          </a:p>
+          <a:p>
+            <a:r>
+              <a:rPr lang="en-US" dirty="0"/>
+              <a:t>C</a:t>
+            </a:r>
+          </a:p>
+          <a:p>
+            <a:r>
+              <a:rPr lang="en-US" dirty="0"/>
+              <a:t>NO</a:t>
+            </a:r>
+          </a:p>
+        </p:txBody>
+      </p:sp>
+      <p:cxnSp>
+        <p:nvCxnSpPr>
+          <p:cNvPr id="957" name="Straight Connector 956">
+            <a:extLst>
+              <a:ext uri="{FF2B5EF4-FFF2-40B4-BE49-F238E27FC236}">
+                <a16:creationId xmlns:a16="http://schemas.microsoft.com/office/drawing/2014/main" id="{FABEADFC-EA3E-4D3C-996D-B2D1EAB77CD5}"/>
+              </a:ext>
+            </a:extLst>
+          </p:cNvPr>
+          <p:cNvCxnSpPr>
+            <a:cxnSpLocks/>
+          </p:cNvCxnSpPr>
+          <p:nvPr/>
+        </p:nvCxnSpPr>
+        <p:spPr>
+          <a:xfrm flipV="1">
+            <a:off x="18534014" y="3982574"/>
+            <a:ext cx="0" cy="528476"/>
+          </a:xfrm>
+          <a:prstGeom prst="line">
+            <a:avLst/>
+          </a:prstGeom>
+          <a:ln>
+            <a:solidFill>
+              <a:srgbClr val="FF0000"/>
+            </a:solidFill>
+          </a:ln>
+        </p:spPr>
+        <p:style>
+          <a:lnRef idx="1">
+            <a:schemeClr val="dk1"/>
+          </a:lnRef>
+          <a:fillRef idx="0">
+            <a:schemeClr val="dk1"/>
+          </a:fillRef>
+          <a:effectRef idx="0">
+            <a:schemeClr val="dk1"/>
+          </a:effectRef>
+          <a:fontRef idx="minor">
+            <a:schemeClr val="tx1"/>
+          </a:fontRef>
+        </p:style>
+      </p:cxnSp>
+      <p:sp>
+        <p:nvSpPr>
+          <p:cNvPr id="1048" name="Rectangle 1047">
+            <a:extLst>
+              <a:ext uri="{FF2B5EF4-FFF2-40B4-BE49-F238E27FC236}">
+                <a16:creationId xmlns:a16="http://schemas.microsoft.com/office/drawing/2014/main" id="{520B5880-E8CA-4AC9-8973-81D918A10B9B}"/>
               </a:ext>
             </a:extLst>
           </p:cNvPr>
@@ -46844,15 +46405,199 @@
           <p:nvPr/>
         </p:nvSpPr>
         <p:spPr>
-          <a:xfrm>
-            <a:off x="36157155" y="5832710"/>
-            <a:ext cx="66716" cy="72212"/>
-          </a:xfrm>
-          <a:prstGeom prst="ellipse">
+          <a:xfrm rot="16200000">
+            <a:off x="28723494" y="13871283"/>
+            <a:ext cx="206446" cy="935194"/>
+          </a:xfrm>
+          <a:prstGeom prst="rect">
+            <a:avLst/>
+          </a:prstGeom>
+          <a:noFill/>
+          <a:ln>
+            <a:solidFill>
+              <a:schemeClr val="tx1"/>
+            </a:solidFill>
+          </a:ln>
+        </p:spPr>
+        <p:style>
+          <a:lnRef idx="2">
+            <a:schemeClr val="accent1">
+              <a:shade val="50000"/>
+            </a:schemeClr>
+          </a:lnRef>
+          <a:fillRef idx="1">
+            <a:schemeClr val="accent1"/>
+          </a:fillRef>
+          <a:effectRef idx="0">
+            <a:schemeClr val="accent1"/>
+          </a:effectRef>
+          <a:fontRef idx="minor">
+            <a:schemeClr val="lt1"/>
+          </a:fontRef>
+        </p:style>
+        <p:txBody>
+          <a:bodyPr rtlCol="0" anchor="ctr"/>
+          <a:lstStyle/>
+          <a:p>
+            <a:pPr algn="ctr"/>
+            <a:endParaRPr lang="en-US"/>
+          </a:p>
+        </p:txBody>
+      </p:sp>
+      <p:cxnSp>
+        <p:nvCxnSpPr>
+          <p:cNvPr id="1050" name="Straight Connector 1049">
+            <a:extLst>
+              <a:ext uri="{FF2B5EF4-FFF2-40B4-BE49-F238E27FC236}">
+                <a16:creationId xmlns:a16="http://schemas.microsoft.com/office/drawing/2014/main" id="{B6550865-D309-4904-8DD0-AE0B0A8EBB6F}"/>
+              </a:ext>
+            </a:extLst>
+          </p:cNvPr>
+          <p:cNvCxnSpPr>
+            <a:cxnSpLocks/>
+          </p:cNvCxnSpPr>
+          <p:nvPr/>
+        </p:nvCxnSpPr>
+        <p:spPr>
+          <a:xfrm>
+            <a:off x="28348509" y="14336215"/>
+            <a:ext cx="940004" cy="5265"/>
+          </a:xfrm>
+          <a:prstGeom prst="line">
+            <a:avLst/>
+          </a:prstGeom>
+          <a:ln w="63500"/>
+        </p:spPr>
+        <p:style>
+          <a:lnRef idx="1">
+            <a:schemeClr val="dk1"/>
+          </a:lnRef>
+          <a:fillRef idx="0">
+            <a:schemeClr val="dk1"/>
+          </a:fillRef>
+          <a:effectRef idx="0">
+            <a:schemeClr val="dk1"/>
+          </a:effectRef>
+          <a:fontRef idx="minor">
+            <a:schemeClr val="tx1"/>
+          </a:fontRef>
+        </p:style>
+      </p:cxnSp>
+      <p:sp>
+        <p:nvSpPr>
+          <p:cNvPr id="1055" name="Rectangle 1054">
+            <a:extLst>
+              <a:ext uri="{FF2B5EF4-FFF2-40B4-BE49-F238E27FC236}">
+                <a16:creationId xmlns:a16="http://schemas.microsoft.com/office/drawing/2014/main" id="{5DED104D-1384-46E6-81BD-0F22463ECF93}"/>
+              </a:ext>
+            </a:extLst>
+          </p:cNvPr>
+          <p:cNvSpPr/>
+          <p:nvPr/>
+        </p:nvSpPr>
+        <p:spPr>
+          <a:xfrm rot="16200000">
+            <a:off x="28723493" y="13660723"/>
+            <a:ext cx="206446" cy="935194"/>
+          </a:xfrm>
+          <a:prstGeom prst="rect">
+            <a:avLst/>
+          </a:prstGeom>
+          <a:noFill/>
+          <a:ln>
+            <a:solidFill>
+              <a:schemeClr val="tx1"/>
+            </a:solidFill>
+          </a:ln>
+        </p:spPr>
+        <p:style>
+          <a:lnRef idx="2">
+            <a:schemeClr val="accent1">
+              <a:shade val="50000"/>
+            </a:schemeClr>
+          </a:lnRef>
+          <a:fillRef idx="1">
+            <a:schemeClr val="accent1"/>
+          </a:fillRef>
+          <a:effectRef idx="0">
+            <a:schemeClr val="accent1"/>
+          </a:effectRef>
+          <a:fontRef idx="minor">
+            <a:schemeClr val="lt1"/>
+          </a:fontRef>
+        </p:style>
+        <p:txBody>
+          <a:bodyPr rtlCol="0" anchor="ctr"/>
+          <a:lstStyle/>
+          <a:p>
+            <a:pPr algn="ctr"/>
+            <a:endParaRPr lang="en-US"/>
+          </a:p>
+        </p:txBody>
+      </p:sp>
+      <p:cxnSp>
+        <p:nvCxnSpPr>
+          <p:cNvPr id="1058" name="Straight Connector 1057">
+            <a:extLst>
+              <a:ext uri="{FF2B5EF4-FFF2-40B4-BE49-F238E27FC236}">
+                <a16:creationId xmlns:a16="http://schemas.microsoft.com/office/drawing/2014/main" id="{CFA452FB-936A-4A09-B18B-948BED0B9F21}"/>
+              </a:ext>
+            </a:extLst>
+          </p:cNvPr>
+          <p:cNvCxnSpPr>
+            <a:cxnSpLocks/>
+          </p:cNvCxnSpPr>
+          <p:nvPr/>
+        </p:nvCxnSpPr>
+        <p:spPr>
+          <a:xfrm>
+            <a:off x="28348508" y="14125655"/>
+            <a:ext cx="940004" cy="5265"/>
+          </a:xfrm>
+          <a:prstGeom prst="line">
+            <a:avLst/>
+          </a:prstGeom>
+          <a:ln w="63500"/>
+        </p:spPr>
+        <p:style>
+          <a:lnRef idx="1">
+            <a:schemeClr val="dk1"/>
+          </a:lnRef>
+          <a:fillRef idx="0">
+            <a:schemeClr val="dk1"/>
+          </a:fillRef>
+          <a:effectRef idx="0">
+            <a:schemeClr val="dk1"/>
+          </a:effectRef>
+          <a:fontRef idx="minor">
+            <a:schemeClr val="tx1"/>
+          </a:fontRef>
+        </p:style>
+      </p:cxnSp>
+      <p:sp>
+        <p:nvSpPr>
+          <p:cNvPr id="1060" name="Rectangle 1059">
+            <a:extLst>
+              <a:ext uri="{FF2B5EF4-FFF2-40B4-BE49-F238E27FC236}">
+                <a16:creationId xmlns:a16="http://schemas.microsoft.com/office/drawing/2014/main" id="{EC923D63-839F-4C87-A7C9-D9796267C2F7}"/>
+              </a:ext>
+            </a:extLst>
+          </p:cNvPr>
+          <p:cNvSpPr/>
+          <p:nvPr/>
+        </p:nvSpPr>
+        <p:spPr>
+          <a:xfrm rot="16200000">
+            <a:off x="28715276" y="13659287"/>
+            <a:ext cx="223739" cy="938611"/>
+          </a:xfrm>
+          <a:prstGeom prst="rect">
             <a:avLst/>
           </a:prstGeom>
           <a:solidFill>
-            <a:schemeClr val="tx1"/>
+            <a:srgbClr val="FFFF00">
+              <a:alpha val="33000"/>
+            </a:srgbClr>
           </a:solidFill>
           <a:ln>
             <a:solidFill>
@@ -46887,10 +46632,1692 @@
       </p:sp>
       <p:sp>
         <p:nvSpPr>
-          <p:cNvPr id="102" name="TextBox 101">
-            <a:extLst>
-              <a:ext uri="{FF2B5EF4-FFF2-40B4-BE49-F238E27FC236}">
-                <a16:creationId xmlns:a16="http://schemas.microsoft.com/office/drawing/2014/main" id="{CE4320F0-11B5-4F82-8A27-89B4C65864B5}"/>
+          <p:cNvPr id="1062" name="Rectangle 1061">
+            <a:extLst>
+              <a:ext uri="{FF2B5EF4-FFF2-40B4-BE49-F238E27FC236}">
+                <a16:creationId xmlns:a16="http://schemas.microsoft.com/office/drawing/2014/main" id="{27F7DB4B-F3E8-4230-8D3E-3D2C0E47D3D3}"/>
+              </a:ext>
+            </a:extLst>
+          </p:cNvPr>
+          <p:cNvSpPr/>
+          <p:nvPr/>
+        </p:nvSpPr>
+        <p:spPr>
+          <a:xfrm rot="16200000">
+            <a:off x="32946821" y="11732572"/>
+            <a:ext cx="206446" cy="935194"/>
+          </a:xfrm>
+          <a:prstGeom prst="rect">
+            <a:avLst/>
+          </a:prstGeom>
+          <a:noFill/>
+          <a:ln>
+            <a:solidFill>
+              <a:schemeClr val="tx1"/>
+            </a:solidFill>
+          </a:ln>
+        </p:spPr>
+        <p:style>
+          <a:lnRef idx="2">
+            <a:schemeClr val="accent1">
+              <a:shade val="50000"/>
+            </a:schemeClr>
+          </a:lnRef>
+          <a:fillRef idx="1">
+            <a:schemeClr val="accent1"/>
+          </a:fillRef>
+          <a:effectRef idx="0">
+            <a:schemeClr val="accent1"/>
+          </a:effectRef>
+          <a:fontRef idx="minor">
+            <a:schemeClr val="lt1"/>
+          </a:fontRef>
+        </p:style>
+        <p:txBody>
+          <a:bodyPr rtlCol="0" anchor="ctr"/>
+          <a:lstStyle/>
+          <a:p>
+            <a:pPr algn="ctr"/>
+            <a:endParaRPr lang="en-US"/>
+          </a:p>
+        </p:txBody>
+      </p:sp>
+      <p:cxnSp>
+        <p:nvCxnSpPr>
+          <p:cNvPr id="1063" name="Straight Connector 1062">
+            <a:extLst>
+              <a:ext uri="{FF2B5EF4-FFF2-40B4-BE49-F238E27FC236}">
+                <a16:creationId xmlns:a16="http://schemas.microsoft.com/office/drawing/2014/main" id="{544D3F83-D729-4E3E-9C23-C59B696B2D44}"/>
+              </a:ext>
+            </a:extLst>
+          </p:cNvPr>
+          <p:cNvCxnSpPr>
+            <a:cxnSpLocks/>
+          </p:cNvCxnSpPr>
+          <p:nvPr/>
+        </p:nvCxnSpPr>
+        <p:spPr>
+          <a:xfrm>
+            <a:off x="32571836" y="12197504"/>
+            <a:ext cx="940004" cy="5265"/>
+          </a:xfrm>
+          <a:prstGeom prst="line">
+            <a:avLst/>
+          </a:prstGeom>
+          <a:ln w="63500"/>
+        </p:spPr>
+        <p:style>
+          <a:lnRef idx="1">
+            <a:schemeClr val="dk1"/>
+          </a:lnRef>
+          <a:fillRef idx="0">
+            <a:schemeClr val="dk1"/>
+          </a:fillRef>
+          <a:effectRef idx="0">
+            <a:schemeClr val="dk1"/>
+          </a:effectRef>
+          <a:fontRef idx="minor">
+            <a:schemeClr val="tx1"/>
+          </a:fontRef>
+        </p:style>
+      </p:cxnSp>
+      <p:sp>
+        <p:nvSpPr>
+          <p:cNvPr id="1064" name="Rectangle 1063">
+            <a:extLst>
+              <a:ext uri="{FF2B5EF4-FFF2-40B4-BE49-F238E27FC236}">
+                <a16:creationId xmlns:a16="http://schemas.microsoft.com/office/drawing/2014/main" id="{9E15EE0B-9B7C-4E1E-AAE2-5488F22F8549}"/>
+              </a:ext>
+            </a:extLst>
+          </p:cNvPr>
+          <p:cNvSpPr/>
+          <p:nvPr/>
+        </p:nvSpPr>
+        <p:spPr>
+          <a:xfrm rot="16200000">
+            <a:off x="32938604" y="11731136"/>
+            <a:ext cx="223739" cy="938611"/>
+          </a:xfrm>
+          <a:prstGeom prst="rect">
+            <a:avLst/>
+          </a:prstGeom>
+          <a:solidFill>
+            <a:schemeClr val="tx1">
+              <a:alpha val="33000"/>
+            </a:schemeClr>
+          </a:solidFill>
+          <a:ln>
+            <a:solidFill>
+              <a:schemeClr val="tx1"/>
+            </a:solidFill>
+          </a:ln>
+        </p:spPr>
+        <p:style>
+          <a:lnRef idx="2">
+            <a:schemeClr val="accent1">
+              <a:shade val="50000"/>
+            </a:schemeClr>
+          </a:lnRef>
+          <a:fillRef idx="1">
+            <a:schemeClr val="accent1"/>
+          </a:fillRef>
+          <a:effectRef idx="0">
+            <a:schemeClr val="accent1"/>
+          </a:effectRef>
+          <a:fontRef idx="minor">
+            <a:schemeClr val="lt1"/>
+          </a:fontRef>
+        </p:style>
+        <p:txBody>
+          <a:bodyPr rtlCol="0" anchor="ctr"/>
+          <a:lstStyle/>
+          <a:p>
+            <a:pPr algn="ctr"/>
+            <a:endParaRPr lang="en-US"/>
+          </a:p>
+        </p:txBody>
+      </p:sp>
+      <p:sp>
+        <p:nvSpPr>
+          <p:cNvPr id="1068" name="Rectangle 1067">
+            <a:extLst>
+              <a:ext uri="{FF2B5EF4-FFF2-40B4-BE49-F238E27FC236}">
+                <a16:creationId xmlns:a16="http://schemas.microsoft.com/office/drawing/2014/main" id="{4806FCF8-51AF-4511-9723-B28A8DDF06C4}"/>
+              </a:ext>
+            </a:extLst>
+          </p:cNvPr>
+          <p:cNvSpPr/>
+          <p:nvPr/>
+        </p:nvSpPr>
+        <p:spPr>
+          <a:xfrm rot="16200000">
+            <a:off x="32946274" y="11299264"/>
+            <a:ext cx="206446" cy="935194"/>
+          </a:xfrm>
+          <a:prstGeom prst="rect">
+            <a:avLst/>
+          </a:prstGeom>
+          <a:noFill/>
+          <a:ln>
+            <a:solidFill>
+              <a:schemeClr val="tx1"/>
+            </a:solidFill>
+          </a:ln>
+        </p:spPr>
+        <p:style>
+          <a:lnRef idx="2">
+            <a:schemeClr val="accent1">
+              <a:shade val="50000"/>
+            </a:schemeClr>
+          </a:lnRef>
+          <a:fillRef idx="1">
+            <a:schemeClr val="accent1"/>
+          </a:fillRef>
+          <a:effectRef idx="0">
+            <a:schemeClr val="accent1"/>
+          </a:effectRef>
+          <a:fontRef idx="minor">
+            <a:schemeClr val="lt1"/>
+          </a:fontRef>
+        </p:style>
+        <p:txBody>
+          <a:bodyPr rtlCol="0" anchor="ctr"/>
+          <a:lstStyle/>
+          <a:p>
+            <a:pPr algn="ctr"/>
+            <a:endParaRPr lang="en-US"/>
+          </a:p>
+        </p:txBody>
+      </p:sp>
+      <p:cxnSp>
+        <p:nvCxnSpPr>
+          <p:cNvPr id="1069" name="Straight Connector 1068">
+            <a:extLst>
+              <a:ext uri="{FF2B5EF4-FFF2-40B4-BE49-F238E27FC236}">
+                <a16:creationId xmlns:a16="http://schemas.microsoft.com/office/drawing/2014/main" id="{85F3F348-8B85-4229-8C03-2DFBA97730F9}"/>
+              </a:ext>
+            </a:extLst>
+          </p:cNvPr>
+          <p:cNvCxnSpPr>
+            <a:cxnSpLocks/>
+          </p:cNvCxnSpPr>
+          <p:nvPr/>
+        </p:nvCxnSpPr>
+        <p:spPr>
+          <a:xfrm>
+            <a:off x="32571289" y="11764196"/>
+            <a:ext cx="940004" cy="5265"/>
+          </a:xfrm>
+          <a:prstGeom prst="line">
+            <a:avLst/>
+          </a:prstGeom>
+          <a:ln w="63500"/>
+        </p:spPr>
+        <p:style>
+          <a:lnRef idx="1">
+            <a:schemeClr val="dk1"/>
+          </a:lnRef>
+          <a:fillRef idx="0">
+            <a:schemeClr val="dk1"/>
+          </a:fillRef>
+          <a:effectRef idx="0">
+            <a:schemeClr val="dk1"/>
+          </a:effectRef>
+          <a:fontRef idx="minor">
+            <a:schemeClr val="tx1"/>
+          </a:fontRef>
+        </p:style>
+      </p:cxnSp>
+      <p:sp>
+        <p:nvSpPr>
+          <p:cNvPr id="1070" name="Rectangle 1069">
+            <a:extLst>
+              <a:ext uri="{FF2B5EF4-FFF2-40B4-BE49-F238E27FC236}">
+                <a16:creationId xmlns:a16="http://schemas.microsoft.com/office/drawing/2014/main" id="{1CC2FC40-FC63-4E43-BF4A-0BC594021C07}"/>
+              </a:ext>
+            </a:extLst>
+          </p:cNvPr>
+          <p:cNvSpPr/>
+          <p:nvPr/>
+        </p:nvSpPr>
+        <p:spPr>
+          <a:xfrm rot="16200000">
+            <a:off x="32938057" y="11297828"/>
+            <a:ext cx="223739" cy="938611"/>
+          </a:xfrm>
+          <a:prstGeom prst="rect">
+            <a:avLst/>
+          </a:prstGeom>
+          <a:solidFill>
+            <a:schemeClr val="tx1">
+              <a:alpha val="33000"/>
+            </a:schemeClr>
+          </a:solidFill>
+          <a:ln>
+            <a:solidFill>
+              <a:schemeClr val="tx1"/>
+            </a:solidFill>
+          </a:ln>
+        </p:spPr>
+        <p:style>
+          <a:lnRef idx="2">
+            <a:schemeClr val="accent1">
+              <a:shade val="50000"/>
+            </a:schemeClr>
+          </a:lnRef>
+          <a:fillRef idx="1">
+            <a:schemeClr val="accent1"/>
+          </a:fillRef>
+          <a:effectRef idx="0">
+            <a:schemeClr val="accent1"/>
+          </a:effectRef>
+          <a:fontRef idx="minor">
+            <a:schemeClr val="lt1"/>
+          </a:fontRef>
+        </p:style>
+        <p:txBody>
+          <a:bodyPr rtlCol="0" anchor="ctr"/>
+          <a:lstStyle/>
+          <a:p>
+            <a:pPr algn="ctr"/>
+            <a:endParaRPr lang="en-US"/>
+          </a:p>
+        </p:txBody>
+      </p:sp>
+      <p:cxnSp>
+        <p:nvCxnSpPr>
+          <p:cNvPr id="121" name="Straight Connector 120">
+            <a:extLst>
+              <a:ext uri="{FF2B5EF4-FFF2-40B4-BE49-F238E27FC236}">
+                <a16:creationId xmlns:a16="http://schemas.microsoft.com/office/drawing/2014/main" id="{3611EA10-7646-4571-94C8-E52F44FE459A}"/>
+              </a:ext>
+            </a:extLst>
+          </p:cNvPr>
+          <p:cNvCxnSpPr>
+            <a:cxnSpLocks/>
+            <a:endCxn id="922" idx="4"/>
+          </p:cNvCxnSpPr>
+          <p:nvPr/>
+        </p:nvCxnSpPr>
+        <p:spPr>
+          <a:xfrm flipV="1">
+            <a:off x="7775497" y="8861583"/>
+            <a:ext cx="14987" cy="2361200"/>
+          </a:xfrm>
+          <a:prstGeom prst="line">
+            <a:avLst/>
+          </a:prstGeom>
+        </p:spPr>
+        <p:style>
+          <a:lnRef idx="1">
+            <a:schemeClr val="dk1"/>
+          </a:lnRef>
+          <a:fillRef idx="0">
+            <a:schemeClr val="dk1"/>
+          </a:fillRef>
+          <a:effectRef idx="0">
+            <a:schemeClr val="dk1"/>
+          </a:effectRef>
+          <a:fontRef idx="minor">
+            <a:schemeClr val="tx1"/>
+          </a:fontRef>
+        </p:style>
+      </p:cxnSp>
+      <p:cxnSp>
+        <p:nvCxnSpPr>
+          <p:cNvPr id="128" name="Connector: Elbow 127">
+            <a:extLst>
+              <a:ext uri="{FF2B5EF4-FFF2-40B4-BE49-F238E27FC236}">
+                <a16:creationId xmlns:a16="http://schemas.microsoft.com/office/drawing/2014/main" id="{4F766A6A-CD1D-4B6E-AD57-7FCE07F0CC7F}"/>
+              </a:ext>
+            </a:extLst>
+          </p:cNvPr>
+          <p:cNvCxnSpPr>
+            <a:cxnSpLocks/>
+            <a:stCxn id="1060" idx="2"/>
+            <a:endCxn id="934" idx="1"/>
+          </p:cNvCxnSpPr>
+          <p:nvPr/>
+        </p:nvCxnSpPr>
+        <p:spPr>
+          <a:xfrm flipV="1">
+            <a:off x="29296451" y="12517256"/>
+            <a:ext cx="1626783" cy="1611336"/>
+          </a:xfrm>
+          <a:prstGeom prst="bentConnector3">
+            <a:avLst/>
+          </a:prstGeom>
+        </p:spPr>
+        <p:style>
+          <a:lnRef idx="1">
+            <a:schemeClr val="dk1"/>
+          </a:lnRef>
+          <a:fillRef idx="0">
+            <a:schemeClr val="dk1"/>
+          </a:fillRef>
+          <a:effectRef idx="0">
+            <a:schemeClr val="dk1"/>
+          </a:effectRef>
+          <a:fontRef idx="minor">
+            <a:schemeClr val="tx1"/>
+          </a:fontRef>
+        </p:style>
+      </p:cxnSp>
+      <p:cxnSp>
+        <p:nvCxnSpPr>
+          <p:cNvPr id="131" name="Connector: Elbow 130">
+            <a:extLst>
+              <a:ext uri="{FF2B5EF4-FFF2-40B4-BE49-F238E27FC236}">
+                <a16:creationId xmlns:a16="http://schemas.microsoft.com/office/drawing/2014/main" id="{336EE070-3718-4007-8396-9190AB34E3DD}"/>
+              </a:ext>
+            </a:extLst>
+          </p:cNvPr>
+          <p:cNvCxnSpPr>
+            <a:cxnSpLocks/>
+            <a:endCxn id="894" idx="1"/>
+          </p:cNvCxnSpPr>
+          <p:nvPr/>
+        </p:nvCxnSpPr>
+        <p:spPr>
+          <a:xfrm flipV="1">
+            <a:off x="29296452" y="13817723"/>
+            <a:ext cx="1646986" cy="521429"/>
+          </a:xfrm>
+          <a:prstGeom prst="bentConnector3">
+            <a:avLst>
+              <a:gd name="adj1" fmla="val 70820"/>
+            </a:avLst>
+          </a:prstGeom>
+        </p:spPr>
+        <p:style>
+          <a:lnRef idx="1">
+            <a:schemeClr val="dk1"/>
+          </a:lnRef>
+          <a:fillRef idx="0">
+            <a:schemeClr val="dk1"/>
+          </a:fillRef>
+          <a:effectRef idx="0">
+            <a:schemeClr val="dk1"/>
+          </a:effectRef>
+          <a:fontRef idx="minor">
+            <a:schemeClr val="tx1"/>
+          </a:fontRef>
+        </p:style>
+      </p:cxnSp>
+      <p:sp>
+        <p:nvSpPr>
+          <p:cNvPr id="1077" name="Rectangle 1076">
+            <a:extLst>
+              <a:ext uri="{FF2B5EF4-FFF2-40B4-BE49-F238E27FC236}">
+                <a16:creationId xmlns:a16="http://schemas.microsoft.com/office/drawing/2014/main" id="{C6C58AEB-F83A-4F31-B9B9-2B4486D75CDF}"/>
+              </a:ext>
+            </a:extLst>
+          </p:cNvPr>
+          <p:cNvSpPr/>
+          <p:nvPr/>
+        </p:nvSpPr>
+        <p:spPr>
+          <a:xfrm>
+            <a:off x="36105388" y="10715847"/>
+            <a:ext cx="206446" cy="935194"/>
+          </a:xfrm>
+          <a:prstGeom prst="rect">
+            <a:avLst/>
+          </a:prstGeom>
+          <a:noFill/>
+          <a:ln>
+            <a:solidFill>
+              <a:schemeClr val="tx1"/>
+            </a:solidFill>
+          </a:ln>
+        </p:spPr>
+        <p:style>
+          <a:lnRef idx="2">
+            <a:schemeClr val="accent1">
+              <a:shade val="50000"/>
+            </a:schemeClr>
+          </a:lnRef>
+          <a:fillRef idx="1">
+            <a:schemeClr val="accent1"/>
+          </a:fillRef>
+          <a:effectRef idx="0">
+            <a:schemeClr val="accent1"/>
+          </a:effectRef>
+          <a:fontRef idx="minor">
+            <a:schemeClr val="lt1"/>
+          </a:fontRef>
+        </p:style>
+        <p:txBody>
+          <a:bodyPr rtlCol="0" anchor="ctr"/>
+          <a:lstStyle/>
+          <a:p>
+            <a:pPr algn="ctr"/>
+            <a:endParaRPr lang="en-US"/>
+          </a:p>
+        </p:txBody>
+      </p:sp>
+      <p:cxnSp>
+        <p:nvCxnSpPr>
+          <p:cNvPr id="1078" name="Straight Connector 1077">
+            <a:extLst>
+              <a:ext uri="{FF2B5EF4-FFF2-40B4-BE49-F238E27FC236}">
+                <a16:creationId xmlns:a16="http://schemas.microsoft.com/office/drawing/2014/main" id="{FAD0228B-9502-4514-88B0-92E336C5558E}"/>
+              </a:ext>
+            </a:extLst>
+          </p:cNvPr>
+          <p:cNvCxnSpPr>
+            <a:cxnSpLocks/>
+          </p:cNvCxnSpPr>
+          <p:nvPr/>
+        </p:nvCxnSpPr>
+        <p:spPr>
+          <a:xfrm rot="5400000">
+            <a:off x="35730403" y="11180779"/>
+            <a:ext cx="940004" cy="5265"/>
+          </a:xfrm>
+          <a:prstGeom prst="line">
+            <a:avLst/>
+          </a:prstGeom>
+          <a:ln w="63500"/>
+        </p:spPr>
+        <p:style>
+          <a:lnRef idx="1">
+            <a:schemeClr val="dk1"/>
+          </a:lnRef>
+          <a:fillRef idx="0">
+            <a:schemeClr val="dk1"/>
+          </a:fillRef>
+          <a:effectRef idx="0">
+            <a:schemeClr val="dk1"/>
+          </a:effectRef>
+          <a:fontRef idx="minor">
+            <a:schemeClr val="tx1"/>
+          </a:fontRef>
+        </p:style>
+      </p:cxnSp>
+      <p:sp>
+        <p:nvSpPr>
+          <p:cNvPr id="1079" name="Rectangle 1078">
+            <a:extLst>
+              <a:ext uri="{FF2B5EF4-FFF2-40B4-BE49-F238E27FC236}">
+                <a16:creationId xmlns:a16="http://schemas.microsoft.com/office/drawing/2014/main" id="{E151AFDE-4AF1-4E8A-9CC8-ED7B5EBB7C99}"/>
+              </a:ext>
+            </a:extLst>
+          </p:cNvPr>
+          <p:cNvSpPr/>
+          <p:nvPr/>
+        </p:nvSpPr>
+        <p:spPr>
+          <a:xfrm>
+            <a:off x="36097171" y="10714411"/>
+            <a:ext cx="223739" cy="938611"/>
+          </a:xfrm>
+          <a:prstGeom prst="rect">
+            <a:avLst/>
+          </a:prstGeom>
+          <a:solidFill>
+            <a:schemeClr val="bg1">
+              <a:alpha val="33000"/>
+            </a:schemeClr>
+          </a:solidFill>
+          <a:ln>
+            <a:solidFill>
+              <a:schemeClr val="tx1"/>
+            </a:solidFill>
+          </a:ln>
+        </p:spPr>
+        <p:style>
+          <a:lnRef idx="2">
+            <a:schemeClr val="accent1">
+              <a:shade val="50000"/>
+            </a:schemeClr>
+          </a:lnRef>
+          <a:fillRef idx="1">
+            <a:schemeClr val="accent1"/>
+          </a:fillRef>
+          <a:effectRef idx="0">
+            <a:schemeClr val="accent1"/>
+          </a:effectRef>
+          <a:fontRef idx="minor">
+            <a:schemeClr val="lt1"/>
+          </a:fontRef>
+        </p:style>
+        <p:txBody>
+          <a:bodyPr rtlCol="0" anchor="ctr"/>
+          <a:lstStyle/>
+          <a:p>
+            <a:pPr algn="ctr"/>
+            <a:endParaRPr lang="en-US"/>
+          </a:p>
+        </p:txBody>
+      </p:sp>
+      <p:sp>
+        <p:nvSpPr>
+          <p:cNvPr id="1080" name="Rectangle 1079">
+            <a:extLst>
+              <a:ext uri="{FF2B5EF4-FFF2-40B4-BE49-F238E27FC236}">
+                <a16:creationId xmlns:a16="http://schemas.microsoft.com/office/drawing/2014/main" id="{B3A81938-AE1C-4FB5-B047-637CB71777DB}"/>
+              </a:ext>
+            </a:extLst>
+          </p:cNvPr>
+          <p:cNvSpPr/>
+          <p:nvPr/>
+        </p:nvSpPr>
+        <p:spPr>
+          <a:xfrm>
+            <a:off x="35881004" y="10717382"/>
+            <a:ext cx="206446" cy="935194"/>
+          </a:xfrm>
+          <a:prstGeom prst="rect">
+            <a:avLst/>
+          </a:prstGeom>
+          <a:noFill/>
+          <a:ln>
+            <a:solidFill>
+              <a:schemeClr val="tx1"/>
+            </a:solidFill>
+          </a:ln>
+        </p:spPr>
+        <p:style>
+          <a:lnRef idx="2">
+            <a:schemeClr val="accent1">
+              <a:shade val="50000"/>
+            </a:schemeClr>
+          </a:lnRef>
+          <a:fillRef idx="1">
+            <a:schemeClr val="accent1"/>
+          </a:fillRef>
+          <a:effectRef idx="0">
+            <a:schemeClr val="accent1"/>
+          </a:effectRef>
+          <a:fontRef idx="minor">
+            <a:schemeClr val="lt1"/>
+          </a:fontRef>
+        </p:style>
+        <p:txBody>
+          <a:bodyPr rtlCol="0" anchor="ctr"/>
+          <a:lstStyle/>
+          <a:p>
+            <a:pPr algn="ctr"/>
+            <a:endParaRPr lang="en-US"/>
+          </a:p>
+        </p:txBody>
+      </p:sp>
+      <p:cxnSp>
+        <p:nvCxnSpPr>
+          <p:cNvPr id="1081" name="Straight Connector 1080">
+            <a:extLst>
+              <a:ext uri="{FF2B5EF4-FFF2-40B4-BE49-F238E27FC236}">
+                <a16:creationId xmlns:a16="http://schemas.microsoft.com/office/drawing/2014/main" id="{65885093-6D7F-429C-AB4F-71853013F55B}"/>
+              </a:ext>
+            </a:extLst>
+          </p:cNvPr>
+          <p:cNvCxnSpPr>
+            <a:cxnSpLocks/>
+          </p:cNvCxnSpPr>
+          <p:nvPr/>
+        </p:nvCxnSpPr>
+        <p:spPr>
+          <a:xfrm rot="5400000">
+            <a:off x="35506019" y="11182314"/>
+            <a:ext cx="940004" cy="5265"/>
+          </a:xfrm>
+          <a:prstGeom prst="line">
+            <a:avLst/>
+          </a:prstGeom>
+          <a:ln w="63500"/>
+        </p:spPr>
+        <p:style>
+          <a:lnRef idx="1">
+            <a:schemeClr val="dk1"/>
+          </a:lnRef>
+          <a:fillRef idx="0">
+            <a:schemeClr val="dk1"/>
+          </a:fillRef>
+          <a:effectRef idx="0">
+            <a:schemeClr val="dk1"/>
+          </a:effectRef>
+          <a:fontRef idx="minor">
+            <a:schemeClr val="tx1"/>
+          </a:fontRef>
+        </p:style>
+      </p:cxnSp>
+      <p:sp>
+        <p:nvSpPr>
+          <p:cNvPr id="1082" name="Rectangle 1081">
+            <a:extLst>
+              <a:ext uri="{FF2B5EF4-FFF2-40B4-BE49-F238E27FC236}">
+                <a16:creationId xmlns:a16="http://schemas.microsoft.com/office/drawing/2014/main" id="{225EBD43-266C-4DDC-BDCB-1E53D7A0346E}"/>
+              </a:ext>
+            </a:extLst>
+          </p:cNvPr>
+          <p:cNvSpPr/>
+          <p:nvPr/>
+        </p:nvSpPr>
+        <p:spPr>
+          <a:xfrm>
+            <a:off x="35872787" y="10715946"/>
+            <a:ext cx="223739" cy="938611"/>
+          </a:xfrm>
+          <a:prstGeom prst="rect">
+            <a:avLst/>
+          </a:prstGeom>
+          <a:solidFill>
+            <a:schemeClr val="accent1">
+              <a:lumMod val="75000"/>
+              <a:alpha val="33000"/>
+            </a:schemeClr>
+          </a:solidFill>
+          <a:ln>
+            <a:solidFill>
+              <a:schemeClr val="tx1"/>
+            </a:solidFill>
+          </a:ln>
+        </p:spPr>
+        <p:style>
+          <a:lnRef idx="2">
+            <a:schemeClr val="accent1">
+              <a:shade val="50000"/>
+            </a:schemeClr>
+          </a:lnRef>
+          <a:fillRef idx="1">
+            <a:schemeClr val="accent1"/>
+          </a:fillRef>
+          <a:effectRef idx="0">
+            <a:schemeClr val="accent1"/>
+          </a:effectRef>
+          <a:fontRef idx="minor">
+            <a:schemeClr val="lt1"/>
+          </a:fontRef>
+        </p:style>
+        <p:txBody>
+          <a:bodyPr rtlCol="0" anchor="ctr"/>
+          <a:lstStyle/>
+          <a:p>
+            <a:pPr algn="ctr"/>
+            <a:endParaRPr lang="en-US"/>
+          </a:p>
+        </p:txBody>
+      </p:sp>
+      <p:sp>
+        <p:nvSpPr>
+          <p:cNvPr id="1083" name="Rectangle 1082">
+            <a:extLst>
+              <a:ext uri="{FF2B5EF4-FFF2-40B4-BE49-F238E27FC236}">
+                <a16:creationId xmlns:a16="http://schemas.microsoft.com/office/drawing/2014/main" id="{787875E7-ED60-4305-8569-C93CF3C2232F}"/>
+              </a:ext>
+            </a:extLst>
+          </p:cNvPr>
+          <p:cNvSpPr/>
+          <p:nvPr/>
+        </p:nvSpPr>
+        <p:spPr>
+          <a:xfrm>
+            <a:off x="35654714" y="10715847"/>
+            <a:ext cx="206446" cy="935194"/>
+          </a:xfrm>
+          <a:prstGeom prst="rect">
+            <a:avLst/>
+          </a:prstGeom>
+          <a:noFill/>
+          <a:ln>
+            <a:solidFill>
+              <a:schemeClr val="tx1"/>
+            </a:solidFill>
+          </a:ln>
+        </p:spPr>
+        <p:style>
+          <a:lnRef idx="2">
+            <a:schemeClr val="accent1">
+              <a:shade val="50000"/>
+            </a:schemeClr>
+          </a:lnRef>
+          <a:fillRef idx="1">
+            <a:schemeClr val="accent1"/>
+          </a:fillRef>
+          <a:effectRef idx="0">
+            <a:schemeClr val="accent1"/>
+          </a:effectRef>
+          <a:fontRef idx="minor">
+            <a:schemeClr val="lt1"/>
+          </a:fontRef>
+        </p:style>
+        <p:txBody>
+          <a:bodyPr rtlCol="0" anchor="ctr"/>
+          <a:lstStyle/>
+          <a:p>
+            <a:pPr algn="ctr"/>
+            <a:endParaRPr lang="en-US"/>
+          </a:p>
+        </p:txBody>
+      </p:sp>
+      <p:cxnSp>
+        <p:nvCxnSpPr>
+          <p:cNvPr id="1084" name="Straight Connector 1083">
+            <a:extLst>
+              <a:ext uri="{FF2B5EF4-FFF2-40B4-BE49-F238E27FC236}">
+                <a16:creationId xmlns:a16="http://schemas.microsoft.com/office/drawing/2014/main" id="{A414F808-97C9-4699-99B1-8886743DDA17}"/>
+              </a:ext>
+            </a:extLst>
+          </p:cNvPr>
+          <p:cNvCxnSpPr>
+            <a:cxnSpLocks/>
+          </p:cNvCxnSpPr>
+          <p:nvPr/>
+        </p:nvCxnSpPr>
+        <p:spPr>
+          <a:xfrm rot="5400000">
+            <a:off x="35279729" y="11180779"/>
+            <a:ext cx="940004" cy="5265"/>
+          </a:xfrm>
+          <a:prstGeom prst="line">
+            <a:avLst/>
+          </a:prstGeom>
+          <a:ln w="63500"/>
+        </p:spPr>
+        <p:style>
+          <a:lnRef idx="1">
+            <a:schemeClr val="dk1"/>
+          </a:lnRef>
+          <a:fillRef idx="0">
+            <a:schemeClr val="dk1"/>
+          </a:fillRef>
+          <a:effectRef idx="0">
+            <a:schemeClr val="dk1"/>
+          </a:effectRef>
+          <a:fontRef idx="minor">
+            <a:schemeClr val="tx1"/>
+          </a:fontRef>
+        </p:style>
+      </p:cxnSp>
+      <p:sp>
+        <p:nvSpPr>
+          <p:cNvPr id="1085" name="Rectangle 1084">
+            <a:extLst>
+              <a:ext uri="{FF2B5EF4-FFF2-40B4-BE49-F238E27FC236}">
+                <a16:creationId xmlns:a16="http://schemas.microsoft.com/office/drawing/2014/main" id="{72997683-5262-4A89-9226-6438CC706484}"/>
+              </a:ext>
+            </a:extLst>
+          </p:cNvPr>
+          <p:cNvSpPr/>
+          <p:nvPr/>
+        </p:nvSpPr>
+        <p:spPr>
+          <a:xfrm>
+            <a:off x="35646497" y="10714411"/>
+            <a:ext cx="223739" cy="938611"/>
+          </a:xfrm>
+          <a:prstGeom prst="rect">
+            <a:avLst/>
+          </a:prstGeom>
+          <a:solidFill>
+            <a:schemeClr val="bg1">
+              <a:lumMod val="65000"/>
+              <a:alpha val="33000"/>
+            </a:schemeClr>
+          </a:solidFill>
+          <a:ln>
+            <a:solidFill>
+              <a:schemeClr val="tx1"/>
+            </a:solidFill>
+          </a:ln>
+        </p:spPr>
+        <p:style>
+          <a:lnRef idx="2">
+            <a:schemeClr val="accent1">
+              <a:shade val="50000"/>
+            </a:schemeClr>
+          </a:lnRef>
+          <a:fillRef idx="1">
+            <a:schemeClr val="accent1"/>
+          </a:fillRef>
+          <a:effectRef idx="0">
+            <a:schemeClr val="accent1"/>
+          </a:effectRef>
+          <a:fontRef idx="minor">
+            <a:schemeClr val="lt1"/>
+          </a:fontRef>
+        </p:style>
+        <p:txBody>
+          <a:bodyPr rtlCol="0" anchor="ctr"/>
+          <a:lstStyle/>
+          <a:p>
+            <a:pPr algn="ctr"/>
+            <a:endParaRPr lang="en-US"/>
+          </a:p>
+        </p:txBody>
+      </p:sp>
+      <p:sp>
+        <p:nvSpPr>
+          <p:cNvPr id="1086" name="Rectangle 1085">
+            <a:extLst>
+              <a:ext uri="{FF2B5EF4-FFF2-40B4-BE49-F238E27FC236}">
+                <a16:creationId xmlns:a16="http://schemas.microsoft.com/office/drawing/2014/main" id="{7D8BD028-CBEE-49B6-A79C-934F31ABE7E8}"/>
+              </a:ext>
+            </a:extLst>
+          </p:cNvPr>
+          <p:cNvSpPr/>
+          <p:nvPr/>
+        </p:nvSpPr>
+        <p:spPr>
+          <a:xfrm>
+            <a:off x="35430330" y="10717382"/>
+            <a:ext cx="206446" cy="935194"/>
+          </a:xfrm>
+          <a:prstGeom prst="rect">
+            <a:avLst/>
+          </a:prstGeom>
+          <a:noFill/>
+          <a:ln>
+            <a:solidFill>
+              <a:schemeClr val="tx1"/>
+            </a:solidFill>
+          </a:ln>
+        </p:spPr>
+        <p:style>
+          <a:lnRef idx="2">
+            <a:schemeClr val="accent1">
+              <a:shade val="50000"/>
+            </a:schemeClr>
+          </a:lnRef>
+          <a:fillRef idx="1">
+            <a:schemeClr val="accent1"/>
+          </a:fillRef>
+          <a:effectRef idx="0">
+            <a:schemeClr val="accent1"/>
+          </a:effectRef>
+          <a:fontRef idx="minor">
+            <a:schemeClr val="lt1"/>
+          </a:fontRef>
+        </p:style>
+        <p:txBody>
+          <a:bodyPr rtlCol="0" anchor="ctr"/>
+          <a:lstStyle/>
+          <a:p>
+            <a:pPr algn="ctr"/>
+            <a:endParaRPr lang="en-US"/>
+          </a:p>
+        </p:txBody>
+      </p:sp>
+      <p:cxnSp>
+        <p:nvCxnSpPr>
+          <p:cNvPr id="1087" name="Straight Connector 1086">
+            <a:extLst>
+              <a:ext uri="{FF2B5EF4-FFF2-40B4-BE49-F238E27FC236}">
+                <a16:creationId xmlns:a16="http://schemas.microsoft.com/office/drawing/2014/main" id="{7BDB2358-645E-4279-99D9-96DB5346E579}"/>
+              </a:ext>
+            </a:extLst>
+          </p:cNvPr>
+          <p:cNvCxnSpPr>
+            <a:cxnSpLocks/>
+          </p:cNvCxnSpPr>
+          <p:nvPr/>
+        </p:nvCxnSpPr>
+        <p:spPr>
+          <a:xfrm rot="5400000">
+            <a:off x="35055345" y="11182314"/>
+            <a:ext cx="940004" cy="5265"/>
+          </a:xfrm>
+          <a:prstGeom prst="line">
+            <a:avLst/>
+          </a:prstGeom>
+          <a:ln w="63500"/>
+        </p:spPr>
+        <p:style>
+          <a:lnRef idx="1">
+            <a:schemeClr val="dk1"/>
+          </a:lnRef>
+          <a:fillRef idx="0">
+            <a:schemeClr val="dk1"/>
+          </a:fillRef>
+          <a:effectRef idx="0">
+            <a:schemeClr val="dk1"/>
+          </a:effectRef>
+          <a:fontRef idx="minor">
+            <a:schemeClr val="tx1"/>
+          </a:fontRef>
+        </p:style>
+      </p:cxnSp>
+      <p:sp>
+        <p:nvSpPr>
+          <p:cNvPr id="1088" name="Rectangle 1087">
+            <a:extLst>
+              <a:ext uri="{FF2B5EF4-FFF2-40B4-BE49-F238E27FC236}">
+                <a16:creationId xmlns:a16="http://schemas.microsoft.com/office/drawing/2014/main" id="{EA635A0D-9F40-49EA-B546-504D3E87EE8F}"/>
+              </a:ext>
+            </a:extLst>
+          </p:cNvPr>
+          <p:cNvSpPr/>
+          <p:nvPr/>
+        </p:nvSpPr>
+        <p:spPr>
+          <a:xfrm>
+            <a:off x="35422113" y="10715946"/>
+            <a:ext cx="223739" cy="938611"/>
+          </a:xfrm>
+          <a:prstGeom prst="rect">
+            <a:avLst/>
+          </a:prstGeom>
+          <a:solidFill>
+            <a:schemeClr val="accent6">
+              <a:lumMod val="75000"/>
+              <a:alpha val="33000"/>
+            </a:schemeClr>
+          </a:solidFill>
+          <a:ln>
+            <a:solidFill>
+              <a:schemeClr val="tx1"/>
+            </a:solidFill>
+          </a:ln>
+        </p:spPr>
+        <p:style>
+          <a:lnRef idx="2">
+            <a:schemeClr val="accent1">
+              <a:shade val="50000"/>
+            </a:schemeClr>
+          </a:lnRef>
+          <a:fillRef idx="1">
+            <a:schemeClr val="accent1"/>
+          </a:fillRef>
+          <a:effectRef idx="0">
+            <a:schemeClr val="accent1"/>
+          </a:effectRef>
+          <a:fontRef idx="minor">
+            <a:schemeClr val="lt1"/>
+          </a:fontRef>
+        </p:style>
+        <p:txBody>
+          <a:bodyPr rtlCol="0" anchor="ctr"/>
+          <a:lstStyle/>
+          <a:p>
+            <a:pPr algn="ctr"/>
+            <a:endParaRPr lang="en-US"/>
+          </a:p>
+        </p:txBody>
+      </p:sp>
+      <p:sp>
+        <p:nvSpPr>
+          <p:cNvPr id="1089" name="Rectangle 1088">
+            <a:extLst>
+              <a:ext uri="{FF2B5EF4-FFF2-40B4-BE49-F238E27FC236}">
+                <a16:creationId xmlns:a16="http://schemas.microsoft.com/office/drawing/2014/main" id="{1FA41F90-2CB7-4925-B885-D8A655E7B515}"/>
+              </a:ext>
+            </a:extLst>
+          </p:cNvPr>
+          <p:cNvSpPr/>
+          <p:nvPr/>
+        </p:nvSpPr>
+        <p:spPr>
+          <a:xfrm>
+            <a:off x="35224348" y="10715847"/>
+            <a:ext cx="206446" cy="935194"/>
+          </a:xfrm>
+          <a:prstGeom prst="rect">
+            <a:avLst/>
+          </a:prstGeom>
+          <a:noFill/>
+          <a:ln>
+            <a:solidFill>
+              <a:schemeClr val="tx1"/>
+            </a:solidFill>
+          </a:ln>
+        </p:spPr>
+        <p:style>
+          <a:lnRef idx="2">
+            <a:schemeClr val="accent1">
+              <a:shade val="50000"/>
+            </a:schemeClr>
+          </a:lnRef>
+          <a:fillRef idx="1">
+            <a:schemeClr val="accent1"/>
+          </a:fillRef>
+          <a:effectRef idx="0">
+            <a:schemeClr val="accent1"/>
+          </a:effectRef>
+          <a:fontRef idx="minor">
+            <a:schemeClr val="lt1"/>
+          </a:fontRef>
+        </p:style>
+        <p:txBody>
+          <a:bodyPr rtlCol="0" anchor="ctr"/>
+          <a:lstStyle/>
+          <a:p>
+            <a:pPr algn="ctr"/>
+            <a:endParaRPr lang="en-US"/>
+          </a:p>
+        </p:txBody>
+      </p:sp>
+      <p:cxnSp>
+        <p:nvCxnSpPr>
+          <p:cNvPr id="1096" name="Straight Connector 1095">
+            <a:extLst>
+              <a:ext uri="{FF2B5EF4-FFF2-40B4-BE49-F238E27FC236}">
+                <a16:creationId xmlns:a16="http://schemas.microsoft.com/office/drawing/2014/main" id="{ED31C2A9-1ED3-4713-9320-FA362D04E075}"/>
+              </a:ext>
+            </a:extLst>
+          </p:cNvPr>
+          <p:cNvCxnSpPr>
+            <a:cxnSpLocks/>
+          </p:cNvCxnSpPr>
+          <p:nvPr/>
+        </p:nvCxnSpPr>
+        <p:spPr>
+          <a:xfrm rot="5400000">
+            <a:off x="34849363" y="11180779"/>
+            <a:ext cx="940004" cy="5265"/>
+          </a:xfrm>
+          <a:prstGeom prst="line">
+            <a:avLst/>
+          </a:prstGeom>
+          <a:ln w="63500"/>
+        </p:spPr>
+        <p:style>
+          <a:lnRef idx="1">
+            <a:schemeClr val="dk1"/>
+          </a:lnRef>
+          <a:fillRef idx="0">
+            <a:schemeClr val="dk1"/>
+          </a:fillRef>
+          <a:effectRef idx="0">
+            <a:schemeClr val="dk1"/>
+          </a:effectRef>
+          <a:fontRef idx="minor">
+            <a:schemeClr val="tx1"/>
+          </a:fontRef>
+        </p:style>
+      </p:cxnSp>
+      <p:sp>
+        <p:nvSpPr>
+          <p:cNvPr id="1097" name="Rectangle 1096">
+            <a:extLst>
+              <a:ext uri="{FF2B5EF4-FFF2-40B4-BE49-F238E27FC236}">
+                <a16:creationId xmlns:a16="http://schemas.microsoft.com/office/drawing/2014/main" id="{50C78407-843A-4600-BB1A-977F2125F108}"/>
+              </a:ext>
+            </a:extLst>
+          </p:cNvPr>
+          <p:cNvSpPr/>
+          <p:nvPr/>
+        </p:nvSpPr>
+        <p:spPr>
+          <a:xfrm>
+            <a:off x="35216131" y="10714411"/>
+            <a:ext cx="223739" cy="938611"/>
+          </a:xfrm>
+          <a:prstGeom prst="rect">
+            <a:avLst/>
+          </a:prstGeom>
+          <a:solidFill>
+            <a:schemeClr val="bg2">
+              <a:lumMod val="50000"/>
+              <a:alpha val="33000"/>
+            </a:schemeClr>
+          </a:solidFill>
+          <a:ln>
+            <a:solidFill>
+              <a:schemeClr val="tx1"/>
+            </a:solidFill>
+          </a:ln>
+        </p:spPr>
+        <p:style>
+          <a:lnRef idx="2">
+            <a:schemeClr val="accent1">
+              <a:shade val="50000"/>
+            </a:schemeClr>
+          </a:lnRef>
+          <a:fillRef idx="1">
+            <a:schemeClr val="accent1"/>
+          </a:fillRef>
+          <a:effectRef idx="0">
+            <a:schemeClr val="accent1"/>
+          </a:effectRef>
+          <a:fontRef idx="minor">
+            <a:schemeClr val="lt1"/>
+          </a:fontRef>
+        </p:style>
+        <p:txBody>
+          <a:bodyPr rtlCol="0" anchor="ctr"/>
+          <a:lstStyle/>
+          <a:p>
+            <a:pPr algn="ctr"/>
+            <a:endParaRPr lang="en-US"/>
+          </a:p>
+        </p:txBody>
+      </p:sp>
+      <p:sp>
+        <p:nvSpPr>
+          <p:cNvPr id="1098" name="Rectangle 1097">
+            <a:extLst>
+              <a:ext uri="{FF2B5EF4-FFF2-40B4-BE49-F238E27FC236}">
+                <a16:creationId xmlns:a16="http://schemas.microsoft.com/office/drawing/2014/main" id="{5A20C31A-FFA2-4999-A60E-79085418629C}"/>
+              </a:ext>
+            </a:extLst>
+          </p:cNvPr>
+          <p:cNvSpPr/>
+          <p:nvPr/>
+        </p:nvSpPr>
+        <p:spPr>
+          <a:xfrm rot="16200000">
+            <a:off x="28711294" y="13873537"/>
+            <a:ext cx="223739" cy="938611"/>
+          </a:xfrm>
+          <a:prstGeom prst="rect">
+            <a:avLst/>
+          </a:prstGeom>
+          <a:solidFill>
+            <a:srgbClr val="FFFF00">
+              <a:alpha val="33000"/>
+            </a:srgbClr>
+          </a:solidFill>
+          <a:ln>
+            <a:solidFill>
+              <a:schemeClr val="tx1"/>
+            </a:solidFill>
+          </a:ln>
+        </p:spPr>
+        <p:style>
+          <a:lnRef idx="2">
+            <a:schemeClr val="accent1">
+              <a:shade val="50000"/>
+            </a:schemeClr>
+          </a:lnRef>
+          <a:fillRef idx="1">
+            <a:schemeClr val="accent1"/>
+          </a:fillRef>
+          <a:effectRef idx="0">
+            <a:schemeClr val="accent1"/>
+          </a:effectRef>
+          <a:fontRef idx="minor">
+            <a:schemeClr val="lt1"/>
+          </a:fontRef>
+        </p:style>
+        <p:txBody>
+          <a:bodyPr rtlCol="0" anchor="ctr"/>
+          <a:lstStyle/>
+          <a:p>
+            <a:pPr algn="ctr"/>
+            <a:endParaRPr lang="en-US"/>
+          </a:p>
+        </p:txBody>
+      </p:sp>
+      <p:sp>
+        <p:nvSpPr>
+          <p:cNvPr id="1100" name="Rectangle 1099">
+            <a:extLst>
+              <a:ext uri="{FF2B5EF4-FFF2-40B4-BE49-F238E27FC236}">
+                <a16:creationId xmlns:a16="http://schemas.microsoft.com/office/drawing/2014/main" id="{A75C6F9C-0443-4275-95D3-27AA5B408196}"/>
+              </a:ext>
+            </a:extLst>
+          </p:cNvPr>
+          <p:cNvSpPr/>
+          <p:nvPr/>
+        </p:nvSpPr>
+        <p:spPr>
+          <a:xfrm rot="16200000">
+            <a:off x="32951721" y="10844266"/>
+            <a:ext cx="206446" cy="935194"/>
+          </a:xfrm>
+          <a:prstGeom prst="rect">
+            <a:avLst/>
+          </a:prstGeom>
+          <a:noFill/>
+          <a:ln>
+            <a:solidFill>
+              <a:schemeClr val="tx1"/>
+            </a:solidFill>
+          </a:ln>
+        </p:spPr>
+        <p:style>
+          <a:lnRef idx="2">
+            <a:schemeClr val="accent1">
+              <a:shade val="50000"/>
+            </a:schemeClr>
+          </a:lnRef>
+          <a:fillRef idx="1">
+            <a:schemeClr val="accent1"/>
+          </a:fillRef>
+          <a:effectRef idx="0">
+            <a:schemeClr val="accent1"/>
+          </a:effectRef>
+          <a:fontRef idx="minor">
+            <a:schemeClr val="lt1"/>
+          </a:fontRef>
+        </p:style>
+        <p:txBody>
+          <a:bodyPr rtlCol="0" anchor="ctr"/>
+          <a:lstStyle/>
+          <a:p>
+            <a:pPr algn="ctr"/>
+            <a:endParaRPr lang="en-US"/>
+          </a:p>
+        </p:txBody>
+      </p:sp>
+      <p:cxnSp>
+        <p:nvCxnSpPr>
+          <p:cNvPr id="1106" name="Straight Connector 1105">
+            <a:extLst>
+              <a:ext uri="{FF2B5EF4-FFF2-40B4-BE49-F238E27FC236}">
+                <a16:creationId xmlns:a16="http://schemas.microsoft.com/office/drawing/2014/main" id="{CD032D82-9817-4230-93CC-1FD68CF3FE4E}"/>
+              </a:ext>
+            </a:extLst>
+          </p:cNvPr>
+          <p:cNvCxnSpPr>
+            <a:cxnSpLocks/>
+          </p:cNvCxnSpPr>
+          <p:nvPr/>
+        </p:nvCxnSpPr>
+        <p:spPr>
+          <a:xfrm>
+            <a:off x="32576736" y="11309198"/>
+            <a:ext cx="940004" cy="5265"/>
+          </a:xfrm>
+          <a:prstGeom prst="line">
+            <a:avLst/>
+          </a:prstGeom>
+          <a:ln w="63500"/>
+        </p:spPr>
+        <p:style>
+          <a:lnRef idx="1">
+            <a:schemeClr val="dk1"/>
+          </a:lnRef>
+          <a:fillRef idx="0">
+            <a:schemeClr val="dk1"/>
+          </a:fillRef>
+          <a:effectRef idx="0">
+            <a:schemeClr val="dk1"/>
+          </a:effectRef>
+          <a:fontRef idx="minor">
+            <a:schemeClr val="tx1"/>
+          </a:fontRef>
+        </p:style>
+      </p:cxnSp>
+      <p:sp>
+        <p:nvSpPr>
+          <p:cNvPr id="1146" name="Rectangle 1145">
+            <a:extLst>
+              <a:ext uri="{FF2B5EF4-FFF2-40B4-BE49-F238E27FC236}">
+                <a16:creationId xmlns:a16="http://schemas.microsoft.com/office/drawing/2014/main" id="{436114F5-A0E6-4833-8EE0-581EBF2E9185}"/>
+              </a:ext>
+            </a:extLst>
+          </p:cNvPr>
+          <p:cNvSpPr/>
+          <p:nvPr/>
+        </p:nvSpPr>
+        <p:spPr>
+          <a:xfrm rot="16200000">
+            <a:off x="32943504" y="10842830"/>
+            <a:ext cx="223739" cy="938611"/>
+          </a:xfrm>
+          <a:prstGeom prst="rect">
+            <a:avLst/>
+          </a:prstGeom>
+          <a:solidFill>
+            <a:schemeClr val="tx1">
+              <a:alpha val="33000"/>
+            </a:schemeClr>
+          </a:solidFill>
+          <a:ln>
+            <a:solidFill>
+              <a:schemeClr val="tx1"/>
+            </a:solidFill>
+          </a:ln>
+        </p:spPr>
+        <p:style>
+          <a:lnRef idx="2">
+            <a:schemeClr val="accent1">
+              <a:shade val="50000"/>
+            </a:schemeClr>
+          </a:lnRef>
+          <a:fillRef idx="1">
+            <a:schemeClr val="accent1"/>
+          </a:fillRef>
+          <a:effectRef idx="0">
+            <a:schemeClr val="accent1"/>
+          </a:effectRef>
+          <a:fontRef idx="minor">
+            <a:schemeClr val="lt1"/>
+          </a:fontRef>
+        </p:style>
+        <p:txBody>
+          <a:bodyPr rtlCol="0" anchor="ctr"/>
+          <a:lstStyle/>
+          <a:p>
+            <a:pPr algn="ctr"/>
+            <a:endParaRPr lang="en-US"/>
+          </a:p>
+        </p:txBody>
+      </p:sp>
+      <p:sp>
+        <p:nvSpPr>
+          <p:cNvPr id="1167" name="Rectangle 1166">
+            <a:extLst>
+              <a:ext uri="{FF2B5EF4-FFF2-40B4-BE49-F238E27FC236}">
+                <a16:creationId xmlns:a16="http://schemas.microsoft.com/office/drawing/2014/main" id="{4785DAF2-8613-4E1F-A1F5-E7DD1D5BAEBE}"/>
+              </a:ext>
+            </a:extLst>
+          </p:cNvPr>
+          <p:cNvSpPr/>
+          <p:nvPr/>
+        </p:nvSpPr>
+        <p:spPr>
+          <a:xfrm rot="16200000">
+            <a:off x="32946820" y="11513885"/>
+            <a:ext cx="206446" cy="935194"/>
+          </a:xfrm>
+          <a:prstGeom prst="rect">
+            <a:avLst/>
+          </a:prstGeom>
+          <a:noFill/>
+          <a:ln>
+            <a:solidFill>
+              <a:schemeClr val="tx1"/>
+            </a:solidFill>
+          </a:ln>
+        </p:spPr>
+        <p:style>
+          <a:lnRef idx="2">
+            <a:schemeClr val="accent1">
+              <a:shade val="50000"/>
+            </a:schemeClr>
+          </a:lnRef>
+          <a:fillRef idx="1">
+            <a:schemeClr val="accent1"/>
+          </a:fillRef>
+          <a:effectRef idx="0">
+            <a:schemeClr val="accent1"/>
+          </a:effectRef>
+          <a:fontRef idx="minor">
+            <a:schemeClr val="lt1"/>
+          </a:fontRef>
+        </p:style>
+        <p:txBody>
+          <a:bodyPr rtlCol="0" anchor="ctr"/>
+          <a:lstStyle/>
+          <a:p>
+            <a:pPr algn="ctr"/>
+            <a:endParaRPr lang="en-US"/>
+          </a:p>
+        </p:txBody>
+      </p:sp>
+      <p:cxnSp>
+        <p:nvCxnSpPr>
+          <p:cNvPr id="1170" name="Straight Connector 1169">
+            <a:extLst>
+              <a:ext uri="{FF2B5EF4-FFF2-40B4-BE49-F238E27FC236}">
+                <a16:creationId xmlns:a16="http://schemas.microsoft.com/office/drawing/2014/main" id="{87175EAD-7D34-4858-9880-5D1BFE814833}"/>
+              </a:ext>
+            </a:extLst>
+          </p:cNvPr>
+          <p:cNvCxnSpPr>
+            <a:cxnSpLocks/>
+          </p:cNvCxnSpPr>
+          <p:nvPr/>
+        </p:nvCxnSpPr>
+        <p:spPr>
+          <a:xfrm>
+            <a:off x="32571835" y="11978817"/>
+            <a:ext cx="940004" cy="5265"/>
+          </a:xfrm>
+          <a:prstGeom prst="line">
+            <a:avLst/>
+          </a:prstGeom>
+          <a:ln w="63500"/>
+        </p:spPr>
+        <p:style>
+          <a:lnRef idx="1">
+            <a:schemeClr val="dk1"/>
+          </a:lnRef>
+          <a:fillRef idx="0">
+            <a:schemeClr val="dk1"/>
+          </a:fillRef>
+          <a:effectRef idx="0">
+            <a:schemeClr val="dk1"/>
+          </a:effectRef>
+          <a:fontRef idx="minor">
+            <a:schemeClr val="tx1"/>
+          </a:fontRef>
+        </p:style>
+      </p:cxnSp>
+      <p:sp>
+        <p:nvSpPr>
+          <p:cNvPr id="1171" name="Rectangle 1170">
+            <a:extLst>
+              <a:ext uri="{FF2B5EF4-FFF2-40B4-BE49-F238E27FC236}">
+                <a16:creationId xmlns:a16="http://schemas.microsoft.com/office/drawing/2014/main" id="{DC54DC9F-CCFB-40DD-B67B-E40B8618D8FD}"/>
+              </a:ext>
+            </a:extLst>
+          </p:cNvPr>
+          <p:cNvSpPr/>
+          <p:nvPr/>
+        </p:nvSpPr>
+        <p:spPr>
+          <a:xfrm rot="16200000">
+            <a:off x="32938603" y="11512449"/>
+            <a:ext cx="223739" cy="938611"/>
+          </a:xfrm>
+          <a:prstGeom prst="rect">
+            <a:avLst/>
+          </a:prstGeom>
+          <a:solidFill>
+            <a:schemeClr val="tx1">
+              <a:alpha val="33000"/>
+            </a:schemeClr>
+          </a:solidFill>
+          <a:ln>
+            <a:solidFill>
+              <a:schemeClr val="tx1"/>
+            </a:solidFill>
+          </a:ln>
+        </p:spPr>
+        <p:style>
+          <a:lnRef idx="2">
+            <a:schemeClr val="accent1">
+              <a:shade val="50000"/>
+            </a:schemeClr>
+          </a:lnRef>
+          <a:fillRef idx="1">
+            <a:schemeClr val="accent1"/>
+          </a:fillRef>
+          <a:effectRef idx="0">
+            <a:schemeClr val="accent1"/>
+          </a:effectRef>
+          <a:fontRef idx="minor">
+            <a:schemeClr val="lt1"/>
+          </a:fontRef>
+        </p:style>
+        <p:txBody>
+          <a:bodyPr rtlCol="0" anchor="ctr"/>
+          <a:lstStyle/>
+          <a:p>
+            <a:pPr algn="ctr"/>
+            <a:endParaRPr lang="en-US"/>
+          </a:p>
+        </p:txBody>
+      </p:sp>
+      <p:sp>
+        <p:nvSpPr>
+          <p:cNvPr id="1172" name="Rectangle 1171">
+            <a:extLst>
+              <a:ext uri="{FF2B5EF4-FFF2-40B4-BE49-F238E27FC236}">
+                <a16:creationId xmlns:a16="http://schemas.microsoft.com/office/drawing/2014/main" id="{A1E6B028-CCF7-4E73-8465-926DDAB6C487}"/>
+              </a:ext>
+            </a:extLst>
+          </p:cNvPr>
+          <p:cNvSpPr/>
+          <p:nvPr/>
+        </p:nvSpPr>
+        <p:spPr>
+          <a:xfrm rot="16200000">
+            <a:off x="32949996" y="11061886"/>
+            <a:ext cx="206446" cy="935194"/>
+          </a:xfrm>
+          <a:prstGeom prst="rect">
+            <a:avLst/>
+          </a:prstGeom>
+          <a:noFill/>
+          <a:ln>
+            <a:solidFill>
+              <a:schemeClr val="tx1"/>
+            </a:solidFill>
+          </a:ln>
+        </p:spPr>
+        <p:style>
+          <a:lnRef idx="2">
+            <a:schemeClr val="accent1">
+              <a:shade val="50000"/>
+            </a:schemeClr>
+          </a:lnRef>
+          <a:fillRef idx="1">
+            <a:schemeClr val="accent1"/>
+          </a:fillRef>
+          <a:effectRef idx="0">
+            <a:schemeClr val="accent1"/>
+          </a:effectRef>
+          <a:fontRef idx="minor">
+            <a:schemeClr val="lt1"/>
+          </a:fontRef>
+        </p:style>
+        <p:txBody>
+          <a:bodyPr rtlCol="0" anchor="ctr"/>
+          <a:lstStyle/>
+          <a:p>
+            <a:pPr algn="ctr"/>
+            <a:endParaRPr lang="en-US"/>
+          </a:p>
+        </p:txBody>
+      </p:sp>
+      <p:cxnSp>
+        <p:nvCxnSpPr>
+          <p:cNvPr id="1173" name="Straight Connector 1172">
+            <a:extLst>
+              <a:ext uri="{FF2B5EF4-FFF2-40B4-BE49-F238E27FC236}">
+                <a16:creationId xmlns:a16="http://schemas.microsoft.com/office/drawing/2014/main" id="{4140A385-96C6-43E8-B95F-789F98A30633}"/>
+              </a:ext>
+            </a:extLst>
+          </p:cNvPr>
+          <p:cNvCxnSpPr>
+            <a:cxnSpLocks/>
+          </p:cNvCxnSpPr>
+          <p:nvPr/>
+        </p:nvCxnSpPr>
+        <p:spPr>
+          <a:xfrm>
+            <a:off x="32575011" y="11526818"/>
+            <a:ext cx="940004" cy="5265"/>
+          </a:xfrm>
+          <a:prstGeom prst="line">
+            <a:avLst/>
+          </a:prstGeom>
+          <a:ln w="63500"/>
+        </p:spPr>
+        <p:style>
+          <a:lnRef idx="1">
+            <a:schemeClr val="dk1"/>
+          </a:lnRef>
+          <a:fillRef idx="0">
+            <a:schemeClr val="dk1"/>
+          </a:fillRef>
+          <a:effectRef idx="0">
+            <a:schemeClr val="dk1"/>
+          </a:effectRef>
+          <a:fontRef idx="minor">
+            <a:schemeClr val="tx1"/>
+          </a:fontRef>
+        </p:style>
+      </p:cxnSp>
+      <p:sp>
+        <p:nvSpPr>
+          <p:cNvPr id="1178" name="Rectangle 1177">
+            <a:extLst>
+              <a:ext uri="{FF2B5EF4-FFF2-40B4-BE49-F238E27FC236}">
+                <a16:creationId xmlns:a16="http://schemas.microsoft.com/office/drawing/2014/main" id="{0FC539B7-9ED3-471A-9F3C-E2694E2AE07D}"/>
+              </a:ext>
+            </a:extLst>
+          </p:cNvPr>
+          <p:cNvSpPr/>
+          <p:nvPr/>
+        </p:nvSpPr>
+        <p:spPr>
+          <a:xfrm rot="16200000">
+            <a:off x="32941779" y="11060450"/>
+            <a:ext cx="223739" cy="938611"/>
+          </a:xfrm>
+          <a:prstGeom prst="rect">
+            <a:avLst/>
+          </a:prstGeom>
+          <a:solidFill>
+            <a:schemeClr val="tx1">
+              <a:alpha val="33000"/>
+            </a:schemeClr>
+          </a:solidFill>
+          <a:ln>
+            <a:solidFill>
+              <a:schemeClr val="tx1"/>
+            </a:solidFill>
+          </a:ln>
+        </p:spPr>
+        <p:style>
+          <a:lnRef idx="2">
+            <a:schemeClr val="accent1">
+              <a:shade val="50000"/>
+            </a:schemeClr>
+          </a:lnRef>
+          <a:fillRef idx="1">
+            <a:schemeClr val="accent1"/>
+          </a:fillRef>
+          <a:effectRef idx="0">
+            <a:schemeClr val="accent1"/>
+          </a:effectRef>
+          <a:fontRef idx="minor">
+            <a:schemeClr val="lt1"/>
+          </a:fontRef>
+        </p:style>
+        <p:txBody>
+          <a:bodyPr rtlCol="0" anchor="ctr"/>
+          <a:lstStyle/>
+          <a:p>
+            <a:pPr algn="ctr"/>
+            <a:endParaRPr lang="en-US"/>
+          </a:p>
+        </p:txBody>
+      </p:sp>
+      <p:pic>
+        <p:nvPicPr>
+          <p:cNvPr id="1179" name="Picture 1178">
+            <a:extLst>
+              <a:ext uri="{FF2B5EF4-FFF2-40B4-BE49-F238E27FC236}">
+                <a16:creationId xmlns:a16="http://schemas.microsoft.com/office/drawing/2014/main" id="{6084AC6D-5A85-4AC2-B055-820F1E082277}"/>
+              </a:ext>
+            </a:extLst>
+          </p:cNvPr>
+          <p:cNvPicPr>
+            <a:picLocks noChangeAspect="1"/>
+          </p:cNvPicPr>
+          <p:nvPr/>
+        </p:nvPicPr>
+        <p:blipFill>
+          <a:blip r:embed="rId7">
+            <a:biLevel thresh="75000"/>
+          </a:blip>
+          <a:stretch>
+            <a:fillRect/>
+          </a:stretch>
+        </p:blipFill>
+        <p:spPr>
+          <a:xfrm>
+            <a:off x="27220915" y="14560123"/>
+            <a:ext cx="1328844" cy="856242"/>
+          </a:xfrm>
+          <a:prstGeom prst="rect">
+            <a:avLst/>
+          </a:prstGeom>
+        </p:spPr>
+      </p:pic>
+      <p:sp>
+        <p:nvSpPr>
+          <p:cNvPr id="1180" name="TextBox 1179">
+            <a:extLst>
+              <a:ext uri="{FF2B5EF4-FFF2-40B4-BE49-F238E27FC236}">
+                <a16:creationId xmlns:a16="http://schemas.microsoft.com/office/drawing/2014/main" id="{B13813D8-9A54-4AAD-87EB-F32654432C9F}"/>
               </a:ext>
             </a:extLst>
           </p:cNvPr>
@@ -46899,8 +48326,4054 @@
         </p:nvSpPr>
         <p:spPr>
           <a:xfrm>
-            <a:off x="35724928" y="4776096"/>
-            <a:ext cx="723275" cy="276999"/>
+            <a:off x="28532037" y="14638834"/>
+            <a:ext cx="679828" cy="338554"/>
+          </a:xfrm>
+          <a:prstGeom prst="rect">
+            <a:avLst/>
+          </a:prstGeom>
+          <a:noFill/>
+        </p:spPr>
+        <p:txBody>
+          <a:bodyPr wrap="square" rtlCol="0">
+            <a:spAutoFit/>
+          </a:bodyPr>
+          <a:lstStyle/>
+          <a:p>
+            <a:r>
+              <a:rPr lang="en-US" sz="1600" dirty="0"/>
+              <a:t>Gear</a:t>
+            </a:r>
+          </a:p>
+        </p:txBody>
+      </p:sp>
+      <p:sp>
+        <p:nvSpPr>
+          <p:cNvPr id="1186" name="TextBox 1185">
+            <a:extLst>
+              <a:ext uri="{FF2B5EF4-FFF2-40B4-BE49-F238E27FC236}">
+                <a16:creationId xmlns:a16="http://schemas.microsoft.com/office/drawing/2014/main" id="{7D44F330-0F95-41B0-A0D1-D8972DBF9785}"/>
+              </a:ext>
+            </a:extLst>
+          </p:cNvPr>
+          <p:cNvSpPr txBox="1"/>
+          <p:nvPr/>
+        </p:nvSpPr>
+        <p:spPr>
+          <a:xfrm>
+            <a:off x="28529356" y="15828061"/>
+            <a:ext cx="572901" cy="338554"/>
+          </a:xfrm>
+          <a:prstGeom prst="rect">
+            <a:avLst/>
+          </a:prstGeom>
+          <a:noFill/>
+        </p:spPr>
+        <p:txBody>
+          <a:bodyPr wrap="square" rtlCol="0">
+            <a:spAutoFit/>
+          </a:bodyPr>
+          <a:lstStyle/>
+          <a:p>
+            <a:r>
+              <a:rPr lang="en-US" sz="1600" dirty="0"/>
+              <a:t>Cart</a:t>
+            </a:r>
+          </a:p>
+        </p:txBody>
+      </p:sp>
+      <p:pic>
+        <p:nvPicPr>
+          <p:cNvPr id="1187" name="Picture 1186">
+            <a:extLst>
+              <a:ext uri="{FF2B5EF4-FFF2-40B4-BE49-F238E27FC236}">
+                <a16:creationId xmlns:a16="http://schemas.microsoft.com/office/drawing/2014/main" id="{8EF8BB12-51A3-4D99-B110-5F44F342E095}"/>
+              </a:ext>
+            </a:extLst>
+          </p:cNvPr>
+          <p:cNvPicPr>
+            <a:picLocks noChangeAspect="1"/>
+          </p:cNvPicPr>
+          <p:nvPr/>
+        </p:nvPicPr>
+        <p:blipFill>
+          <a:blip r:embed="rId7">
+            <a:biLevel thresh="75000"/>
+          </a:blip>
+          <a:stretch>
+            <a:fillRect/>
+          </a:stretch>
+        </p:blipFill>
+        <p:spPr>
+          <a:xfrm>
+            <a:off x="27220915" y="15721017"/>
+            <a:ext cx="1328844" cy="856242"/>
+          </a:xfrm>
+          <a:prstGeom prst="rect">
+            <a:avLst/>
+          </a:prstGeom>
+        </p:spPr>
+      </p:pic>
+      <p:pic>
+        <p:nvPicPr>
+          <p:cNvPr id="1188" name="Picture 1187">
+            <a:extLst>
+              <a:ext uri="{FF2B5EF4-FFF2-40B4-BE49-F238E27FC236}">
+                <a16:creationId xmlns:a16="http://schemas.microsoft.com/office/drawing/2014/main" id="{3372E4A1-2E83-4520-8418-7207C69C25BE}"/>
+              </a:ext>
+            </a:extLst>
+          </p:cNvPr>
+          <p:cNvPicPr>
+            <a:picLocks noChangeAspect="1"/>
+          </p:cNvPicPr>
+          <p:nvPr/>
+        </p:nvPicPr>
+        <p:blipFill rotWithShape="1">
+          <a:blip r:embed="rId14"/>
+          <a:srcRect t="2202" b="49142"/>
+          <a:stretch/>
+        </p:blipFill>
+        <p:spPr>
+          <a:xfrm>
+            <a:off x="27969732" y="15366612"/>
+            <a:ext cx="944962" cy="391558"/>
+          </a:xfrm>
+          <a:prstGeom prst="rect">
+            <a:avLst/>
+          </a:prstGeom>
+        </p:spPr>
+      </p:pic>
+      <p:pic>
+        <p:nvPicPr>
+          <p:cNvPr id="1190" name="Picture 36" descr="Capacitive proximity sensor 3 wire symbol, NC">
+            <a:extLst>
+              <a:ext uri="{FF2B5EF4-FFF2-40B4-BE49-F238E27FC236}">
+                <a16:creationId xmlns:a16="http://schemas.microsoft.com/office/drawing/2014/main" id="{27D271CA-86E8-49FC-A32A-C30ED01FC6E7}"/>
+              </a:ext>
+            </a:extLst>
+          </p:cNvPr>
+          <p:cNvPicPr>
+            <a:picLocks noChangeAspect="1" noChangeArrowheads="1"/>
+          </p:cNvPicPr>
+          <p:nvPr/>
+        </p:nvPicPr>
+        <p:blipFill>
+          <a:blip r:embed="rId16">
+            <a:extLst>
+              <a:ext uri="{28A0092B-C50C-407E-A947-70E740481C1C}">
+                <a14:useLocalDpi xmlns:a14="http://schemas.microsoft.com/office/drawing/2010/main" val="0"/>
+              </a:ext>
+            </a:extLst>
+          </a:blip>
+          <a:srcRect/>
+          <a:stretch>
+            <a:fillRect/>
+          </a:stretch>
+        </p:blipFill>
+        <p:spPr bwMode="auto">
+          <a:xfrm>
+            <a:off x="31022185" y="16202618"/>
+            <a:ext cx="1115720" cy="1238250"/>
+          </a:xfrm>
+          <a:prstGeom prst="rect">
+            <a:avLst/>
+          </a:prstGeom>
+          <a:noFill/>
+          <a:extLst>
+            <a:ext uri="{909E8E84-426E-40DD-AFC4-6F175D3DCCD1}">
+              <a14:hiddenFill xmlns:a14="http://schemas.microsoft.com/office/drawing/2010/main">
+                <a:solidFill>
+                  <a:srgbClr val="FFFFFF"/>
+                </a:solidFill>
+              </a14:hiddenFill>
+            </a:ext>
+          </a:extLst>
+        </p:spPr>
+      </p:pic>
+      <p:sp>
+        <p:nvSpPr>
+          <p:cNvPr id="1191" name="Rectangle 1190">
+            <a:extLst>
+              <a:ext uri="{FF2B5EF4-FFF2-40B4-BE49-F238E27FC236}">
+                <a16:creationId xmlns:a16="http://schemas.microsoft.com/office/drawing/2014/main" id="{6FB14F1C-8F12-4828-A2FF-3ED45B2A2F6C}"/>
+              </a:ext>
+            </a:extLst>
+          </p:cNvPr>
+          <p:cNvSpPr/>
+          <p:nvPr/>
+        </p:nvSpPr>
+        <p:spPr>
+          <a:xfrm>
+            <a:off x="30941819" y="16337553"/>
+            <a:ext cx="1580771" cy="1023044"/>
+          </a:xfrm>
+          <a:prstGeom prst="rect">
+            <a:avLst/>
+          </a:prstGeom>
+          <a:noFill/>
+          <a:ln>
+            <a:solidFill>
+              <a:schemeClr val="tx1"/>
+            </a:solidFill>
+          </a:ln>
+        </p:spPr>
+        <p:style>
+          <a:lnRef idx="2">
+            <a:schemeClr val="accent1">
+              <a:shade val="50000"/>
+            </a:schemeClr>
+          </a:lnRef>
+          <a:fillRef idx="1">
+            <a:schemeClr val="accent1"/>
+          </a:fillRef>
+          <a:effectRef idx="0">
+            <a:schemeClr val="accent1"/>
+          </a:effectRef>
+          <a:fontRef idx="minor">
+            <a:schemeClr val="lt1"/>
+          </a:fontRef>
+        </p:style>
+        <p:txBody>
+          <a:bodyPr rtlCol="0" anchor="ctr"/>
+          <a:lstStyle/>
+          <a:p>
+            <a:pPr algn="ctr"/>
+            <a:endParaRPr lang="en-US" sz="12101"/>
+          </a:p>
+        </p:txBody>
+      </p:sp>
+      <p:sp>
+        <p:nvSpPr>
+          <p:cNvPr id="1192" name="TextBox 1191">
+            <a:extLst>
+              <a:ext uri="{FF2B5EF4-FFF2-40B4-BE49-F238E27FC236}">
+                <a16:creationId xmlns:a16="http://schemas.microsoft.com/office/drawing/2014/main" id="{ECE617F3-B3C3-40A2-8FBC-D0A249812213}"/>
+              </a:ext>
+            </a:extLst>
+          </p:cNvPr>
+          <p:cNvSpPr txBox="1"/>
+          <p:nvPr/>
+        </p:nvSpPr>
+        <p:spPr>
+          <a:xfrm>
+            <a:off x="30870597" y="15755096"/>
+            <a:ext cx="1722158" cy="646331"/>
+          </a:xfrm>
+          <a:prstGeom prst="rect">
+            <a:avLst/>
+          </a:prstGeom>
+          <a:noFill/>
+        </p:spPr>
+        <p:txBody>
+          <a:bodyPr wrap="square" rtlCol="0">
+            <a:spAutoFit/>
+          </a:bodyPr>
+          <a:lstStyle/>
+          <a:p>
+            <a:r>
+              <a:rPr lang="en-US" dirty="0"/>
+              <a:t>ERCF Filament Sensor</a:t>
+            </a:r>
+          </a:p>
+        </p:txBody>
+      </p:sp>
+      <p:sp>
+        <p:nvSpPr>
+          <p:cNvPr id="1193" name="TextBox 1192">
+            <a:extLst>
+              <a:ext uri="{FF2B5EF4-FFF2-40B4-BE49-F238E27FC236}">
+                <a16:creationId xmlns:a16="http://schemas.microsoft.com/office/drawing/2014/main" id="{B15D5AEC-9E8A-4B39-8787-F52A0284B983}"/>
+              </a:ext>
+            </a:extLst>
+          </p:cNvPr>
+          <p:cNvSpPr txBox="1"/>
+          <p:nvPr/>
+        </p:nvSpPr>
+        <p:spPr>
+          <a:xfrm>
+            <a:off x="31705911" y="16401506"/>
+            <a:ext cx="774460" cy="923330"/>
+          </a:xfrm>
+          <a:prstGeom prst="rect">
+            <a:avLst/>
+          </a:prstGeom>
+          <a:noFill/>
+        </p:spPr>
+        <p:txBody>
+          <a:bodyPr wrap="square" rtlCol="0">
+            <a:spAutoFit/>
+          </a:bodyPr>
+          <a:lstStyle/>
+          <a:p>
+            <a:pPr algn="r"/>
+            <a:r>
+              <a:rPr lang="en-US" dirty="0"/>
+              <a:t>3v3</a:t>
+            </a:r>
+          </a:p>
+          <a:p>
+            <a:pPr algn="r"/>
+            <a:r>
+              <a:rPr lang="en-US" dirty="0"/>
+              <a:t>Sig</a:t>
+            </a:r>
+          </a:p>
+          <a:p>
+            <a:pPr algn="r"/>
+            <a:r>
+              <a:rPr lang="en-US" dirty="0"/>
+              <a:t>Gnd</a:t>
+            </a:r>
+          </a:p>
+        </p:txBody>
+      </p:sp>
+      <p:sp>
+        <p:nvSpPr>
+          <p:cNvPr id="1194" name="Oval 1193">
+            <a:extLst>
+              <a:ext uri="{FF2B5EF4-FFF2-40B4-BE49-F238E27FC236}">
+                <a16:creationId xmlns:a16="http://schemas.microsoft.com/office/drawing/2014/main" id="{427AFF55-EC12-4CC2-B868-1B707F467307}"/>
+              </a:ext>
+            </a:extLst>
+          </p:cNvPr>
+          <p:cNvSpPr/>
+          <p:nvPr/>
+        </p:nvSpPr>
+        <p:spPr>
+          <a:xfrm>
+            <a:off x="32489232" y="16543034"/>
+            <a:ext cx="66716" cy="72212"/>
+          </a:xfrm>
+          <a:prstGeom prst="ellipse">
+            <a:avLst/>
+          </a:prstGeom>
+          <a:solidFill>
+            <a:schemeClr val="tx1"/>
+          </a:solidFill>
+          <a:ln>
+            <a:solidFill>
+              <a:schemeClr val="tx1"/>
+            </a:solidFill>
+          </a:ln>
+        </p:spPr>
+        <p:style>
+          <a:lnRef idx="2">
+            <a:schemeClr val="accent1">
+              <a:shade val="50000"/>
+            </a:schemeClr>
+          </a:lnRef>
+          <a:fillRef idx="1">
+            <a:schemeClr val="accent1"/>
+          </a:fillRef>
+          <a:effectRef idx="0">
+            <a:schemeClr val="accent1"/>
+          </a:effectRef>
+          <a:fontRef idx="minor">
+            <a:schemeClr val="lt1"/>
+          </a:fontRef>
+        </p:style>
+        <p:txBody>
+          <a:bodyPr rtlCol="0" anchor="ctr"/>
+          <a:lstStyle/>
+          <a:p>
+            <a:pPr algn="ctr"/>
+            <a:endParaRPr lang="en-US"/>
+          </a:p>
+        </p:txBody>
+      </p:sp>
+      <p:sp>
+        <p:nvSpPr>
+          <p:cNvPr id="1196" name="Oval 1195">
+            <a:extLst>
+              <a:ext uri="{FF2B5EF4-FFF2-40B4-BE49-F238E27FC236}">
+                <a16:creationId xmlns:a16="http://schemas.microsoft.com/office/drawing/2014/main" id="{6793A1A5-9FFA-4247-981A-741FADD2A686}"/>
+              </a:ext>
+            </a:extLst>
+          </p:cNvPr>
+          <p:cNvSpPr/>
+          <p:nvPr/>
+        </p:nvSpPr>
+        <p:spPr>
+          <a:xfrm>
+            <a:off x="32489232" y="16832915"/>
+            <a:ext cx="66716" cy="72212"/>
+          </a:xfrm>
+          <a:prstGeom prst="ellipse">
+            <a:avLst/>
+          </a:prstGeom>
+          <a:solidFill>
+            <a:schemeClr val="tx1"/>
+          </a:solidFill>
+          <a:ln>
+            <a:solidFill>
+              <a:schemeClr val="tx1"/>
+            </a:solidFill>
+          </a:ln>
+        </p:spPr>
+        <p:style>
+          <a:lnRef idx="2">
+            <a:schemeClr val="accent1">
+              <a:shade val="50000"/>
+            </a:schemeClr>
+          </a:lnRef>
+          <a:fillRef idx="1">
+            <a:schemeClr val="accent1"/>
+          </a:fillRef>
+          <a:effectRef idx="0">
+            <a:schemeClr val="accent1"/>
+          </a:effectRef>
+          <a:fontRef idx="minor">
+            <a:schemeClr val="lt1"/>
+          </a:fontRef>
+        </p:style>
+        <p:txBody>
+          <a:bodyPr rtlCol="0" anchor="ctr"/>
+          <a:lstStyle/>
+          <a:p>
+            <a:pPr algn="ctr"/>
+            <a:endParaRPr lang="en-US"/>
+          </a:p>
+        </p:txBody>
+      </p:sp>
+      <p:sp>
+        <p:nvSpPr>
+          <p:cNvPr id="1197" name="Oval 1196">
+            <a:extLst>
+              <a:ext uri="{FF2B5EF4-FFF2-40B4-BE49-F238E27FC236}">
+                <a16:creationId xmlns:a16="http://schemas.microsoft.com/office/drawing/2014/main" id="{C7EC073E-B9CE-4AC6-A810-99855D146FA9}"/>
+              </a:ext>
+            </a:extLst>
+          </p:cNvPr>
+          <p:cNvSpPr/>
+          <p:nvPr/>
+        </p:nvSpPr>
+        <p:spPr>
+          <a:xfrm>
+            <a:off x="32486109" y="17119866"/>
+            <a:ext cx="66716" cy="72212"/>
+          </a:xfrm>
+          <a:prstGeom prst="ellipse">
+            <a:avLst/>
+          </a:prstGeom>
+          <a:solidFill>
+            <a:schemeClr val="tx1"/>
+          </a:solidFill>
+          <a:ln>
+            <a:solidFill>
+              <a:schemeClr val="tx1"/>
+            </a:solidFill>
+          </a:ln>
+        </p:spPr>
+        <p:style>
+          <a:lnRef idx="2">
+            <a:schemeClr val="accent1">
+              <a:shade val="50000"/>
+            </a:schemeClr>
+          </a:lnRef>
+          <a:fillRef idx="1">
+            <a:schemeClr val="accent1"/>
+          </a:fillRef>
+          <a:effectRef idx="0">
+            <a:schemeClr val="accent1"/>
+          </a:effectRef>
+          <a:fontRef idx="minor">
+            <a:schemeClr val="lt1"/>
+          </a:fontRef>
+        </p:style>
+        <p:txBody>
+          <a:bodyPr rtlCol="0" anchor="ctr"/>
+          <a:lstStyle/>
+          <a:p>
+            <a:pPr algn="ctr"/>
+            <a:endParaRPr lang="en-US"/>
+          </a:p>
+        </p:txBody>
+      </p:sp>
+      <p:cxnSp>
+        <p:nvCxnSpPr>
+          <p:cNvPr id="1200" name="Connector: Elbow 1199">
+            <a:extLst>
+              <a:ext uri="{FF2B5EF4-FFF2-40B4-BE49-F238E27FC236}">
+                <a16:creationId xmlns:a16="http://schemas.microsoft.com/office/drawing/2014/main" id="{E1D275D0-E627-4E19-86F3-D869E11E6F1A}"/>
+              </a:ext>
+            </a:extLst>
+          </p:cNvPr>
+          <p:cNvCxnSpPr>
+            <a:cxnSpLocks/>
+          </p:cNvCxnSpPr>
+          <p:nvPr/>
+        </p:nvCxnSpPr>
+        <p:spPr>
+          <a:xfrm rot="16200000" flipV="1">
+            <a:off x="31555351" y="15948823"/>
+            <a:ext cx="1845187" cy="658327"/>
+          </a:xfrm>
+          <a:prstGeom prst="bentConnector3">
+            <a:avLst>
+              <a:gd name="adj1" fmla="val 98317"/>
+            </a:avLst>
+          </a:prstGeom>
+          <a:ln w="50800"/>
+        </p:spPr>
+        <p:style>
+          <a:lnRef idx="1">
+            <a:schemeClr val="dk1"/>
+          </a:lnRef>
+          <a:fillRef idx="0">
+            <a:schemeClr val="dk1"/>
+          </a:fillRef>
+          <a:effectRef idx="0">
+            <a:schemeClr val="dk1"/>
+          </a:effectRef>
+          <a:fontRef idx="minor">
+            <a:schemeClr val="tx1"/>
+          </a:fontRef>
+        </p:style>
+      </p:cxnSp>
+      <p:cxnSp>
+        <p:nvCxnSpPr>
+          <p:cNvPr id="149" name="Straight Connector 148">
+            <a:extLst>
+              <a:ext uri="{FF2B5EF4-FFF2-40B4-BE49-F238E27FC236}">
+                <a16:creationId xmlns:a16="http://schemas.microsoft.com/office/drawing/2014/main" id="{97EE5889-D138-4573-BBDD-B441436B1199}"/>
+              </a:ext>
+            </a:extLst>
+          </p:cNvPr>
+          <p:cNvCxnSpPr>
+            <a:cxnSpLocks/>
+            <a:stCxn id="1194" idx="6"/>
+          </p:cNvCxnSpPr>
+          <p:nvPr/>
+        </p:nvCxnSpPr>
+        <p:spPr>
+          <a:xfrm>
+            <a:off x="32555948" y="16579140"/>
+            <a:ext cx="248152" cy="0"/>
+          </a:xfrm>
+          <a:prstGeom prst="line">
+            <a:avLst/>
+          </a:prstGeom>
+          <a:ln w="50800"/>
+        </p:spPr>
+        <p:style>
+          <a:lnRef idx="1">
+            <a:schemeClr val="dk1"/>
+          </a:lnRef>
+          <a:fillRef idx="0">
+            <a:schemeClr val="dk1"/>
+          </a:fillRef>
+          <a:effectRef idx="0">
+            <a:schemeClr val="dk1"/>
+          </a:effectRef>
+          <a:fontRef idx="minor">
+            <a:schemeClr val="tx1"/>
+          </a:fontRef>
+        </p:style>
+      </p:cxnSp>
+      <p:cxnSp>
+        <p:nvCxnSpPr>
+          <p:cNvPr id="1201" name="Straight Connector 1200">
+            <a:extLst>
+              <a:ext uri="{FF2B5EF4-FFF2-40B4-BE49-F238E27FC236}">
+                <a16:creationId xmlns:a16="http://schemas.microsoft.com/office/drawing/2014/main" id="{C5D98BFE-C701-4230-B075-D981E570D6DB}"/>
+              </a:ext>
+            </a:extLst>
+          </p:cNvPr>
+          <p:cNvCxnSpPr>
+            <a:cxnSpLocks/>
+          </p:cNvCxnSpPr>
+          <p:nvPr/>
+        </p:nvCxnSpPr>
+        <p:spPr>
+          <a:xfrm>
+            <a:off x="32500561" y="16874415"/>
+            <a:ext cx="316239" cy="0"/>
+          </a:xfrm>
+          <a:prstGeom prst="line">
+            <a:avLst/>
+          </a:prstGeom>
+          <a:ln w="50800"/>
+        </p:spPr>
+        <p:style>
+          <a:lnRef idx="1">
+            <a:schemeClr val="dk1"/>
+          </a:lnRef>
+          <a:fillRef idx="0">
+            <a:schemeClr val="dk1"/>
+          </a:fillRef>
+          <a:effectRef idx="0">
+            <a:schemeClr val="dk1"/>
+          </a:effectRef>
+          <a:fontRef idx="minor">
+            <a:schemeClr val="tx1"/>
+          </a:fontRef>
+        </p:style>
+      </p:cxnSp>
+      <p:cxnSp>
+        <p:nvCxnSpPr>
+          <p:cNvPr id="1202" name="Straight Connector 1201">
+            <a:extLst>
+              <a:ext uri="{FF2B5EF4-FFF2-40B4-BE49-F238E27FC236}">
+                <a16:creationId xmlns:a16="http://schemas.microsoft.com/office/drawing/2014/main" id="{627C992B-FBF5-4DBA-9D38-D47859641E0A}"/>
+              </a:ext>
+            </a:extLst>
+          </p:cNvPr>
+          <p:cNvCxnSpPr>
+            <a:cxnSpLocks/>
+          </p:cNvCxnSpPr>
+          <p:nvPr/>
+        </p:nvCxnSpPr>
+        <p:spPr>
+          <a:xfrm>
+            <a:off x="32524991" y="17164928"/>
+            <a:ext cx="291015" cy="0"/>
+          </a:xfrm>
+          <a:prstGeom prst="line">
+            <a:avLst/>
+          </a:prstGeom>
+          <a:ln w="50800"/>
+        </p:spPr>
+        <p:style>
+          <a:lnRef idx="1">
+            <a:schemeClr val="dk1"/>
+          </a:lnRef>
+          <a:fillRef idx="0">
+            <a:schemeClr val="dk1"/>
+          </a:fillRef>
+          <a:effectRef idx="0">
+            <a:schemeClr val="dk1"/>
+          </a:effectRef>
+          <a:fontRef idx="minor">
+            <a:schemeClr val="tx1"/>
+          </a:fontRef>
+        </p:style>
+      </p:cxnSp>
+      <p:cxnSp>
+        <p:nvCxnSpPr>
+          <p:cNvPr id="1203" name="Connector: Elbow 1202">
+            <a:extLst>
+              <a:ext uri="{FF2B5EF4-FFF2-40B4-BE49-F238E27FC236}">
+                <a16:creationId xmlns:a16="http://schemas.microsoft.com/office/drawing/2014/main" id="{240B42FB-F097-4F83-9F9F-72B550EE26C0}"/>
+              </a:ext>
+            </a:extLst>
+          </p:cNvPr>
+          <p:cNvCxnSpPr>
+            <a:cxnSpLocks/>
+            <a:stCxn id="1204" idx="3"/>
+            <a:endCxn id="952" idx="1"/>
+          </p:cNvCxnSpPr>
+          <p:nvPr/>
+        </p:nvCxnSpPr>
+        <p:spPr>
+          <a:xfrm flipV="1">
+            <a:off x="29323387" y="15136414"/>
+            <a:ext cx="1663533" cy="445271"/>
+          </a:xfrm>
+          <a:prstGeom prst="bentConnector3">
+            <a:avLst>
+              <a:gd name="adj1" fmla="val 50000"/>
+            </a:avLst>
+          </a:prstGeom>
+          <a:ln w="50800"/>
+        </p:spPr>
+        <p:style>
+          <a:lnRef idx="1">
+            <a:schemeClr val="dk1"/>
+          </a:lnRef>
+          <a:fillRef idx="0">
+            <a:schemeClr val="dk1"/>
+          </a:fillRef>
+          <a:effectRef idx="0">
+            <a:schemeClr val="dk1"/>
+          </a:effectRef>
+          <a:fontRef idx="minor">
+            <a:schemeClr val="tx1"/>
+          </a:fontRef>
+        </p:style>
+      </p:cxnSp>
+      <p:sp>
+        <p:nvSpPr>
+          <p:cNvPr id="1204" name="Rectangle 1203">
+            <a:extLst>
+              <a:ext uri="{FF2B5EF4-FFF2-40B4-BE49-F238E27FC236}">
+                <a16:creationId xmlns:a16="http://schemas.microsoft.com/office/drawing/2014/main" id="{1A0FAE34-A873-464F-8E27-E19BEF06A4F2}"/>
+              </a:ext>
+            </a:extLst>
+          </p:cNvPr>
+          <p:cNvSpPr/>
+          <p:nvPr/>
+        </p:nvSpPr>
+        <p:spPr>
+          <a:xfrm>
+            <a:off x="26935475" y="14555492"/>
+            <a:ext cx="2387912" cy="2052386"/>
+          </a:xfrm>
+          <a:prstGeom prst="rect">
+            <a:avLst/>
+          </a:prstGeom>
+          <a:noFill/>
+          <a:ln w="31750">
+            <a:solidFill>
+              <a:schemeClr val="tx1"/>
+            </a:solidFill>
+          </a:ln>
+        </p:spPr>
+        <p:style>
+          <a:lnRef idx="2">
+            <a:schemeClr val="accent1">
+              <a:shade val="50000"/>
+            </a:schemeClr>
+          </a:lnRef>
+          <a:fillRef idx="1">
+            <a:schemeClr val="accent1"/>
+          </a:fillRef>
+          <a:effectRef idx="0">
+            <a:schemeClr val="accent1"/>
+          </a:effectRef>
+          <a:fontRef idx="minor">
+            <a:schemeClr val="lt1"/>
+          </a:fontRef>
+        </p:style>
+        <p:txBody>
+          <a:bodyPr rtlCol="0" anchor="ctr"/>
+          <a:lstStyle/>
+          <a:p>
+            <a:pPr algn="ctr"/>
+            <a:endParaRPr lang="en-US" dirty="0">
+              <a:solidFill>
+                <a:schemeClr val="tx1"/>
+              </a:solidFill>
+            </a:endParaRPr>
+          </a:p>
+        </p:txBody>
+      </p:sp>
+      <p:sp>
+        <p:nvSpPr>
+          <p:cNvPr id="1205" name="Rectangle 1204">
+            <a:extLst>
+              <a:ext uri="{FF2B5EF4-FFF2-40B4-BE49-F238E27FC236}">
+                <a16:creationId xmlns:a16="http://schemas.microsoft.com/office/drawing/2014/main" id="{DBA8B6E8-6FE9-4FCB-99F0-7EEB7DD79BB9}"/>
+              </a:ext>
+            </a:extLst>
+          </p:cNvPr>
+          <p:cNvSpPr/>
+          <p:nvPr/>
+        </p:nvSpPr>
+        <p:spPr>
+          <a:xfrm rot="16200000">
+            <a:off x="32965871" y="12683870"/>
+            <a:ext cx="206446" cy="935194"/>
+          </a:xfrm>
+          <a:prstGeom prst="rect">
+            <a:avLst/>
+          </a:prstGeom>
+          <a:noFill/>
+          <a:ln>
+            <a:solidFill>
+              <a:schemeClr val="tx1"/>
+            </a:solidFill>
+          </a:ln>
+        </p:spPr>
+        <p:style>
+          <a:lnRef idx="2">
+            <a:schemeClr val="accent1">
+              <a:shade val="50000"/>
+            </a:schemeClr>
+          </a:lnRef>
+          <a:fillRef idx="1">
+            <a:schemeClr val="accent1"/>
+          </a:fillRef>
+          <a:effectRef idx="0">
+            <a:schemeClr val="accent1"/>
+          </a:effectRef>
+          <a:fontRef idx="minor">
+            <a:schemeClr val="lt1"/>
+          </a:fontRef>
+        </p:style>
+        <p:txBody>
+          <a:bodyPr rtlCol="0" anchor="ctr"/>
+          <a:lstStyle/>
+          <a:p>
+            <a:pPr algn="ctr"/>
+            <a:endParaRPr lang="en-US"/>
+          </a:p>
+        </p:txBody>
+      </p:sp>
+      <p:cxnSp>
+        <p:nvCxnSpPr>
+          <p:cNvPr id="1206" name="Straight Connector 1205">
+            <a:extLst>
+              <a:ext uri="{FF2B5EF4-FFF2-40B4-BE49-F238E27FC236}">
+                <a16:creationId xmlns:a16="http://schemas.microsoft.com/office/drawing/2014/main" id="{4B4591FF-8186-4FF0-AC90-EC30FBE0AE46}"/>
+              </a:ext>
+            </a:extLst>
+          </p:cNvPr>
+          <p:cNvCxnSpPr>
+            <a:cxnSpLocks/>
+          </p:cNvCxnSpPr>
+          <p:nvPr/>
+        </p:nvCxnSpPr>
+        <p:spPr>
+          <a:xfrm>
+            <a:off x="32590886" y="13148802"/>
+            <a:ext cx="940004" cy="5265"/>
+          </a:xfrm>
+          <a:prstGeom prst="line">
+            <a:avLst/>
+          </a:prstGeom>
+          <a:ln w="63500"/>
+        </p:spPr>
+        <p:style>
+          <a:lnRef idx="1">
+            <a:schemeClr val="dk1"/>
+          </a:lnRef>
+          <a:fillRef idx="0">
+            <a:schemeClr val="dk1"/>
+          </a:fillRef>
+          <a:effectRef idx="0">
+            <a:schemeClr val="dk1"/>
+          </a:effectRef>
+          <a:fontRef idx="minor">
+            <a:schemeClr val="tx1"/>
+          </a:fontRef>
+        </p:style>
+      </p:cxnSp>
+      <p:sp>
+        <p:nvSpPr>
+          <p:cNvPr id="1208" name="Rectangle 1207">
+            <a:extLst>
+              <a:ext uri="{FF2B5EF4-FFF2-40B4-BE49-F238E27FC236}">
+                <a16:creationId xmlns:a16="http://schemas.microsoft.com/office/drawing/2014/main" id="{4956AC2A-62E3-4A0A-8C0E-4356D27DBDF4}"/>
+              </a:ext>
+            </a:extLst>
+          </p:cNvPr>
+          <p:cNvSpPr/>
+          <p:nvPr/>
+        </p:nvSpPr>
+        <p:spPr>
+          <a:xfrm rot="16200000">
+            <a:off x="32957654" y="12682434"/>
+            <a:ext cx="223739" cy="938611"/>
+          </a:xfrm>
+          <a:prstGeom prst="rect">
+            <a:avLst/>
+          </a:prstGeom>
+          <a:solidFill>
+            <a:schemeClr val="accent2">
+              <a:alpha val="33000"/>
+            </a:schemeClr>
+          </a:solidFill>
+          <a:ln>
+            <a:solidFill>
+              <a:schemeClr val="tx1"/>
+            </a:solidFill>
+          </a:ln>
+        </p:spPr>
+        <p:style>
+          <a:lnRef idx="2">
+            <a:schemeClr val="accent1">
+              <a:shade val="50000"/>
+            </a:schemeClr>
+          </a:lnRef>
+          <a:fillRef idx="1">
+            <a:schemeClr val="accent1"/>
+          </a:fillRef>
+          <a:effectRef idx="0">
+            <a:schemeClr val="accent1"/>
+          </a:effectRef>
+          <a:fontRef idx="minor">
+            <a:schemeClr val="lt1"/>
+          </a:fontRef>
+        </p:style>
+        <p:txBody>
+          <a:bodyPr rtlCol="0" anchor="ctr"/>
+          <a:lstStyle/>
+          <a:p>
+            <a:pPr algn="ctr"/>
+            <a:endParaRPr lang="en-US"/>
+          </a:p>
+        </p:txBody>
+      </p:sp>
+      <p:sp>
+        <p:nvSpPr>
+          <p:cNvPr id="1209" name="Rectangle 1208">
+            <a:extLst>
+              <a:ext uri="{FF2B5EF4-FFF2-40B4-BE49-F238E27FC236}">
+                <a16:creationId xmlns:a16="http://schemas.microsoft.com/office/drawing/2014/main" id="{49BB79B0-9B26-4F95-BF4C-0AE49E9C0C23}"/>
+              </a:ext>
+            </a:extLst>
+          </p:cNvPr>
+          <p:cNvSpPr/>
+          <p:nvPr/>
+        </p:nvSpPr>
+        <p:spPr>
+          <a:xfrm rot="16200000">
+            <a:off x="32965870" y="12465183"/>
+            <a:ext cx="206446" cy="935194"/>
+          </a:xfrm>
+          <a:prstGeom prst="rect">
+            <a:avLst/>
+          </a:prstGeom>
+          <a:noFill/>
+          <a:ln>
+            <a:solidFill>
+              <a:schemeClr val="tx1"/>
+            </a:solidFill>
+          </a:ln>
+        </p:spPr>
+        <p:style>
+          <a:lnRef idx="2">
+            <a:schemeClr val="accent1">
+              <a:shade val="50000"/>
+            </a:schemeClr>
+          </a:lnRef>
+          <a:fillRef idx="1">
+            <a:schemeClr val="accent1"/>
+          </a:fillRef>
+          <a:effectRef idx="0">
+            <a:schemeClr val="accent1"/>
+          </a:effectRef>
+          <a:fontRef idx="minor">
+            <a:schemeClr val="lt1"/>
+          </a:fontRef>
+        </p:style>
+        <p:txBody>
+          <a:bodyPr rtlCol="0" anchor="ctr"/>
+          <a:lstStyle/>
+          <a:p>
+            <a:pPr algn="ctr"/>
+            <a:endParaRPr lang="en-US"/>
+          </a:p>
+        </p:txBody>
+      </p:sp>
+      <p:cxnSp>
+        <p:nvCxnSpPr>
+          <p:cNvPr id="1210" name="Straight Connector 1209">
+            <a:extLst>
+              <a:ext uri="{FF2B5EF4-FFF2-40B4-BE49-F238E27FC236}">
+                <a16:creationId xmlns:a16="http://schemas.microsoft.com/office/drawing/2014/main" id="{8C3AA748-E8DB-47E4-85CA-90C275ACB36F}"/>
+              </a:ext>
+            </a:extLst>
+          </p:cNvPr>
+          <p:cNvCxnSpPr>
+            <a:cxnSpLocks/>
+          </p:cNvCxnSpPr>
+          <p:nvPr/>
+        </p:nvCxnSpPr>
+        <p:spPr>
+          <a:xfrm>
+            <a:off x="32590885" y="12930115"/>
+            <a:ext cx="940004" cy="5265"/>
+          </a:xfrm>
+          <a:prstGeom prst="line">
+            <a:avLst/>
+          </a:prstGeom>
+          <a:ln w="63500"/>
+        </p:spPr>
+        <p:style>
+          <a:lnRef idx="1">
+            <a:schemeClr val="dk1"/>
+          </a:lnRef>
+          <a:fillRef idx="0">
+            <a:schemeClr val="dk1"/>
+          </a:fillRef>
+          <a:effectRef idx="0">
+            <a:schemeClr val="dk1"/>
+          </a:effectRef>
+          <a:fontRef idx="minor">
+            <a:schemeClr val="tx1"/>
+          </a:fontRef>
+        </p:style>
+      </p:cxnSp>
+      <p:sp>
+        <p:nvSpPr>
+          <p:cNvPr id="1211" name="Rectangle 1210">
+            <a:extLst>
+              <a:ext uri="{FF2B5EF4-FFF2-40B4-BE49-F238E27FC236}">
+                <a16:creationId xmlns:a16="http://schemas.microsoft.com/office/drawing/2014/main" id="{CEA32811-A489-4FC9-B117-C14C7C768754}"/>
+              </a:ext>
+            </a:extLst>
+          </p:cNvPr>
+          <p:cNvSpPr/>
+          <p:nvPr/>
+        </p:nvSpPr>
+        <p:spPr>
+          <a:xfrm rot="16200000">
+            <a:off x="32957653" y="12463747"/>
+            <a:ext cx="223739" cy="938611"/>
+          </a:xfrm>
+          <a:prstGeom prst="rect">
+            <a:avLst/>
+          </a:prstGeom>
+          <a:solidFill>
+            <a:schemeClr val="accent2">
+              <a:alpha val="33000"/>
+            </a:schemeClr>
+          </a:solidFill>
+          <a:ln>
+            <a:solidFill>
+              <a:schemeClr val="tx1"/>
+            </a:solidFill>
+          </a:ln>
+        </p:spPr>
+        <p:style>
+          <a:lnRef idx="2">
+            <a:schemeClr val="accent1">
+              <a:shade val="50000"/>
+            </a:schemeClr>
+          </a:lnRef>
+          <a:fillRef idx="1">
+            <a:schemeClr val="accent1"/>
+          </a:fillRef>
+          <a:effectRef idx="0">
+            <a:schemeClr val="accent1"/>
+          </a:effectRef>
+          <a:fontRef idx="minor">
+            <a:schemeClr val="lt1"/>
+          </a:fontRef>
+        </p:style>
+        <p:txBody>
+          <a:bodyPr rtlCol="0" anchor="ctr"/>
+          <a:lstStyle/>
+          <a:p>
+            <a:pPr algn="ctr"/>
+            <a:endParaRPr lang="en-US"/>
+          </a:p>
+        </p:txBody>
+      </p:sp>
+      <p:sp>
+        <p:nvSpPr>
+          <p:cNvPr id="1212" name="Rectangle 1211">
+            <a:extLst>
+              <a:ext uri="{FF2B5EF4-FFF2-40B4-BE49-F238E27FC236}">
+                <a16:creationId xmlns:a16="http://schemas.microsoft.com/office/drawing/2014/main" id="{DC5B7A8D-CC06-418C-ADDB-6D01BD24FDF6}"/>
+              </a:ext>
+            </a:extLst>
+          </p:cNvPr>
+          <p:cNvSpPr/>
+          <p:nvPr/>
+        </p:nvSpPr>
+        <p:spPr>
+          <a:xfrm rot="16200000">
+            <a:off x="32946821" y="13905403"/>
+            <a:ext cx="206446" cy="935194"/>
+          </a:xfrm>
+          <a:prstGeom prst="rect">
+            <a:avLst/>
+          </a:prstGeom>
+          <a:noFill/>
+          <a:ln>
+            <a:solidFill>
+              <a:schemeClr val="tx1"/>
+            </a:solidFill>
+          </a:ln>
+        </p:spPr>
+        <p:style>
+          <a:lnRef idx="2">
+            <a:schemeClr val="accent1">
+              <a:shade val="50000"/>
+            </a:schemeClr>
+          </a:lnRef>
+          <a:fillRef idx="1">
+            <a:schemeClr val="accent1"/>
+          </a:fillRef>
+          <a:effectRef idx="0">
+            <a:schemeClr val="accent1"/>
+          </a:effectRef>
+          <a:fontRef idx="minor">
+            <a:schemeClr val="lt1"/>
+          </a:fontRef>
+        </p:style>
+        <p:txBody>
+          <a:bodyPr rtlCol="0" anchor="ctr"/>
+          <a:lstStyle/>
+          <a:p>
+            <a:pPr algn="ctr"/>
+            <a:endParaRPr lang="en-US"/>
+          </a:p>
+        </p:txBody>
+      </p:sp>
+      <p:cxnSp>
+        <p:nvCxnSpPr>
+          <p:cNvPr id="1213" name="Straight Connector 1212">
+            <a:extLst>
+              <a:ext uri="{FF2B5EF4-FFF2-40B4-BE49-F238E27FC236}">
+                <a16:creationId xmlns:a16="http://schemas.microsoft.com/office/drawing/2014/main" id="{097944CA-6E75-4C79-ABCD-1680A35F09ED}"/>
+              </a:ext>
+            </a:extLst>
+          </p:cNvPr>
+          <p:cNvCxnSpPr>
+            <a:cxnSpLocks/>
+          </p:cNvCxnSpPr>
+          <p:nvPr/>
+        </p:nvCxnSpPr>
+        <p:spPr>
+          <a:xfrm>
+            <a:off x="32571836" y="14370335"/>
+            <a:ext cx="940004" cy="5265"/>
+          </a:xfrm>
+          <a:prstGeom prst="line">
+            <a:avLst/>
+          </a:prstGeom>
+          <a:ln w="63500"/>
+        </p:spPr>
+        <p:style>
+          <a:lnRef idx="1">
+            <a:schemeClr val="dk1"/>
+          </a:lnRef>
+          <a:fillRef idx="0">
+            <a:schemeClr val="dk1"/>
+          </a:fillRef>
+          <a:effectRef idx="0">
+            <a:schemeClr val="dk1"/>
+          </a:effectRef>
+          <a:fontRef idx="minor">
+            <a:schemeClr val="tx1"/>
+          </a:fontRef>
+        </p:style>
+      </p:cxnSp>
+      <p:sp>
+        <p:nvSpPr>
+          <p:cNvPr id="1215" name="Rectangle 1214">
+            <a:extLst>
+              <a:ext uri="{FF2B5EF4-FFF2-40B4-BE49-F238E27FC236}">
+                <a16:creationId xmlns:a16="http://schemas.microsoft.com/office/drawing/2014/main" id="{84A994AF-046A-426A-9ED9-0F7C02079116}"/>
+              </a:ext>
+            </a:extLst>
+          </p:cNvPr>
+          <p:cNvSpPr/>
+          <p:nvPr/>
+        </p:nvSpPr>
+        <p:spPr>
+          <a:xfrm rot="16200000">
+            <a:off x="32938604" y="13903967"/>
+            <a:ext cx="223739" cy="938611"/>
+          </a:xfrm>
+          <a:prstGeom prst="rect">
+            <a:avLst/>
+          </a:prstGeom>
+          <a:solidFill>
+            <a:srgbClr val="FF0000">
+              <a:alpha val="33000"/>
+            </a:srgbClr>
+          </a:solidFill>
+          <a:ln>
+            <a:solidFill>
+              <a:schemeClr val="tx1"/>
+            </a:solidFill>
+          </a:ln>
+        </p:spPr>
+        <p:style>
+          <a:lnRef idx="2">
+            <a:schemeClr val="accent1">
+              <a:shade val="50000"/>
+            </a:schemeClr>
+          </a:lnRef>
+          <a:fillRef idx="1">
+            <a:schemeClr val="accent1"/>
+          </a:fillRef>
+          <a:effectRef idx="0">
+            <a:schemeClr val="accent1"/>
+          </a:effectRef>
+          <a:fontRef idx="minor">
+            <a:schemeClr val="lt1"/>
+          </a:fontRef>
+        </p:style>
+        <p:txBody>
+          <a:bodyPr rtlCol="0" anchor="ctr"/>
+          <a:lstStyle/>
+          <a:p>
+            <a:pPr algn="ctr"/>
+            <a:endParaRPr lang="en-US"/>
+          </a:p>
+        </p:txBody>
+      </p:sp>
+      <p:sp>
+        <p:nvSpPr>
+          <p:cNvPr id="1216" name="Rectangle 1215">
+            <a:extLst>
+              <a:ext uri="{FF2B5EF4-FFF2-40B4-BE49-F238E27FC236}">
+                <a16:creationId xmlns:a16="http://schemas.microsoft.com/office/drawing/2014/main" id="{2D457472-0678-492C-8801-084F8221498D}"/>
+              </a:ext>
+            </a:extLst>
+          </p:cNvPr>
+          <p:cNvSpPr/>
+          <p:nvPr/>
+        </p:nvSpPr>
+        <p:spPr>
+          <a:xfrm rot="16200000">
+            <a:off x="32946820" y="13686716"/>
+            <a:ext cx="206446" cy="935194"/>
+          </a:xfrm>
+          <a:prstGeom prst="rect">
+            <a:avLst/>
+          </a:prstGeom>
+          <a:noFill/>
+          <a:ln>
+            <a:solidFill>
+              <a:schemeClr val="tx1"/>
+            </a:solidFill>
+          </a:ln>
+        </p:spPr>
+        <p:style>
+          <a:lnRef idx="2">
+            <a:schemeClr val="accent1">
+              <a:shade val="50000"/>
+            </a:schemeClr>
+          </a:lnRef>
+          <a:fillRef idx="1">
+            <a:schemeClr val="accent1"/>
+          </a:fillRef>
+          <a:effectRef idx="0">
+            <a:schemeClr val="accent1"/>
+          </a:effectRef>
+          <a:fontRef idx="minor">
+            <a:schemeClr val="lt1"/>
+          </a:fontRef>
+        </p:style>
+        <p:txBody>
+          <a:bodyPr rtlCol="0" anchor="ctr"/>
+          <a:lstStyle/>
+          <a:p>
+            <a:pPr algn="ctr"/>
+            <a:endParaRPr lang="en-US"/>
+          </a:p>
+        </p:txBody>
+      </p:sp>
+      <p:cxnSp>
+        <p:nvCxnSpPr>
+          <p:cNvPr id="1217" name="Straight Connector 1216">
+            <a:extLst>
+              <a:ext uri="{FF2B5EF4-FFF2-40B4-BE49-F238E27FC236}">
+                <a16:creationId xmlns:a16="http://schemas.microsoft.com/office/drawing/2014/main" id="{4910DE45-E150-46FE-9ED4-22CC938FD4BB}"/>
+              </a:ext>
+            </a:extLst>
+          </p:cNvPr>
+          <p:cNvCxnSpPr>
+            <a:cxnSpLocks/>
+          </p:cNvCxnSpPr>
+          <p:nvPr/>
+        </p:nvCxnSpPr>
+        <p:spPr>
+          <a:xfrm>
+            <a:off x="32571835" y="14151648"/>
+            <a:ext cx="940004" cy="5265"/>
+          </a:xfrm>
+          <a:prstGeom prst="line">
+            <a:avLst/>
+          </a:prstGeom>
+          <a:ln w="63500"/>
+        </p:spPr>
+        <p:style>
+          <a:lnRef idx="1">
+            <a:schemeClr val="dk1"/>
+          </a:lnRef>
+          <a:fillRef idx="0">
+            <a:schemeClr val="dk1"/>
+          </a:fillRef>
+          <a:effectRef idx="0">
+            <a:schemeClr val="dk1"/>
+          </a:effectRef>
+          <a:fontRef idx="minor">
+            <a:schemeClr val="tx1"/>
+          </a:fontRef>
+        </p:style>
+      </p:cxnSp>
+      <p:sp>
+        <p:nvSpPr>
+          <p:cNvPr id="1231" name="Rectangle 1230">
+            <a:extLst>
+              <a:ext uri="{FF2B5EF4-FFF2-40B4-BE49-F238E27FC236}">
+                <a16:creationId xmlns:a16="http://schemas.microsoft.com/office/drawing/2014/main" id="{19FCBF32-A239-4D0F-AC73-FCA7021F4CCB}"/>
+              </a:ext>
+            </a:extLst>
+          </p:cNvPr>
+          <p:cNvSpPr/>
+          <p:nvPr/>
+        </p:nvSpPr>
+        <p:spPr>
+          <a:xfrm rot="16200000">
+            <a:off x="32938603" y="13685280"/>
+            <a:ext cx="223739" cy="938611"/>
+          </a:xfrm>
+          <a:prstGeom prst="rect">
+            <a:avLst/>
+          </a:prstGeom>
+          <a:solidFill>
+            <a:srgbClr val="FF0000">
+              <a:alpha val="33000"/>
+            </a:srgbClr>
+          </a:solidFill>
+          <a:ln>
+            <a:solidFill>
+              <a:schemeClr val="tx1"/>
+            </a:solidFill>
+          </a:ln>
+        </p:spPr>
+        <p:style>
+          <a:lnRef idx="2">
+            <a:schemeClr val="accent1">
+              <a:shade val="50000"/>
+            </a:schemeClr>
+          </a:lnRef>
+          <a:fillRef idx="1">
+            <a:schemeClr val="accent1"/>
+          </a:fillRef>
+          <a:effectRef idx="0">
+            <a:schemeClr val="accent1"/>
+          </a:effectRef>
+          <a:fontRef idx="minor">
+            <a:schemeClr val="lt1"/>
+          </a:fontRef>
+        </p:style>
+        <p:txBody>
+          <a:bodyPr rtlCol="0" anchor="ctr"/>
+          <a:lstStyle/>
+          <a:p>
+            <a:pPr algn="ctr"/>
+            <a:endParaRPr lang="en-US"/>
+          </a:p>
+        </p:txBody>
+      </p:sp>
+      <p:cxnSp>
+        <p:nvCxnSpPr>
+          <p:cNvPr id="178" name="Connector: Elbow 177">
+            <a:extLst>
+              <a:ext uri="{FF2B5EF4-FFF2-40B4-BE49-F238E27FC236}">
+                <a16:creationId xmlns:a16="http://schemas.microsoft.com/office/drawing/2014/main" id="{FE4A5B63-CEB1-4C6E-8A4D-F8BE28933408}"/>
+              </a:ext>
+            </a:extLst>
+          </p:cNvPr>
+          <p:cNvCxnSpPr>
+            <a:cxnSpLocks/>
+            <a:stCxn id="1070" idx="0"/>
+            <a:endCxn id="934" idx="0"/>
+          </p:cNvCxnSpPr>
+          <p:nvPr/>
+        </p:nvCxnSpPr>
+        <p:spPr>
+          <a:xfrm rot="10800000" flipV="1">
+            <a:off x="31567929" y="11767132"/>
+            <a:ext cx="1012692" cy="396217"/>
+          </a:xfrm>
+          <a:prstGeom prst="bentConnector2">
+            <a:avLst/>
+          </a:prstGeom>
+        </p:spPr>
+        <p:style>
+          <a:lnRef idx="1">
+            <a:schemeClr val="dk1"/>
+          </a:lnRef>
+          <a:fillRef idx="0">
+            <a:schemeClr val="dk1"/>
+          </a:fillRef>
+          <a:effectRef idx="0">
+            <a:schemeClr val="dk1"/>
+          </a:effectRef>
+          <a:fontRef idx="minor">
+            <a:schemeClr val="tx1"/>
+          </a:fontRef>
+        </p:style>
+      </p:cxnSp>
+      <p:cxnSp>
+        <p:nvCxnSpPr>
+          <p:cNvPr id="1232" name="Connector: Elbow 1231">
+            <a:extLst>
+              <a:ext uri="{FF2B5EF4-FFF2-40B4-BE49-F238E27FC236}">
+                <a16:creationId xmlns:a16="http://schemas.microsoft.com/office/drawing/2014/main" id="{3F44F67E-A2B4-4529-8C84-705DD2278737}"/>
+              </a:ext>
+            </a:extLst>
+          </p:cNvPr>
+          <p:cNvCxnSpPr>
+            <a:cxnSpLocks/>
+            <a:stCxn id="1171" idx="0"/>
+            <a:endCxn id="894" idx="3"/>
+          </p:cNvCxnSpPr>
+          <p:nvPr/>
+        </p:nvCxnSpPr>
+        <p:spPr>
+          <a:xfrm rot="10800000" flipV="1">
+            <a:off x="32233899" y="11981753"/>
+            <a:ext cx="347268" cy="1835969"/>
+          </a:xfrm>
+          <a:prstGeom prst="bentConnector3">
+            <a:avLst>
+              <a:gd name="adj1" fmla="val 50000"/>
+            </a:avLst>
+          </a:prstGeom>
+        </p:spPr>
+        <p:style>
+          <a:lnRef idx="1">
+            <a:schemeClr val="dk1"/>
+          </a:lnRef>
+          <a:fillRef idx="0">
+            <a:schemeClr val="dk1"/>
+          </a:fillRef>
+          <a:effectRef idx="0">
+            <a:schemeClr val="dk1"/>
+          </a:effectRef>
+          <a:fontRef idx="minor">
+            <a:schemeClr val="tx1"/>
+          </a:fontRef>
+        </p:style>
+      </p:cxnSp>
+      <p:cxnSp>
+        <p:nvCxnSpPr>
+          <p:cNvPr id="1233" name="Connector: Elbow 1232">
+            <a:extLst>
+              <a:ext uri="{FF2B5EF4-FFF2-40B4-BE49-F238E27FC236}">
+                <a16:creationId xmlns:a16="http://schemas.microsoft.com/office/drawing/2014/main" id="{99479677-8458-4AD7-95B1-549697FE76C6}"/>
+              </a:ext>
+            </a:extLst>
+          </p:cNvPr>
+          <p:cNvCxnSpPr>
+            <a:cxnSpLocks/>
+            <a:stCxn id="1064" idx="0"/>
+          </p:cNvCxnSpPr>
+          <p:nvPr/>
+        </p:nvCxnSpPr>
+        <p:spPr>
+          <a:xfrm rot="10800000" flipV="1">
+            <a:off x="32324040" y="12200441"/>
+            <a:ext cx="257128" cy="2768020"/>
+          </a:xfrm>
+          <a:prstGeom prst="bentConnector2">
+            <a:avLst/>
+          </a:prstGeom>
+        </p:spPr>
+        <p:style>
+          <a:lnRef idx="1">
+            <a:schemeClr val="dk1"/>
+          </a:lnRef>
+          <a:fillRef idx="0">
+            <a:schemeClr val="dk1"/>
+          </a:fillRef>
+          <a:effectRef idx="0">
+            <a:schemeClr val="dk1"/>
+          </a:effectRef>
+          <a:fontRef idx="minor">
+            <a:schemeClr val="tx1"/>
+          </a:fontRef>
+        </p:style>
+      </p:cxnSp>
+      <p:cxnSp>
+        <p:nvCxnSpPr>
+          <p:cNvPr id="186" name="Straight Connector 185">
+            <a:extLst>
+              <a:ext uri="{FF2B5EF4-FFF2-40B4-BE49-F238E27FC236}">
+                <a16:creationId xmlns:a16="http://schemas.microsoft.com/office/drawing/2014/main" id="{3CCE117F-BD0D-481F-BF91-DB7DDC88EADB}"/>
+              </a:ext>
+            </a:extLst>
+          </p:cNvPr>
+          <p:cNvCxnSpPr/>
+          <p:nvPr/>
+        </p:nvCxnSpPr>
+        <p:spPr>
+          <a:xfrm flipH="1">
+            <a:off x="32140525" y="14968461"/>
+            <a:ext cx="184150" cy="0"/>
+          </a:xfrm>
+          <a:prstGeom prst="line">
+            <a:avLst/>
+          </a:prstGeom>
+        </p:spPr>
+        <p:style>
+          <a:lnRef idx="1">
+            <a:schemeClr val="dk1"/>
+          </a:lnRef>
+          <a:fillRef idx="0">
+            <a:schemeClr val="dk1"/>
+          </a:fillRef>
+          <a:effectRef idx="0">
+            <a:schemeClr val="dk1"/>
+          </a:effectRef>
+          <a:fontRef idx="minor">
+            <a:schemeClr val="tx1"/>
+          </a:fontRef>
+        </p:style>
+      </p:cxnSp>
+      <p:cxnSp>
+        <p:nvCxnSpPr>
+          <p:cNvPr id="189" name="Connector: Elbow 188">
+            <a:extLst>
+              <a:ext uri="{FF2B5EF4-FFF2-40B4-BE49-F238E27FC236}">
+                <a16:creationId xmlns:a16="http://schemas.microsoft.com/office/drawing/2014/main" id="{6E389A34-3E89-4D3F-82F7-DFE703356252}"/>
+              </a:ext>
+            </a:extLst>
+          </p:cNvPr>
+          <p:cNvCxnSpPr>
+            <a:cxnSpLocks/>
+            <a:stCxn id="952" idx="3"/>
+            <a:endCxn id="1215" idx="0"/>
+          </p:cNvCxnSpPr>
+          <p:nvPr/>
+        </p:nvCxnSpPr>
+        <p:spPr>
+          <a:xfrm flipV="1">
+            <a:off x="32144861" y="14373272"/>
+            <a:ext cx="436307" cy="763142"/>
+          </a:xfrm>
+          <a:prstGeom prst="bentConnector3">
+            <a:avLst>
+              <a:gd name="adj1" fmla="val 63972"/>
+            </a:avLst>
+          </a:prstGeom>
+          <a:ln>
+            <a:solidFill>
+              <a:srgbClr val="FF0000"/>
+            </a:solidFill>
+          </a:ln>
+        </p:spPr>
+        <p:style>
+          <a:lnRef idx="1">
+            <a:schemeClr val="dk1"/>
+          </a:lnRef>
+          <a:fillRef idx="0">
+            <a:schemeClr val="dk1"/>
+          </a:fillRef>
+          <a:effectRef idx="0">
+            <a:schemeClr val="dk1"/>
+          </a:effectRef>
+          <a:fontRef idx="minor">
+            <a:schemeClr val="tx1"/>
+          </a:fontRef>
+        </p:style>
+      </p:cxnSp>
+      <p:cxnSp>
+        <p:nvCxnSpPr>
+          <p:cNvPr id="1234" name="Connector: Elbow 1233">
+            <a:extLst>
+              <a:ext uri="{FF2B5EF4-FFF2-40B4-BE49-F238E27FC236}">
+                <a16:creationId xmlns:a16="http://schemas.microsoft.com/office/drawing/2014/main" id="{EAD8F27C-E92B-4193-B2A7-13FF249FBA63}"/>
+              </a:ext>
+            </a:extLst>
+          </p:cNvPr>
+          <p:cNvCxnSpPr>
+            <a:cxnSpLocks/>
+            <a:endCxn id="1231" idx="0"/>
+          </p:cNvCxnSpPr>
+          <p:nvPr/>
+        </p:nvCxnSpPr>
+        <p:spPr>
+          <a:xfrm>
+            <a:off x="32218469" y="13974729"/>
+            <a:ext cx="362698" cy="179856"/>
+          </a:xfrm>
+          <a:prstGeom prst="bentConnector3">
+            <a:avLst>
+              <a:gd name="adj1" fmla="val 50000"/>
+            </a:avLst>
+          </a:prstGeom>
+          <a:ln>
+            <a:solidFill>
+              <a:srgbClr val="FF0000"/>
+            </a:solidFill>
+          </a:ln>
+        </p:spPr>
+        <p:style>
+          <a:lnRef idx="1">
+            <a:schemeClr val="dk1"/>
+          </a:lnRef>
+          <a:fillRef idx="0">
+            <a:schemeClr val="dk1"/>
+          </a:fillRef>
+          <a:effectRef idx="0">
+            <a:schemeClr val="dk1"/>
+          </a:effectRef>
+          <a:fontRef idx="minor">
+            <a:schemeClr val="tx1"/>
+          </a:fontRef>
+        </p:style>
+      </p:cxnSp>
+      <p:sp>
+        <p:nvSpPr>
+          <p:cNvPr id="1235" name="Oval 1234">
+            <a:extLst>
+              <a:ext uri="{FF2B5EF4-FFF2-40B4-BE49-F238E27FC236}">
+                <a16:creationId xmlns:a16="http://schemas.microsoft.com/office/drawing/2014/main" id="{6711E140-4A35-4BAF-B34C-6BEC008BE69F}"/>
+              </a:ext>
+            </a:extLst>
+          </p:cNvPr>
+          <p:cNvSpPr/>
+          <p:nvPr/>
+        </p:nvSpPr>
+        <p:spPr>
+          <a:xfrm rot="16200000">
+            <a:off x="35845614" y="8558128"/>
+            <a:ext cx="83176" cy="1118402"/>
+          </a:xfrm>
+          <a:prstGeom prst="ellipse">
+            <a:avLst/>
+          </a:prstGeom>
+          <a:noFill/>
+          <a:ln>
+            <a:solidFill>
+              <a:schemeClr val="tx1"/>
+            </a:solidFill>
+          </a:ln>
+        </p:spPr>
+        <p:style>
+          <a:lnRef idx="2">
+            <a:schemeClr val="accent1">
+              <a:shade val="50000"/>
+            </a:schemeClr>
+          </a:lnRef>
+          <a:fillRef idx="1">
+            <a:schemeClr val="accent1"/>
+          </a:fillRef>
+          <a:effectRef idx="0">
+            <a:schemeClr val="accent1"/>
+          </a:effectRef>
+          <a:fontRef idx="minor">
+            <a:schemeClr val="lt1"/>
+          </a:fontRef>
+        </p:style>
+        <p:txBody>
+          <a:bodyPr rtlCol="0" anchor="ctr"/>
+          <a:lstStyle/>
+          <a:p>
+            <a:pPr algn="ctr"/>
+            <a:endParaRPr lang="en-US" sz="12101"/>
+          </a:p>
+        </p:txBody>
+      </p:sp>
+      <p:sp>
+        <p:nvSpPr>
+          <p:cNvPr id="1238" name="Oval 1237">
+            <a:extLst>
+              <a:ext uri="{FF2B5EF4-FFF2-40B4-BE49-F238E27FC236}">
+                <a16:creationId xmlns:a16="http://schemas.microsoft.com/office/drawing/2014/main" id="{53AC6A50-3EE3-42F6-B460-60360C978702}"/>
+              </a:ext>
+            </a:extLst>
+          </p:cNvPr>
+          <p:cNvSpPr/>
+          <p:nvPr/>
+        </p:nvSpPr>
+        <p:spPr>
+          <a:xfrm>
+            <a:off x="35294643" y="9075741"/>
+            <a:ext cx="66716" cy="72212"/>
+          </a:xfrm>
+          <a:prstGeom prst="ellipse">
+            <a:avLst/>
+          </a:prstGeom>
+          <a:solidFill>
+            <a:schemeClr val="tx1"/>
+          </a:solidFill>
+          <a:ln>
+            <a:solidFill>
+              <a:schemeClr val="tx1"/>
+            </a:solidFill>
+          </a:ln>
+        </p:spPr>
+        <p:style>
+          <a:lnRef idx="2">
+            <a:schemeClr val="accent1">
+              <a:shade val="50000"/>
+            </a:schemeClr>
+          </a:lnRef>
+          <a:fillRef idx="1">
+            <a:schemeClr val="accent1"/>
+          </a:fillRef>
+          <a:effectRef idx="0">
+            <a:schemeClr val="accent1"/>
+          </a:effectRef>
+          <a:fontRef idx="minor">
+            <a:schemeClr val="lt1"/>
+          </a:fontRef>
+        </p:style>
+        <p:txBody>
+          <a:bodyPr rtlCol="0" anchor="ctr"/>
+          <a:lstStyle/>
+          <a:p>
+            <a:pPr algn="ctr"/>
+            <a:endParaRPr lang="en-US"/>
+          </a:p>
+        </p:txBody>
+      </p:sp>
+      <p:sp>
+        <p:nvSpPr>
+          <p:cNvPr id="1239" name="Oval 1238">
+            <a:extLst>
+              <a:ext uri="{FF2B5EF4-FFF2-40B4-BE49-F238E27FC236}">
+                <a16:creationId xmlns:a16="http://schemas.microsoft.com/office/drawing/2014/main" id="{EA204477-6C9A-4611-8F63-2071314F0EAE}"/>
+              </a:ext>
+            </a:extLst>
+          </p:cNvPr>
+          <p:cNvSpPr/>
+          <p:nvPr/>
+        </p:nvSpPr>
+        <p:spPr>
+          <a:xfrm>
+            <a:off x="35294643" y="10420563"/>
+            <a:ext cx="66716" cy="72212"/>
+          </a:xfrm>
+          <a:prstGeom prst="ellipse">
+            <a:avLst/>
+          </a:prstGeom>
+          <a:solidFill>
+            <a:schemeClr val="tx1"/>
+          </a:solidFill>
+          <a:ln>
+            <a:solidFill>
+              <a:schemeClr val="tx1"/>
+            </a:solidFill>
+          </a:ln>
+        </p:spPr>
+        <p:style>
+          <a:lnRef idx="2">
+            <a:schemeClr val="accent1">
+              <a:shade val="50000"/>
+            </a:schemeClr>
+          </a:lnRef>
+          <a:fillRef idx="1">
+            <a:schemeClr val="accent1"/>
+          </a:fillRef>
+          <a:effectRef idx="0">
+            <a:schemeClr val="accent1"/>
+          </a:effectRef>
+          <a:fontRef idx="minor">
+            <a:schemeClr val="lt1"/>
+          </a:fontRef>
+        </p:style>
+        <p:txBody>
+          <a:bodyPr rtlCol="0" anchor="ctr"/>
+          <a:lstStyle/>
+          <a:p>
+            <a:pPr algn="ctr"/>
+            <a:endParaRPr lang="en-US"/>
+          </a:p>
+        </p:txBody>
+      </p:sp>
+      <p:cxnSp>
+        <p:nvCxnSpPr>
+          <p:cNvPr id="228" name="Connector: Elbow 227">
+            <a:extLst>
+              <a:ext uri="{FF2B5EF4-FFF2-40B4-BE49-F238E27FC236}">
+                <a16:creationId xmlns:a16="http://schemas.microsoft.com/office/drawing/2014/main" id="{0A672C6D-4B08-4771-A623-E60BF642E4F3}"/>
+              </a:ext>
+            </a:extLst>
+          </p:cNvPr>
+          <p:cNvCxnSpPr>
+            <a:stCxn id="1097" idx="0"/>
+            <a:endCxn id="1239" idx="4"/>
+          </p:cNvCxnSpPr>
+          <p:nvPr/>
+        </p:nvCxnSpPr>
+        <p:spPr>
+          <a:xfrm rot="5400000" flipH="1" flipV="1">
+            <a:off x="35217183" y="10603593"/>
+            <a:ext cx="221636" cy="12700"/>
+          </a:xfrm>
+          <a:prstGeom prst="bentConnector3">
+            <a:avLst/>
+          </a:prstGeom>
+        </p:spPr>
+        <p:style>
+          <a:lnRef idx="1">
+            <a:schemeClr val="dk1"/>
+          </a:lnRef>
+          <a:fillRef idx="0">
+            <a:schemeClr val="dk1"/>
+          </a:fillRef>
+          <a:effectRef idx="0">
+            <a:schemeClr val="dk1"/>
+          </a:effectRef>
+          <a:fontRef idx="minor">
+            <a:schemeClr val="tx1"/>
+          </a:fontRef>
+        </p:style>
+      </p:cxnSp>
+      <p:cxnSp>
+        <p:nvCxnSpPr>
+          <p:cNvPr id="1240" name="Connector: Elbow 1239">
+            <a:extLst>
+              <a:ext uri="{FF2B5EF4-FFF2-40B4-BE49-F238E27FC236}">
+                <a16:creationId xmlns:a16="http://schemas.microsoft.com/office/drawing/2014/main" id="{898C42D1-2D7E-400B-B2CD-55B910777867}"/>
+              </a:ext>
+            </a:extLst>
+          </p:cNvPr>
+          <p:cNvCxnSpPr>
+            <a:cxnSpLocks/>
+            <a:stCxn id="934" idx="3"/>
+            <a:endCxn id="1211" idx="0"/>
+          </p:cNvCxnSpPr>
+          <p:nvPr/>
+        </p:nvCxnSpPr>
+        <p:spPr>
+          <a:xfrm>
+            <a:off x="32212624" y="12517256"/>
+            <a:ext cx="387593" cy="415796"/>
+          </a:xfrm>
+          <a:prstGeom prst="bentConnector3">
+            <a:avLst>
+              <a:gd name="adj1" fmla="val 73592"/>
+            </a:avLst>
+          </a:prstGeom>
+          <a:ln>
+            <a:solidFill>
+              <a:srgbClr val="FF0000"/>
+            </a:solidFill>
+          </a:ln>
+        </p:spPr>
+        <p:style>
+          <a:lnRef idx="1">
+            <a:schemeClr val="dk1"/>
+          </a:lnRef>
+          <a:fillRef idx="0">
+            <a:schemeClr val="dk1"/>
+          </a:fillRef>
+          <a:effectRef idx="0">
+            <a:schemeClr val="dk1"/>
+          </a:effectRef>
+          <a:fontRef idx="minor">
+            <a:schemeClr val="tx1"/>
+          </a:fontRef>
+        </p:style>
+      </p:cxnSp>
+      <p:cxnSp>
+        <p:nvCxnSpPr>
+          <p:cNvPr id="233" name="Connector: Elbow 232">
+            <a:extLst>
+              <a:ext uri="{FF2B5EF4-FFF2-40B4-BE49-F238E27FC236}">
+                <a16:creationId xmlns:a16="http://schemas.microsoft.com/office/drawing/2014/main" id="{40C23964-899B-419E-A250-484C4C6CABD7}"/>
+              </a:ext>
+            </a:extLst>
+          </p:cNvPr>
+          <p:cNvCxnSpPr>
+            <a:cxnSpLocks/>
+          </p:cNvCxnSpPr>
+          <p:nvPr/>
+        </p:nvCxnSpPr>
+        <p:spPr>
+          <a:xfrm rot="16200000" flipV="1">
+            <a:off x="31918851" y="3331460"/>
+            <a:ext cx="6102803" cy="173741"/>
+          </a:xfrm>
+          <a:prstGeom prst="bentConnector3">
+            <a:avLst>
+              <a:gd name="adj1" fmla="val 99819"/>
+            </a:avLst>
+          </a:prstGeom>
+        </p:spPr>
+        <p:style>
+          <a:lnRef idx="1">
+            <a:schemeClr val="dk1"/>
+          </a:lnRef>
+          <a:fillRef idx="0">
+            <a:schemeClr val="dk1"/>
+          </a:fillRef>
+          <a:effectRef idx="0">
+            <a:schemeClr val="dk1"/>
+          </a:effectRef>
+          <a:fontRef idx="minor">
+            <a:schemeClr val="tx1"/>
+          </a:fontRef>
+        </p:style>
+      </p:cxnSp>
+      <p:cxnSp>
+        <p:nvCxnSpPr>
+          <p:cNvPr id="1241" name="Connector: Elbow 1240">
+            <a:extLst>
+              <a:ext uri="{FF2B5EF4-FFF2-40B4-BE49-F238E27FC236}">
+                <a16:creationId xmlns:a16="http://schemas.microsoft.com/office/drawing/2014/main" id="{EC2D484F-F86B-4185-A478-A15E3C5A986E}"/>
+              </a:ext>
+            </a:extLst>
+          </p:cNvPr>
+          <p:cNvCxnSpPr>
+            <a:cxnSpLocks/>
+            <a:stCxn id="951" idx="1"/>
+            <a:endCxn id="904" idx="4"/>
+          </p:cNvCxnSpPr>
+          <p:nvPr/>
+        </p:nvCxnSpPr>
+        <p:spPr>
+          <a:xfrm rot="10800000" flipV="1">
+            <a:off x="22288190" y="2445652"/>
+            <a:ext cx="892267" cy="3950771"/>
+          </a:xfrm>
+          <a:prstGeom prst="bentConnector4">
+            <a:avLst>
+              <a:gd name="adj1" fmla="val 23934"/>
+              <a:gd name="adj2" fmla="val 105786"/>
+            </a:avLst>
+          </a:prstGeom>
+        </p:spPr>
+        <p:style>
+          <a:lnRef idx="1">
+            <a:schemeClr val="dk1"/>
+          </a:lnRef>
+          <a:fillRef idx="0">
+            <a:schemeClr val="dk1"/>
+          </a:fillRef>
+          <a:effectRef idx="0">
+            <a:schemeClr val="dk1"/>
+          </a:effectRef>
+          <a:fontRef idx="minor">
+            <a:schemeClr val="tx1"/>
+          </a:fontRef>
+        </p:style>
+      </p:cxnSp>
+      <p:cxnSp>
+        <p:nvCxnSpPr>
+          <p:cNvPr id="1242" name="Connector: Elbow 1241">
+            <a:extLst>
+              <a:ext uri="{FF2B5EF4-FFF2-40B4-BE49-F238E27FC236}">
+                <a16:creationId xmlns:a16="http://schemas.microsoft.com/office/drawing/2014/main" id="{B5CB3D88-1084-4B1C-9B81-FCA2A450A19C}"/>
+              </a:ext>
+            </a:extLst>
+          </p:cNvPr>
+          <p:cNvCxnSpPr>
+            <a:cxnSpLocks/>
+          </p:cNvCxnSpPr>
+          <p:nvPr/>
+        </p:nvCxnSpPr>
+        <p:spPr>
+          <a:xfrm rot="10800000" flipV="1">
+            <a:off x="18513937" y="2148840"/>
+            <a:ext cx="4648715" cy="4592075"/>
+          </a:xfrm>
+          <a:prstGeom prst="bentConnector3">
+            <a:avLst>
+              <a:gd name="adj1" fmla="val 7382"/>
+            </a:avLst>
+          </a:prstGeom>
+          <a:ln>
+            <a:solidFill>
+              <a:srgbClr val="FF0000"/>
+            </a:solidFill>
+          </a:ln>
+        </p:spPr>
+        <p:style>
+          <a:lnRef idx="1">
+            <a:schemeClr val="dk1"/>
+          </a:lnRef>
+          <a:fillRef idx="0">
+            <a:schemeClr val="dk1"/>
+          </a:fillRef>
+          <a:effectRef idx="0">
+            <a:schemeClr val="dk1"/>
+          </a:effectRef>
+          <a:fontRef idx="minor">
+            <a:schemeClr val="tx1"/>
+          </a:fontRef>
+        </p:style>
+      </p:cxnSp>
+      <p:cxnSp>
+        <p:nvCxnSpPr>
+          <p:cNvPr id="255" name="Straight Connector 254">
+            <a:extLst>
+              <a:ext uri="{FF2B5EF4-FFF2-40B4-BE49-F238E27FC236}">
+                <a16:creationId xmlns:a16="http://schemas.microsoft.com/office/drawing/2014/main" id="{2FBE7C95-9498-4D2D-9938-9E39F47B3503}"/>
+              </a:ext>
+            </a:extLst>
+          </p:cNvPr>
+          <p:cNvCxnSpPr>
+            <a:cxnSpLocks/>
+          </p:cNvCxnSpPr>
+          <p:nvPr/>
+        </p:nvCxnSpPr>
+        <p:spPr>
+          <a:xfrm>
+            <a:off x="18516689" y="6404120"/>
+            <a:ext cx="5283" cy="330091"/>
+          </a:xfrm>
+          <a:prstGeom prst="line">
+            <a:avLst/>
+          </a:prstGeom>
+          <a:ln>
+            <a:solidFill>
+              <a:srgbClr val="FF0000"/>
+            </a:solidFill>
+          </a:ln>
+        </p:spPr>
+        <p:style>
+          <a:lnRef idx="1">
+            <a:schemeClr val="dk1"/>
+          </a:lnRef>
+          <a:fillRef idx="0">
+            <a:schemeClr val="dk1"/>
+          </a:fillRef>
+          <a:effectRef idx="0">
+            <a:schemeClr val="dk1"/>
+          </a:effectRef>
+          <a:fontRef idx="minor">
+            <a:schemeClr val="tx1"/>
+          </a:fontRef>
+        </p:style>
+      </p:cxnSp>
+      <p:pic>
+        <p:nvPicPr>
+          <p:cNvPr id="1256" name="Picture 26" descr="What is the symbol for a Fan on a circuit? Is it just Motor? - Electrical  Engineering Stack Exchange">
+            <a:extLst>
+              <a:ext uri="{FF2B5EF4-FFF2-40B4-BE49-F238E27FC236}">
+                <a16:creationId xmlns:a16="http://schemas.microsoft.com/office/drawing/2014/main" id="{3B2E09F3-45BD-43D7-92BB-ECF52951A80A}"/>
+              </a:ext>
+            </a:extLst>
+          </p:cNvPr>
+          <p:cNvPicPr>
+            <a:picLocks noChangeAspect="1" noChangeArrowheads="1"/>
+          </p:cNvPicPr>
+          <p:nvPr/>
+        </p:nvPicPr>
+        <p:blipFill>
+          <a:blip r:embed="rId10">
+            <a:clrChange>
+              <a:clrFrom>
+                <a:srgbClr val="FFFFFF"/>
+              </a:clrFrom>
+              <a:clrTo>
+                <a:srgbClr val="FFFFFF">
+                  <a:alpha val="0"/>
+                </a:srgbClr>
+              </a:clrTo>
+            </a:clrChange>
+            <a:extLst>
+              <a:ext uri="{28A0092B-C50C-407E-A947-70E740481C1C}">
+                <a14:useLocalDpi xmlns:a14="http://schemas.microsoft.com/office/drawing/2010/main" val="0"/>
+              </a:ext>
+            </a:extLst>
+          </a:blip>
+          <a:srcRect/>
+          <a:stretch>
+            <a:fillRect/>
+          </a:stretch>
+        </p:blipFill>
+        <p:spPr bwMode="auto">
+          <a:xfrm>
+            <a:off x="34304706" y="16028888"/>
+            <a:ext cx="1199202" cy="1199202"/>
+          </a:xfrm>
+          <a:prstGeom prst="rect">
+            <a:avLst/>
+          </a:prstGeom>
+          <a:noFill/>
+          <a:extLst>
+            <a:ext uri="{909E8E84-426E-40DD-AFC4-6F175D3DCCD1}">
+              <a14:hiddenFill xmlns:a14="http://schemas.microsoft.com/office/drawing/2010/main">
+                <a:solidFill>
+                  <a:srgbClr val="FFFFFF"/>
+                </a:solidFill>
+              </a14:hiddenFill>
+            </a:ext>
+          </a:extLst>
+        </p:spPr>
+      </p:pic>
+      <p:sp>
+        <p:nvSpPr>
+          <p:cNvPr id="1257" name="TextBox 1256">
+            <a:extLst>
+              <a:ext uri="{FF2B5EF4-FFF2-40B4-BE49-F238E27FC236}">
+                <a16:creationId xmlns:a16="http://schemas.microsoft.com/office/drawing/2014/main" id="{3B17D2AF-DFEA-475F-AE2F-CA89D539E698}"/>
+              </a:ext>
+            </a:extLst>
+          </p:cNvPr>
+          <p:cNvSpPr txBox="1"/>
+          <p:nvPr/>
+        </p:nvSpPr>
+        <p:spPr>
+          <a:xfrm>
+            <a:off x="34417516" y="16913395"/>
+            <a:ext cx="1028184" cy="646331"/>
+          </a:xfrm>
+          <a:prstGeom prst="rect">
+            <a:avLst/>
+          </a:prstGeom>
+          <a:noFill/>
+        </p:spPr>
+        <p:txBody>
+          <a:bodyPr wrap="square" rtlCol="0">
+            <a:spAutoFit/>
+          </a:bodyPr>
+          <a:lstStyle/>
+          <a:p>
+            <a:pPr algn="ctr"/>
+            <a:r>
+              <a:rPr lang="en-US" dirty="0"/>
+              <a:t>Radiator Fan</a:t>
+            </a:r>
+          </a:p>
+        </p:txBody>
+      </p:sp>
+      <p:sp>
+        <p:nvSpPr>
+          <p:cNvPr id="1259" name="Rectangle 1258">
+            <a:extLst>
+              <a:ext uri="{FF2B5EF4-FFF2-40B4-BE49-F238E27FC236}">
+                <a16:creationId xmlns:a16="http://schemas.microsoft.com/office/drawing/2014/main" id="{AA01475E-0E89-4202-B7BC-DD383AC7179F}"/>
+              </a:ext>
+            </a:extLst>
+          </p:cNvPr>
+          <p:cNvSpPr/>
+          <p:nvPr/>
+        </p:nvSpPr>
+        <p:spPr>
+          <a:xfrm>
+            <a:off x="33078058" y="16178640"/>
+            <a:ext cx="1168930" cy="707782"/>
+          </a:xfrm>
+          <a:prstGeom prst="rect">
+            <a:avLst/>
+          </a:prstGeom>
+          <a:solidFill>
+            <a:schemeClr val="bg1"/>
+          </a:solidFill>
+          <a:ln>
+            <a:solidFill>
+              <a:schemeClr val="tx1"/>
+            </a:solidFill>
+          </a:ln>
+        </p:spPr>
+        <p:style>
+          <a:lnRef idx="2">
+            <a:schemeClr val="accent1">
+              <a:shade val="50000"/>
+            </a:schemeClr>
+          </a:lnRef>
+          <a:fillRef idx="1">
+            <a:schemeClr val="accent1"/>
+          </a:fillRef>
+          <a:effectRef idx="0">
+            <a:schemeClr val="accent1"/>
+          </a:effectRef>
+          <a:fontRef idx="minor">
+            <a:schemeClr val="lt1"/>
+          </a:fontRef>
+        </p:style>
+        <p:txBody>
+          <a:bodyPr rtlCol="0" anchor="ctr"/>
+          <a:lstStyle/>
+          <a:p>
+            <a:pPr algn="ctr"/>
+            <a:r>
+              <a:rPr lang="en-US" sz="1200" dirty="0">
+                <a:solidFill>
+                  <a:schemeClr val="tx1"/>
+                </a:solidFill>
+              </a:rPr>
+              <a:t>Stand-alone Flow Indicator &amp; Temp Gauge</a:t>
+            </a:r>
+          </a:p>
+        </p:txBody>
+      </p:sp>
+      <p:sp>
+        <p:nvSpPr>
+          <p:cNvPr id="1261" name="Rectangle 1260">
+            <a:extLst>
+              <a:ext uri="{FF2B5EF4-FFF2-40B4-BE49-F238E27FC236}">
+                <a16:creationId xmlns:a16="http://schemas.microsoft.com/office/drawing/2014/main" id="{C34395F6-415A-49AD-8AB5-2F2DB021ABC2}"/>
+              </a:ext>
+            </a:extLst>
+          </p:cNvPr>
+          <p:cNvSpPr/>
+          <p:nvPr/>
+        </p:nvSpPr>
+        <p:spPr>
+          <a:xfrm rot="16200000">
+            <a:off x="32965871" y="12899536"/>
+            <a:ext cx="206446" cy="935194"/>
+          </a:xfrm>
+          <a:prstGeom prst="rect">
+            <a:avLst/>
+          </a:prstGeom>
+          <a:noFill/>
+          <a:ln>
+            <a:solidFill>
+              <a:schemeClr val="tx1"/>
+            </a:solidFill>
+          </a:ln>
+        </p:spPr>
+        <p:style>
+          <a:lnRef idx="2">
+            <a:schemeClr val="accent1">
+              <a:shade val="50000"/>
+            </a:schemeClr>
+          </a:lnRef>
+          <a:fillRef idx="1">
+            <a:schemeClr val="accent1"/>
+          </a:fillRef>
+          <a:effectRef idx="0">
+            <a:schemeClr val="accent1"/>
+          </a:effectRef>
+          <a:fontRef idx="minor">
+            <a:schemeClr val="lt1"/>
+          </a:fontRef>
+        </p:style>
+        <p:txBody>
+          <a:bodyPr rtlCol="0" anchor="ctr"/>
+          <a:lstStyle/>
+          <a:p>
+            <a:pPr algn="ctr"/>
+            <a:endParaRPr lang="en-US"/>
+          </a:p>
+        </p:txBody>
+      </p:sp>
+      <p:cxnSp>
+        <p:nvCxnSpPr>
+          <p:cNvPr id="1262" name="Straight Connector 1261">
+            <a:extLst>
+              <a:ext uri="{FF2B5EF4-FFF2-40B4-BE49-F238E27FC236}">
+                <a16:creationId xmlns:a16="http://schemas.microsoft.com/office/drawing/2014/main" id="{E179DC08-78E2-46B9-892E-C661879D6BD3}"/>
+              </a:ext>
+            </a:extLst>
+          </p:cNvPr>
+          <p:cNvCxnSpPr>
+            <a:cxnSpLocks/>
+          </p:cNvCxnSpPr>
+          <p:nvPr/>
+        </p:nvCxnSpPr>
+        <p:spPr>
+          <a:xfrm>
+            <a:off x="32590886" y="13364468"/>
+            <a:ext cx="940004" cy="5265"/>
+          </a:xfrm>
+          <a:prstGeom prst="line">
+            <a:avLst/>
+          </a:prstGeom>
+          <a:ln w="63500"/>
+        </p:spPr>
+        <p:style>
+          <a:lnRef idx="1">
+            <a:schemeClr val="dk1"/>
+          </a:lnRef>
+          <a:fillRef idx="0">
+            <a:schemeClr val="dk1"/>
+          </a:fillRef>
+          <a:effectRef idx="0">
+            <a:schemeClr val="dk1"/>
+          </a:effectRef>
+          <a:fontRef idx="minor">
+            <a:schemeClr val="tx1"/>
+          </a:fontRef>
+        </p:style>
+      </p:cxnSp>
+      <p:sp>
+        <p:nvSpPr>
+          <p:cNvPr id="1263" name="Rectangle 1262">
+            <a:extLst>
+              <a:ext uri="{FF2B5EF4-FFF2-40B4-BE49-F238E27FC236}">
+                <a16:creationId xmlns:a16="http://schemas.microsoft.com/office/drawing/2014/main" id="{49379554-7CEF-4338-A9F0-7669FAA758BB}"/>
+              </a:ext>
+            </a:extLst>
+          </p:cNvPr>
+          <p:cNvSpPr/>
+          <p:nvPr/>
+        </p:nvSpPr>
+        <p:spPr>
+          <a:xfrm rot="16200000">
+            <a:off x="32957654" y="12898100"/>
+            <a:ext cx="223739" cy="938611"/>
+          </a:xfrm>
+          <a:prstGeom prst="rect">
+            <a:avLst/>
+          </a:prstGeom>
+          <a:solidFill>
+            <a:schemeClr val="accent2">
+              <a:alpha val="33000"/>
+            </a:schemeClr>
+          </a:solidFill>
+          <a:ln>
+            <a:solidFill>
+              <a:schemeClr val="tx1"/>
+            </a:solidFill>
+          </a:ln>
+        </p:spPr>
+        <p:style>
+          <a:lnRef idx="2">
+            <a:schemeClr val="accent1">
+              <a:shade val="50000"/>
+            </a:schemeClr>
+          </a:lnRef>
+          <a:fillRef idx="1">
+            <a:schemeClr val="accent1"/>
+          </a:fillRef>
+          <a:effectRef idx="0">
+            <a:schemeClr val="accent1"/>
+          </a:effectRef>
+          <a:fontRef idx="minor">
+            <a:schemeClr val="lt1"/>
+          </a:fontRef>
+        </p:style>
+        <p:txBody>
+          <a:bodyPr rtlCol="0" anchor="ctr"/>
+          <a:lstStyle/>
+          <a:p>
+            <a:pPr algn="ctr"/>
+            <a:endParaRPr lang="en-US"/>
+          </a:p>
+        </p:txBody>
+      </p:sp>
+      <p:sp>
+        <p:nvSpPr>
+          <p:cNvPr id="1264" name="TextBox 1263">
+            <a:extLst>
+              <a:ext uri="{FF2B5EF4-FFF2-40B4-BE49-F238E27FC236}">
+                <a16:creationId xmlns:a16="http://schemas.microsoft.com/office/drawing/2014/main" id="{E5FC1FB6-7759-4960-95E1-D62EFAC7BF05}"/>
+              </a:ext>
+            </a:extLst>
+          </p:cNvPr>
+          <p:cNvSpPr txBox="1"/>
+          <p:nvPr/>
+        </p:nvSpPr>
+        <p:spPr>
+          <a:xfrm>
+            <a:off x="33471344" y="17388669"/>
+            <a:ext cx="576876" cy="400110"/>
+          </a:xfrm>
+          <a:prstGeom prst="rect">
+            <a:avLst/>
+          </a:prstGeom>
+          <a:noFill/>
+        </p:spPr>
+        <p:txBody>
+          <a:bodyPr wrap="square" rtlCol="0">
+            <a:spAutoFit/>
+          </a:bodyPr>
+          <a:lstStyle/>
+          <a:p>
+            <a:r>
+              <a:rPr lang="en-US" sz="1000" dirty="0"/>
+              <a:t>Temp Probe</a:t>
+            </a:r>
+          </a:p>
+        </p:txBody>
+      </p:sp>
+      <p:pic>
+        <p:nvPicPr>
+          <p:cNvPr id="1270" name="Picture 1269">
+            <a:extLst>
+              <a:ext uri="{FF2B5EF4-FFF2-40B4-BE49-F238E27FC236}">
+                <a16:creationId xmlns:a16="http://schemas.microsoft.com/office/drawing/2014/main" id="{E00F83C7-7CAC-4627-BCB2-E6830028F0A4}"/>
+              </a:ext>
+            </a:extLst>
+          </p:cNvPr>
+          <p:cNvPicPr>
+            <a:picLocks noChangeAspect="1"/>
+          </p:cNvPicPr>
+          <p:nvPr/>
+        </p:nvPicPr>
+        <p:blipFill>
+          <a:blip r:embed="rId8"/>
+          <a:stretch>
+            <a:fillRect/>
+          </a:stretch>
+        </p:blipFill>
+        <p:spPr>
+          <a:xfrm>
+            <a:off x="33484057" y="16927912"/>
+            <a:ext cx="469433" cy="512108"/>
+          </a:xfrm>
+          <a:prstGeom prst="rect">
+            <a:avLst/>
+          </a:prstGeom>
+        </p:spPr>
+      </p:pic>
+      <p:cxnSp>
+        <p:nvCxnSpPr>
+          <p:cNvPr id="270" name="Connector: Elbow 269">
+            <a:extLst>
+              <a:ext uri="{FF2B5EF4-FFF2-40B4-BE49-F238E27FC236}">
+                <a16:creationId xmlns:a16="http://schemas.microsoft.com/office/drawing/2014/main" id="{936DA9DB-2229-47D8-9B55-0DE5CABBD4E8}"/>
+              </a:ext>
+            </a:extLst>
+          </p:cNvPr>
+          <p:cNvCxnSpPr>
+            <a:cxnSpLocks/>
+            <a:stCxn id="1064" idx="2"/>
+            <a:endCxn id="1259" idx="0"/>
+          </p:cNvCxnSpPr>
+          <p:nvPr/>
+        </p:nvCxnSpPr>
+        <p:spPr>
+          <a:xfrm>
+            <a:off x="33519779" y="12200441"/>
+            <a:ext cx="142744" cy="3978199"/>
+          </a:xfrm>
+          <a:prstGeom prst="bentConnector2">
+            <a:avLst/>
+          </a:prstGeom>
+        </p:spPr>
+        <p:style>
+          <a:lnRef idx="1">
+            <a:schemeClr val="dk1"/>
+          </a:lnRef>
+          <a:fillRef idx="0">
+            <a:schemeClr val="dk1"/>
+          </a:fillRef>
+          <a:effectRef idx="0">
+            <a:schemeClr val="dk1"/>
+          </a:effectRef>
+          <a:fontRef idx="minor">
+            <a:schemeClr val="tx1"/>
+          </a:fontRef>
+        </p:style>
+      </p:cxnSp>
+      <p:cxnSp>
+        <p:nvCxnSpPr>
+          <p:cNvPr id="1282" name="Connector: Elbow 1281">
+            <a:extLst>
+              <a:ext uri="{FF2B5EF4-FFF2-40B4-BE49-F238E27FC236}">
+                <a16:creationId xmlns:a16="http://schemas.microsoft.com/office/drawing/2014/main" id="{1B6AA451-FFDB-41CB-B520-32E8C42D9DA1}"/>
+              </a:ext>
+            </a:extLst>
+          </p:cNvPr>
+          <p:cNvCxnSpPr>
+            <a:cxnSpLocks/>
+            <a:stCxn id="1263" idx="2"/>
+          </p:cNvCxnSpPr>
+          <p:nvPr/>
+        </p:nvCxnSpPr>
+        <p:spPr>
+          <a:xfrm>
+            <a:off x="33538829" y="13367405"/>
+            <a:ext cx="355884" cy="2831445"/>
+          </a:xfrm>
+          <a:prstGeom prst="bentConnector2">
+            <a:avLst/>
+          </a:prstGeom>
+          <a:ln>
+            <a:solidFill>
+              <a:schemeClr val="accent2"/>
+            </a:solidFill>
+          </a:ln>
+        </p:spPr>
+        <p:style>
+          <a:lnRef idx="1">
+            <a:schemeClr val="dk1"/>
+          </a:lnRef>
+          <a:fillRef idx="0">
+            <a:schemeClr val="dk1"/>
+          </a:fillRef>
+          <a:effectRef idx="0">
+            <a:schemeClr val="dk1"/>
+          </a:effectRef>
+          <a:fontRef idx="minor">
+            <a:schemeClr val="tx1"/>
+          </a:fontRef>
+        </p:style>
+      </p:cxnSp>
+      <p:sp>
+        <p:nvSpPr>
+          <p:cNvPr id="1286" name="Rectangle 1285">
+            <a:extLst>
+              <a:ext uri="{FF2B5EF4-FFF2-40B4-BE49-F238E27FC236}">
+                <a16:creationId xmlns:a16="http://schemas.microsoft.com/office/drawing/2014/main" id="{2F1F16AE-7958-4B0D-A2A0-67711712515F}"/>
+              </a:ext>
+            </a:extLst>
+          </p:cNvPr>
+          <p:cNvSpPr/>
+          <p:nvPr/>
+        </p:nvSpPr>
+        <p:spPr>
+          <a:xfrm>
+            <a:off x="34508476" y="12197362"/>
+            <a:ext cx="720036" cy="634718"/>
+          </a:xfrm>
+          <a:prstGeom prst="rect">
+            <a:avLst/>
+          </a:prstGeom>
+          <a:noFill/>
+          <a:ln>
+            <a:solidFill>
+              <a:schemeClr val="tx1"/>
+            </a:solidFill>
+          </a:ln>
+        </p:spPr>
+        <p:style>
+          <a:lnRef idx="2">
+            <a:schemeClr val="accent1">
+              <a:shade val="50000"/>
+            </a:schemeClr>
+          </a:lnRef>
+          <a:fillRef idx="1">
+            <a:schemeClr val="accent1"/>
+          </a:fillRef>
+          <a:effectRef idx="0">
+            <a:schemeClr val="accent1"/>
+          </a:effectRef>
+          <a:fontRef idx="minor">
+            <a:schemeClr val="lt1"/>
+          </a:fontRef>
+        </p:style>
+        <p:txBody>
+          <a:bodyPr rtlCol="0" anchor="ctr"/>
+          <a:lstStyle/>
+          <a:p>
+            <a:pPr algn="ctr"/>
+            <a:endParaRPr lang="en-US" sz="12101"/>
+          </a:p>
+        </p:txBody>
+      </p:sp>
+      <p:pic>
+        <p:nvPicPr>
+          <p:cNvPr id="1287" name="Picture 36" descr="Capacitive proximity sensor 3 wire symbol, NC">
+            <a:extLst>
+              <a:ext uri="{FF2B5EF4-FFF2-40B4-BE49-F238E27FC236}">
+                <a16:creationId xmlns:a16="http://schemas.microsoft.com/office/drawing/2014/main" id="{F8050B8D-AAB6-4E08-BE67-D86717511057}"/>
+              </a:ext>
+            </a:extLst>
+          </p:cNvPr>
+          <p:cNvPicPr>
+            <a:picLocks noChangeAspect="1" noChangeArrowheads="1"/>
+          </p:cNvPicPr>
+          <p:nvPr/>
+        </p:nvPicPr>
+        <p:blipFill>
+          <a:blip r:embed="rId16">
+            <a:extLst>
+              <a:ext uri="{28A0092B-C50C-407E-A947-70E740481C1C}">
+                <a14:useLocalDpi xmlns:a14="http://schemas.microsoft.com/office/drawing/2010/main" val="0"/>
+              </a:ext>
+            </a:extLst>
+          </a:blip>
+          <a:srcRect/>
+          <a:stretch>
+            <a:fillRect/>
+          </a:stretch>
+        </p:blipFill>
+        <p:spPr bwMode="auto">
+          <a:xfrm flipH="1">
+            <a:off x="34607965" y="12102834"/>
+            <a:ext cx="725351" cy="805010"/>
+          </a:xfrm>
+          <a:prstGeom prst="rect">
+            <a:avLst/>
+          </a:prstGeom>
+          <a:noFill/>
+          <a:extLst>
+            <a:ext uri="{909E8E84-426E-40DD-AFC4-6F175D3DCCD1}">
+              <a14:hiddenFill xmlns:a14="http://schemas.microsoft.com/office/drawing/2010/main">
+                <a:solidFill>
+                  <a:srgbClr val="FFFFFF"/>
+                </a:solidFill>
+              </a14:hiddenFill>
+            </a:ext>
+          </a:extLst>
+        </p:spPr>
+      </p:pic>
+      <p:sp>
+        <p:nvSpPr>
+          <p:cNvPr id="1288" name="TextBox 1287">
+            <a:extLst>
+              <a:ext uri="{FF2B5EF4-FFF2-40B4-BE49-F238E27FC236}">
+                <a16:creationId xmlns:a16="http://schemas.microsoft.com/office/drawing/2014/main" id="{16866068-56CA-470E-BA8C-E9895F863AEE}"/>
+              </a:ext>
+            </a:extLst>
+          </p:cNvPr>
+          <p:cNvSpPr txBox="1"/>
+          <p:nvPr/>
+        </p:nvSpPr>
+        <p:spPr>
+          <a:xfrm>
+            <a:off x="34466829" y="12164063"/>
+            <a:ext cx="774460" cy="646331"/>
+          </a:xfrm>
+          <a:prstGeom prst="rect">
+            <a:avLst/>
+          </a:prstGeom>
+          <a:noFill/>
+        </p:spPr>
+        <p:txBody>
+          <a:bodyPr wrap="square" rtlCol="0">
+            <a:spAutoFit/>
+          </a:bodyPr>
+          <a:lstStyle/>
+          <a:p>
+            <a:r>
+              <a:rPr lang="en-US" sz="1200" dirty="0"/>
+              <a:t>5v0</a:t>
+            </a:r>
+          </a:p>
+          <a:p>
+            <a:r>
+              <a:rPr lang="en-US" sz="1200" dirty="0"/>
+              <a:t>Sig</a:t>
+            </a:r>
+          </a:p>
+          <a:p>
+            <a:r>
+              <a:rPr lang="en-US" sz="1200" dirty="0"/>
+              <a:t>Gnd</a:t>
+            </a:r>
+          </a:p>
+        </p:txBody>
+      </p:sp>
+      <p:cxnSp>
+        <p:nvCxnSpPr>
+          <p:cNvPr id="286" name="Connector: Elbow 285">
+            <a:extLst>
+              <a:ext uri="{FF2B5EF4-FFF2-40B4-BE49-F238E27FC236}">
+                <a16:creationId xmlns:a16="http://schemas.microsoft.com/office/drawing/2014/main" id="{C535D272-5AF3-4336-8882-81A2852DB24E}"/>
+              </a:ext>
+            </a:extLst>
+          </p:cNvPr>
+          <p:cNvCxnSpPr>
+            <a:stCxn id="1088" idx="2"/>
+            <a:endCxn id="1288" idx="1"/>
+          </p:cNvCxnSpPr>
+          <p:nvPr/>
+        </p:nvCxnSpPr>
+        <p:spPr>
+          <a:xfrm rot="5400000">
+            <a:off x="34584070" y="11537316"/>
+            <a:ext cx="832672" cy="1067154"/>
+          </a:xfrm>
+          <a:prstGeom prst="bentConnector4">
+            <a:avLst>
+              <a:gd name="adj1" fmla="val 30595"/>
+              <a:gd name="adj2" fmla="val 121421"/>
+            </a:avLst>
+          </a:prstGeom>
+        </p:spPr>
+        <p:style>
+          <a:lnRef idx="1">
+            <a:schemeClr val="dk1"/>
+          </a:lnRef>
+          <a:fillRef idx="0">
+            <a:schemeClr val="dk1"/>
+          </a:fillRef>
+          <a:effectRef idx="0">
+            <a:schemeClr val="dk1"/>
+          </a:effectRef>
+          <a:fontRef idx="minor">
+            <a:schemeClr val="tx1"/>
+          </a:fontRef>
+        </p:style>
+      </p:cxnSp>
+      <p:cxnSp>
+        <p:nvCxnSpPr>
+          <p:cNvPr id="1293" name="Connector: Elbow 1292">
+            <a:extLst>
+              <a:ext uri="{FF2B5EF4-FFF2-40B4-BE49-F238E27FC236}">
+                <a16:creationId xmlns:a16="http://schemas.microsoft.com/office/drawing/2014/main" id="{F0F5BC99-52B1-4AE8-9FF7-62DC165C57C7}"/>
+              </a:ext>
+            </a:extLst>
+          </p:cNvPr>
+          <p:cNvCxnSpPr>
+            <a:cxnSpLocks/>
+            <a:stCxn id="1231" idx="2"/>
+          </p:cNvCxnSpPr>
+          <p:nvPr/>
+        </p:nvCxnSpPr>
+        <p:spPr>
+          <a:xfrm flipV="1">
+            <a:off x="33519778" y="12298680"/>
+            <a:ext cx="808322" cy="1855905"/>
+          </a:xfrm>
+          <a:prstGeom prst="bentConnector2">
+            <a:avLst/>
+          </a:prstGeom>
+          <a:ln>
+            <a:solidFill>
+              <a:srgbClr val="FF0000"/>
+            </a:solidFill>
+          </a:ln>
+        </p:spPr>
+        <p:style>
+          <a:lnRef idx="1">
+            <a:schemeClr val="dk1"/>
+          </a:lnRef>
+          <a:fillRef idx="0">
+            <a:schemeClr val="dk1"/>
+          </a:fillRef>
+          <a:effectRef idx="0">
+            <a:schemeClr val="dk1"/>
+          </a:effectRef>
+          <a:fontRef idx="minor">
+            <a:schemeClr val="tx1"/>
+          </a:fontRef>
+        </p:style>
+      </p:cxnSp>
+      <p:cxnSp>
+        <p:nvCxnSpPr>
+          <p:cNvPr id="1299" name="Connector: Elbow 1298">
+            <a:extLst>
+              <a:ext uri="{FF2B5EF4-FFF2-40B4-BE49-F238E27FC236}">
+                <a16:creationId xmlns:a16="http://schemas.microsoft.com/office/drawing/2014/main" id="{25941FA3-1F3C-48C5-B2C4-010A05F4DF3A}"/>
+              </a:ext>
+            </a:extLst>
+          </p:cNvPr>
+          <p:cNvCxnSpPr>
+            <a:cxnSpLocks/>
+            <a:stCxn id="1171" idx="2"/>
+          </p:cNvCxnSpPr>
+          <p:nvPr/>
+        </p:nvCxnSpPr>
+        <p:spPr>
+          <a:xfrm>
+            <a:off x="33519778" y="11981754"/>
+            <a:ext cx="988697" cy="692645"/>
+          </a:xfrm>
+          <a:prstGeom prst="bentConnector3">
+            <a:avLst>
+              <a:gd name="adj1" fmla="val 50000"/>
+            </a:avLst>
+          </a:prstGeom>
+          <a:ln>
+            <a:solidFill>
+              <a:schemeClr val="tx1"/>
+            </a:solidFill>
+          </a:ln>
+        </p:spPr>
+        <p:style>
+          <a:lnRef idx="1">
+            <a:schemeClr val="dk1"/>
+          </a:lnRef>
+          <a:fillRef idx="0">
+            <a:schemeClr val="dk1"/>
+          </a:fillRef>
+          <a:effectRef idx="0">
+            <a:schemeClr val="dk1"/>
+          </a:effectRef>
+          <a:fontRef idx="minor">
+            <a:schemeClr val="tx1"/>
+          </a:fontRef>
+        </p:style>
+      </p:cxnSp>
+      <p:cxnSp>
+        <p:nvCxnSpPr>
+          <p:cNvPr id="294" name="Straight Connector 293">
+            <a:extLst>
+              <a:ext uri="{FF2B5EF4-FFF2-40B4-BE49-F238E27FC236}">
+                <a16:creationId xmlns:a16="http://schemas.microsoft.com/office/drawing/2014/main" id="{90BFF1F8-1500-4BD3-BFD9-6E1CCBD28223}"/>
+              </a:ext>
+            </a:extLst>
+          </p:cNvPr>
+          <p:cNvCxnSpPr/>
+          <p:nvPr/>
+        </p:nvCxnSpPr>
+        <p:spPr>
+          <a:xfrm>
+            <a:off x="34301306" y="12481150"/>
+            <a:ext cx="207169" cy="0"/>
+          </a:xfrm>
+          <a:prstGeom prst="line">
+            <a:avLst/>
+          </a:prstGeom>
+        </p:spPr>
+        <p:style>
+          <a:lnRef idx="1">
+            <a:schemeClr val="dk1"/>
+          </a:lnRef>
+          <a:fillRef idx="0">
+            <a:schemeClr val="dk1"/>
+          </a:fillRef>
+          <a:effectRef idx="0">
+            <a:schemeClr val="dk1"/>
+          </a:effectRef>
+          <a:fontRef idx="minor">
+            <a:schemeClr val="tx1"/>
+          </a:fontRef>
+        </p:style>
+      </p:cxnSp>
+      <p:cxnSp>
+        <p:nvCxnSpPr>
+          <p:cNvPr id="1303" name="Connector: Elbow 1302">
+            <a:extLst>
+              <a:ext uri="{FF2B5EF4-FFF2-40B4-BE49-F238E27FC236}">
+                <a16:creationId xmlns:a16="http://schemas.microsoft.com/office/drawing/2014/main" id="{6AF6E15A-B0B3-4D2D-A293-0C71C8311728}"/>
+              </a:ext>
+            </a:extLst>
+          </p:cNvPr>
+          <p:cNvCxnSpPr>
+            <a:cxnSpLocks/>
+          </p:cNvCxnSpPr>
+          <p:nvPr/>
+        </p:nvCxnSpPr>
+        <p:spPr>
+          <a:xfrm>
+            <a:off x="34323338" y="12298383"/>
+            <a:ext cx="185137" cy="6537"/>
+          </a:xfrm>
+          <a:prstGeom prst="bentConnector3">
+            <a:avLst>
+              <a:gd name="adj1" fmla="val 105307"/>
+            </a:avLst>
+          </a:prstGeom>
+          <a:ln>
+            <a:solidFill>
+              <a:srgbClr val="FF0000"/>
+            </a:solidFill>
+          </a:ln>
+        </p:spPr>
+        <p:style>
+          <a:lnRef idx="1">
+            <a:schemeClr val="dk1"/>
+          </a:lnRef>
+          <a:fillRef idx="0">
+            <a:schemeClr val="dk1"/>
+          </a:fillRef>
+          <a:effectRef idx="0">
+            <a:schemeClr val="dk1"/>
+          </a:effectRef>
+          <a:fontRef idx="minor">
+            <a:schemeClr val="tx1"/>
+          </a:fontRef>
+        </p:style>
+      </p:cxnSp>
+      <p:sp>
+        <p:nvSpPr>
+          <p:cNvPr id="1317" name="Rectangle 1316">
+            <a:extLst>
+              <a:ext uri="{FF2B5EF4-FFF2-40B4-BE49-F238E27FC236}">
+                <a16:creationId xmlns:a16="http://schemas.microsoft.com/office/drawing/2014/main" id="{CDA51898-784E-4896-80FA-5CB8EBA86864}"/>
+              </a:ext>
+            </a:extLst>
+          </p:cNvPr>
+          <p:cNvSpPr/>
+          <p:nvPr/>
+        </p:nvSpPr>
+        <p:spPr>
+          <a:xfrm>
+            <a:off x="34374648" y="16026148"/>
+            <a:ext cx="1059317" cy="1521637"/>
+          </a:xfrm>
+          <a:prstGeom prst="rect">
+            <a:avLst/>
+          </a:prstGeom>
+          <a:noFill/>
+          <a:ln>
+            <a:solidFill>
+              <a:schemeClr val="tx1"/>
+            </a:solidFill>
+          </a:ln>
+        </p:spPr>
+        <p:style>
+          <a:lnRef idx="2">
+            <a:schemeClr val="accent1">
+              <a:shade val="50000"/>
+            </a:schemeClr>
+          </a:lnRef>
+          <a:fillRef idx="1">
+            <a:schemeClr val="accent1"/>
+          </a:fillRef>
+          <a:effectRef idx="0">
+            <a:schemeClr val="accent1"/>
+          </a:effectRef>
+          <a:fontRef idx="minor">
+            <a:schemeClr val="lt1"/>
+          </a:fontRef>
+        </p:style>
+        <p:txBody>
+          <a:bodyPr rtlCol="0" anchor="ctr"/>
+          <a:lstStyle/>
+          <a:p>
+            <a:pPr algn="ctr"/>
+            <a:endParaRPr lang="en-US" sz="1200" dirty="0">
+              <a:solidFill>
+                <a:schemeClr val="tx1"/>
+              </a:solidFill>
+            </a:endParaRPr>
+          </a:p>
+        </p:txBody>
+      </p:sp>
+      <p:cxnSp>
+        <p:nvCxnSpPr>
+          <p:cNvPr id="334" name="Connector: Elbow 333">
+            <a:extLst>
+              <a:ext uri="{FF2B5EF4-FFF2-40B4-BE49-F238E27FC236}">
+                <a16:creationId xmlns:a16="http://schemas.microsoft.com/office/drawing/2014/main" id="{2E65D464-E412-4788-A81D-849135F9291F}"/>
+              </a:ext>
+            </a:extLst>
+          </p:cNvPr>
+          <p:cNvCxnSpPr>
+            <a:stCxn id="1079" idx="2"/>
+            <a:endCxn id="945" idx="0"/>
+          </p:cNvCxnSpPr>
+          <p:nvPr/>
+        </p:nvCxnSpPr>
+        <p:spPr>
+          <a:xfrm rot="16200000" flipH="1">
+            <a:off x="36197441" y="11664622"/>
+            <a:ext cx="192225" cy="169024"/>
+          </a:xfrm>
+          <a:prstGeom prst="bentConnector3">
+            <a:avLst/>
+          </a:prstGeom>
+        </p:spPr>
+        <p:style>
+          <a:lnRef idx="1">
+            <a:schemeClr val="dk1"/>
+          </a:lnRef>
+          <a:fillRef idx="0">
+            <a:schemeClr val="dk1"/>
+          </a:fillRef>
+          <a:effectRef idx="0">
+            <a:schemeClr val="dk1"/>
+          </a:effectRef>
+          <a:fontRef idx="minor">
+            <a:schemeClr val="tx1"/>
+          </a:fontRef>
+        </p:style>
+      </p:cxnSp>
+      <p:cxnSp>
+        <p:nvCxnSpPr>
+          <p:cNvPr id="336" name="Connector: Elbow 335">
+            <a:extLst>
+              <a:ext uri="{FF2B5EF4-FFF2-40B4-BE49-F238E27FC236}">
+                <a16:creationId xmlns:a16="http://schemas.microsoft.com/office/drawing/2014/main" id="{7A9D3834-6234-4C3F-8A70-E4D2CDCC18D0}"/>
+              </a:ext>
+            </a:extLst>
+          </p:cNvPr>
+          <p:cNvCxnSpPr>
+            <a:cxnSpLocks/>
+            <a:stCxn id="1070" idx="2"/>
+            <a:endCxn id="945" idx="2"/>
+          </p:cNvCxnSpPr>
+          <p:nvPr/>
+        </p:nvCxnSpPr>
+        <p:spPr>
+          <a:xfrm>
+            <a:off x="33519232" y="11767133"/>
+            <a:ext cx="2858833" cy="429981"/>
+          </a:xfrm>
+          <a:prstGeom prst="bentConnector4">
+            <a:avLst>
+              <a:gd name="adj1" fmla="val 91554"/>
+              <a:gd name="adj2" fmla="val 153165"/>
+            </a:avLst>
+          </a:prstGeom>
+        </p:spPr>
+        <p:style>
+          <a:lnRef idx="1">
+            <a:schemeClr val="dk1"/>
+          </a:lnRef>
+          <a:fillRef idx="0">
+            <a:schemeClr val="dk1"/>
+          </a:fillRef>
+          <a:effectRef idx="0">
+            <a:schemeClr val="dk1"/>
+          </a:effectRef>
+          <a:fontRef idx="minor">
+            <a:schemeClr val="tx1"/>
+          </a:fontRef>
+        </p:style>
+      </p:cxnSp>
+      <p:sp>
+        <p:nvSpPr>
+          <p:cNvPr id="1332" name="TextBox 1331">
+            <a:extLst>
+              <a:ext uri="{FF2B5EF4-FFF2-40B4-BE49-F238E27FC236}">
+                <a16:creationId xmlns:a16="http://schemas.microsoft.com/office/drawing/2014/main" id="{B646EF45-51AB-47BC-B272-DD9A1178CD56}"/>
+              </a:ext>
+            </a:extLst>
+          </p:cNvPr>
+          <p:cNvSpPr txBox="1"/>
+          <p:nvPr/>
+        </p:nvSpPr>
+        <p:spPr>
+          <a:xfrm>
+            <a:off x="34417714" y="11985600"/>
+            <a:ext cx="910287" cy="246221"/>
+          </a:xfrm>
+          <a:prstGeom prst="rect">
+            <a:avLst/>
+          </a:prstGeom>
+          <a:noFill/>
+        </p:spPr>
+        <p:txBody>
+          <a:bodyPr wrap="square" rtlCol="0">
+            <a:spAutoFit/>
+          </a:bodyPr>
+          <a:lstStyle/>
+          <a:p>
+            <a:r>
+              <a:rPr lang="en-US" sz="1000" dirty="0"/>
+              <a:t>H2O Flow</a:t>
+            </a:r>
+          </a:p>
+        </p:txBody>
+      </p:sp>
+      <p:sp>
+        <p:nvSpPr>
+          <p:cNvPr id="1333" name="TextBox 1332">
+            <a:extLst>
+              <a:ext uri="{FF2B5EF4-FFF2-40B4-BE49-F238E27FC236}">
+                <a16:creationId xmlns:a16="http://schemas.microsoft.com/office/drawing/2014/main" id="{B062CEBD-D71A-482B-AA3E-075BBF20FC78}"/>
+              </a:ext>
+            </a:extLst>
+          </p:cNvPr>
+          <p:cNvSpPr txBox="1"/>
+          <p:nvPr/>
+        </p:nvSpPr>
+        <p:spPr>
+          <a:xfrm>
+            <a:off x="34358839" y="15946939"/>
+            <a:ext cx="1218288" cy="369332"/>
+          </a:xfrm>
+          <a:prstGeom prst="rect">
+            <a:avLst/>
+          </a:prstGeom>
+          <a:noFill/>
+        </p:spPr>
+        <p:txBody>
+          <a:bodyPr wrap="square" rtlCol="0">
+            <a:spAutoFit/>
+          </a:bodyPr>
+          <a:lstStyle/>
+          <a:p>
+            <a:r>
+              <a:rPr lang="en-US" dirty="0"/>
+              <a:t>+   -   P   T</a:t>
+            </a:r>
+          </a:p>
+        </p:txBody>
+      </p:sp>
+      <p:pic>
+        <p:nvPicPr>
+          <p:cNvPr id="1338" name="Picture 26" descr="What is the symbol for a Fan on a circuit? Is it just Motor? - Electrical  Engineering Stack Exchange">
+            <a:extLst>
+              <a:ext uri="{FF2B5EF4-FFF2-40B4-BE49-F238E27FC236}">
+                <a16:creationId xmlns:a16="http://schemas.microsoft.com/office/drawing/2014/main" id="{5349F090-C6A5-4E2B-9F3A-8103987453DD}"/>
+              </a:ext>
+            </a:extLst>
+          </p:cNvPr>
+          <p:cNvPicPr>
+            <a:picLocks noChangeAspect="1" noChangeArrowheads="1"/>
+          </p:cNvPicPr>
+          <p:nvPr/>
+        </p:nvPicPr>
+        <p:blipFill>
+          <a:blip r:embed="rId10">
+            <a:clrChange>
+              <a:clrFrom>
+                <a:srgbClr val="FFFFFF"/>
+              </a:clrFrom>
+              <a:clrTo>
+                <a:srgbClr val="FFFFFF">
+                  <a:alpha val="0"/>
+                </a:srgbClr>
+              </a:clrTo>
+            </a:clrChange>
+            <a:extLst>
+              <a:ext uri="{28A0092B-C50C-407E-A947-70E740481C1C}">
+                <a14:useLocalDpi xmlns:a14="http://schemas.microsoft.com/office/drawing/2010/main" val="0"/>
+              </a:ext>
+            </a:extLst>
+          </a:blip>
+          <a:srcRect/>
+          <a:stretch>
+            <a:fillRect/>
+          </a:stretch>
+        </p:blipFill>
+        <p:spPr bwMode="auto">
+          <a:xfrm>
+            <a:off x="35376798" y="16029017"/>
+            <a:ext cx="1199202" cy="1199202"/>
+          </a:xfrm>
+          <a:prstGeom prst="rect">
+            <a:avLst/>
+          </a:prstGeom>
+          <a:noFill/>
+          <a:extLst>
+            <a:ext uri="{909E8E84-426E-40DD-AFC4-6F175D3DCCD1}">
+              <a14:hiddenFill xmlns:a14="http://schemas.microsoft.com/office/drawing/2010/main">
+                <a:solidFill>
+                  <a:srgbClr val="FFFFFF"/>
+                </a:solidFill>
+              </a14:hiddenFill>
+            </a:ext>
+          </a:extLst>
+        </p:spPr>
+      </p:pic>
+      <p:sp>
+        <p:nvSpPr>
+          <p:cNvPr id="1339" name="TextBox 1338">
+            <a:extLst>
+              <a:ext uri="{FF2B5EF4-FFF2-40B4-BE49-F238E27FC236}">
+                <a16:creationId xmlns:a16="http://schemas.microsoft.com/office/drawing/2014/main" id="{B95C99DA-FC5A-48D7-97DD-DEAFBC525EBD}"/>
+              </a:ext>
+            </a:extLst>
+          </p:cNvPr>
+          <p:cNvSpPr txBox="1"/>
+          <p:nvPr/>
+        </p:nvSpPr>
+        <p:spPr>
+          <a:xfrm>
+            <a:off x="35489609" y="16913524"/>
+            <a:ext cx="1086392" cy="646331"/>
+          </a:xfrm>
+          <a:prstGeom prst="rect">
+            <a:avLst/>
+          </a:prstGeom>
+          <a:noFill/>
+        </p:spPr>
+        <p:txBody>
+          <a:bodyPr wrap="square" rtlCol="0">
+            <a:spAutoFit/>
+          </a:bodyPr>
+          <a:lstStyle/>
+          <a:p>
+            <a:pPr algn="ctr"/>
+            <a:r>
+              <a:rPr lang="en-US" dirty="0"/>
+              <a:t>Water Pump</a:t>
+            </a:r>
+          </a:p>
+        </p:txBody>
+      </p:sp>
+      <p:sp>
+        <p:nvSpPr>
+          <p:cNvPr id="1341" name="Rectangle 1340">
+            <a:extLst>
+              <a:ext uri="{FF2B5EF4-FFF2-40B4-BE49-F238E27FC236}">
+                <a16:creationId xmlns:a16="http://schemas.microsoft.com/office/drawing/2014/main" id="{9620EC5D-19DE-4277-AB2F-A7EFF587B7F5}"/>
+              </a:ext>
+            </a:extLst>
+          </p:cNvPr>
+          <p:cNvSpPr/>
+          <p:nvPr/>
+        </p:nvSpPr>
+        <p:spPr>
+          <a:xfrm>
+            <a:off x="35446740" y="16026277"/>
+            <a:ext cx="1059317" cy="1521637"/>
+          </a:xfrm>
+          <a:prstGeom prst="rect">
+            <a:avLst/>
+          </a:prstGeom>
+          <a:noFill/>
+          <a:ln>
+            <a:solidFill>
+              <a:schemeClr val="tx1"/>
+            </a:solidFill>
+          </a:ln>
+        </p:spPr>
+        <p:style>
+          <a:lnRef idx="2">
+            <a:schemeClr val="accent1">
+              <a:shade val="50000"/>
+            </a:schemeClr>
+          </a:lnRef>
+          <a:fillRef idx="1">
+            <a:schemeClr val="accent1"/>
+          </a:fillRef>
+          <a:effectRef idx="0">
+            <a:schemeClr val="accent1"/>
+          </a:effectRef>
+          <a:fontRef idx="minor">
+            <a:schemeClr val="lt1"/>
+          </a:fontRef>
+        </p:style>
+        <p:txBody>
+          <a:bodyPr rtlCol="0" anchor="ctr"/>
+          <a:lstStyle/>
+          <a:p>
+            <a:pPr algn="ctr"/>
+            <a:endParaRPr lang="en-US" sz="1200" dirty="0">
+              <a:solidFill>
+                <a:schemeClr val="tx1"/>
+              </a:solidFill>
+            </a:endParaRPr>
+          </a:p>
+        </p:txBody>
+      </p:sp>
+      <p:sp>
+        <p:nvSpPr>
+          <p:cNvPr id="1342" name="TextBox 1341">
+            <a:extLst>
+              <a:ext uri="{FF2B5EF4-FFF2-40B4-BE49-F238E27FC236}">
+                <a16:creationId xmlns:a16="http://schemas.microsoft.com/office/drawing/2014/main" id="{A36B4C6B-E75B-4F8A-A935-CBEE1AE6F79E}"/>
+              </a:ext>
+            </a:extLst>
+          </p:cNvPr>
+          <p:cNvSpPr txBox="1"/>
+          <p:nvPr/>
+        </p:nvSpPr>
+        <p:spPr>
+          <a:xfrm>
+            <a:off x="35430931" y="15947068"/>
+            <a:ext cx="1218288" cy="369332"/>
+          </a:xfrm>
+          <a:prstGeom prst="rect">
+            <a:avLst/>
+          </a:prstGeom>
+          <a:noFill/>
+        </p:spPr>
+        <p:txBody>
+          <a:bodyPr wrap="square" rtlCol="0">
+            <a:spAutoFit/>
+          </a:bodyPr>
+          <a:lstStyle/>
+          <a:p>
+            <a:r>
+              <a:rPr lang="en-US" dirty="0"/>
+              <a:t>+   -   P   T</a:t>
+            </a:r>
+          </a:p>
+        </p:txBody>
+      </p:sp>
+      <p:cxnSp>
+        <p:nvCxnSpPr>
+          <p:cNvPr id="1350" name="Connector: Elbow 1349">
+            <a:extLst>
+              <a:ext uri="{FF2B5EF4-FFF2-40B4-BE49-F238E27FC236}">
+                <a16:creationId xmlns:a16="http://schemas.microsoft.com/office/drawing/2014/main" id="{6C0EE11A-DAA0-4E43-9FC4-DE17A93436A8}"/>
+              </a:ext>
+            </a:extLst>
+          </p:cNvPr>
+          <p:cNvCxnSpPr>
+            <a:cxnSpLocks/>
+            <a:stCxn id="1208" idx="2"/>
+          </p:cNvCxnSpPr>
+          <p:nvPr/>
+        </p:nvCxnSpPr>
+        <p:spPr>
+          <a:xfrm>
+            <a:off x="33538829" y="13151739"/>
+            <a:ext cx="969646" cy="2887601"/>
+          </a:xfrm>
+          <a:prstGeom prst="bentConnector2">
+            <a:avLst/>
+          </a:prstGeom>
+          <a:ln>
+            <a:solidFill>
+              <a:schemeClr val="accent2"/>
+            </a:solidFill>
+          </a:ln>
+        </p:spPr>
+        <p:style>
+          <a:lnRef idx="1">
+            <a:schemeClr val="dk1"/>
+          </a:lnRef>
+          <a:fillRef idx="0">
+            <a:schemeClr val="dk1"/>
+          </a:fillRef>
+          <a:effectRef idx="0">
+            <a:schemeClr val="dk1"/>
+          </a:effectRef>
+          <a:fontRef idx="minor">
+            <a:schemeClr val="tx1"/>
+          </a:fontRef>
+        </p:style>
+      </p:cxnSp>
+      <p:cxnSp>
+        <p:nvCxnSpPr>
+          <p:cNvPr id="1352" name="Connector: Elbow 1351">
+            <a:extLst>
+              <a:ext uri="{FF2B5EF4-FFF2-40B4-BE49-F238E27FC236}">
+                <a16:creationId xmlns:a16="http://schemas.microsoft.com/office/drawing/2014/main" id="{D52D3A52-B4F3-4C8F-9839-BE7871EBAF34}"/>
+              </a:ext>
+            </a:extLst>
+          </p:cNvPr>
+          <p:cNvCxnSpPr>
+            <a:cxnSpLocks/>
+            <a:stCxn id="1211" idx="2"/>
+          </p:cNvCxnSpPr>
+          <p:nvPr/>
+        </p:nvCxnSpPr>
+        <p:spPr>
+          <a:xfrm>
+            <a:off x="33538828" y="12933052"/>
+            <a:ext cx="2027522" cy="3106288"/>
+          </a:xfrm>
+          <a:prstGeom prst="bentConnector2">
+            <a:avLst/>
+          </a:prstGeom>
+          <a:ln>
+            <a:solidFill>
+              <a:schemeClr val="accent2"/>
+            </a:solidFill>
+          </a:ln>
+        </p:spPr>
+        <p:style>
+          <a:lnRef idx="1">
+            <a:schemeClr val="dk1"/>
+          </a:lnRef>
+          <a:fillRef idx="0">
+            <a:schemeClr val="dk1"/>
+          </a:fillRef>
+          <a:effectRef idx="0">
+            <a:schemeClr val="dk1"/>
+          </a:effectRef>
+          <a:fontRef idx="minor">
+            <a:schemeClr val="tx1"/>
+          </a:fontRef>
+        </p:style>
+      </p:cxnSp>
+      <p:cxnSp>
+        <p:nvCxnSpPr>
+          <p:cNvPr id="354" name="Connector: Elbow 353">
+            <a:extLst>
+              <a:ext uri="{FF2B5EF4-FFF2-40B4-BE49-F238E27FC236}">
+                <a16:creationId xmlns:a16="http://schemas.microsoft.com/office/drawing/2014/main" id="{3ED1C8E3-9025-48EE-B92E-845776A8CA70}"/>
+              </a:ext>
+            </a:extLst>
+          </p:cNvPr>
+          <p:cNvCxnSpPr>
+            <a:cxnSpLocks/>
+            <a:endCxn id="1082" idx="2"/>
+          </p:cNvCxnSpPr>
+          <p:nvPr/>
+        </p:nvCxnSpPr>
+        <p:spPr>
+          <a:xfrm rot="16200000" flipV="1">
+            <a:off x="33965807" y="13673407"/>
+            <a:ext cx="4411330" cy="373630"/>
+          </a:xfrm>
+          <a:prstGeom prst="bentConnector3">
+            <a:avLst>
+              <a:gd name="adj1" fmla="val 61804"/>
+            </a:avLst>
+          </a:prstGeom>
+        </p:spPr>
+        <p:style>
+          <a:lnRef idx="1">
+            <a:schemeClr val="dk1"/>
+          </a:lnRef>
+          <a:fillRef idx="0">
+            <a:schemeClr val="dk1"/>
+          </a:fillRef>
+          <a:effectRef idx="0">
+            <a:schemeClr val="dk1"/>
+          </a:effectRef>
+          <a:fontRef idx="minor">
+            <a:schemeClr val="tx1"/>
+          </a:fontRef>
+        </p:style>
+      </p:cxnSp>
+      <p:cxnSp>
+        <p:nvCxnSpPr>
+          <p:cNvPr id="1354" name="Connector: Elbow 1353">
+            <a:extLst>
+              <a:ext uri="{FF2B5EF4-FFF2-40B4-BE49-F238E27FC236}">
+                <a16:creationId xmlns:a16="http://schemas.microsoft.com/office/drawing/2014/main" id="{1F76A656-91D7-42E6-8A4C-45CAD9A61872}"/>
+              </a:ext>
+            </a:extLst>
+          </p:cNvPr>
+          <p:cNvCxnSpPr>
+            <a:cxnSpLocks/>
+            <a:endCxn id="1097" idx="2"/>
+          </p:cNvCxnSpPr>
+          <p:nvPr/>
+        </p:nvCxnSpPr>
+        <p:spPr>
+          <a:xfrm rot="5400000" flipH="1" flipV="1">
+            <a:off x="33134842" y="13846181"/>
+            <a:ext cx="4386318" cy="12700"/>
+          </a:xfrm>
+          <a:prstGeom prst="bentConnector3">
+            <a:avLst>
+              <a:gd name="adj1" fmla="val 100813"/>
+            </a:avLst>
+          </a:prstGeom>
+        </p:spPr>
+        <p:style>
+          <a:lnRef idx="1">
+            <a:schemeClr val="dk1"/>
+          </a:lnRef>
+          <a:fillRef idx="0">
+            <a:schemeClr val="dk1"/>
+          </a:fillRef>
+          <a:effectRef idx="0">
+            <a:schemeClr val="dk1"/>
+          </a:effectRef>
+          <a:fontRef idx="minor">
+            <a:schemeClr val="tx1"/>
+          </a:fontRef>
+        </p:style>
+      </p:cxnSp>
+      <p:cxnSp>
+        <p:nvCxnSpPr>
+          <p:cNvPr id="1360" name="Connector: Elbow 1359">
+            <a:extLst>
+              <a:ext uri="{FF2B5EF4-FFF2-40B4-BE49-F238E27FC236}">
+                <a16:creationId xmlns:a16="http://schemas.microsoft.com/office/drawing/2014/main" id="{4075476D-F806-46CB-AB29-47E2340F47D7}"/>
+              </a:ext>
+            </a:extLst>
+          </p:cNvPr>
+          <p:cNvCxnSpPr>
+            <a:cxnSpLocks/>
+          </p:cNvCxnSpPr>
+          <p:nvPr/>
+        </p:nvCxnSpPr>
+        <p:spPr>
+          <a:xfrm rot="16200000" flipH="1">
+            <a:off x="32068735" y="13348846"/>
+            <a:ext cx="4526415" cy="879222"/>
+          </a:xfrm>
+          <a:prstGeom prst="bentConnector3">
+            <a:avLst>
+              <a:gd name="adj1" fmla="val 38356"/>
+            </a:avLst>
+          </a:prstGeom>
+          <a:ln>
+            <a:solidFill>
+              <a:schemeClr val="tx1"/>
+            </a:solidFill>
+          </a:ln>
+        </p:spPr>
+        <p:style>
+          <a:lnRef idx="1">
+            <a:schemeClr val="dk1"/>
+          </a:lnRef>
+          <a:fillRef idx="0">
+            <a:schemeClr val="dk1"/>
+          </a:fillRef>
+          <a:effectRef idx="0">
+            <a:schemeClr val="dk1"/>
+          </a:effectRef>
+          <a:fontRef idx="minor">
+            <a:schemeClr val="tx1"/>
+          </a:fontRef>
+        </p:style>
+      </p:cxnSp>
+      <p:cxnSp>
+        <p:nvCxnSpPr>
+          <p:cNvPr id="1365" name="Connector: Elbow 1364">
+            <a:extLst>
+              <a:ext uri="{FF2B5EF4-FFF2-40B4-BE49-F238E27FC236}">
+                <a16:creationId xmlns:a16="http://schemas.microsoft.com/office/drawing/2014/main" id="{4C68015A-6F3C-47FE-B617-EB605AF8297F}"/>
+              </a:ext>
+            </a:extLst>
+          </p:cNvPr>
+          <p:cNvCxnSpPr>
+            <a:cxnSpLocks/>
+          </p:cNvCxnSpPr>
+          <p:nvPr/>
+        </p:nvCxnSpPr>
+        <p:spPr>
+          <a:xfrm rot="16200000" flipH="1">
+            <a:off x="32597457" y="12834411"/>
+            <a:ext cx="4740308" cy="1669547"/>
+          </a:xfrm>
+          <a:prstGeom prst="bentConnector3">
+            <a:avLst>
+              <a:gd name="adj1" fmla="val 57234"/>
+            </a:avLst>
+          </a:prstGeom>
+          <a:ln>
+            <a:solidFill>
+              <a:schemeClr val="tx1"/>
+            </a:solidFill>
+          </a:ln>
+        </p:spPr>
+        <p:style>
+          <a:lnRef idx="1">
+            <a:schemeClr val="dk1"/>
+          </a:lnRef>
+          <a:fillRef idx="0">
+            <a:schemeClr val="dk1"/>
+          </a:fillRef>
+          <a:effectRef idx="0">
+            <a:schemeClr val="dk1"/>
+          </a:effectRef>
+          <a:fontRef idx="minor">
+            <a:schemeClr val="tx1"/>
+          </a:fontRef>
+        </p:style>
+      </p:cxnSp>
+      <p:cxnSp>
+        <p:nvCxnSpPr>
+          <p:cNvPr id="394" name="Straight Connector 393">
+            <a:extLst>
+              <a:ext uri="{FF2B5EF4-FFF2-40B4-BE49-F238E27FC236}">
+                <a16:creationId xmlns:a16="http://schemas.microsoft.com/office/drawing/2014/main" id="{F01C35E0-E9F2-457E-83B1-D348D6AF5E79}"/>
+              </a:ext>
+            </a:extLst>
+          </p:cNvPr>
+          <p:cNvCxnSpPr>
+            <a:stCxn id="1146" idx="2"/>
+          </p:cNvCxnSpPr>
+          <p:nvPr/>
+        </p:nvCxnSpPr>
+        <p:spPr>
+          <a:xfrm flipV="1">
+            <a:off x="33524679" y="11303000"/>
+            <a:ext cx="612921" cy="9135"/>
+          </a:xfrm>
+          <a:prstGeom prst="line">
+            <a:avLst/>
+          </a:prstGeom>
+        </p:spPr>
+        <p:style>
+          <a:lnRef idx="1">
+            <a:schemeClr val="dk1"/>
+          </a:lnRef>
+          <a:fillRef idx="0">
+            <a:schemeClr val="dk1"/>
+          </a:fillRef>
+          <a:effectRef idx="0">
+            <a:schemeClr val="dk1"/>
+          </a:effectRef>
+          <a:fontRef idx="minor">
+            <a:schemeClr val="tx1"/>
+          </a:fontRef>
+        </p:style>
+      </p:cxnSp>
+      <p:cxnSp>
+        <p:nvCxnSpPr>
+          <p:cNvPr id="396" name="Straight Connector 395">
+            <a:extLst>
+              <a:ext uri="{FF2B5EF4-FFF2-40B4-BE49-F238E27FC236}">
+                <a16:creationId xmlns:a16="http://schemas.microsoft.com/office/drawing/2014/main" id="{142C3137-BAAD-4F61-8D79-60C191B12D3A}"/>
+              </a:ext>
+            </a:extLst>
+          </p:cNvPr>
+          <p:cNvCxnSpPr>
+            <a:cxnSpLocks/>
+            <a:stCxn id="1178" idx="2"/>
+          </p:cNvCxnSpPr>
+          <p:nvPr/>
+        </p:nvCxnSpPr>
+        <p:spPr>
+          <a:xfrm>
+            <a:off x="33522954" y="11529755"/>
+            <a:ext cx="371759" cy="0"/>
+          </a:xfrm>
+          <a:prstGeom prst="line">
+            <a:avLst/>
+          </a:prstGeom>
+        </p:spPr>
+        <p:style>
+          <a:lnRef idx="1">
+            <a:schemeClr val="dk1"/>
+          </a:lnRef>
+          <a:fillRef idx="0">
+            <a:schemeClr val="dk1"/>
+          </a:fillRef>
+          <a:effectRef idx="0">
+            <a:schemeClr val="dk1"/>
+          </a:effectRef>
+          <a:fontRef idx="minor">
+            <a:schemeClr val="tx1"/>
+          </a:fontRef>
+        </p:style>
+      </p:cxnSp>
+      <p:cxnSp>
+        <p:nvCxnSpPr>
+          <p:cNvPr id="406" name="Connector: Elbow 405">
+            <a:extLst>
+              <a:ext uri="{FF2B5EF4-FFF2-40B4-BE49-F238E27FC236}">
+                <a16:creationId xmlns:a16="http://schemas.microsoft.com/office/drawing/2014/main" id="{E1CA1524-381F-451C-9F5B-7A45CEAAE218}"/>
+              </a:ext>
+            </a:extLst>
+          </p:cNvPr>
+          <p:cNvCxnSpPr>
+            <a:cxnSpLocks/>
+            <a:stCxn id="1085" idx="2"/>
+          </p:cNvCxnSpPr>
+          <p:nvPr/>
+        </p:nvCxnSpPr>
+        <p:spPr>
+          <a:xfrm rot="5400000">
+            <a:off x="33172541" y="13489622"/>
+            <a:ext cx="4422426" cy="749227"/>
+          </a:xfrm>
+          <a:prstGeom prst="bentConnector3">
+            <a:avLst>
+              <a:gd name="adj1" fmla="val 43108"/>
+            </a:avLst>
+          </a:prstGeom>
+        </p:spPr>
+        <p:style>
+          <a:lnRef idx="1">
+            <a:schemeClr val="dk1"/>
+          </a:lnRef>
+          <a:fillRef idx="0">
+            <a:schemeClr val="dk1"/>
+          </a:fillRef>
+          <a:effectRef idx="0">
+            <a:schemeClr val="dk1"/>
+          </a:effectRef>
+          <a:fontRef idx="minor">
+            <a:schemeClr val="tx1"/>
+          </a:fontRef>
+        </p:style>
+      </p:cxnSp>
+      <p:cxnSp>
+        <p:nvCxnSpPr>
+          <p:cNvPr id="443" name="Connector: Elbow 442">
+            <a:extLst>
+              <a:ext uri="{FF2B5EF4-FFF2-40B4-BE49-F238E27FC236}">
+                <a16:creationId xmlns:a16="http://schemas.microsoft.com/office/drawing/2014/main" id="{67F3EB7B-BBF8-452D-A1C7-53560B10A436}"/>
+              </a:ext>
+            </a:extLst>
+          </p:cNvPr>
+          <p:cNvCxnSpPr>
+            <a:cxnSpLocks/>
+            <a:endCxn id="1398" idx="6"/>
+          </p:cNvCxnSpPr>
+          <p:nvPr/>
+        </p:nvCxnSpPr>
+        <p:spPr>
+          <a:xfrm rot="16200000" flipV="1">
+            <a:off x="34612392" y="14727039"/>
+            <a:ext cx="2600242" cy="263564"/>
+          </a:xfrm>
+          <a:prstGeom prst="bentConnector2">
+            <a:avLst/>
+          </a:prstGeom>
+        </p:spPr>
+        <p:style>
+          <a:lnRef idx="1">
+            <a:schemeClr val="dk1"/>
+          </a:lnRef>
+          <a:fillRef idx="0">
+            <a:schemeClr val="dk1"/>
+          </a:fillRef>
+          <a:effectRef idx="0">
+            <a:schemeClr val="dk1"/>
+          </a:effectRef>
+          <a:fontRef idx="minor">
+            <a:schemeClr val="tx1"/>
+          </a:fontRef>
+        </p:style>
+      </p:cxnSp>
+      <p:sp>
+        <p:nvSpPr>
+          <p:cNvPr id="1398" name="Oval 1397">
+            <a:extLst>
+              <a:ext uri="{FF2B5EF4-FFF2-40B4-BE49-F238E27FC236}">
+                <a16:creationId xmlns:a16="http://schemas.microsoft.com/office/drawing/2014/main" id="{74E90FED-3D7C-47D4-AEBF-AA4FC2F902F5}"/>
+              </a:ext>
+            </a:extLst>
+          </p:cNvPr>
+          <p:cNvSpPr/>
+          <p:nvPr/>
+        </p:nvSpPr>
+        <p:spPr>
+          <a:xfrm>
+            <a:off x="35714015" y="13522594"/>
+            <a:ext cx="66716" cy="72212"/>
+          </a:xfrm>
+          <a:prstGeom prst="ellipse">
+            <a:avLst/>
+          </a:prstGeom>
+          <a:solidFill>
+            <a:schemeClr val="tx1"/>
+          </a:solidFill>
+          <a:ln>
+            <a:solidFill>
+              <a:schemeClr val="tx1"/>
+            </a:solidFill>
+          </a:ln>
+        </p:spPr>
+        <p:style>
+          <a:lnRef idx="2">
+            <a:schemeClr val="accent1">
+              <a:shade val="50000"/>
+            </a:schemeClr>
+          </a:lnRef>
+          <a:fillRef idx="1">
+            <a:schemeClr val="accent1"/>
+          </a:fillRef>
+          <a:effectRef idx="0">
+            <a:schemeClr val="accent1"/>
+          </a:effectRef>
+          <a:fontRef idx="minor">
+            <a:schemeClr val="lt1"/>
+          </a:fontRef>
+        </p:style>
+        <p:txBody>
+          <a:bodyPr rtlCol="0" anchor="ctr"/>
+          <a:lstStyle/>
+          <a:p>
+            <a:pPr algn="ctr"/>
+            <a:endParaRPr lang="en-US"/>
+          </a:p>
+        </p:txBody>
+      </p:sp>
+      <p:cxnSp>
+        <p:nvCxnSpPr>
+          <p:cNvPr id="447" name="Connector: Elbow 446">
+            <a:extLst>
+              <a:ext uri="{FF2B5EF4-FFF2-40B4-BE49-F238E27FC236}">
+                <a16:creationId xmlns:a16="http://schemas.microsoft.com/office/drawing/2014/main" id="{4427DC0D-E468-483F-9DE4-089D35C70193}"/>
+              </a:ext>
+            </a:extLst>
+          </p:cNvPr>
+          <p:cNvCxnSpPr>
+            <a:cxnSpLocks/>
+            <a:endCxn id="1082" idx="0"/>
+          </p:cNvCxnSpPr>
+          <p:nvPr/>
+        </p:nvCxnSpPr>
+        <p:spPr>
+          <a:xfrm rot="16200000" flipH="1">
+            <a:off x="33838298" y="8569586"/>
+            <a:ext cx="3027671" cy="1265048"/>
+          </a:xfrm>
+          <a:prstGeom prst="bentConnector3">
+            <a:avLst>
+              <a:gd name="adj1" fmla="val 84"/>
+            </a:avLst>
+          </a:prstGeom>
+        </p:spPr>
+        <p:style>
+          <a:lnRef idx="1">
+            <a:schemeClr val="dk1"/>
+          </a:lnRef>
+          <a:fillRef idx="0">
+            <a:schemeClr val="dk1"/>
+          </a:fillRef>
+          <a:effectRef idx="0">
+            <a:schemeClr val="dk1"/>
+          </a:effectRef>
+          <a:fontRef idx="minor">
+            <a:schemeClr val="tx1"/>
+          </a:fontRef>
+        </p:style>
+      </p:cxnSp>
+      <p:cxnSp>
+        <p:nvCxnSpPr>
+          <p:cNvPr id="1404" name="Connector: Elbow 1403">
+            <a:extLst>
+              <a:ext uri="{FF2B5EF4-FFF2-40B4-BE49-F238E27FC236}">
+                <a16:creationId xmlns:a16="http://schemas.microsoft.com/office/drawing/2014/main" id="{59C2AD60-D4C2-4C35-A55C-207867D6F6F4}"/>
+              </a:ext>
+            </a:extLst>
+          </p:cNvPr>
+          <p:cNvCxnSpPr>
+            <a:cxnSpLocks/>
+            <a:endCxn id="1085" idx="0"/>
+          </p:cNvCxnSpPr>
+          <p:nvPr/>
+        </p:nvCxnSpPr>
+        <p:spPr>
+          <a:xfrm rot="16200000" flipH="1">
+            <a:off x="33568750" y="8524793"/>
+            <a:ext cx="3340477" cy="1038758"/>
+          </a:xfrm>
+          <a:prstGeom prst="bentConnector3">
+            <a:avLst>
+              <a:gd name="adj1" fmla="val 196"/>
+            </a:avLst>
+          </a:prstGeom>
+        </p:spPr>
+        <p:style>
+          <a:lnRef idx="1">
+            <a:schemeClr val="dk1"/>
+          </a:lnRef>
+          <a:fillRef idx="0">
+            <a:schemeClr val="dk1"/>
+          </a:fillRef>
+          <a:effectRef idx="0">
+            <a:schemeClr val="dk1"/>
+          </a:effectRef>
+          <a:fontRef idx="minor">
+            <a:schemeClr val="tx1"/>
+          </a:fontRef>
+        </p:style>
+      </p:cxnSp>
+      <p:cxnSp>
+        <p:nvCxnSpPr>
+          <p:cNvPr id="1408" name="Connector: Elbow 1407">
+            <a:extLst>
+              <a:ext uri="{FF2B5EF4-FFF2-40B4-BE49-F238E27FC236}">
+                <a16:creationId xmlns:a16="http://schemas.microsoft.com/office/drawing/2014/main" id="{2951EFD4-E41A-451A-9CB0-D3C346CCED9F}"/>
+              </a:ext>
+            </a:extLst>
+          </p:cNvPr>
+          <p:cNvCxnSpPr>
+            <a:cxnSpLocks/>
+            <a:endCxn id="1088" idx="0"/>
+          </p:cNvCxnSpPr>
+          <p:nvPr/>
+        </p:nvCxnSpPr>
+        <p:spPr>
+          <a:xfrm rot="16200000" flipH="1">
+            <a:off x="33319094" y="8501057"/>
+            <a:ext cx="3667350" cy="762428"/>
+          </a:xfrm>
+          <a:prstGeom prst="bentConnector3">
+            <a:avLst>
+              <a:gd name="adj1" fmla="val -213"/>
+            </a:avLst>
+          </a:prstGeom>
+        </p:spPr>
+        <p:style>
+          <a:lnRef idx="1">
+            <a:schemeClr val="dk1"/>
+          </a:lnRef>
+          <a:fillRef idx="0">
+            <a:schemeClr val="dk1"/>
+          </a:fillRef>
+          <a:effectRef idx="0">
+            <a:schemeClr val="dk1"/>
+          </a:effectRef>
+          <a:fontRef idx="minor">
+            <a:schemeClr val="tx1"/>
+          </a:fontRef>
+        </p:style>
+      </p:cxnSp>
+      <p:cxnSp>
+        <p:nvCxnSpPr>
+          <p:cNvPr id="1412" name="Straight Arrow Connector 1411">
+            <a:extLst>
+              <a:ext uri="{FF2B5EF4-FFF2-40B4-BE49-F238E27FC236}">
+                <a16:creationId xmlns:a16="http://schemas.microsoft.com/office/drawing/2014/main" id="{D8D3EF59-069E-4221-B70B-EFC2CA4D8AF5}"/>
+              </a:ext>
+            </a:extLst>
+          </p:cNvPr>
+          <p:cNvCxnSpPr>
+            <a:cxnSpLocks/>
+          </p:cNvCxnSpPr>
+          <p:nvPr/>
+        </p:nvCxnSpPr>
+        <p:spPr>
+          <a:xfrm flipV="1">
+            <a:off x="33750460" y="9827447"/>
+            <a:ext cx="1577541" cy="325946"/>
+          </a:xfrm>
+          <a:prstGeom prst="straightConnector1">
+            <a:avLst/>
+          </a:prstGeom>
+          <a:ln w="50800">
+            <a:solidFill>
+              <a:srgbClr val="FF0000"/>
+            </a:solidFill>
+            <a:tailEnd type="triangle"/>
+          </a:ln>
+        </p:spPr>
+        <p:style>
+          <a:lnRef idx="1">
+            <a:schemeClr val="dk1"/>
+          </a:lnRef>
+          <a:fillRef idx="0">
+            <a:schemeClr val="dk1"/>
+          </a:fillRef>
+          <a:effectRef idx="0">
+            <a:schemeClr val="dk1"/>
+          </a:effectRef>
+          <a:fontRef idx="minor">
+            <a:schemeClr val="tx1"/>
+          </a:fontRef>
+        </p:style>
+      </p:cxnSp>
+      <p:sp>
+        <p:nvSpPr>
+          <p:cNvPr id="1415" name="Oval 1414">
+            <a:extLst>
+              <a:ext uri="{FF2B5EF4-FFF2-40B4-BE49-F238E27FC236}">
+                <a16:creationId xmlns:a16="http://schemas.microsoft.com/office/drawing/2014/main" id="{0E02DDE2-9C2D-4E4C-AD52-E02A295D66C2}"/>
+              </a:ext>
+            </a:extLst>
+          </p:cNvPr>
+          <p:cNvSpPr/>
+          <p:nvPr/>
+        </p:nvSpPr>
+        <p:spPr>
+          <a:xfrm>
+            <a:off x="35328001" y="9736141"/>
+            <a:ext cx="1150799" cy="247103"/>
+          </a:xfrm>
+          <a:custGeom>
+            <a:avLst/>
+            <a:gdLst>
+              <a:gd name="connsiteX0" fmla="*/ 0 w 1150799"/>
+              <a:gd name="connsiteY0" fmla="*/ 123552 h 247103"/>
+              <a:gd name="connsiteX1" fmla="*/ 575400 w 1150799"/>
+              <a:gd name="connsiteY1" fmla="*/ 0 h 247103"/>
+              <a:gd name="connsiteX2" fmla="*/ 1150800 w 1150799"/>
+              <a:gd name="connsiteY2" fmla="*/ 123552 h 247103"/>
+              <a:gd name="connsiteX3" fmla="*/ 575400 w 1150799"/>
+              <a:gd name="connsiteY3" fmla="*/ 247104 h 247103"/>
+              <a:gd name="connsiteX4" fmla="*/ 0 w 1150799"/>
+              <a:gd name="connsiteY4" fmla="*/ 123552 h 247103"/>
+            </a:gdLst>
+            <a:ahLst/>
+            <a:cxnLst>
+              <a:cxn ang="0">
+                <a:pos x="connsiteX0" y="connsiteY0"/>
+              </a:cxn>
+              <a:cxn ang="0">
+                <a:pos x="connsiteX1" y="connsiteY1"/>
+              </a:cxn>
+              <a:cxn ang="0">
+                <a:pos x="connsiteX2" y="connsiteY2"/>
+              </a:cxn>
+              <a:cxn ang="0">
+                <a:pos x="connsiteX3" y="connsiteY3"/>
+              </a:cxn>
+              <a:cxn ang="0">
+                <a:pos x="connsiteX4" y="connsiteY4"/>
+              </a:cxn>
+            </a:cxnLst>
+            <a:rect l="l" t="t" r="r" b="b"/>
+            <a:pathLst>
+              <a:path w="1150799" h="247103" extrusionOk="0">
+                <a:moveTo>
+                  <a:pt x="0" y="123552"/>
+                </a:moveTo>
+                <a:cubicBezTo>
+                  <a:pt x="-40084" y="30591"/>
+                  <a:pt x="247933" y="3634"/>
+                  <a:pt x="575400" y="0"/>
+                </a:cubicBezTo>
+                <a:cubicBezTo>
+                  <a:pt x="900606" y="1562"/>
+                  <a:pt x="1147469" y="55422"/>
+                  <a:pt x="1150800" y="123552"/>
+                </a:cubicBezTo>
+                <a:cubicBezTo>
+                  <a:pt x="1121260" y="220635"/>
+                  <a:pt x="887735" y="277230"/>
+                  <a:pt x="575400" y="247104"/>
+                </a:cubicBezTo>
+                <a:cubicBezTo>
+                  <a:pt x="251229" y="243610"/>
+                  <a:pt x="4767" y="194066"/>
+                  <a:pt x="0" y="123552"/>
+                </a:cubicBezTo>
+                <a:close/>
+              </a:path>
+            </a:pathLst>
+          </a:custGeom>
+          <a:noFill/>
+          <a:ln w="19050">
+            <a:solidFill>
+              <a:srgbClr val="FF0000"/>
+            </a:solidFill>
+            <a:prstDash val="dash"/>
+            <a:extLst>
+              <a:ext uri="{C807C97D-BFC1-408E-A445-0C87EB9F89A2}">
+                <ask:lineSketchStyleProps xmlns:ask="http://schemas.microsoft.com/office/drawing/2018/sketchyshapes" sd="1219033472">
+                  <a:prstGeom prst="ellipse">
+                    <a:avLst/>
+                  </a:prstGeom>
+                  <ask:type>
+                    <ask:lineSketchCurved/>
+                  </ask:type>
+                </ask:lineSketchStyleProps>
+              </a:ext>
+            </a:extLst>
+          </a:ln>
+        </p:spPr>
+        <p:style>
+          <a:lnRef idx="2">
+            <a:schemeClr val="accent1">
+              <a:shade val="50000"/>
+            </a:schemeClr>
+          </a:lnRef>
+          <a:fillRef idx="1">
+            <a:schemeClr val="accent1"/>
+          </a:fillRef>
+          <a:effectRef idx="0">
+            <a:schemeClr val="accent1"/>
+          </a:effectRef>
+          <a:fontRef idx="minor">
+            <a:schemeClr val="lt1"/>
+          </a:fontRef>
+        </p:style>
+        <p:txBody>
+          <a:bodyPr rtlCol="0" anchor="ctr"/>
+          <a:lstStyle/>
+          <a:p>
+            <a:pPr algn="ctr"/>
+            <a:endParaRPr lang="en-US" sz="12101"/>
+          </a:p>
+        </p:txBody>
+      </p:sp>
+      <p:sp>
+        <p:nvSpPr>
+          <p:cNvPr id="1434" name="Oval 1433">
+            <a:extLst>
+              <a:ext uri="{FF2B5EF4-FFF2-40B4-BE49-F238E27FC236}">
+                <a16:creationId xmlns:a16="http://schemas.microsoft.com/office/drawing/2014/main" id="{F23D7754-D96E-4E2D-871B-19387AFCF250}"/>
+              </a:ext>
+            </a:extLst>
+          </p:cNvPr>
+          <p:cNvSpPr/>
+          <p:nvPr/>
+        </p:nvSpPr>
+        <p:spPr>
+          <a:xfrm rot="16200000">
+            <a:off x="35831234" y="9881558"/>
+            <a:ext cx="83176" cy="1118402"/>
+          </a:xfrm>
+          <a:prstGeom prst="ellipse">
+            <a:avLst/>
+          </a:prstGeom>
+          <a:noFill/>
+          <a:ln>
+            <a:solidFill>
+              <a:schemeClr val="tx1"/>
+            </a:solidFill>
+          </a:ln>
+        </p:spPr>
+        <p:style>
+          <a:lnRef idx="2">
+            <a:schemeClr val="accent1">
+              <a:shade val="50000"/>
+            </a:schemeClr>
+          </a:lnRef>
+          <a:fillRef idx="1">
+            <a:schemeClr val="accent1"/>
+          </a:fillRef>
+          <a:effectRef idx="0">
+            <a:schemeClr val="accent1"/>
+          </a:effectRef>
+          <a:fontRef idx="minor">
+            <a:schemeClr val="lt1"/>
+          </a:fontRef>
+        </p:style>
+        <p:txBody>
+          <a:bodyPr rtlCol="0" anchor="ctr"/>
+          <a:lstStyle/>
+          <a:p>
+            <a:pPr algn="ctr"/>
+            <a:endParaRPr lang="en-US" sz="12101"/>
+          </a:p>
+        </p:txBody>
+      </p:sp>
+      <p:cxnSp>
+        <p:nvCxnSpPr>
+          <p:cNvPr id="510" name="Connector: Elbow 509">
+            <a:extLst>
+              <a:ext uri="{FF2B5EF4-FFF2-40B4-BE49-F238E27FC236}">
+                <a16:creationId xmlns:a16="http://schemas.microsoft.com/office/drawing/2014/main" id="{F8CAF63E-2681-4B33-A5C2-05E9E72E4249}"/>
+              </a:ext>
+            </a:extLst>
+          </p:cNvPr>
+          <p:cNvCxnSpPr>
+            <a:stCxn id="427" idx="2"/>
+            <a:endCxn id="1230" idx="2"/>
+          </p:cNvCxnSpPr>
+          <p:nvPr/>
+        </p:nvCxnSpPr>
+        <p:spPr>
+          <a:xfrm rot="16200000" flipH="1">
+            <a:off x="9269201" y="4354070"/>
+            <a:ext cx="352779" cy="9326540"/>
+          </a:xfrm>
+          <a:prstGeom prst="bentConnector3">
+            <a:avLst>
+              <a:gd name="adj1" fmla="val 877598"/>
+            </a:avLst>
+          </a:prstGeom>
+        </p:spPr>
+        <p:style>
+          <a:lnRef idx="1">
+            <a:schemeClr val="dk1"/>
+          </a:lnRef>
+          <a:fillRef idx="0">
+            <a:schemeClr val="dk1"/>
+          </a:fillRef>
+          <a:effectRef idx="0">
+            <a:schemeClr val="dk1"/>
+          </a:effectRef>
+          <a:fontRef idx="minor">
+            <a:schemeClr val="tx1"/>
+          </a:fontRef>
+        </p:style>
+      </p:cxnSp>
+      <p:sp>
+        <p:nvSpPr>
+          <p:cNvPr id="564" name="TextBox 563">
+            <a:extLst>
+              <a:ext uri="{FF2B5EF4-FFF2-40B4-BE49-F238E27FC236}">
+                <a16:creationId xmlns:a16="http://schemas.microsoft.com/office/drawing/2014/main" id="{2A03BADC-D41C-4516-A7CE-1EFCDF213E4F}"/>
+              </a:ext>
+            </a:extLst>
+          </p:cNvPr>
+          <p:cNvSpPr txBox="1"/>
+          <p:nvPr/>
+        </p:nvSpPr>
+        <p:spPr>
+          <a:xfrm>
+            <a:off x="23551595" y="3790782"/>
+            <a:ext cx="304892" cy="369332"/>
           </a:xfrm>
           <a:prstGeom prst="rect">
             <a:avLst/>
@@ -46914,18 +52387,18 @@
           <a:lstStyle/>
           <a:p>
             <a:r>
-              <a:rPr lang="en-US" sz="1200" dirty="0"/>
-              <a:t>4.7K .1%</a:t>
+              <a:rPr lang="en-US" dirty="0"/>
+              <a:t>X</a:t>
             </a:r>
           </a:p>
         </p:txBody>
       </p:sp>
       <p:sp>
         <p:nvSpPr>
-          <p:cNvPr id="983" name="TextBox 982">
-            <a:extLst>
-              <a:ext uri="{FF2B5EF4-FFF2-40B4-BE49-F238E27FC236}">
-                <a16:creationId xmlns:a16="http://schemas.microsoft.com/office/drawing/2014/main" id="{DC2DA04E-186E-4F18-AF1A-40E917B19700}"/>
+          <p:cNvPr id="1448" name="TextBox 1447">
+            <a:extLst>
+              <a:ext uri="{FF2B5EF4-FFF2-40B4-BE49-F238E27FC236}">
+                <a16:creationId xmlns:a16="http://schemas.microsoft.com/office/drawing/2014/main" id="{C9CF4C10-16E9-41E2-95AD-866210245B54}"/>
               </a:ext>
             </a:extLst>
           </p:cNvPr>
@@ -46934,8 +52407,8 @@
         </p:nvSpPr>
         <p:spPr>
           <a:xfrm>
-            <a:off x="35664407" y="5909314"/>
-            <a:ext cx="872355" cy="461665"/>
+            <a:off x="24265094" y="3924145"/>
+            <a:ext cx="304892" cy="369332"/>
           </a:xfrm>
           <a:prstGeom prst="rect">
             <a:avLst/>
@@ -46949,19 +52422,397 @@
           <a:lstStyle/>
           <a:p>
             <a:r>
-              <a:rPr lang="en-US" sz="1200" dirty="0" err="1"/>
-              <a:t>Heatblock</a:t>
+              <a:rPr lang="en-US" dirty="0"/>
+              <a:t>X</a:t>
             </a:r>
-            <a:br>
-              <a:rPr lang="en-US" sz="1200" dirty="0"/>
-            </a:br>
+          </a:p>
+        </p:txBody>
+      </p:sp>
+      <p:sp>
+        <p:nvSpPr>
+          <p:cNvPr id="1449" name="Rectangle 1448">
+            <a:extLst>
+              <a:ext uri="{FF2B5EF4-FFF2-40B4-BE49-F238E27FC236}">
+                <a16:creationId xmlns:a16="http://schemas.microsoft.com/office/drawing/2014/main" id="{9A0026F8-2973-47F1-9F64-4EB183CCF728}"/>
+              </a:ext>
+            </a:extLst>
+          </p:cNvPr>
+          <p:cNvSpPr/>
+          <p:nvPr/>
+        </p:nvSpPr>
+        <p:spPr>
+          <a:xfrm>
+            <a:off x="21982355" y="6868605"/>
+            <a:ext cx="1785612" cy="654683"/>
+          </a:xfrm>
+          <a:prstGeom prst="rect">
+            <a:avLst/>
+          </a:prstGeom>
+          <a:solidFill>
+            <a:srgbClr val="FFFF00"/>
+          </a:solidFill>
+          <a:ln>
+            <a:solidFill>
+              <a:schemeClr val="tx1"/>
+            </a:solidFill>
+          </a:ln>
+        </p:spPr>
+        <p:style>
+          <a:lnRef idx="2">
+            <a:schemeClr val="accent1">
+              <a:shade val="50000"/>
+            </a:schemeClr>
+          </a:lnRef>
+          <a:fillRef idx="1">
+            <a:schemeClr val="accent1"/>
+          </a:fillRef>
+          <a:effectRef idx="0">
+            <a:schemeClr val="accent1"/>
+          </a:effectRef>
+          <a:fontRef idx="minor">
+            <a:schemeClr val="lt1"/>
+          </a:fontRef>
+        </p:style>
+        <p:txBody>
+          <a:bodyPr rtlCol="0" anchor="ctr"/>
+          <a:lstStyle/>
+          <a:p>
+            <a:pPr algn="ctr"/>
             <a:r>
-              <a:rPr lang="en-US" sz="1200" dirty="0"/>
-              <a:t>Thermistor</a:t>
+              <a:rPr lang="en-US" dirty="0">
+                <a:solidFill>
+                  <a:schemeClr val="tx1"/>
+                </a:solidFill>
+              </a:rPr>
+              <a:t>Acer </a:t>
             </a:r>
-          </a:p>
-        </p:txBody>
-      </p:sp>
+            <a:r>
+              <a:rPr lang="en-US" dirty="0" err="1">
+                <a:solidFill>
+                  <a:schemeClr val="tx1"/>
+                </a:solidFill>
+              </a:rPr>
+              <a:t>ChromeBox</a:t>
+            </a:r>
+            <a:r>
+              <a:rPr lang="en-US" dirty="0">
+                <a:solidFill>
+                  <a:schemeClr val="tx1"/>
+                </a:solidFill>
+              </a:rPr>
+              <a:t> (Klipper Host)</a:t>
+            </a:r>
+          </a:p>
+        </p:txBody>
+      </p:sp>
+      <p:sp>
+        <p:nvSpPr>
+          <p:cNvPr id="1450" name="TextBox 1449">
+            <a:extLst>
+              <a:ext uri="{FF2B5EF4-FFF2-40B4-BE49-F238E27FC236}">
+                <a16:creationId xmlns:a16="http://schemas.microsoft.com/office/drawing/2014/main" id="{F17D3140-8695-45BF-87F6-DF297EABA289}"/>
+              </a:ext>
+            </a:extLst>
+          </p:cNvPr>
+          <p:cNvSpPr txBox="1"/>
+          <p:nvPr/>
+        </p:nvSpPr>
+        <p:spPr>
+          <a:xfrm>
+            <a:off x="23079552" y="6073687"/>
+            <a:ext cx="2522480" cy="368353"/>
+          </a:xfrm>
+          <a:prstGeom prst="rect">
+            <a:avLst/>
+          </a:prstGeom>
+          <a:noFill/>
+        </p:spPr>
+        <p:txBody>
+          <a:bodyPr wrap="square" rtlCol="0">
+            <a:spAutoFit/>
+          </a:bodyPr>
+          <a:lstStyle/>
+          <a:p>
+            <a:r>
+              <a:rPr lang="en-US" dirty="0"/>
+              <a:t>Host             1    2    3    4</a:t>
+            </a:r>
+          </a:p>
+        </p:txBody>
+      </p:sp>
+      <p:sp>
+        <p:nvSpPr>
+          <p:cNvPr id="1452" name="Rectangle 1451">
+            <a:extLst>
+              <a:ext uri="{FF2B5EF4-FFF2-40B4-BE49-F238E27FC236}">
+                <a16:creationId xmlns:a16="http://schemas.microsoft.com/office/drawing/2014/main" id="{5702C0F1-FCDD-4D77-89AC-9DA1BA5F3BC4}"/>
+              </a:ext>
+            </a:extLst>
+          </p:cNvPr>
+          <p:cNvSpPr/>
+          <p:nvPr/>
+        </p:nvSpPr>
+        <p:spPr>
+          <a:xfrm>
+            <a:off x="22157135" y="7631703"/>
+            <a:ext cx="1384862" cy="654683"/>
+          </a:xfrm>
+          <a:prstGeom prst="rect">
+            <a:avLst/>
+          </a:prstGeom>
+          <a:solidFill>
+            <a:schemeClr val="accent6">
+              <a:lumMod val="40000"/>
+              <a:lumOff val="60000"/>
+            </a:schemeClr>
+          </a:solidFill>
+          <a:ln>
+            <a:solidFill>
+              <a:schemeClr val="tx1"/>
+            </a:solidFill>
+          </a:ln>
+        </p:spPr>
+        <p:style>
+          <a:lnRef idx="2">
+            <a:schemeClr val="accent1">
+              <a:shade val="50000"/>
+            </a:schemeClr>
+          </a:lnRef>
+          <a:fillRef idx="1">
+            <a:schemeClr val="accent1"/>
+          </a:fillRef>
+          <a:effectRef idx="0">
+            <a:schemeClr val="accent1"/>
+          </a:effectRef>
+          <a:fontRef idx="minor">
+            <a:schemeClr val="lt1"/>
+          </a:fontRef>
+        </p:style>
+        <p:txBody>
+          <a:bodyPr rtlCol="0" anchor="ctr"/>
+          <a:lstStyle/>
+          <a:p>
+            <a:pPr algn="ctr"/>
+            <a:r>
+              <a:rPr lang="en-US" dirty="0">
+                <a:solidFill>
+                  <a:schemeClr val="tx1"/>
+                </a:solidFill>
+              </a:rPr>
+              <a:t>Nozzle Cam</a:t>
+            </a:r>
+          </a:p>
+        </p:txBody>
+      </p:sp>
+      <p:sp>
+        <p:nvSpPr>
+          <p:cNvPr id="1453" name="TextBox 1452">
+            <a:extLst>
+              <a:ext uri="{FF2B5EF4-FFF2-40B4-BE49-F238E27FC236}">
+                <a16:creationId xmlns:a16="http://schemas.microsoft.com/office/drawing/2014/main" id="{3A6F94FD-6202-49CA-A86E-3B496A3D2826}"/>
+              </a:ext>
+            </a:extLst>
+          </p:cNvPr>
+          <p:cNvSpPr txBox="1"/>
+          <p:nvPr/>
+        </p:nvSpPr>
+        <p:spPr>
+          <a:xfrm rot="16200000">
+            <a:off x="23288318" y="7272807"/>
+            <a:ext cx="1917949" cy="369332"/>
+          </a:xfrm>
+          <a:prstGeom prst="rect">
+            <a:avLst/>
+          </a:prstGeom>
+          <a:noFill/>
+          <a:ln>
+            <a:solidFill>
+              <a:schemeClr val="dk1"/>
+            </a:solidFill>
+          </a:ln>
+        </p:spPr>
+        <p:txBody>
+          <a:bodyPr wrap="square" rtlCol="0">
+            <a:spAutoFit/>
+          </a:bodyPr>
+          <a:lstStyle/>
+          <a:p>
+            <a:pPr algn="r"/>
+            <a:r>
+              <a:rPr lang="en-US" dirty="0"/>
+              <a:t>MCU1 Octopus</a:t>
+            </a:r>
+          </a:p>
+        </p:txBody>
+      </p:sp>
+      <p:sp>
+        <p:nvSpPr>
+          <p:cNvPr id="1454" name="TextBox 1453">
+            <a:extLst>
+              <a:ext uri="{FF2B5EF4-FFF2-40B4-BE49-F238E27FC236}">
+                <a16:creationId xmlns:a16="http://schemas.microsoft.com/office/drawing/2014/main" id="{4562BE28-35C1-422E-A44E-18D5466D6642}"/>
+              </a:ext>
+            </a:extLst>
+          </p:cNvPr>
+          <p:cNvSpPr txBox="1"/>
+          <p:nvPr/>
+        </p:nvSpPr>
+        <p:spPr>
+          <a:xfrm rot="16200000">
+            <a:off x="23655041" y="7272598"/>
+            <a:ext cx="1920911" cy="369332"/>
+          </a:xfrm>
+          <a:prstGeom prst="rect">
+            <a:avLst/>
+          </a:prstGeom>
+          <a:noFill/>
+          <a:ln>
+            <a:solidFill>
+              <a:schemeClr val="dk1"/>
+            </a:solidFill>
+          </a:ln>
+        </p:spPr>
+        <p:txBody>
+          <a:bodyPr wrap="square" rtlCol="0">
+            <a:spAutoFit/>
+          </a:bodyPr>
+          <a:lstStyle/>
+          <a:p>
+            <a:pPr algn="r"/>
+            <a:r>
+              <a:rPr lang="en-US" dirty="0"/>
+              <a:t>MCU2 </a:t>
+            </a:r>
+            <a:r>
+              <a:rPr lang="en-US" dirty="0" err="1"/>
+              <a:t>rPi</a:t>
+            </a:r>
+            <a:r>
+              <a:rPr lang="en-US" dirty="0"/>
+              <a:t> Pico</a:t>
+            </a:r>
+          </a:p>
+        </p:txBody>
+      </p:sp>
+      <p:sp>
+        <p:nvSpPr>
+          <p:cNvPr id="1456" name="TextBox 1455">
+            <a:extLst>
+              <a:ext uri="{FF2B5EF4-FFF2-40B4-BE49-F238E27FC236}">
+                <a16:creationId xmlns:a16="http://schemas.microsoft.com/office/drawing/2014/main" id="{6834D2B8-A665-40EB-97D3-D11F32DFA63D}"/>
+              </a:ext>
+            </a:extLst>
+          </p:cNvPr>
+          <p:cNvSpPr txBox="1"/>
+          <p:nvPr/>
+        </p:nvSpPr>
+        <p:spPr>
+          <a:xfrm rot="16200000">
+            <a:off x="24030183" y="7274858"/>
+            <a:ext cx="1917949" cy="369332"/>
+          </a:xfrm>
+          <a:prstGeom prst="rect">
+            <a:avLst/>
+          </a:prstGeom>
+          <a:noFill/>
+          <a:ln>
+            <a:solidFill>
+              <a:schemeClr val="dk1"/>
+            </a:solidFill>
+          </a:ln>
+        </p:spPr>
+        <p:txBody>
+          <a:bodyPr wrap="square" rtlCol="0">
+            <a:spAutoFit/>
+          </a:bodyPr>
+          <a:lstStyle/>
+          <a:p>
+            <a:pPr algn="r"/>
+            <a:r>
+              <a:rPr lang="en-US" dirty="0"/>
+              <a:t>MCU3 ERCF (Xiao)</a:t>
+            </a:r>
+          </a:p>
+        </p:txBody>
+      </p:sp>
+      <p:sp>
+        <p:nvSpPr>
+          <p:cNvPr id="1457" name="TextBox 1456">
+            <a:extLst>
+              <a:ext uri="{FF2B5EF4-FFF2-40B4-BE49-F238E27FC236}">
+                <a16:creationId xmlns:a16="http://schemas.microsoft.com/office/drawing/2014/main" id="{559F6C8E-02EF-464A-B017-3D309484C422}"/>
+              </a:ext>
+            </a:extLst>
+          </p:cNvPr>
+          <p:cNvSpPr txBox="1"/>
+          <p:nvPr/>
+        </p:nvSpPr>
+        <p:spPr>
+          <a:xfrm rot="16200000">
+            <a:off x="24403060" y="7273045"/>
+            <a:ext cx="1917949" cy="369332"/>
+          </a:xfrm>
+          <a:prstGeom prst="rect">
+            <a:avLst/>
+          </a:prstGeom>
+          <a:noFill/>
+          <a:ln>
+            <a:solidFill>
+              <a:schemeClr val="dk1"/>
+            </a:solidFill>
+          </a:ln>
+        </p:spPr>
+        <p:txBody>
+          <a:bodyPr wrap="square" rtlCol="0">
+            <a:spAutoFit/>
+          </a:bodyPr>
+          <a:lstStyle/>
+          <a:p>
+            <a:pPr algn="r"/>
+            <a:r>
+              <a:rPr lang="en-US" dirty="0"/>
+              <a:t>Nozzle Cam</a:t>
+            </a:r>
+          </a:p>
+        </p:txBody>
+      </p:sp>
+      <p:cxnSp>
+        <p:nvCxnSpPr>
+          <p:cNvPr id="566" name="Straight Connector 565">
+            <a:extLst>
+              <a:ext uri="{FF2B5EF4-FFF2-40B4-BE49-F238E27FC236}">
+                <a16:creationId xmlns:a16="http://schemas.microsoft.com/office/drawing/2014/main" id="{D31323CB-2BC7-459C-A453-0570E837619D}"/>
+              </a:ext>
+            </a:extLst>
+          </p:cNvPr>
+          <p:cNvCxnSpPr/>
+          <p:nvPr/>
+        </p:nvCxnSpPr>
+        <p:spPr>
+          <a:xfrm>
+            <a:off x="23368349" y="6415015"/>
+            <a:ext cx="0" cy="472714"/>
+          </a:xfrm>
+          <a:prstGeom prst="line">
+            <a:avLst/>
+          </a:prstGeom>
+          <a:ln w="50800"/>
+        </p:spPr>
+        <p:style>
+          <a:lnRef idx="1">
+            <a:schemeClr val="dk1"/>
+          </a:lnRef>
+          <a:fillRef idx="0">
+            <a:schemeClr val="dk1"/>
+          </a:fillRef>
+          <a:effectRef idx="0">
+            <a:schemeClr val="dk1"/>
+          </a:effectRef>
+          <a:fontRef idx="minor">
+            <a:schemeClr val="tx1"/>
+          </a:fontRef>
+        </p:style>
+      </p:cxnSp>
     </p:spTree>
     <p:extLst>
       <p:ext uri="{BB962C8B-B14F-4D97-AF65-F5344CB8AC3E}">

--- a/V2.2526_Hardware/__WDM/V2.2526 Wiring Diagram.pptx
+++ b/V2.2526_Hardware/__WDM/V2.2526 Wiring Diagram.pptx
@@ -243,7 +243,7 @@
           <a:p>
             <a:fld id="{965F083E-E327-42BE-A4AB-9DCC0F96DD77}" type="datetimeFigureOut">
               <a:rPr lang="en-US" smtClean="0"/>
-              <a:t>19-Apr-22</a:t>
+              <a:t>22-Apr-22</a:t>
             </a:fld>
             <a:endParaRPr lang="en-US"/>
           </a:p>
@@ -413,7 +413,7 @@
           <a:p>
             <a:fld id="{965F083E-E327-42BE-A4AB-9DCC0F96DD77}" type="datetimeFigureOut">
               <a:rPr lang="en-US" smtClean="0"/>
-              <a:t>19-Apr-22</a:t>
+              <a:t>22-Apr-22</a:t>
             </a:fld>
             <a:endParaRPr lang="en-US"/>
           </a:p>
@@ -593,7 +593,7 @@
           <a:p>
             <a:fld id="{965F083E-E327-42BE-A4AB-9DCC0F96DD77}" type="datetimeFigureOut">
               <a:rPr lang="en-US" smtClean="0"/>
-              <a:t>19-Apr-22</a:t>
+              <a:t>22-Apr-22</a:t>
             </a:fld>
             <a:endParaRPr lang="en-US"/>
           </a:p>
@@ -763,7 +763,7 @@
           <a:p>
             <a:fld id="{965F083E-E327-42BE-A4AB-9DCC0F96DD77}" type="datetimeFigureOut">
               <a:rPr lang="en-US" smtClean="0"/>
-              <a:t>19-Apr-22</a:t>
+              <a:t>22-Apr-22</a:t>
             </a:fld>
             <a:endParaRPr lang="en-US"/>
           </a:p>
@@ -1007,7 +1007,7 @@
           <a:p>
             <a:fld id="{965F083E-E327-42BE-A4AB-9DCC0F96DD77}" type="datetimeFigureOut">
               <a:rPr lang="en-US" smtClean="0"/>
-              <a:t>19-Apr-22</a:t>
+              <a:t>22-Apr-22</a:t>
             </a:fld>
             <a:endParaRPr lang="en-US"/>
           </a:p>
@@ -1239,7 +1239,7 @@
           <a:p>
             <a:fld id="{965F083E-E327-42BE-A4AB-9DCC0F96DD77}" type="datetimeFigureOut">
               <a:rPr lang="en-US" smtClean="0"/>
-              <a:t>19-Apr-22</a:t>
+              <a:t>22-Apr-22</a:t>
             </a:fld>
             <a:endParaRPr lang="en-US"/>
           </a:p>
@@ -1606,7 +1606,7 @@
           <a:p>
             <a:fld id="{965F083E-E327-42BE-A4AB-9DCC0F96DD77}" type="datetimeFigureOut">
               <a:rPr lang="en-US" smtClean="0"/>
-              <a:t>19-Apr-22</a:t>
+              <a:t>22-Apr-22</a:t>
             </a:fld>
             <a:endParaRPr lang="en-US"/>
           </a:p>
@@ -1724,7 +1724,7 @@
           <a:p>
             <a:fld id="{965F083E-E327-42BE-A4AB-9DCC0F96DD77}" type="datetimeFigureOut">
               <a:rPr lang="en-US" smtClean="0"/>
-              <a:t>19-Apr-22</a:t>
+              <a:t>22-Apr-22</a:t>
             </a:fld>
             <a:endParaRPr lang="en-US"/>
           </a:p>
@@ -1819,7 +1819,7 @@
           <a:p>
             <a:fld id="{965F083E-E327-42BE-A4AB-9DCC0F96DD77}" type="datetimeFigureOut">
               <a:rPr lang="en-US" smtClean="0"/>
-              <a:t>19-Apr-22</a:t>
+              <a:t>22-Apr-22</a:t>
             </a:fld>
             <a:endParaRPr lang="en-US"/>
           </a:p>
@@ -2096,7 +2096,7 @@
           <a:p>
             <a:fld id="{965F083E-E327-42BE-A4AB-9DCC0F96DD77}" type="datetimeFigureOut">
               <a:rPr lang="en-US" smtClean="0"/>
-              <a:t>19-Apr-22</a:t>
+              <a:t>22-Apr-22</a:t>
             </a:fld>
             <a:endParaRPr lang="en-US"/>
           </a:p>
@@ -2353,7 +2353,7 @@
           <a:p>
             <a:fld id="{965F083E-E327-42BE-A4AB-9DCC0F96DD77}" type="datetimeFigureOut">
               <a:rPr lang="en-US" smtClean="0"/>
-              <a:t>19-Apr-22</a:t>
+              <a:t>22-Apr-22</a:t>
             </a:fld>
             <a:endParaRPr lang="en-US"/>
           </a:p>
@@ -2566,7 +2566,7 @@
           <a:p>
             <a:fld id="{965F083E-E327-42BE-A4AB-9DCC0F96DD77}" type="datetimeFigureOut">
               <a:rPr lang="en-US" smtClean="0"/>
-              <a:t>19-Apr-22</a:t>
+              <a:t>22-Apr-22</a:t>
             </a:fld>
             <a:endParaRPr lang="en-US"/>
           </a:p>
@@ -2981,479 +2981,12 @@
           <a:chExt cx="0" cy="0"/>
         </a:xfrm>
       </p:grpSpPr>
-      <p:sp>
-        <p:nvSpPr>
-          <p:cNvPr id="1095" name="Rectangle 1094">
-            <a:extLst>
-              <a:ext uri="{FF2B5EF4-FFF2-40B4-BE49-F238E27FC236}">
-                <a16:creationId xmlns:a16="http://schemas.microsoft.com/office/drawing/2014/main" id="{F7721B93-0A52-4A40-9F31-B4922C0B2E2E}"/>
-              </a:ext>
-            </a:extLst>
-          </p:cNvPr>
-          <p:cNvSpPr/>
-          <p:nvPr/>
-        </p:nvSpPr>
-        <p:spPr>
-          <a:xfrm>
-            <a:off x="8304063" y="6979968"/>
-            <a:ext cx="2025620" cy="1901748"/>
-          </a:xfrm>
-          <a:prstGeom prst="rect">
-            <a:avLst/>
-          </a:prstGeom>
-          <a:solidFill>
-            <a:srgbClr val="FF0000">
-              <a:alpha val="58000"/>
-            </a:srgbClr>
-          </a:solidFill>
-          <a:ln>
-            <a:solidFill>
-              <a:schemeClr val="tx1"/>
-            </a:solidFill>
-          </a:ln>
-        </p:spPr>
-        <p:style>
-          <a:lnRef idx="2">
-            <a:schemeClr val="accent1">
-              <a:shade val="50000"/>
-            </a:schemeClr>
-          </a:lnRef>
-          <a:fillRef idx="1">
-            <a:schemeClr val="accent1"/>
-          </a:fillRef>
-          <a:effectRef idx="0">
-            <a:schemeClr val="accent1"/>
-          </a:effectRef>
-          <a:fontRef idx="minor">
-            <a:schemeClr val="lt1"/>
-          </a:fontRef>
-        </p:style>
-        <p:txBody>
-          <a:bodyPr rtlCol="0" anchor="ctr"/>
-          <a:lstStyle/>
-          <a:p>
-            <a:pPr algn="ctr"/>
-            <a:endParaRPr lang="en-US" sz="12101"/>
-          </a:p>
-        </p:txBody>
-      </p:sp>
-      <p:sp>
-        <p:nvSpPr>
-          <p:cNvPr id="1094" name="Rectangle 1093">
-            <a:extLst>
-              <a:ext uri="{FF2B5EF4-FFF2-40B4-BE49-F238E27FC236}">
-                <a16:creationId xmlns:a16="http://schemas.microsoft.com/office/drawing/2014/main" id="{D8BC2800-F457-44DF-9F63-15C3BCF45EF3}"/>
-              </a:ext>
-            </a:extLst>
-          </p:cNvPr>
-          <p:cNvSpPr/>
-          <p:nvPr/>
-        </p:nvSpPr>
-        <p:spPr>
-          <a:xfrm>
-            <a:off x="6027881" y="6947100"/>
-            <a:ext cx="2043754" cy="1901748"/>
-          </a:xfrm>
-          <a:prstGeom prst="rect">
-            <a:avLst/>
-          </a:prstGeom>
-          <a:solidFill>
-            <a:schemeClr val="tx1">
-              <a:alpha val="58000"/>
-            </a:schemeClr>
-          </a:solidFill>
-          <a:ln>
-            <a:solidFill>
-              <a:schemeClr val="tx1"/>
-            </a:solidFill>
-          </a:ln>
-        </p:spPr>
-        <p:style>
-          <a:lnRef idx="2">
-            <a:schemeClr val="accent1">
-              <a:shade val="50000"/>
-            </a:schemeClr>
-          </a:lnRef>
-          <a:fillRef idx="1">
-            <a:schemeClr val="accent1"/>
-          </a:fillRef>
-          <a:effectRef idx="0">
-            <a:schemeClr val="accent1"/>
-          </a:effectRef>
-          <a:fontRef idx="minor">
-            <a:schemeClr val="lt1"/>
-          </a:fontRef>
-        </p:style>
-        <p:txBody>
-          <a:bodyPr rtlCol="0" anchor="ctr"/>
-          <a:lstStyle/>
-          <a:p>
-            <a:pPr algn="ctr"/>
-            <a:endParaRPr lang="en-US" sz="12101"/>
-          </a:p>
-        </p:txBody>
-      </p:sp>
-      <p:sp>
-        <p:nvSpPr>
-          <p:cNvPr id="896" name="Oval 895">
-            <a:extLst>
-              <a:ext uri="{FF2B5EF4-FFF2-40B4-BE49-F238E27FC236}">
-                <a16:creationId xmlns:a16="http://schemas.microsoft.com/office/drawing/2014/main" id="{B8EA99F1-EDE5-4EC1-8726-D0A13D7CACB4}"/>
-              </a:ext>
-            </a:extLst>
-          </p:cNvPr>
-          <p:cNvSpPr/>
-          <p:nvPr/>
-        </p:nvSpPr>
-        <p:spPr>
-          <a:xfrm>
-            <a:off x="18495074" y="4517461"/>
-            <a:ext cx="66716" cy="72212"/>
-          </a:xfrm>
-          <a:prstGeom prst="ellipse">
-            <a:avLst/>
-          </a:prstGeom>
-          <a:solidFill>
-            <a:schemeClr val="tx1"/>
-          </a:solidFill>
-          <a:ln>
-            <a:solidFill>
-              <a:schemeClr val="tx1"/>
-            </a:solidFill>
-          </a:ln>
-        </p:spPr>
-        <p:style>
-          <a:lnRef idx="2">
-            <a:schemeClr val="accent1">
-              <a:shade val="50000"/>
-            </a:schemeClr>
-          </a:lnRef>
-          <a:fillRef idx="1">
-            <a:schemeClr val="accent1"/>
-          </a:fillRef>
-          <a:effectRef idx="0">
-            <a:schemeClr val="accent1"/>
-          </a:effectRef>
-          <a:fontRef idx="minor">
-            <a:schemeClr val="lt1"/>
-          </a:fontRef>
-        </p:style>
-        <p:txBody>
-          <a:bodyPr rtlCol="0" anchor="ctr"/>
-          <a:lstStyle/>
-          <a:p>
-            <a:pPr algn="ctr"/>
-            <a:endParaRPr lang="en-US"/>
-          </a:p>
-        </p:txBody>
-      </p:sp>
-      <p:sp>
-        <p:nvSpPr>
-          <p:cNvPr id="897" name="Oval 896">
-            <a:extLst>
-              <a:ext uri="{FF2B5EF4-FFF2-40B4-BE49-F238E27FC236}">
-                <a16:creationId xmlns:a16="http://schemas.microsoft.com/office/drawing/2014/main" id="{00B0601E-B1A1-4A64-9D24-D64F6137BACB}"/>
-              </a:ext>
-            </a:extLst>
-          </p:cNvPr>
-          <p:cNvSpPr/>
-          <p:nvPr/>
-        </p:nvSpPr>
-        <p:spPr>
-          <a:xfrm>
-            <a:off x="18483331" y="6347805"/>
-            <a:ext cx="66716" cy="72212"/>
-          </a:xfrm>
-          <a:prstGeom prst="ellipse">
-            <a:avLst/>
-          </a:prstGeom>
-          <a:solidFill>
-            <a:schemeClr val="tx1"/>
-          </a:solidFill>
-          <a:ln>
-            <a:solidFill>
-              <a:schemeClr val="tx1"/>
-            </a:solidFill>
-          </a:ln>
-        </p:spPr>
-        <p:style>
-          <a:lnRef idx="2">
-            <a:schemeClr val="accent1">
-              <a:shade val="50000"/>
-            </a:schemeClr>
-          </a:lnRef>
-          <a:fillRef idx="1">
-            <a:schemeClr val="accent1"/>
-          </a:fillRef>
-          <a:effectRef idx="0">
-            <a:schemeClr val="accent1"/>
-          </a:effectRef>
-          <a:fontRef idx="minor">
-            <a:schemeClr val="lt1"/>
-          </a:fontRef>
-        </p:style>
-        <p:txBody>
-          <a:bodyPr rtlCol="0" anchor="ctr"/>
-          <a:lstStyle/>
-          <a:p>
-            <a:pPr algn="ctr"/>
-            <a:endParaRPr lang="en-US"/>
-          </a:p>
-        </p:txBody>
-      </p:sp>
-      <p:sp>
-        <p:nvSpPr>
-          <p:cNvPr id="899" name="Oval 898">
-            <a:extLst>
-              <a:ext uri="{FF2B5EF4-FFF2-40B4-BE49-F238E27FC236}">
-                <a16:creationId xmlns:a16="http://schemas.microsoft.com/office/drawing/2014/main" id="{D878391C-D589-49A1-8C66-2B05CB3074E8}"/>
-              </a:ext>
-            </a:extLst>
-          </p:cNvPr>
-          <p:cNvSpPr/>
-          <p:nvPr/>
-        </p:nvSpPr>
-        <p:spPr>
-          <a:xfrm>
-            <a:off x="18490702" y="5098125"/>
-            <a:ext cx="66716" cy="72212"/>
-          </a:xfrm>
-          <a:prstGeom prst="ellipse">
-            <a:avLst/>
-          </a:prstGeom>
-          <a:solidFill>
-            <a:schemeClr val="tx1"/>
-          </a:solidFill>
-          <a:ln>
-            <a:solidFill>
-              <a:schemeClr val="tx1"/>
-            </a:solidFill>
-          </a:ln>
-        </p:spPr>
-        <p:style>
-          <a:lnRef idx="2">
-            <a:schemeClr val="accent1">
-              <a:shade val="50000"/>
-            </a:schemeClr>
-          </a:lnRef>
-          <a:fillRef idx="1">
-            <a:schemeClr val="accent1"/>
-          </a:fillRef>
-          <a:effectRef idx="0">
-            <a:schemeClr val="accent1"/>
-          </a:effectRef>
-          <a:fontRef idx="minor">
-            <a:schemeClr val="lt1"/>
-          </a:fontRef>
-        </p:style>
-        <p:txBody>
-          <a:bodyPr rtlCol="0" anchor="ctr"/>
-          <a:lstStyle/>
-          <a:p>
-            <a:pPr algn="ctr"/>
-            <a:endParaRPr lang="en-US"/>
-          </a:p>
-        </p:txBody>
-      </p:sp>
-      <p:sp>
-        <p:nvSpPr>
-          <p:cNvPr id="900" name="Oval 899">
-            <a:extLst>
-              <a:ext uri="{FF2B5EF4-FFF2-40B4-BE49-F238E27FC236}">
-                <a16:creationId xmlns:a16="http://schemas.microsoft.com/office/drawing/2014/main" id="{22B99FAC-E02C-4124-922D-344741FEF012}"/>
-              </a:ext>
-            </a:extLst>
-          </p:cNvPr>
-          <p:cNvSpPr/>
-          <p:nvPr/>
-        </p:nvSpPr>
-        <p:spPr>
-          <a:xfrm>
-            <a:off x="18488614" y="5767141"/>
-            <a:ext cx="66716" cy="72212"/>
-          </a:xfrm>
-          <a:prstGeom prst="ellipse">
-            <a:avLst/>
-          </a:prstGeom>
-          <a:solidFill>
-            <a:schemeClr val="tx1"/>
-          </a:solidFill>
-          <a:ln>
-            <a:solidFill>
-              <a:schemeClr val="tx1"/>
-            </a:solidFill>
-          </a:ln>
-        </p:spPr>
-        <p:style>
-          <a:lnRef idx="2">
-            <a:schemeClr val="accent1">
-              <a:shade val="50000"/>
-            </a:schemeClr>
-          </a:lnRef>
-          <a:fillRef idx="1">
-            <a:schemeClr val="accent1"/>
-          </a:fillRef>
-          <a:effectRef idx="0">
-            <a:schemeClr val="accent1"/>
-          </a:effectRef>
-          <a:fontRef idx="minor">
-            <a:schemeClr val="lt1"/>
-          </a:fontRef>
-        </p:style>
-        <p:txBody>
-          <a:bodyPr rtlCol="0" anchor="ctr"/>
-          <a:lstStyle/>
-          <a:p>
-            <a:pPr algn="ctr"/>
-            <a:endParaRPr lang="en-US"/>
-          </a:p>
-        </p:txBody>
-      </p:sp>
-      <p:sp>
-        <p:nvSpPr>
-          <p:cNvPr id="895" name="Rectangle 894">
-            <a:extLst>
-              <a:ext uri="{FF2B5EF4-FFF2-40B4-BE49-F238E27FC236}">
-                <a16:creationId xmlns:a16="http://schemas.microsoft.com/office/drawing/2014/main" id="{E803AFA9-EC97-4468-B909-CB8362376B1D}"/>
-              </a:ext>
-            </a:extLst>
-          </p:cNvPr>
-          <p:cNvSpPr/>
-          <p:nvPr/>
-        </p:nvSpPr>
-        <p:spPr>
-          <a:xfrm>
-            <a:off x="18301664" y="4553567"/>
-            <a:ext cx="453539" cy="1838960"/>
-          </a:xfrm>
-          <a:prstGeom prst="rect">
-            <a:avLst/>
-          </a:prstGeom>
-          <a:noFill/>
-          <a:ln>
-            <a:solidFill>
-              <a:schemeClr val="tx1"/>
-            </a:solidFill>
-          </a:ln>
-        </p:spPr>
-        <p:style>
-          <a:lnRef idx="2">
-            <a:schemeClr val="accent1">
-              <a:shade val="50000"/>
-            </a:schemeClr>
-          </a:lnRef>
-          <a:fillRef idx="1">
-            <a:schemeClr val="accent1"/>
-          </a:fillRef>
-          <a:effectRef idx="0">
-            <a:schemeClr val="accent1"/>
-          </a:effectRef>
-          <a:fontRef idx="minor">
-            <a:schemeClr val="lt1"/>
-          </a:fontRef>
-        </p:style>
-        <p:txBody>
-          <a:bodyPr rtlCol="0" anchor="ctr"/>
-          <a:lstStyle/>
-          <a:p>
-            <a:pPr algn="ctr"/>
-            <a:endParaRPr lang="en-US"/>
-          </a:p>
-        </p:txBody>
-      </p:sp>
-      <p:cxnSp>
-        <p:nvCxnSpPr>
-          <p:cNvPr id="898" name="Straight Connector 897">
-            <a:extLst>
-              <a:ext uri="{FF2B5EF4-FFF2-40B4-BE49-F238E27FC236}">
-                <a16:creationId xmlns:a16="http://schemas.microsoft.com/office/drawing/2014/main" id="{66DA0732-9BA8-43DA-BE4C-5E9A6A3EBE01}"/>
-              </a:ext>
-            </a:extLst>
-          </p:cNvPr>
-          <p:cNvCxnSpPr>
-            <a:cxnSpLocks/>
-            <a:stCxn id="895" idx="0"/>
-          </p:cNvCxnSpPr>
-          <p:nvPr/>
-        </p:nvCxnSpPr>
-        <p:spPr>
-          <a:xfrm flipH="1">
-            <a:off x="18515510" y="4553567"/>
-            <a:ext cx="12924" cy="1846906"/>
-          </a:xfrm>
-          <a:prstGeom prst="line">
-            <a:avLst/>
-          </a:prstGeom>
-          <a:ln w="63500">
-            <a:solidFill>
-              <a:schemeClr val="tx1"/>
-            </a:solidFill>
-          </a:ln>
-        </p:spPr>
-        <p:style>
-          <a:lnRef idx="1">
-            <a:schemeClr val="dk1"/>
-          </a:lnRef>
-          <a:fillRef idx="0">
-            <a:schemeClr val="dk1"/>
-          </a:fillRef>
-          <a:effectRef idx="0">
-            <a:schemeClr val="dk1"/>
-          </a:effectRef>
-          <a:fontRef idx="minor">
-            <a:schemeClr val="tx1"/>
-          </a:fontRef>
-        </p:style>
-      </p:cxnSp>
-      <p:cxnSp>
-        <p:nvCxnSpPr>
-          <p:cNvPr id="901" name="Straight Connector 900">
-            <a:extLst>
-              <a:ext uri="{FF2B5EF4-FFF2-40B4-BE49-F238E27FC236}">
-                <a16:creationId xmlns:a16="http://schemas.microsoft.com/office/drawing/2014/main" id="{A6B2F8A9-2512-4CA3-A61A-6EBA25F19E8E}"/>
-              </a:ext>
-            </a:extLst>
-          </p:cNvPr>
-          <p:cNvCxnSpPr>
-            <a:cxnSpLocks/>
-          </p:cNvCxnSpPr>
-          <p:nvPr/>
-        </p:nvCxnSpPr>
-        <p:spPr>
-          <a:xfrm>
-            <a:off x="18467908" y="5802182"/>
-            <a:ext cx="589901" cy="0"/>
-          </a:xfrm>
-          <a:prstGeom prst="line">
-            <a:avLst/>
-          </a:prstGeom>
-          <a:ln w="63500">
-            <a:solidFill>
-              <a:schemeClr val="tx1"/>
-            </a:solidFill>
-          </a:ln>
-        </p:spPr>
-        <p:style>
-          <a:lnRef idx="1">
-            <a:schemeClr val="dk1"/>
-          </a:lnRef>
-          <a:fillRef idx="0">
-            <a:schemeClr val="dk1"/>
-          </a:fillRef>
-          <a:effectRef idx="0">
-            <a:schemeClr val="dk1"/>
-          </a:effectRef>
-          <a:fontRef idx="minor">
-            <a:schemeClr val="tx1"/>
-          </a:fontRef>
-        </p:style>
-      </p:cxnSp>
       <p:pic>
         <p:nvPicPr>
-          <p:cNvPr id="866" name="Picture 12" descr="Single Pole Double Throw (SPDT) Switch Circuit">
-            <a:extLst>
-              <a:ext uri="{FF2B5EF4-FFF2-40B4-BE49-F238E27FC236}">
-                <a16:creationId xmlns:a16="http://schemas.microsoft.com/office/drawing/2014/main" id="{A1A01C74-A7A8-491D-981A-3720F515945A}"/>
+          <p:cNvPr id="1026" name="Picture 2">
+            <a:extLst>
+              <a:ext uri="{FF2B5EF4-FFF2-40B4-BE49-F238E27FC236}">
+                <a16:creationId xmlns:a16="http://schemas.microsoft.com/office/drawing/2014/main" id="{25464F88-A0CC-4348-BC9C-C61ADCF69A34}"/>
               </a:ext>
             </a:extLst>
           </p:cNvPr>
@@ -3464,51 +2997,6 @@
         </p:nvPicPr>
         <p:blipFill rotWithShape="1">
           <a:blip r:embed="rId2">
-            <a:extLst>
-              <a:ext uri="{28A0092B-C50C-407E-A947-70E740481C1C}">
-                <a14:useLocalDpi xmlns:a14="http://schemas.microsoft.com/office/drawing/2010/main" val="0"/>
-              </a:ext>
-            </a:extLst>
-          </a:blip>
-          <a:srcRect l="20259" t="39366" r="56707" b="47524"/>
-          <a:stretch/>
-        </p:blipFill>
-        <p:spPr bwMode="auto">
-          <a:xfrm>
-            <a:off x="267378" y="24040054"/>
-            <a:ext cx="871015" cy="399395"/>
-          </a:xfrm>
-          <a:prstGeom prst="rect">
-            <a:avLst/>
-          </a:prstGeom>
-          <a:noFill/>
-          <a:extLst>
-            <a:ext uri="{909E8E84-426E-40DD-AFC4-6F175D3DCCD1}">
-              <a14:hiddenFill xmlns:a14="http://schemas.microsoft.com/office/drawing/2010/main">
-                <a:solidFill>
-                  <a:srgbClr val="FFFFFF"/>
-                </a:solidFill>
-              </a14:hiddenFill>
-            </a:ext>
-          </a:extLst>
-        </p:spPr>
-      </p:pic>
-      <p:pic>
-        <p:nvPicPr>
-          <p:cNvPr id="1026" name="Picture 2">
-            <a:extLst>
-              <a:ext uri="{FF2B5EF4-FFF2-40B4-BE49-F238E27FC236}">
-                <a16:creationId xmlns:a16="http://schemas.microsoft.com/office/drawing/2014/main" id="{25464F88-A0CC-4348-BC9C-C61ADCF69A34}"/>
-              </a:ext>
-            </a:extLst>
-          </p:cNvPr>
-          <p:cNvPicPr>
-            <a:picLocks noChangeAspect="1" noChangeArrowheads="1"/>
-          </p:cNvPicPr>
-          <p:nvPr/>
-        </p:nvPicPr>
-        <p:blipFill rotWithShape="1">
-          <a:blip r:embed="rId3">
             <a:clrChange>
               <a:clrFrom>
                 <a:srgbClr val="FFFFFF"/>
@@ -3551,10 +3039,10 @@
       </p:pic>
       <p:pic>
         <p:nvPicPr>
-          <p:cNvPr id="907" name="Picture 4">
-            <a:extLst>
-              <a:ext uri="{FF2B5EF4-FFF2-40B4-BE49-F238E27FC236}">
-                <a16:creationId xmlns:a16="http://schemas.microsoft.com/office/drawing/2014/main" id="{A43D081F-367B-4D45-80BE-4ADB9520141E}"/>
+          <p:cNvPr id="1268" name="Picture 2">
+            <a:extLst>
+              <a:ext uri="{FF2B5EF4-FFF2-40B4-BE49-F238E27FC236}">
+                <a16:creationId xmlns:a16="http://schemas.microsoft.com/office/drawing/2014/main" id="{B578FF8F-3609-46F9-8942-574A86363ED2}"/>
               </a:ext>
             </a:extLst>
           </p:cNvPr>
@@ -3564,7 +3052,564 @@
           <p:nvPr/>
         </p:nvPicPr>
         <p:blipFill rotWithShape="1">
+          <a:blip r:embed="rId3">
+            <a:extLst>
+              <a:ext uri="{28A0092B-C50C-407E-A947-70E740481C1C}">
+                <a14:useLocalDpi xmlns:a14="http://schemas.microsoft.com/office/drawing/2010/main" val="0"/>
+              </a:ext>
+            </a:extLst>
+          </a:blip>
+          <a:srcRect l="13788" t="6743" r="18084" b="23476"/>
+          <a:stretch/>
+        </p:blipFill>
+        <p:spPr bwMode="auto">
+          <a:xfrm rot="5400000">
+            <a:off x="21322756" y="22846465"/>
+            <a:ext cx="13825244" cy="8530367"/>
+          </a:xfrm>
+          <a:prstGeom prst="rect">
+            <a:avLst/>
+          </a:prstGeom>
+          <a:noFill/>
+          <a:extLst>
+            <a:ext uri="{909E8E84-426E-40DD-AFC4-6F175D3DCCD1}">
+              <a14:hiddenFill xmlns:a14="http://schemas.microsoft.com/office/drawing/2010/main">
+                <a:solidFill>
+                  <a:srgbClr val="FFFFFF"/>
+                </a:solidFill>
+              </a14:hiddenFill>
+            </a:ext>
+          </a:extLst>
+        </p:spPr>
+      </p:pic>
+      <p:sp>
+        <p:nvSpPr>
+          <p:cNvPr id="1095" name="Rectangle 1094">
+            <a:extLst>
+              <a:ext uri="{FF2B5EF4-FFF2-40B4-BE49-F238E27FC236}">
+                <a16:creationId xmlns:a16="http://schemas.microsoft.com/office/drawing/2014/main" id="{F7721B93-0A52-4A40-9F31-B4922C0B2E2E}"/>
+              </a:ext>
+            </a:extLst>
+          </p:cNvPr>
+          <p:cNvSpPr/>
+          <p:nvPr/>
+        </p:nvSpPr>
+        <p:spPr>
+          <a:xfrm>
+            <a:off x="8304063" y="6979968"/>
+            <a:ext cx="2025620" cy="1901748"/>
+          </a:xfrm>
+          <a:prstGeom prst="rect">
+            <a:avLst/>
+          </a:prstGeom>
+          <a:solidFill>
+            <a:srgbClr val="FF0000">
+              <a:alpha val="58000"/>
+            </a:srgbClr>
+          </a:solidFill>
+          <a:ln>
+            <a:solidFill>
+              <a:schemeClr val="tx1"/>
+            </a:solidFill>
+          </a:ln>
+        </p:spPr>
+        <p:style>
+          <a:lnRef idx="2">
+            <a:schemeClr val="accent1">
+              <a:shade val="50000"/>
+            </a:schemeClr>
+          </a:lnRef>
+          <a:fillRef idx="1">
+            <a:schemeClr val="accent1"/>
+          </a:fillRef>
+          <a:effectRef idx="0">
+            <a:schemeClr val="accent1"/>
+          </a:effectRef>
+          <a:fontRef idx="minor">
+            <a:schemeClr val="lt1"/>
+          </a:fontRef>
+        </p:style>
+        <p:txBody>
+          <a:bodyPr rtlCol="0" anchor="ctr"/>
+          <a:lstStyle/>
+          <a:p>
+            <a:pPr algn="ctr"/>
+            <a:endParaRPr lang="en-US" sz="12101"/>
+          </a:p>
+        </p:txBody>
+      </p:sp>
+      <p:sp>
+        <p:nvSpPr>
+          <p:cNvPr id="1094" name="Rectangle 1093">
+            <a:extLst>
+              <a:ext uri="{FF2B5EF4-FFF2-40B4-BE49-F238E27FC236}">
+                <a16:creationId xmlns:a16="http://schemas.microsoft.com/office/drawing/2014/main" id="{D8BC2800-F457-44DF-9F63-15C3BCF45EF3}"/>
+              </a:ext>
+            </a:extLst>
+          </p:cNvPr>
+          <p:cNvSpPr/>
+          <p:nvPr/>
+        </p:nvSpPr>
+        <p:spPr>
+          <a:xfrm>
+            <a:off x="6027881" y="6947100"/>
+            <a:ext cx="2043754" cy="1901748"/>
+          </a:xfrm>
+          <a:prstGeom prst="rect">
+            <a:avLst/>
+          </a:prstGeom>
+          <a:solidFill>
+            <a:schemeClr val="tx1">
+              <a:alpha val="58000"/>
+            </a:schemeClr>
+          </a:solidFill>
+          <a:ln>
+            <a:solidFill>
+              <a:schemeClr val="tx1"/>
+            </a:solidFill>
+          </a:ln>
+        </p:spPr>
+        <p:style>
+          <a:lnRef idx="2">
+            <a:schemeClr val="accent1">
+              <a:shade val="50000"/>
+            </a:schemeClr>
+          </a:lnRef>
+          <a:fillRef idx="1">
+            <a:schemeClr val="accent1"/>
+          </a:fillRef>
+          <a:effectRef idx="0">
+            <a:schemeClr val="accent1"/>
+          </a:effectRef>
+          <a:fontRef idx="minor">
+            <a:schemeClr val="lt1"/>
+          </a:fontRef>
+        </p:style>
+        <p:txBody>
+          <a:bodyPr rtlCol="0" anchor="ctr"/>
+          <a:lstStyle/>
+          <a:p>
+            <a:pPr algn="ctr"/>
+            <a:endParaRPr lang="en-US" sz="12101"/>
+          </a:p>
+        </p:txBody>
+      </p:sp>
+      <p:sp>
+        <p:nvSpPr>
+          <p:cNvPr id="896" name="Oval 895">
+            <a:extLst>
+              <a:ext uri="{FF2B5EF4-FFF2-40B4-BE49-F238E27FC236}">
+                <a16:creationId xmlns:a16="http://schemas.microsoft.com/office/drawing/2014/main" id="{B8EA99F1-EDE5-4EC1-8726-D0A13D7CACB4}"/>
+              </a:ext>
+            </a:extLst>
+          </p:cNvPr>
+          <p:cNvSpPr/>
+          <p:nvPr/>
+        </p:nvSpPr>
+        <p:spPr>
+          <a:xfrm>
+            <a:off x="18495074" y="4517461"/>
+            <a:ext cx="66716" cy="72212"/>
+          </a:xfrm>
+          <a:prstGeom prst="ellipse">
+            <a:avLst/>
+          </a:prstGeom>
+          <a:solidFill>
+            <a:schemeClr val="tx1"/>
+          </a:solidFill>
+          <a:ln>
+            <a:solidFill>
+              <a:schemeClr val="tx1"/>
+            </a:solidFill>
+          </a:ln>
+        </p:spPr>
+        <p:style>
+          <a:lnRef idx="2">
+            <a:schemeClr val="accent1">
+              <a:shade val="50000"/>
+            </a:schemeClr>
+          </a:lnRef>
+          <a:fillRef idx="1">
+            <a:schemeClr val="accent1"/>
+          </a:fillRef>
+          <a:effectRef idx="0">
+            <a:schemeClr val="accent1"/>
+          </a:effectRef>
+          <a:fontRef idx="minor">
+            <a:schemeClr val="lt1"/>
+          </a:fontRef>
+        </p:style>
+        <p:txBody>
+          <a:bodyPr rtlCol="0" anchor="ctr"/>
+          <a:lstStyle/>
+          <a:p>
+            <a:pPr algn="ctr"/>
+            <a:endParaRPr lang="en-US"/>
+          </a:p>
+        </p:txBody>
+      </p:sp>
+      <p:sp>
+        <p:nvSpPr>
+          <p:cNvPr id="897" name="Oval 896">
+            <a:extLst>
+              <a:ext uri="{FF2B5EF4-FFF2-40B4-BE49-F238E27FC236}">
+                <a16:creationId xmlns:a16="http://schemas.microsoft.com/office/drawing/2014/main" id="{00B0601E-B1A1-4A64-9D24-D64F6137BACB}"/>
+              </a:ext>
+            </a:extLst>
+          </p:cNvPr>
+          <p:cNvSpPr/>
+          <p:nvPr/>
+        </p:nvSpPr>
+        <p:spPr>
+          <a:xfrm>
+            <a:off x="18483331" y="6347805"/>
+            <a:ext cx="66716" cy="72212"/>
+          </a:xfrm>
+          <a:prstGeom prst="ellipse">
+            <a:avLst/>
+          </a:prstGeom>
+          <a:solidFill>
+            <a:schemeClr val="tx1"/>
+          </a:solidFill>
+          <a:ln>
+            <a:solidFill>
+              <a:schemeClr val="tx1"/>
+            </a:solidFill>
+          </a:ln>
+        </p:spPr>
+        <p:style>
+          <a:lnRef idx="2">
+            <a:schemeClr val="accent1">
+              <a:shade val="50000"/>
+            </a:schemeClr>
+          </a:lnRef>
+          <a:fillRef idx="1">
+            <a:schemeClr val="accent1"/>
+          </a:fillRef>
+          <a:effectRef idx="0">
+            <a:schemeClr val="accent1"/>
+          </a:effectRef>
+          <a:fontRef idx="minor">
+            <a:schemeClr val="lt1"/>
+          </a:fontRef>
+        </p:style>
+        <p:txBody>
+          <a:bodyPr rtlCol="0" anchor="ctr"/>
+          <a:lstStyle/>
+          <a:p>
+            <a:pPr algn="ctr"/>
+            <a:endParaRPr lang="en-US"/>
+          </a:p>
+        </p:txBody>
+      </p:sp>
+      <p:sp>
+        <p:nvSpPr>
+          <p:cNvPr id="899" name="Oval 898">
+            <a:extLst>
+              <a:ext uri="{FF2B5EF4-FFF2-40B4-BE49-F238E27FC236}">
+                <a16:creationId xmlns:a16="http://schemas.microsoft.com/office/drawing/2014/main" id="{D878391C-D589-49A1-8C66-2B05CB3074E8}"/>
+              </a:ext>
+            </a:extLst>
+          </p:cNvPr>
+          <p:cNvSpPr/>
+          <p:nvPr/>
+        </p:nvSpPr>
+        <p:spPr>
+          <a:xfrm>
+            <a:off x="18490702" y="5098125"/>
+            <a:ext cx="66716" cy="72212"/>
+          </a:xfrm>
+          <a:prstGeom prst="ellipse">
+            <a:avLst/>
+          </a:prstGeom>
+          <a:solidFill>
+            <a:schemeClr val="tx1"/>
+          </a:solidFill>
+          <a:ln>
+            <a:solidFill>
+              <a:schemeClr val="tx1"/>
+            </a:solidFill>
+          </a:ln>
+        </p:spPr>
+        <p:style>
+          <a:lnRef idx="2">
+            <a:schemeClr val="accent1">
+              <a:shade val="50000"/>
+            </a:schemeClr>
+          </a:lnRef>
+          <a:fillRef idx="1">
+            <a:schemeClr val="accent1"/>
+          </a:fillRef>
+          <a:effectRef idx="0">
+            <a:schemeClr val="accent1"/>
+          </a:effectRef>
+          <a:fontRef idx="minor">
+            <a:schemeClr val="lt1"/>
+          </a:fontRef>
+        </p:style>
+        <p:txBody>
+          <a:bodyPr rtlCol="0" anchor="ctr"/>
+          <a:lstStyle/>
+          <a:p>
+            <a:pPr algn="ctr"/>
+            <a:endParaRPr lang="en-US"/>
+          </a:p>
+        </p:txBody>
+      </p:sp>
+      <p:sp>
+        <p:nvSpPr>
+          <p:cNvPr id="900" name="Oval 899">
+            <a:extLst>
+              <a:ext uri="{FF2B5EF4-FFF2-40B4-BE49-F238E27FC236}">
+                <a16:creationId xmlns:a16="http://schemas.microsoft.com/office/drawing/2014/main" id="{22B99FAC-E02C-4124-922D-344741FEF012}"/>
+              </a:ext>
+            </a:extLst>
+          </p:cNvPr>
+          <p:cNvSpPr/>
+          <p:nvPr/>
+        </p:nvSpPr>
+        <p:spPr>
+          <a:xfrm>
+            <a:off x="18488614" y="5767141"/>
+            <a:ext cx="66716" cy="72212"/>
+          </a:xfrm>
+          <a:prstGeom prst="ellipse">
+            <a:avLst/>
+          </a:prstGeom>
+          <a:solidFill>
+            <a:schemeClr val="tx1"/>
+          </a:solidFill>
+          <a:ln>
+            <a:solidFill>
+              <a:schemeClr val="tx1"/>
+            </a:solidFill>
+          </a:ln>
+        </p:spPr>
+        <p:style>
+          <a:lnRef idx="2">
+            <a:schemeClr val="accent1">
+              <a:shade val="50000"/>
+            </a:schemeClr>
+          </a:lnRef>
+          <a:fillRef idx="1">
+            <a:schemeClr val="accent1"/>
+          </a:fillRef>
+          <a:effectRef idx="0">
+            <a:schemeClr val="accent1"/>
+          </a:effectRef>
+          <a:fontRef idx="minor">
+            <a:schemeClr val="lt1"/>
+          </a:fontRef>
+        </p:style>
+        <p:txBody>
+          <a:bodyPr rtlCol="0" anchor="ctr"/>
+          <a:lstStyle/>
+          <a:p>
+            <a:pPr algn="ctr"/>
+            <a:endParaRPr lang="en-US"/>
+          </a:p>
+        </p:txBody>
+      </p:sp>
+      <p:sp>
+        <p:nvSpPr>
+          <p:cNvPr id="895" name="Rectangle 894">
+            <a:extLst>
+              <a:ext uri="{FF2B5EF4-FFF2-40B4-BE49-F238E27FC236}">
+                <a16:creationId xmlns:a16="http://schemas.microsoft.com/office/drawing/2014/main" id="{E803AFA9-EC97-4468-B909-CB8362376B1D}"/>
+              </a:ext>
+            </a:extLst>
+          </p:cNvPr>
+          <p:cNvSpPr/>
+          <p:nvPr/>
+        </p:nvSpPr>
+        <p:spPr>
+          <a:xfrm>
+            <a:off x="18301664" y="4553567"/>
+            <a:ext cx="453539" cy="1838960"/>
+          </a:xfrm>
+          <a:prstGeom prst="rect">
+            <a:avLst/>
+          </a:prstGeom>
+          <a:noFill/>
+          <a:ln>
+            <a:solidFill>
+              <a:schemeClr val="tx1"/>
+            </a:solidFill>
+          </a:ln>
+        </p:spPr>
+        <p:style>
+          <a:lnRef idx="2">
+            <a:schemeClr val="accent1">
+              <a:shade val="50000"/>
+            </a:schemeClr>
+          </a:lnRef>
+          <a:fillRef idx="1">
+            <a:schemeClr val="accent1"/>
+          </a:fillRef>
+          <a:effectRef idx="0">
+            <a:schemeClr val="accent1"/>
+          </a:effectRef>
+          <a:fontRef idx="minor">
+            <a:schemeClr val="lt1"/>
+          </a:fontRef>
+        </p:style>
+        <p:txBody>
+          <a:bodyPr rtlCol="0" anchor="ctr"/>
+          <a:lstStyle/>
+          <a:p>
+            <a:pPr algn="ctr"/>
+            <a:endParaRPr lang="en-US"/>
+          </a:p>
+        </p:txBody>
+      </p:sp>
+      <p:cxnSp>
+        <p:nvCxnSpPr>
+          <p:cNvPr id="898" name="Straight Connector 897">
+            <a:extLst>
+              <a:ext uri="{FF2B5EF4-FFF2-40B4-BE49-F238E27FC236}">
+                <a16:creationId xmlns:a16="http://schemas.microsoft.com/office/drawing/2014/main" id="{66DA0732-9BA8-43DA-BE4C-5E9A6A3EBE01}"/>
+              </a:ext>
+            </a:extLst>
+          </p:cNvPr>
+          <p:cNvCxnSpPr>
+            <a:cxnSpLocks/>
+            <a:stCxn id="895" idx="0"/>
+          </p:cNvCxnSpPr>
+          <p:nvPr/>
+        </p:nvCxnSpPr>
+        <p:spPr>
+          <a:xfrm flipH="1">
+            <a:off x="18515510" y="4553567"/>
+            <a:ext cx="12924" cy="1846906"/>
+          </a:xfrm>
+          <a:prstGeom prst="line">
+            <a:avLst/>
+          </a:prstGeom>
+          <a:ln w="63500">
+            <a:solidFill>
+              <a:schemeClr val="tx1"/>
+            </a:solidFill>
+          </a:ln>
+        </p:spPr>
+        <p:style>
+          <a:lnRef idx="1">
+            <a:schemeClr val="dk1"/>
+          </a:lnRef>
+          <a:fillRef idx="0">
+            <a:schemeClr val="dk1"/>
+          </a:fillRef>
+          <a:effectRef idx="0">
+            <a:schemeClr val="dk1"/>
+          </a:effectRef>
+          <a:fontRef idx="minor">
+            <a:schemeClr val="tx1"/>
+          </a:fontRef>
+        </p:style>
+      </p:cxnSp>
+      <p:cxnSp>
+        <p:nvCxnSpPr>
+          <p:cNvPr id="901" name="Straight Connector 900">
+            <a:extLst>
+              <a:ext uri="{FF2B5EF4-FFF2-40B4-BE49-F238E27FC236}">
+                <a16:creationId xmlns:a16="http://schemas.microsoft.com/office/drawing/2014/main" id="{A6B2F8A9-2512-4CA3-A61A-6EBA25F19E8E}"/>
+              </a:ext>
+            </a:extLst>
+          </p:cNvPr>
+          <p:cNvCxnSpPr>
+            <a:cxnSpLocks/>
+          </p:cNvCxnSpPr>
+          <p:nvPr/>
+        </p:nvCxnSpPr>
+        <p:spPr>
+          <a:xfrm>
+            <a:off x="18467908" y="5802182"/>
+            <a:ext cx="589901" cy="0"/>
+          </a:xfrm>
+          <a:prstGeom prst="line">
+            <a:avLst/>
+          </a:prstGeom>
+          <a:ln w="63500">
+            <a:solidFill>
+              <a:schemeClr val="tx1"/>
+            </a:solidFill>
+          </a:ln>
+        </p:spPr>
+        <p:style>
+          <a:lnRef idx="1">
+            <a:schemeClr val="dk1"/>
+          </a:lnRef>
+          <a:fillRef idx="0">
+            <a:schemeClr val="dk1"/>
+          </a:fillRef>
+          <a:effectRef idx="0">
+            <a:schemeClr val="dk1"/>
+          </a:effectRef>
+          <a:fontRef idx="minor">
+            <a:schemeClr val="tx1"/>
+          </a:fontRef>
+        </p:style>
+      </p:cxnSp>
+      <p:pic>
+        <p:nvPicPr>
+          <p:cNvPr id="866" name="Picture 12" descr="Single Pole Double Throw (SPDT) Switch Circuit">
+            <a:extLst>
+              <a:ext uri="{FF2B5EF4-FFF2-40B4-BE49-F238E27FC236}">
+                <a16:creationId xmlns:a16="http://schemas.microsoft.com/office/drawing/2014/main" id="{A1A01C74-A7A8-491D-981A-3720F515945A}"/>
+              </a:ext>
+            </a:extLst>
+          </p:cNvPr>
+          <p:cNvPicPr>
+            <a:picLocks noChangeAspect="1" noChangeArrowheads="1"/>
+          </p:cNvPicPr>
+          <p:nvPr/>
+        </p:nvPicPr>
+        <p:blipFill rotWithShape="1">
           <a:blip r:embed="rId4">
+            <a:extLst>
+              <a:ext uri="{28A0092B-C50C-407E-A947-70E740481C1C}">
+                <a14:useLocalDpi xmlns:a14="http://schemas.microsoft.com/office/drawing/2010/main" val="0"/>
+              </a:ext>
+            </a:extLst>
+          </a:blip>
+          <a:srcRect l="20259" t="39366" r="56707" b="47524"/>
+          <a:stretch/>
+        </p:blipFill>
+        <p:spPr bwMode="auto">
+          <a:xfrm>
+            <a:off x="267378" y="24040054"/>
+            <a:ext cx="871015" cy="399395"/>
+          </a:xfrm>
+          <a:prstGeom prst="rect">
+            <a:avLst/>
+          </a:prstGeom>
+          <a:noFill/>
+          <a:extLst>
+            <a:ext uri="{909E8E84-426E-40DD-AFC4-6F175D3DCCD1}">
+              <a14:hiddenFill xmlns:a14="http://schemas.microsoft.com/office/drawing/2010/main">
+                <a:solidFill>
+                  <a:srgbClr val="FFFFFF"/>
+                </a:solidFill>
+              </a14:hiddenFill>
+            </a:ext>
+          </a:extLst>
+        </p:spPr>
+      </p:pic>
+      <p:pic>
+        <p:nvPicPr>
+          <p:cNvPr id="907" name="Picture 4">
+            <a:extLst>
+              <a:ext uri="{FF2B5EF4-FFF2-40B4-BE49-F238E27FC236}">
+                <a16:creationId xmlns:a16="http://schemas.microsoft.com/office/drawing/2014/main" id="{A43D081F-367B-4D45-80BE-4ADB9520141E}"/>
+              </a:ext>
+            </a:extLst>
+          </p:cNvPr>
+          <p:cNvPicPr>
+            <a:picLocks noChangeAspect="1" noChangeArrowheads="1"/>
+          </p:cNvPicPr>
+          <p:nvPr/>
+        </p:nvPicPr>
+        <p:blipFill rotWithShape="1">
+          <a:blip r:embed="rId5">
             <a:clrChange>
               <a:clrFrom>
                 <a:srgbClr val="FFFFFF"/>
@@ -3620,7 +3665,7 @@
           <p:nvPr/>
         </p:nvPicPr>
         <p:blipFill rotWithShape="1">
-          <a:blip r:embed="rId4">
+          <a:blip r:embed="rId5">
             <a:clrChange>
               <a:clrFrom>
                 <a:srgbClr val="FFFFFF"/>
@@ -22984,12 +23029,463 @@
           </a:fontRef>
         </p:style>
       </p:cxnSp>
+      <p:sp>
+        <p:nvSpPr>
+          <p:cNvPr id="1273" name="Rectangle 1272">
+            <a:extLst>
+              <a:ext uri="{FF2B5EF4-FFF2-40B4-BE49-F238E27FC236}">
+                <a16:creationId xmlns:a16="http://schemas.microsoft.com/office/drawing/2014/main" id="{33A370F2-C3E5-489C-8457-9377998AE9B9}"/>
+              </a:ext>
+            </a:extLst>
+          </p:cNvPr>
+          <p:cNvSpPr/>
+          <p:nvPr/>
+        </p:nvSpPr>
+        <p:spPr>
+          <a:xfrm>
+            <a:off x="25697188" y="1217758"/>
+            <a:ext cx="1622756" cy="1838960"/>
+          </a:xfrm>
+          <a:prstGeom prst="rect">
+            <a:avLst/>
+          </a:prstGeom>
+          <a:noFill/>
+          <a:ln>
+            <a:solidFill>
+              <a:schemeClr val="tx1"/>
+            </a:solidFill>
+          </a:ln>
+        </p:spPr>
+        <p:style>
+          <a:lnRef idx="2">
+            <a:schemeClr val="accent1">
+              <a:shade val="50000"/>
+            </a:schemeClr>
+          </a:lnRef>
+          <a:fillRef idx="1">
+            <a:schemeClr val="accent1"/>
+          </a:fillRef>
+          <a:effectRef idx="0">
+            <a:schemeClr val="accent1"/>
+          </a:effectRef>
+          <a:fontRef idx="minor">
+            <a:schemeClr val="lt1"/>
+          </a:fontRef>
+        </p:style>
+        <p:txBody>
+          <a:bodyPr rtlCol="0" anchor="ctr"/>
+          <a:lstStyle/>
+          <a:p>
+            <a:pPr algn="ctr"/>
+            <a:endParaRPr lang="en-US"/>
+          </a:p>
+        </p:txBody>
+      </p:sp>
+      <p:sp>
+        <p:nvSpPr>
+          <p:cNvPr id="1274" name="TextBox 1273">
+            <a:extLst>
+              <a:ext uri="{FF2B5EF4-FFF2-40B4-BE49-F238E27FC236}">
+                <a16:creationId xmlns:a16="http://schemas.microsoft.com/office/drawing/2014/main" id="{5B0940B6-6C44-491D-A588-5256476D55FA}"/>
+              </a:ext>
+            </a:extLst>
+          </p:cNvPr>
+          <p:cNvSpPr txBox="1"/>
+          <p:nvPr/>
+        </p:nvSpPr>
+        <p:spPr>
+          <a:xfrm>
+            <a:off x="25653678" y="638357"/>
+            <a:ext cx="1441026" cy="646331"/>
+          </a:xfrm>
+          <a:prstGeom prst="rect">
+            <a:avLst/>
+          </a:prstGeom>
+          <a:noFill/>
+        </p:spPr>
+        <p:txBody>
+          <a:bodyPr wrap="square" rtlCol="0">
+            <a:spAutoFit/>
+          </a:bodyPr>
+          <a:lstStyle/>
+          <a:p>
+            <a:r>
+              <a:rPr lang="en-US" dirty="0"/>
+              <a:t>Emergency </a:t>
+            </a:r>
+          </a:p>
+          <a:p>
+            <a:r>
+              <a:rPr lang="en-US" dirty="0"/>
+              <a:t>Stop Switch</a:t>
+            </a:r>
+          </a:p>
+        </p:txBody>
+      </p:sp>
+      <p:sp>
+        <p:nvSpPr>
+          <p:cNvPr id="1276" name="TextBox 1275">
+            <a:extLst>
+              <a:ext uri="{FF2B5EF4-FFF2-40B4-BE49-F238E27FC236}">
+                <a16:creationId xmlns:a16="http://schemas.microsoft.com/office/drawing/2014/main" id="{FC770CFE-27CD-47E8-82F3-7AAEFB3F3F43}"/>
+              </a:ext>
+            </a:extLst>
+          </p:cNvPr>
+          <p:cNvSpPr txBox="1"/>
+          <p:nvPr/>
+        </p:nvSpPr>
+        <p:spPr>
+          <a:xfrm>
+            <a:off x="25690681" y="1214722"/>
+            <a:ext cx="486030" cy="923330"/>
+          </a:xfrm>
+          <a:prstGeom prst="rect">
+            <a:avLst/>
+          </a:prstGeom>
+          <a:noFill/>
+        </p:spPr>
+        <p:txBody>
+          <a:bodyPr wrap="none" rtlCol="0">
+            <a:spAutoFit/>
+          </a:bodyPr>
+          <a:lstStyle/>
+          <a:p>
+            <a:r>
+              <a:rPr lang="en-US" dirty="0"/>
+              <a:t>NC</a:t>
+            </a:r>
+          </a:p>
+          <a:p>
+            <a:r>
+              <a:rPr lang="en-US" dirty="0"/>
+              <a:t>C</a:t>
+            </a:r>
+          </a:p>
+          <a:p>
+            <a:r>
+              <a:rPr lang="en-US" dirty="0"/>
+              <a:t>NO</a:t>
+            </a:r>
+          </a:p>
+        </p:txBody>
+      </p:sp>
+      <p:sp>
+        <p:nvSpPr>
+          <p:cNvPr id="1277" name="TextBox 1276">
+            <a:extLst>
+              <a:ext uri="{FF2B5EF4-FFF2-40B4-BE49-F238E27FC236}">
+                <a16:creationId xmlns:a16="http://schemas.microsoft.com/office/drawing/2014/main" id="{9F8BC762-2403-4F0F-860C-F604498BF544}"/>
+              </a:ext>
+            </a:extLst>
+          </p:cNvPr>
+          <p:cNvSpPr txBox="1"/>
+          <p:nvPr/>
+        </p:nvSpPr>
+        <p:spPr>
+          <a:xfrm>
+            <a:off x="25671858" y="2393698"/>
+            <a:ext cx="998991" cy="646331"/>
+          </a:xfrm>
+          <a:prstGeom prst="rect">
+            <a:avLst/>
+          </a:prstGeom>
+          <a:noFill/>
+        </p:spPr>
+        <p:txBody>
+          <a:bodyPr wrap="none" rtlCol="0">
+            <a:spAutoFit/>
+          </a:bodyPr>
+          <a:lstStyle/>
+          <a:p>
+            <a:r>
+              <a:rPr lang="en-US" dirty="0"/>
+              <a:t>Lamp +V</a:t>
+            </a:r>
+          </a:p>
+          <a:p>
+            <a:r>
+              <a:rPr lang="en-US" dirty="0"/>
+              <a:t>Gnd</a:t>
+            </a:r>
+          </a:p>
+        </p:txBody>
+      </p:sp>
+      <p:sp>
+        <p:nvSpPr>
+          <p:cNvPr id="1279" name="Oval 1278">
+            <a:extLst>
+              <a:ext uri="{FF2B5EF4-FFF2-40B4-BE49-F238E27FC236}">
+                <a16:creationId xmlns:a16="http://schemas.microsoft.com/office/drawing/2014/main" id="{13AED657-02EE-4B3A-8467-3D1B9C7315D4}"/>
+              </a:ext>
+            </a:extLst>
+          </p:cNvPr>
+          <p:cNvSpPr/>
+          <p:nvPr/>
+        </p:nvSpPr>
+        <p:spPr>
+          <a:xfrm>
+            <a:off x="27296628" y="1604176"/>
+            <a:ext cx="66716" cy="72212"/>
+          </a:xfrm>
+          <a:prstGeom prst="ellipse">
+            <a:avLst/>
+          </a:prstGeom>
+          <a:solidFill>
+            <a:schemeClr val="tx1"/>
+          </a:solidFill>
+          <a:ln>
+            <a:solidFill>
+              <a:schemeClr val="tx1"/>
+            </a:solidFill>
+          </a:ln>
+        </p:spPr>
+        <p:style>
+          <a:lnRef idx="2">
+            <a:schemeClr val="accent1">
+              <a:shade val="50000"/>
+            </a:schemeClr>
+          </a:lnRef>
+          <a:fillRef idx="1">
+            <a:schemeClr val="accent1"/>
+          </a:fillRef>
+          <a:effectRef idx="0">
+            <a:schemeClr val="accent1"/>
+          </a:effectRef>
+          <a:fontRef idx="minor">
+            <a:schemeClr val="lt1"/>
+          </a:fontRef>
+        </p:style>
+        <p:txBody>
+          <a:bodyPr rtlCol="0" anchor="ctr"/>
+          <a:lstStyle/>
+          <a:p>
+            <a:pPr algn="ctr"/>
+            <a:endParaRPr lang="en-US"/>
+          </a:p>
+        </p:txBody>
+      </p:sp>
+      <p:sp>
+        <p:nvSpPr>
+          <p:cNvPr id="1280" name="Oval 1279">
+            <a:extLst>
+              <a:ext uri="{FF2B5EF4-FFF2-40B4-BE49-F238E27FC236}">
+                <a16:creationId xmlns:a16="http://schemas.microsoft.com/office/drawing/2014/main" id="{000C11DA-EBC3-4BB8-BE5C-66F2C2E13EDB}"/>
+              </a:ext>
+            </a:extLst>
+          </p:cNvPr>
+          <p:cNvSpPr/>
+          <p:nvPr/>
+        </p:nvSpPr>
+        <p:spPr>
+          <a:xfrm>
+            <a:off x="27296628" y="2775977"/>
+            <a:ext cx="66716" cy="72212"/>
+          </a:xfrm>
+          <a:prstGeom prst="ellipse">
+            <a:avLst/>
+          </a:prstGeom>
+          <a:solidFill>
+            <a:schemeClr val="tx1"/>
+          </a:solidFill>
+          <a:ln>
+            <a:solidFill>
+              <a:schemeClr val="tx1"/>
+            </a:solidFill>
+          </a:ln>
+        </p:spPr>
+        <p:style>
+          <a:lnRef idx="2">
+            <a:schemeClr val="accent1">
+              <a:shade val="50000"/>
+            </a:schemeClr>
+          </a:lnRef>
+          <a:fillRef idx="1">
+            <a:schemeClr val="accent1"/>
+          </a:fillRef>
+          <a:effectRef idx="0">
+            <a:schemeClr val="accent1"/>
+          </a:effectRef>
+          <a:fontRef idx="minor">
+            <a:schemeClr val="lt1"/>
+          </a:fontRef>
+        </p:style>
+        <p:txBody>
+          <a:bodyPr rtlCol="0" anchor="ctr"/>
+          <a:lstStyle/>
+          <a:p>
+            <a:pPr algn="ctr"/>
+            <a:endParaRPr lang="en-US"/>
+          </a:p>
+        </p:txBody>
+      </p:sp>
+      <p:sp>
+        <p:nvSpPr>
+          <p:cNvPr id="1281" name="Oval 1280">
+            <a:extLst>
+              <a:ext uri="{FF2B5EF4-FFF2-40B4-BE49-F238E27FC236}">
+                <a16:creationId xmlns:a16="http://schemas.microsoft.com/office/drawing/2014/main" id="{C6E9777D-1B69-4569-990E-7F21F7FBE000}"/>
+              </a:ext>
+            </a:extLst>
+          </p:cNvPr>
+          <p:cNvSpPr/>
+          <p:nvPr/>
+        </p:nvSpPr>
+        <p:spPr>
+          <a:xfrm>
+            <a:off x="27296628" y="2528712"/>
+            <a:ext cx="66716" cy="72212"/>
+          </a:xfrm>
+          <a:prstGeom prst="ellipse">
+            <a:avLst/>
+          </a:prstGeom>
+          <a:solidFill>
+            <a:schemeClr val="tx1"/>
+          </a:solidFill>
+          <a:ln>
+            <a:solidFill>
+              <a:schemeClr val="tx1"/>
+            </a:solidFill>
+          </a:ln>
+        </p:spPr>
+        <p:style>
+          <a:lnRef idx="2">
+            <a:schemeClr val="accent1">
+              <a:shade val="50000"/>
+            </a:schemeClr>
+          </a:lnRef>
+          <a:fillRef idx="1">
+            <a:schemeClr val="accent1"/>
+          </a:fillRef>
+          <a:effectRef idx="0">
+            <a:schemeClr val="accent1"/>
+          </a:effectRef>
+          <a:fontRef idx="minor">
+            <a:schemeClr val="lt1"/>
+          </a:fontRef>
+        </p:style>
+        <p:txBody>
+          <a:bodyPr rtlCol="0" anchor="ctr"/>
+          <a:lstStyle/>
+          <a:p>
+            <a:pPr algn="ctr"/>
+            <a:endParaRPr lang="en-US"/>
+          </a:p>
+        </p:txBody>
+      </p:sp>
+      <p:sp>
+        <p:nvSpPr>
+          <p:cNvPr id="1294" name="Oval 1293">
+            <a:extLst>
+              <a:ext uri="{FF2B5EF4-FFF2-40B4-BE49-F238E27FC236}">
+                <a16:creationId xmlns:a16="http://schemas.microsoft.com/office/drawing/2014/main" id="{91E436DC-CAB8-4E30-930F-FBA191757397}"/>
+              </a:ext>
+            </a:extLst>
+          </p:cNvPr>
+          <p:cNvSpPr/>
+          <p:nvPr/>
+        </p:nvSpPr>
+        <p:spPr>
+          <a:xfrm>
+            <a:off x="27283469" y="1310900"/>
+            <a:ext cx="66716" cy="72212"/>
+          </a:xfrm>
+          <a:prstGeom prst="ellipse">
+            <a:avLst/>
+          </a:prstGeom>
+          <a:solidFill>
+            <a:schemeClr val="tx1"/>
+          </a:solidFill>
+          <a:ln>
+            <a:solidFill>
+              <a:schemeClr val="tx1"/>
+            </a:solidFill>
+          </a:ln>
+        </p:spPr>
+        <p:style>
+          <a:lnRef idx="2">
+            <a:schemeClr val="accent1">
+              <a:shade val="50000"/>
+            </a:schemeClr>
+          </a:lnRef>
+          <a:fillRef idx="1">
+            <a:schemeClr val="accent1"/>
+          </a:fillRef>
+          <a:effectRef idx="0">
+            <a:schemeClr val="accent1"/>
+          </a:effectRef>
+          <a:fontRef idx="minor">
+            <a:schemeClr val="lt1"/>
+          </a:fontRef>
+        </p:style>
+        <p:txBody>
+          <a:bodyPr rtlCol="0" anchor="ctr"/>
+          <a:lstStyle/>
+          <a:p>
+            <a:pPr algn="ctr"/>
+            <a:endParaRPr lang="en-US"/>
+          </a:p>
+        </p:txBody>
+      </p:sp>
+      <p:sp>
+        <p:nvSpPr>
+          <p:cNvPr id="1295" name="Oval 1294">
+            <a:extLst>
+              <a:ext uri="{FF2B5EF4-FFF2-40B4-BE49-F238E27FC236}">
+                <a16:creationId xmlns:a16="http://schemas.microsoft.com/office/drawing/2014/main" id="{DFC8130A-3348-487D-B156-673F09586732}"/>
+              </a:ext>
+            </a:extLst>
+          </p:cNvPr>
+          <p:cNvSpPr/>
+          <p:nvPr/>
+        </p:nvSpPr>
+        <p:spPr>
+          <a:xfrm>
+            <a:off x="27296736" y="1891248"/>
+            <a:ext cx="66716" cy="72212"/>
+          </a:xfrm>
+          <a:prstGeom prst="ellipse">
+            <a:avLst/>
+          </a:prstGeom>
+          <a:solidFill>
+            <a:schemeClr val="tx1"/>
+          </a:solidFill>
+          <a:ln>
+            <a:solidFill>
+              <a:schemeClr val="tx1"/>
+            </a:solidFill>
+          </a:ln>
+        </p:spPr>
+        <p:style>
+          <a:lnRef idx="2">
+            <a:schemeClr val="accent1">
+              <a:shade val="50000"/>
+            </a:schemeClr>
+          </a:lnRef>
+          <a:fillRef idx="1">
+            <a:schemeClr val="accent1"/>
+          </a:fillRef>
+          <a:effectRef idx="0">
+            <a:schemeClr val="accent1"/>
+          </a:effectRef>
+          <a:fontRef idx="minor">
+            <a:schemeClr val="lt1"/>
+          </a:fontRef>
+        </p:style>
+        <p:txBody>
+          <a:bodyPr rtlCol="0" anchor="ctr"/>
+          <a:lstStyle/>
+          <a:p>
+            <a:pPr algn="ctr"/>
+            <a:endParaRPr lang="en-US"/>
+          </a:p>
+        </p:txBody>
+      </p:sp>
       <p:pic>
         <p:nvPicPr>
-          <p:cNvPr id="1268" name="Picture 2">
-            <a:extLst>
-              <a:ext uri="{FF2B5EF4-FFF2-40B4-BE49-F238E27FC236}">
-                <a16:creationId xmlns:a16="http://schemas.microsoft.com/office/drawing/2014/main" id="{B578FF8F-3609-46F9-8942-574A86363ED2}"/>
+          <p:cNvPr id="1298" name="Picture 8" descr="An image showing the electronic symbol for voltage source, current source, battery, resistive light (lamp), resistor, switch, diode, and LED">
+            <a:extLst>
+              <a:ext uri="{FF2B5EF4-FFF2-40B4-BE49-F238E27FC236}">
+                <a16:creationId xmlns:a16="http://schemas.microsoft.com/office/drawing/2014/main" id="{D9EC9323-9AFF-4847-92C3-399AD4814F7D}"/>
               </a:ext>
             </a:extLst>
           </p:cNvPr>
@@ -22999,20 +23495,20 @@
           <p:nvPr/>
         </p:nvPicPr>
         <p:blipFill rotWithShape="1">
-          <a:blip r:embed="rId5">
+          <a:blip r:embed="rId6">
             <a:extLst>
               <a:ext uri="{28A0092B-C50C-407E-A947-70E740481C1C}">
                 <a14:useLocalDpi xmlns:a14="http://schemas.microsoft.com/office/drawing/2010/main" val="0"/>
               </a:ext>
             </a:extLst>
           </a:blip>
-          <a:srcRect l="13788" t="6743" r="18084" b="23476"/>
+          <a:srcRect l="88112" t="29774" b="26287"/>
           <a:stretch/>
         </p:blipFill>
         <p:spPr bwMode="auto">
-          <a:xfrm rot="5400000">
-            <a:off x="21322756" y="22846465"/>
-            <a:ext cx="13825244" cy="8530367"/>
+          <a:xfrm>
+            <a:off x="26658177" y="2447359"/>
+            <a:ext cx="474199" cy="466335"/>
           </a:xfrm>
           <a:prstGeom prst="rect">
             <a:avLst/>
@@ -23029,463 +23525,96 @@
           </a:extLst>
         </p:spPr>
       </p:pic>
-      <p:sp>
-        <p:nvSpPr>
-          <p:cNvPr id="1273" name="Rectangle 1272">
-            <a:extLst>
-              <a:ext uri="{FF2B5EF4-FFF2-40B4-BE49-F238E27FC236}">
-                <a16:creationId xmlns:a16="http://schemas.microsoft.com/office/drawing/2014/main" id="{33A370F2-C3E5-489C-8457-9377998AE9B9}"/>
-              </a:ext>
-            </a:extLst>
-          </p:cNvPr>
-          <p:cNvSpPr/>
-          <p:nvPr/>
-        </p:nvSpPr>
-        <p:spPr>
-          <a:xfrm>
-            <a:off x="25697188" y="1217758"/>
-            <a:ext cx="1622756" cy="1838960"/>
-          </a:xfrm>
-          <a:prstGeom prst="rect">
-            <a:avLst/>
-          </a:prstGeom>
-          <a:noFill/>
-          <a:ln>
-            <a:solidFill>
-              <a:schemeClr val="tx1"/>
-            </a:solidFill>
-          </a:ln>
-        </p:spPr>
-        <p:style>
-          <a:lnRef idx="2">
-            <a:schemeClr val="accent1">
-              <a:shade val="50000"/>
-            </a:schemeClr>
-          </a:lnRef>
-          <a:fillRef idx="1">
-            <a:schemeClr val="accent1"/>
-          </a:fillRef>
-          <a:effectRef idx="0">
-            <a:schemeClr val="accent1"/>
-          </a:effectRef>
-          <a:fontRef idx="minor">
-            <a:schemeClr val="lt1"/>
-          </a:fontRef>
-        </p:style>
-        <p:txBody>
-          <a:bodyPr rtlCol="0" anchor="ctr"/>
-          <a:lstStyle/>
-          <a:p>
-            <a:pPr algn="ctr"/>
-            <a:endParaRPr lang="en-US"/>
-          </a:p>
-        </p:txBody>
-      </p:sp>
-      <p:sp>
-        <p:nvSpPr>
-          <p:cNvPr id="1274" name="TextBox 1273">
-            <a:extLst>
-              <a:ext uri="{FF2B5EF4-FFF2-40B4-BE49-F238E27FC236}">
-                <a16:creationId xmlns:a16="http://schemas.microsoft.com/office/drawing/2014/main" id="{5B0940B6-6C44-491D-A588-5256476D55FA}"/>
-              </a:ext>
-            </a:extLst>
-          </p:cNvPr>
-          <p:cNvSpPr txBox="1"/>
-          <p:nvPr/>
-        </p:nvSpPr>
-        <p:spPr>
-          <a:xfrm>
-            <a:off x="25653678" y="638357"/>
-            <a:ext cx="1441026" cy="646331"/>
-          </a:xfrm>
-          <a:prstGeom prst="rect">
-            <a:avLst/>
-          </a:prstGeom>
-          <a:noFill/>
-        </p:spPr>
-        <p:txBody>
-          <a:bodyPr wrap="square" rtlCol="0">
-            <a:spAutoFit/>
-          </a:bodyPr>
-          <a:lstStyle/>
-          <a:p>
-            <a:r>
-              <a:rPr lang="en-US" dirty="0"/>
-              <a:t>Emergency </a:t>
-            </a:r>
-          </a:p>
-          <a:p>
-            <a:r>
-              <a:rPr lang="en-US" dirty="0"/>
-              <a:t>Stop Switch</a:t>
-            </a:r>
-          </a:p>
-        </p:txBody>
-      </p:sp>
-      <p:sp>
-        <p:nvSpPr>
-          <p:cNvPr id="1276" name="TextBox 1275">
-            <a:extLst>
-              <a:ext uri="{FF2B5EF4-FFF2-40B4-BE49-F238E27FC236}">
-                <a16:creationId xmlns:a16="http://schemas.microsoft.com/office/drawing/2014/main" id="{FC770CFE-27CD-47E8-82F3-7AAEFB3F3F43}"/>
-              </a:ext>
-            </a:extLst>
-          </p:cNvPr>
-          <p:cNvSpPr txBox="1"/>
-          <p:nvPr/>
-        </p:nvSpPr>
-        <p:spPr>
-          <a:xfrm>
-            <a:off x="25690681" y="1214722"/>
-            <a:ext cx="486030" cy="923330"/>
-          </a:xfrm>
-          <a:prstGeom prst="rect">
-            <a:avLst/>
-          </a:prstGeom>
-          <a:noFill/>
-        </p:spPr>
-        <p:txBody>
-          <a:bodyPr wrap="none" rtlCol="0">
-            <a:spAutoFit/>
-          </a:bodyPr>
-          <a:lstStyle/>
-          <a:p>
-            <a:r>
-              <a:rPr lang="en-US" dirty="0"/>
-              <a:t>NC</a:t>
-            </a:r>
-          </a:p>
-          <a:p>
-            <a:r>
-              <a:rPr lang="en-US" dirty="0"/>
-              <a:t>C</a:t>
-            </a:r>
-          </a:p>
-          <a:p>
-            <a:r>
-              <a:rPr lang="en-US" dirty="0"/>
-              <a:t>NO</a:t>
-            </a:r>
-          </a:p>
-        </p:txBody>
-      </p:sp>
-      <p:sp>
-        <p:nvSpPr>
-          <p:cNvPr id="1277" name="TextBox 1276">
-            <a:extLst>
-              <a:ext uri="{FF2B5EF4-FFF2-40B4-BE49-F238E27FC236}">
-                <a16:creationId xmlns:a16="http://schemas.microsoft.com/office/drawing/2014/main" id="{9F8BC762-2403-4F0F-860C-F604498BF544}"/>
-              </a:ext>
-            </a:extLst>
-          </p:cNvPr>
-          <p:cNvSpPr txBox="1"/>
-          <p:nvPr/>
-        </p:nvSpPr>
-        <p:spPr>
-          <a:xfrm>
-            <a:off x="25671858" y="2393698"/>
-            <a:ext cx="998991" cy="646331"/>
-          </a:xfrm>
-          <a:prstGeom prst="rect">
-            <a:avLst/>
-          </a:prstGeom>
-          <a:noFill/>
-        </p:spPr>
-        <p:txBody>
-          <a:bodyPr wrap="none" rtlCol="0">
-            <a:spAutoFit/>
-          </a:bodyPr>
-          <a:lstStyle/>
-          <a:p>
-            <a:r>
-              <a:rPr lang="en-US" dirty="0"/>
-              <a:t>Lamp +V</a:t>
-            </a:r>
-          </a:p>
-          <a:p>
-            <a:r>
-              <a:rPr lang="en-US" dirty="0"/>
-              <a:t>Gnd</a:t>
-            </a:r>
-          </a:p>
-        </p:txBody>
-      </p:sp>
-      <p:sp>
-        <p:nvSpPr>
-          <p:cNvPr id="1279" name="Oval 1278">
-            <a:extLst>
-              <a:ext uri="{FF2B5EF4-FFF2-40B4-BE49-F238E27FC236}">
-                <a16:creationId xmlns:a16="http://schemas.microsoft.com/office/drawing/2014/main" id="{13AED657-02EE-4B3A-8467-3D1B9C7315D4}"/>
-              </a:ext>
-            </a:extLst>
-          </p:cNvPr>
-          <p:cNvSpPr/>
-          <p:nvPr/>
-        </p:nvSpPr>
-        <p:spPr>
-          <a:xfrm>
-            <a:off x="27296628" y="1604176"/>
-            <a:ext cx="66716" cy="72212"/>
-          </a:xfrm>
-          <a:prstGeom prst="ellipse">
-            <a:avLst/>
-          </a:prstGeom>
-          <a:solidFill>
-            <a:schemeClr val="tx1"/>
-          </a:solidFill>
-          <a:ln>
-            <a:solidFill>
-              <a:schemeClr val="tx1"/>
-            </a:solidFill>
-          </a:ln>
-        </p:spPr>
-        <p:style>
-          <a:lnRef idx="2">
-            <a:schemeClr val="accent1">
-              <a:shade val="50000"/>
-            </a:schemeClr>
-          </a:lnRef>
-          <a:fillRef idx="1">
-            <a:schemeClr val="accent1"/>
-          </a:fillRef>
-          <a:effectRef idx="0">
-            <a:schemeClr val="accent1"/>
-          </a:effectRef>
-          <a:fontRef idx="minor">
-            <a:schemeClr val="lt1"/>
-          </a:fontRef>
-        </p:style>
-        <p:txBody>
-          <a:bodyPr rtlCol="0" anchor="ctr"/>
-          <a:lstStyle/>
-          <a:p>
-            <a:pPr algn="ctr"/>
-            <a:endParaRPr lang="en-US"/>
-          </a:p>
-        </p:txBody>
-      </p:sp>
-      <p:sp>
-        <p:nvSpPr>
-          <p:cNvPr id="1280" name="Oval 1279">
-            <a:extLst>
-              <a:ext uri="{FF2B5EF4-FFF2-40B4-BE49-F238E27FC236}">
-                <a16:creationId xmlns:a16="http://schemas.microsoft.com/office/drawing/2014/main" id="{000C11DA-EBC3-4BB8-BE5C-66F2C2E13EDB}"/>
-              </a:ext>
-            </a:extLst>
-          </p:cNvPr>
-          <p:cNvSpPr/>
-          <p:nvPr/>
-        </p:nvSpPr>
-        <p:spPr>
-          <a:xfrm>
-            <a:off x="27296628" y="2775977"/>
-            <a:ext cx="66716" cy="72212"/>
-          </a:xfrm>
-          <a:prstGeom prst="ellipse">
-            <a:avLst/>
-          </a:prstGeom>
-          <a:solidFill>
-            <a:schemeClr val="tx1"/>
-          </a:solidFill>
-          <a:ln>
-            <a:solidFill>
-              <a:schemeClr val="tx1"/>
-            </a:solidFill>
-          </a:ln>
-        </p:spPr>
-        <p:style>
-          <a:lnRef idx="2">
-            <a:schemeClr val="accent1">
-              <a:shade val="50000"/>
-            </a:schemeClr>
-          </a:lnRef>
-          <a:fillRef idx="1">
-            <a:schemeClr val="accent1"/>
-          </a:fillRef>
-          <a:effectRef idx="0">
-            <a:schemeClr val="accent1"/>
-          </a:effectRef>
-          <a:fontRef idx="minor">
-            <a:schemeClr val="lt1"/>
-          </a:fontRef>
-        </p:style>
-        <p:txBody>
-          <a:bodyPr rtlCol="0" anchor="ctr"/>
-          <a:lstStyle/>
-          <a:p>
-            <a:pPr algn="ctr"/>
-            <a:endParaRPr lang="en-US"/>
-          </a:p>
-        </p:txBody>
-      </p:sp>
-      <p:sp>
-        <p:nvSpPr>
-          <p:cNvPr id="1281" name="Oval 1280">
-            <a:extLst>
-              <a:ext uri="{FF2B5EF4-FFF2-40B4-BE49-F238E27FC236}">
-                <a16:creationId xmlns:a16="http://schemas.microsoft.com/office/drawing/2014/main" id="{C6E9777D-1B69-4569-990E-7F21F7FBE000}"/>
-              </a:ext>
-            </a:extLst>
-          </p:cNvPr>
-          <p:cNvSpPr/>
-          <p:nvPr/>
-        </p:nvSpPr>
-        <p:spPr>
-          <a:xfrm>
-            <a:off x="27296628" y="2528712"/>
-            <a:ext cx="66716" cy="72212"/>
-          </a:xfrm>
-          <a:prstGeom prst="ellipse">
-            <a:avLst/>
-          </a:prstGeom>
-          <a:solidFill>
-            <a:schemeClr val="tx1"/>
-          </a:solidFill>
-          <a:ln>
-            <a:solidFill>
-              <a:schemeClr val="tx1"/>
-            </a:solidFill>
-          </a:ln>
-        </p:spPr>
-        <p:style>
-          <a:lnRef idx="2">
-            <a:schemeClr val="accent1">
-              <a:shade val="50000"/>
-            </a:schemeClr>
-          </a:lnRef>
-          <a:fillRef idx="1">
-            <a:schemeClr val="accent1"/>
-          </a:fillRef>
-          <a:effectRef idx="0">
-            <a:schemeClr val="accent1"/>
-          </a:effectRef>
-          <a:fontRef idx="minor">
-            <a:schemeClr val="lt1"/>
-          </a:fontRef>
-        </p:style>
-        <p:txBody>
-          <a:bodyPr rtlCol="0" anchor="ctr"/>
-          <a:lstStyle/>
-          <a:p>
-            <a:pPr algn="ctr"/>
-            <a:endParaRPr lang="en-US"/>
-          </a:p>
-        </p:txBody>
-      </p:sp>
-      <p:sp>
-        <p:nvSpPr>
-          <p:cNvPr id="1294" name="Oval 1293">
-            <a:extLst>
-              <a:ext uri="{FF2B5EF4-FFF2-40B4-BE49-F238E27FC236}">
-                <a16:creationId xmlns:a16="http://schemas.microsoft.com/office/drawing/2014/main" id="{91E436DC-CAB8-4E30-930F-FBA191757397}"/>
-              </a:ext>
-            </a:extLst>
-          </p:cNvPr>
-          <p:cNvSpPr/>
-          <p:nvPr/>
-        </p:nvSpPr>
-        <p:spPr>
-          <a:xfrm>
-            <a:off x="27283469" y="1310900"/>
-            <a:ext cx="66716" cy="72212"/>
-          </a:xfrm>
-          <a:prstGeom prst="ellipse">
-            <a:avLst/>
-          </a:prstGeom>
-          <a:solidFill>
-            <a:schemeClr val="tx1"/>
-          </a:solidFill>
-          <a:ln>
-            <a:solidFill>
-              <a:schemeClr val="tx1"/>
-            </a:solidFill>
-          </a:ln>
-        </p:spPr>
-        <p:style>
-          <a:lnRef idx="2">
-            <a:schemeClr val="accent1">
-              <a:shade val="50000"/>
-            </a:schemeClr>
-          </a:lnRef>
-          <a:fillRef idx="1">
-            <a:schemeClr val="accent1"/>
-          </a:fillRef>
-          <a:effectRef idx="0">
-            <a:schemeClr val="accent1"/>
-          </a:effectRef>
-          <a:fontRef idx="minor">
-            <a:schemeClr val="lt1"/>
-          </a:fontRef>
-        </p:style>
-        <p:txBody>
-          <a:bodyPr rtlCol="0" anchor="ctr"/>
-          <a:lstStyle/>
-          <a:p>
-            <a:pPr algn="ctr"/>
-            <a:endParaRPr lang="en-US"/>
-          </a:p>
-        </p:txBody>
-      </p:sp>
-      <p:sp>
-        <p:nvSpPr>
-          <p:cNvPr id="1295" name="Oval 1294">
-            <a:extLst>
-              <a:ext uri="{FF2B5EF4-FFF2-40B4-BE49-F238E27FC236}">
-                <a16:creationId xmlns:a16="http://schemas.microsoft.com/office/drawing/2014/main" id="{DFC8130A-3348-487D-B156-673F09586732}"/>
-              </a:ext>
-            </a:extLst>
-          </p:cNvPr>
-          <p:cNvSpPr/>
-          <p:nvPr/>
-        </p:nvSpPr>
-        <p:spPr>
-          <a:xfrm>
-            <a:off x="27296736" y="1891248"/>
-            <a:ext cx="66716" cy="72212"/>
-          </a:xfrm>
-          <a:prstGeom prst="ellipse">
-            <a:avLst/>
-          </a:prstGeom>
-          <a:solidFill>
-            <a:schemeClr val="tx1"/>
-          </a:solidFill>
-          <a:ln>
-            <a:solidFill>
-              <a:schemeClr val="tx1"/>
-            </a:solidFill>
-          </a:ln>
-        </p:spPr>
-        <p:style>
-          <a:lnRef idx="2">
-            <a:schemeClr val="accent1">
-              <a:shade val="50000"/>
-            </a:schemeClr>
-          </a:lnRef>
-          <a:fillRef idx="1">
-            <a:schemeClr val="accent1"/>
-          </a:fillRef>
-          <a:effectRef idx="0">
-            <a:schemeClr val="accent1"/>
-          </a:effectRef>
-          <a:fontRef idx="minor">
-            <a:schemeClr val="lt1"/>
-          </a:fontRef>
-        </p:style>
-        <p:txBody>
-          <a:bodyPr rtlCol="0" anchor="ctr"/>
-          <a:lstStyle/>
-          <a:p>
-            <a:pPr algn="ctr"/>
-            <a:endParaRPr lang="en-US"/>
-          </a:p>
-        </p:txBody>
-      </p:sp>
+      <p:cxnSp>
+        <p:nvCxnSpPr>
+          <p:cNvPr id="1300" name="Connector: Elbow 1299">
+            <a:extLst>
+              <a:ext uri="{FF2B5EF4-FFF2-40B4-BE49-F238E27FC236}">
+                <a16:creationId xmlns:a16="http://schemas.microsoft.com/office/drawing/2014/main" id="{E56B5E58-D7D7-436C-B93D-1EC1D9420505}"/>
+              </a:ext>
+            </a:extLst>
+          </p:cNvPr>
+          <p:cNvCxnSpPr>
+            <a:cxnSpLocks/>
+            <a:stCxn id="1281" idx="2"/>
+          </p:cNvCxnSpPr>
+          <p:nvPr/>
+        </p:nvCxnSpPr>
+        <p:spPr>
+          <a:xfrm rot="10800000">
+            <a:off x="26882611" y="2447357"/>
+            <a:ext cx="414016" cy="117460"/>
+          </a:xfrm>
+          <a:prstGeom prst="bentConnector3">
+            <a:avLst>
+              <a:gd name="adj1" fmla="val 50000"/>
+            </a:avLst>
+          </a:prstGeom>
+          <a:ln w="15875"/>
+        </p:spPr>
+        <p:style>
+          <a:lnRef idx="1">
+            <a:schemeClr val="dk1"/>
+          </a:lnRef>
+          <a:fillRef idx="0">
+            <a:schemeClr val="dk1"/>
+          </a:fillRef>
+          <a:effectRef idx="0">
+            <a:schemeClr val="dk1"/>
+          </a:effectRef>
+          <a:fontRef idx="minor">
+            <a:schemeClr val="tx1"/>
+          </a:fontRef>
+        </p:style>
+      </p:cxnSp>
+      <p:cxnSp>
+        <p:nvCxnSpPr>
+          <p:cNvPr id="1307" name="Connector: Elbow 1306">
+            <a:extLst>
+              <a:ext uri="{FF2B5EF4-FFF2-40B4-BE49-F238E27FC236}">
+                <a16:creationId xmlns:a16="http://schemas.microsoft.com/office/drawing/2014/main" id="{7CDF0725-C70F-4AAF-A58B-D6B7D6B580AB}"/>
+              </a:ext>
+            </a:extLst>
+          </p:cNvPr>
+          <p:cNvCxnSpPr>
+            <a:cxnSpLocks/>
+            <a:stCxn id="1280" idx="2"/>
+          </p:cNvCxnSpPr>
+          <p:nvPr/>
+        </p:nvCxnSpPr>
+        <p:spPr>
+          <a:xfrm rot="10800000" flipV="1">
+            <a:off x="26882611" y="2812084"/>
+            <a:ext cx="414016" cy="96540"/>
+          </a:xfrm>
+          <a:prstGeom prst="bentConnector3">
+            <a:avLst>
+              <a:gd name="adj1" fmla="val 50000"/>
+            </a:avLst>
+          </a:prstGeom>
+          <a:ln w="15875"/>
+        </p:spPr>
+        <p:style>
+          <a:lnRef idx="1">
+            <a:schemeClr val="dk1"/>
+          </a:lnRef>
+          <a:fillRef idx="0">
+            <a:schemeClr val="dk1"/>
+          </a:fillRef>
+          <a:effectRef idx="0">
+            <a:schemeClr val="dk1"/>
+          </a:effectRef>
+          <a:fontRef idx="minor">
+            <a:schemeClr val="tx1"/>
+          </a:fontRef>
+        </p:style>
+      </p:cxnSp>
       <p:pic>
         <p:nvPicPr>
-          <p:cNvPr id="1298" name="Picture 8" descr="An image showing the electronic symbol for voltage source, current source, battery, resistive light (lamp), resistor, switch, diode, and LED">
-            <a:extLst>
-              <a:ext uri="{FF2B5EF4-FFF2-40B4-BE49-F238E27FC236}">
-                <a16:creationId xmlns:a16="http://schemas.microsoft.com/office/drawing/2014/main" id="{D9EC9323-9AFF-4847-92C3-399AD4814F7D}"/>
+          <p:cNvPr id="1311" name="Picture 12" descr="Single Pole Double Throw (SPDT) Switch Circuit">
+            <a:extLst>
+              <a:ext uri="{FF2B5EF4-FFF2-40B4-BE49-F238E27FC236}">
+                <a16:creationId xmlns:a16="http://schemas.microsoft.com/office/drawing/2014/main" id="{1329C9FE-1D71-48EE-B2AD-3F49B89E3F94}"/>
               </a:ext>
             </a:extLst>
           </p:cNvPr>
@@ -23495,20 +23624,20 @@
           <p:nvPr/>
         </p:nvPicPr>
         <p:blipFill rotWithShape="1">
-          <a:blip r:embed="rId6">
+          <a:blip r:embed="rId4">
             <a:extLst>
               <a:ext uri="{28A0092B-C50C-407E-A947-70E740481C1C}">
                 <a14:useLocalDpi xmlns:a14="http://schemas.microsoft.com/office/drawing/2010/main" val="0"/>
               </a:ext>
             </a:extLst>
           </a:blip>
-          <a:srcRect l="88112" t="29774" b="26287"/>
+          <a:srcRect l="20259" t="39366" r="56707" b="47524"/>
           <a:stretch/>
         </p:blipFill>
         <p:spPr bwMode="auto">
-          <a:xfrm>
-            <a:off x="26658177" y="2447359"/>
-            <a:ext cx="474199" cy="466335"/>
+          <a:xfrm flipH="1">
+            <a:off x="26294291" y="1440583"/>
+            <a:ext cx="871015" cy="399395"/>
           </a:xfrm>
           <a:prstGeom prst="rect">
             <a:avLst/>
@@ -23527,30 +23656,72 @@
       </p:pic>
       <p:cxnSp>
         <p:nvCxnSpPr>
-          <p:cNvPr id="1300" name="Connector: Elbow 1299">
-            <a:extLst>
-              <a:ext uri="{FF2B5EF4-FFF2-40B4-BE49-F238E27FC236}">
-                <a16:creationId xmlns:a16="http://schemas.microsoft.com/office/drawing/2014/main" id="{E56B5E58-D7D7-436C-B93D-1EC1D9420505}"/>
+          <p:cNvPr id="1313" name="Connector: Elbow 1312">
+            <a:extLst>
+              <a:ext uri="{FF2B5EF4-FFF2-40B4-BE49-F238E27FC236}">
+                <a16:creationId xmlns:a16="http://schemas.microsoft.com/office/drawing/2014/main" id="{71844241-D7C3-43E1-A0F1-DE3279F5BFBC}"/>
               </a:ext>
             </a:extLst>
           </p:cNvPr>
           <p:cNvCxnSpPr>
             <a:cxnSpLocks/>
-            <a:stCxn id="1281" idx="2"/>
+            <a:endCxn id="1294" idx="2"/>
           </p:cNvCxnSpPr>
           <p:nvPr/>
         </p:nvCxnSpPr>
         <p:spPr>
-          <a:xfrm rot="10800000">
-            <a:off x="26882611" y="2447357"/>
-            <a:ext cx="414016" cy="117460"/>
+          <a:xfrm flipV="1">
+            <a:off x="26294289" y="1347005"/>
+            <a:ext cx="989180" cy="137126"/>
+          </a:xfrm>
+          <a:prstGeom prst="bentConnector3">
+            <a:avLst>
+              <a:gd name="adj1" fmla="val 442"/>
+            </a:avLst>
+          </a:prstGeom>
+          <a:ln w="22225"/>
+        </p:spPr>
+        <p:style>
+          <a:lnRef idx="1">
+            <a:schemeClr val="dk1"/>
+          </a:lnRef>
+          <a:fillRef idx="0">
+            <a:schemeClr val="dk1"/>
+          </a:fillRef>
+          <a:effectRef idx="0">
+            <a:schemeClr val="dk1"/>
+          </a:effectRef>
+          <a:fontRef idx="minor">
+            <a:schemeClr val="tx1"/>
+          </a:fontRef>
+        </p:style>
+      </p:cxnSp>
+      <p:cxnSp>
+        <p:nvCxnSpPr>
+          <p:cNvPr id="1316" name="Connector: Elbow 1315">
+            <a:extLst>
+              <a:ext uri="{FF2B5EF4-FFF2-40B4-BE49-F238E27FC236}">
+                <a16:creationId xmlns:a16="http://schemas.microsoft.com/office/drawing/2014/main" id="{3AC8B5F4-D355-473E-892C-84033561A9CE}"/>
+              </a:ext>
+            </a:extLst>
+          </p:cNvPr>
+          <p:cNvCxnSpPr>
+            <a:cxnSpLocks/>
+            <a:endCxn id="1279" idx="2"/>
+          </p:cNvCxnSpPr>
+          <p:nvPr/>
+        </p:nvCxnSpPr>
+        <p:spPr>
+          <a:xfrm flipV="1">
+            <a:off x="27155477" y="1640283"/>
+            <a:ext cx="141150" cy="115451"/>
           </a:xfrm>
           <a:prstGeom prst="bentConnector3">
             <a:avLst>
               <a:gd name="adj1" fmla="val 50000"/>
             </a:avLst>
           </a:prstGeom>
-          <a:ln w="15875"/>
+          <a:ln w="25400"/>
         </p:spPr>
         <p:style>
           <a:lnRef idx="1">
@@ -23569,30 +23740,29 @@
       </p:cxnSp>
       <p:cxnSp>
         <p:nvCxnSpPr>
-          <p:cNvPr id="1307" name="Connector: Elbow 1306">
-            <a:extLst>
-              <a:ext uri="{FF2B5EF4-FFF2-40B4-BE49-F238E27FC236}">
-                <a16:creationId xmlns:a16="http://schemas.microsoft.com/office/drawing/2014/main" id="{7CDF0725-C70F-4AAF-A58B-D6B7D6B580AB}"/>
+          <p:cNvPr id="1319" name="Connector: Elbow 1318">
+            <a:extLst>
+              <a:ext uri="{FF2B5EF4-FFF2-40B4-BE49-F238E27FC236}">
+                <a16:creationId xmlns:a16="http://schemas.microsoft.com/office/drawing/2014/main" id="{E85B8CB5-F9EE-42C4-BEDF-1C64801ED3C9}"/>
               </a:ext>
             </a:extLst>
           </p:cNvPr>
           <p:cNvCxnSpPr>
             <a:cxnSpLocks/>
-            <a:stCxn id="1280" idx="2"/>
           </p:cNvCxnSpPr>
           <p:nvPr/>
         </p:nvCxnSpPr>
         <p:spPr>
-          <a:xfrm rot="10800000" flipV="1">
-            <a:off x="26882611" y="2812084"/>
-            <a:ext cx="414016" cy="96540"/>
+          <a:xfrm>
+            <a:off x="26294289" y="1771418"/>
+            <a:ext cx="1002338" cy="149917"/>
           </a:xfrm>
           <a:prstGeom prst="bentConnector3">
             <a:avLst>
-              <a:gd name="adj1" fmla="val 50000"/>
+              <a:gd name="adj1" fmla="val 839"/>
             </a:avLst>
           </a:prstGeom>
-          <a:ln w="15875"/>
+          <a:ln w="22225"/>
         </p:spPr>
         <p:style>
           <a:lnRef idx="1">
@@ -23609,12 +23779,457 @@
           </a:fontRef>
         </p:style>
       </p:cxnSp>
+      <p:sp>
+        <p:nvSpPr>
+          <p:cNvPr id="1322" name="Rectangle 1321">
+            <a:extLst>
+              <a:ext uri="{FF2B5EF4-FFF2-40B4-BE49-F238E27FC236}">
+                <a16:creationId xmlns:a16="http://schemas.microsoft.com/office/drawing/2014/main" id="{33429FF7-9771-4174-9290-F0A6940F41C5}"/>
+              </a:ext>
+            </a:extLst>
+          </p:cNvPr>
+          <p:cNvSpPr/>
+          <p:nvPr/>
+        </p:nvSpPr>
+        <p:spPr>
+          <a:xfrm>
+            <a:off x="25731096" y="5224534"/>
+            <a:ext cx="1622756" cy="2925133"/>
+          </a:xfrm>
+          <a:prstGeom prst="rect">
+            <a:avLst/>
+          </a:prstGeom>
+          <a:noFill/>
+          <a:ln>
+            <a:solidFill>
+              <a:schemeClr val="tx1"/>
+            </a:solidFill>
+          </a:ln>
+        </p:spPr>
+        <p:style>
+          <a:lnRef idx="2">
+            <a:schemeClr val="accent1">
+              <a:shade val="50000"/>
+            </a:schemeClr>
+          </a:lnRef>
+          <a:fillRef idx="1">
+            <a:schemeClr val="accent1"/>
+          </a:fillRef>
+          <a:effectRef idx="0">
+            <a:schemeClr val="accent1"/>
+          </a:effectRef>
+          <a:fontRef idx="minor">
+            <a:schemeClr val="lt1"/>
+          </a:fontRef>
+        </p:style>
+        <p:txBody>
+          <a:bodyPr rtlCol="0" anchor="ctr"/>
+          <a:lstStyle/>
+          <a:p>
+            <a:pPr algn="ctr"/>
+            <a:endParaRPr lang="en-US"/>
+          </a:p>
+        </p:txBody>
+      </p:sp>
+      <p:sp>
+        <p:nvSpPr>
+          <p:cNvPr id="1323" name="TextBox 1322">
+            <a:extLst>
+              <a:ext uri="{FF2B5EF4-FFF2-40B4-BE49-F238E27FC236}">
+                <a16:creationId xmlns:a16="http://schemas.microsoft.com/office/drawing/2014/main" id="{D73C0E1C-F28A-4C73-9B0F-7FB485281514}"/>
+              </a:ext>
+            </a:extLst>
+          </p:cNvPr>
+          <p:cNvSpPr txBox="1"/>
+          <p:nvPr/>
+        </p:nvSpPr>
+        <p:spPr>
+          <a:xfrm>
+            <a:off x="25687589" y="4645133"/>
+            <a:ext cx="1441026" cy="646331"/>
+          </a:xfrm>
+          <a:prstGeom prst="rect">
+            <a:avLst/>
+          </a:prstGeom>
+          <a:noFill/>
+        </p:spPr>
+        <p:txBody>
+          <a:bodyPr wrap="square" rtlCol="0">
+            <a:spAutoFit/>
+          </a:bodyPr>
+          <a:lstStyle/>
+          <a:p>
+            <a:r>
+              <a:rPr lang="en-US" dirty="0"/>
+              <a:t>Front Skirt</a:t>
+            </a:r>
+          </a:p>
+          <a:p>
+            <a:r>
+              <a:rPr lang="en-US" dirty="0"/>
+              <a:t>Power Switch</a:t>
+            </a:r>
+          </a:p>
+        </p:txBody>
+      </p:sp>
+      <p:sp>
+        <p:nvSpPr>
+          <p:cNvPr id="1324" name="TextBox 1323">
+            <a:extLst>
+              <a:ext uri="{FF2B5EF4-FFF2-40B4-BE49-F238E27FC236}">
+                <a16:creationId xmlns:a16="http://schemas.microsoft.com/office/drawing/2014/main" id="{22D1ABEF-6205-45FD-B61F-3E87A2E482D7}"/>
+              </a:ext>
+            </a:extLst>
+          </p:cNvPr>
+          <p:cNvSpPr txBox="1"/>
+          <p:nvPr/>
+        </p:nvSpPr>
+        <p:spPr>
+          <a:xfrm>
+            <a:off x="25724593" y="5221498"/>
+            <a:ext cx="486030" cy="923330"/>
+          </a:xfrm>
+          <a:prstGeom prst="rect">
+            <a:avLst/>
+          </a:prstGeom>
+          <a:noFill/>
+        </p:spPr>
+        <p:txBody>
+          <a:bodyPr wrap="none" rtlCol="0">
+            <a:spAutoFit/>
+          </a:bodyPr>
+          <a:lstStyle/>
+          <a:p>
+            <a:r>
+              <a:rPr lang="en-US" dirty="0"/>
+              <a:t>NC</a:t>
+            </a:r>
+          </a:p>
+          <a:p>
+            <a:r>
+              <a:rPr lang="en-US" dirty="0"/>
+              <a:t>C</a:t>
+            </a:r>
+          </a:p>
+          <a:p>
+            <a:r>
+              <a:rPr lang="en-US" dirty="0"/>
+              <a:t>NO</a:t>
+            </a:r>
+          </a:p>
+        </p:txBody>
+      </p:sp>
+      <p:sp>
+        <p:nvSpPr>
+          <p:cNvPr id="1325" name="TextBox 1324">
+            <a:extLst>
+              <a:ext uri="{FF2B5EF4-FFF2-40B4-BE49-F238E27FC236}">
+                <a16:creationId xmlns:a16="http://schemas.microsoft.com/office/drawing/2014/main" id="{DF68BCA3-2102-4B58-9ED6-593F2FA8BBAF}"/>
+              </a:ext>
+            </a:extLst>
+          </p:cNvPr>
+          <p:cNvSpPr txBox="1"/>
+          <p:nvPr/>
+        </p:nvSpPr>
+        <p:spPr>
+          <a:xfrm>
+            <a:off x="25663035" y="7728130"/>
+            <a:ext cx="926857" cy="307777"/>
+          </a:xfrm>
+          <a:prstGeom prst="rect">
+            <a:avLst/>
+          </a:prstGeom>
+          <a:noFill/>
+        </p:spPr>
+        <p:txBody>
+          <a:bodyPr wrap="none" rtlCol="0">
+            <a:spAutoFit/>
+          </a:bodyPr>
+          <a:lstStyle/>
+          <a:p>
+            <a:r>
+              <a:rPr lang="en-US" sz="1400" dirty="0"/>
+              <a:t>Lamp Gnd</a:t>
+            </a:r>
+          </a:p>
+        </p:txBody>
+      </p:sp>
+      <p:sp>
+        <p:nvSpPr>
+          <p:cNvPr id="1326" name="Oval 1325">
+            <a:extLst>
+              <a:ext uri="{FF2B5EF4-FFF2-40B4-BE49-F238E27FC236}">
+                <a16:creationId xmlns:a16="http://schemas.microsoft.com/office/drawing/2014/main" id="{B338538D-24D7-4ED4-9718-53E81066B475}"/>
+              </a:ext>
+            </a:extLst>
+          </p:cNvPr>
+          <p:cNvSpPr/>
+          <p:nvPr/>
+        </p:nvSpPr>
+        <p:spPr>
+          <a:xfrm>
+            <a:off x="27330537" y="5610952"/>
+            <a:ext cx="66716" cy="72212"/>
+          </a:xfrm>
+          <a:prstGeom prst="ellipse">
+            <a:avLst/>
+          </a:prstGeom>
+          <a:solidFill>
+            <a:schemeClr val="tx1"/>
+          </a:solidFill>
+          <a:ln>
+            <a:solidFill>
+              <a:schemeClr val="tx1"/>
+            </a:solidFill>
+          </a:ln>
+        </p:spPr>
+        <p:style>
+          <a:lnRef idx="2">
+            <a:schemeClr val="accent1">
+              <a:shade val="50000"/>
+            </a:schemeClr>
+          </a:lnRef>
+          <a:fillRef idx="1">
+            <a:schemeClr val="accent1"/>
+          </a:fillRef>
+          <a:effectRef idx="0">
+            <a:schemeClr val="accent1"/>
+          </a:effectRef>
+          <a:fontRef idx="minor">
+            <a:schemeClr val="lt1"/>
+          </a:fontRef>
+        </p:style>
+        <p:txBody>
+          <a:bodyPr rtlCol="0" anchor="ctr"/>
+          <a:lstStyle/>
+          <a:p>
+            <a:pPr algn="ctr"/>
+            <a:endParaRPr lang="en-US"/>
+          </a:p>
+        </p:txBody>
+      </p:sp>
+      <p:sp>
+        <p:nvSpPr>
+          <p:cNvPr id="1327" name="Oval 1326">
+            <a:extLst>
+              <a:ext uri="{FF2B5EF4-FFF2-40B4-BE49-F238E27FC236}">
+                <a16:creationId xmlns:a16="http://schemas.microsoft.com/office/drawing/2014/main" id="{1984B193-459C-48F9-A91E-1F771724A13A}"/>
+              </a:ext>
+            </a:extLst>
+          </p:cNvPr>
+          <p:cNvSpPr/>
+          <p:nvPr/>
+        </p:nvSpPr>
+        <p:spPr>
+          <a:xfrm>
+            <a:off x="27317496" y="7822829"/>
+            <a:ext cx="66716" cy="72212"/>
+          </a:xfrm>
+          <a:prstGeom prst="ellipse">
+            <a:avLst/>
+          </a:prstGeom>
+          <a:solidFill>
+            <a:schemeClr val="tx1"/>
+          </a:solidFill>
+          <a:ln>
+            <a:solidFill>
+              <a:schemeClr val="tx1"/>
+            </a:solidFill>
+          </a:ln>
+        </p:spPr>
+        <p:style>
+          <a:lnRef idx="2">
+            <a:schemeClr val="accent1">
+              <a:shade val="50000"/>
+            </a:schemeClr>
+          </a:lnRef>
+          <a:fillRef idx="1">
+            <a:schemeClr val="accent1"/>
+          </a:fillRef>
+          <a:effectRef idx="0">
+            <a:schemeClr val="accent1"/>
+          </a:effectRef>
+          <a:fontRef idx="minor">
+            <a:schemeClr val="lt1"/>
+          </a:fontRef>
+        </p:style>
+        <p:txBody>
+          <a:bodyPr rtlCol="0" anchor="ctr"/>
+          <a:lstStyle/>
+          <a:p>
+            <a:pPr algn="ctr"/>
+            <a:endParaRPr lang="en-US"/>
+          </a:p>
+        </p:txBody>
+      </p:sp>
+      <p:sp>
+        <p:nvSpPr>
+          <p:cNvPr id="1328" name="Oval 1327">
+            <a:extLst>
+              <a:ext uri="{FF2B5EF4-FFF2-40B4-BE49-F238E27FC236}">
+                <a16:creationId xmlns:a16="http://schemas.microsoft.com/office/drawing/2014/main" id="{74C9538B-DA7D-43E2-BD61-DA5DC200B59E}"/>
+              </a:ext>
+            </a:extLst>
+          </p:cNvPr>
+          <p:cNvSpPr/>
+          <p:nvPr/>
+        </p:nvSpPr>
+        <p:spPr>
+          <a:xfrm>
+            <a:off x="27326728" y="6535488"/>
+            <a:ext cx="66716" cy="72212"/>
+          </a:xfrm>
+          <a:prstGeom prst="ellipse">
+            <a:avLst/>
+          </a:prstGeom>
+          <a:solidFill>
+            <a:schemeClr val="tx1"/>
+          </a:solidFill>
+          <a:ln>
+            <a:solidFill>
+              <a:schemeClr val="tx1"/>
+            </a:solidFill>
+          </a:ln>
+        </p:spPr>
+        <p:style>
+          <a:lnRef idx="2">
+            <a:schemeClr val="accent1">
+              <a:shade val="50000"/>
+            </a:schemeClr>
+          </a:lnRef>
+          <a:fillRef idx="1">
+            <a:schemeClr val="accent1"/>
+          </a:fillRef>
+          <a:effectRef idx="0">
+            <a:schemeClr val="accent1"/>
+          </a:effectRef>
+          <a:fontRef idx="minor">
+            <a:schemeClr val="lt1"/>
+          </a:fontRef>
+        </p:style>
+        <p:txBody>
+          <a:bodyPr rtlCol="0" anchor="ctr"/>
+          <a:lstStyle/>
+          <a:p>
+            <a:pPr algn="ctr"/>
+            <a:endParaRPr lang="en-US"/>
+          </a:p>
+        </p:txBody>
+      </p:sp>
+      <p:sp>
+        <p:nvSpPr>
+          <p:cNvPr id="1329" name="Oval 1328">
+            <a:extLst>
+              <a:ext uri="{FF2B5EF4-FFF2-40B4-BE49-F238E27FC236}">
+                <a16:creationId xmlns:a16="http://schemas.microsoft.com/office/drawing/2014/main" id="{8ADACA3E-1B4C-486C-B795-C9646F1444C0}"/>
+              </a:ext>
+            </a:extLst>
+          </p:cNvPr>
+          <p:cNvSpPr/>
+          <p:nvPr/>
+        </p:nvSpPr>
+        <p:spPr>
+          <a:xfrm>
+            <a:off x="27317380" y="5317676"/>
+            <a:ext cx="66716" cy="72212"/>
+          </a:xfrm>
+          <a:prstGeom prst="ellipse">
+            <a:avLst/>
+          </a:prstGeom>
+          <a:solidFill>
+            <a:schemeClr val="tx1"/>
+          </a:solidFill>
+          <a:ln>
+            <a:solidFill>
+              <a:schemeClr val="tx1"/>
+            </a:solidFill>
+          </a:ln>
+        </p:spPr>
+        <p:style>
+          <a:lnRef idx="2">
+            <a:schemeClr val="accent1">
+              <a:shade val="50000"/>
+            </a:schemeClr>
+          </a:lnRef>
+          <a:fillRef idx="1">
+            <a:schemeClr val="accent1"/>
+          </a:fillRef>
+          <a:effectRef idx="0">
+            <a:schemeClr val="accent1"/>
+          </a:effectRef>
+          <a:fontRef idx="minor">
+            <a:schemeClr val="lt1"/>
+          </a:fontRef>
+        </p:style>
+        <p:txBody>
+          <a:bodyPr rtlCol="0" anchor="ctr"/>
+          <a:lstStyle/>
+          <a:p>
+            <a:pPr algn="ctr"/>
+            <a:endParaRPr lang="en-US"/>
+          </a:p>
+        </p:txBody>
+      </p:sp>
+      <p:sp>
+        <p:nvSpPr>
+          <p:cNvPr id="1330" name="Oval 1329">
+            <a:extLst>
+              <a:ext uri="{FF2B5EF4-FFF2-40B4-BE49-F238E27FC236}">
+                <a16:creationId xmlns:a16="http://schemas.microsoft.com/office/drawing/2014/main" id="{376A4023-95C3-42A1-95ED-815735FFD64C}"/>
+              </a:ext>
+            </a:extLst>
+          </p:cNvPr>
+          <p:cNvSpPr/>
+          <p:nvPr/>
+        </p:nvSpPr>
+        <p:spPr>
+          <a:xfrm>
+            <a:off x="27330644" y="5898024"/>
+            <a:ext cx="66716" cy="72212"/>
+          </a:xfrm>
+          <a:prstGeom prst="ellipse">
+            <a:avLst/>
+          </a:prstGeom>
+          <a:solidFill>
+            <a:schemeClr val="tx1"/>
+          </a:solidFill>
+          <a:ln>
+            <a:solidFill>
+              <a:schemeClr val="tx1"/>
+            </a:solidFill>
+          </a:ln>
+        </p:spPr>
+        <p:style>
+          <a:lnRef idx="2">
+            <a:schemeClr val="accent1">
+              <a:shade val="50000"/>
+            </a:schemeClr>
+          </a:lnRef>
+          <a:fillRef idx="1">
+            <a:schemeClr val="accent1"/>
+          </a:fillRef>
+          <a:effectRef idx="0">
+            <a:schemeClr val="accent1"/>
+          </a:effectRef>
+          <a:fontRef idx="minor">
+            <a:schemeClr val="lt1"/>
+          </a:fontRef>
+        </p:style>
+        <p:txBody>
+          <a:bodyPr rtlCol="0" anchor="ctr"/>
+          <a:lstStyle/>
+          <a:p>
+            <a:pPr algn="ctr"/>
+            <a:endParaRPr lang="en-US"/>
+          </a:p>
+        </p:txBody>
+      </p:sp>
       <p:pic>
         <p:nvPicPr>
-          <p:cNvPr id="1311" name="Picture 12" descr="Single Pole Double Throw (SPDT) Switch Circuit">
-            <a:extLst>
-              <a:ext uri="{FF2B5EF4-FFF2-40B4-BE49-F238E27FC236}">
-                <a16:creationId xmlns:a16="http://schemas.microsoft.com/office/drawing/2014/main" id="{1329C9FE-1D71-48EE-B2AD-3F49B89E3F94}"/>
+          <p:cNvPr id="1331" name="Picture 8" descr="An image showing the electronic symbol for voltage source, current source, battery, resistive light (lamp), resistor, switch, diode, and LED">
+            <a:extLst>
+              <a:ext uri="{FF2B5EF4-FFF2-40B4-BE49-F238E27FC236}">
+                <a16:creationId xmlns:a16="http://schemas.microsoft.com/office/drawing/2014/main" id="{5FDC498C-560E-4197-B205-4D0743B6CF68}"/>
               </a:ext>
             </a:extLst>
           </p:cNvPr>
@@ -23624,20 +24239,20 @@
           <p:nvPr/>
         </p:nvPicPr>
         <p:blipFill rotWithShape="1">
-          <a:blip r:embed="rId2">
+          <a:blip r:embed="rId6">
             <a:extLst>
               <a:ext uri="{28A0092B-C50C-407E-A947-70E740481C1C}">
                 <a14:useLocalDpi xmlns:a14="http://schemas.microsoft.com/office/drawing/2010/main" val="0"/>
               </a:ext>
             </a:extLst>
           </a:blip>
-          <a:srcRect l="20259" t="39366" r="56707" b="47524"/>
+          <a:srcRect l="88112" t="29774" b="26287"/>
           <a:stretch/>
         </p:blipFill>
         <p:spPr bwMode="auto">
-          <a:xfrm flipH="1">
-            <a:off x="26294291" y="1440583"/>
-            <a:ext cx="871015" cy="399395"/>
+          <a:xfrm rot="5400000">
+            <a:off x="26546614" y="6350635"/>
+            <a:ext cx="474199" cy="466335"/>
           </a:xfrm>
           <a:prstGeom prst="rect">
             <a:avLst/>
@@ -23654,582 +24269,12 @@
           </a:extLst>
         </p:spPr>
       </p:pic>
-      <p:cxnSp>
-        <p:nvCxnSpPr>
-          <p:cNvPr id="1313" name="Connector: Elbow 1312">
-            <a:extLst>
-              <a:ext uri="{FF2B5EF4-FFF2-40B4-BE49-F238E27FC236}">
-                <a16:creationId xmlns:a16="http://schemas.microsoft.com/office/drawing/2014/main" id="{71844241-D7C3-43E1-A0F1-DE3279F5BFBC}"/>
-              </a:ext>
-            </a:extLst>
-          </p:cNvPr>
-          <p:cNvCxnSpPr>
-            <a:cxnSpLocks/>
-            <a:endCxn id="1294" idx="2"/>
-          </p:cNvCxnSpPr>
-          <p:nvPr/>
-        </p:nvCxnSpPr>
-        <p:spPr>
-          <a:xfrm flipV="1">
-            <a:off x="26294289" y="1347005"/>
-            <a:ext cx="989180" cy="137126"/>
-          </a:xfrm>
-          <a:prstGeom prst="bentConnector3">
-            <a:avLst>
-              <a:gd name="adj1" fmla="val 442"/>
-            </a:avLst>
-          </a:prstGeom>
-          <a:ln w="22225"/>
-        </p:spPr>
-        <p:style>
-          <a:lnRef idx="1">
-            <a:schemeClr val="dk1"/>
-          </a:lnRef>
-          <a:fillRef idx="0">
-            <a:schemeClr val="dk1"/>
-          </a:fillRef>
-          <a:effectRef idx="0">
-            <a:schemeClr val="dk1"/>
-          </a:effectRef>
-          <a:fontRef idx="minor">
-            <a:schemeClr val="tx1"/>
-          </a:fontRef>
-        </p:style>
-      </p:cxnSp>
-      <p:cxnSp>
-        <p:nvCxnSpPr>
-          <p:cNvPr id="1316" name="Connector: Elbow 1315">
-            <a:extLst>
-              <a:ext uri="{FF2B5EF4-FFF2-40B4-BE49-F238E27FC236}">
-                <a16:creationId xmlns:a16="http://schemas.microsoft.com/office/drawing/2014/main" id="{3AC8B5F4-D355-473E-892C-84033561A9CE}"/>
-              </a:ext>
-            </a:extLst>
-          </p:cNvPr>
-          <p:cNvCxnSpPr>
-            <a:cxnSpLocks/>
-            <a:endCxn id="1279" idx="2"/>
-          </p:cNvCxnSpPr>
-          <p:nvPr/>
-        </p:nvCxnSpPr>
-        <p:spPr>
-          <a:xfrm flipV="1">
-            <a:off x="27155477" y="1640283"/>
-            <a:ext cx="141150" cy="115451"/>
-          </a:xfrm>
-          <a:prstGeom prst="bentConnector3">
-            <a:avLst>
-              <a:gd name="adj1" fmla="val 50000"/>
-            </a:avLst>
-          </a:prstGeom>
-          <a:ln w="25400"/>
-        </p:spPr>
-        <p:style>
-          <a:lnRef idx="1">
-            <a:schemeClr val="dk1"/>
-          </a:lnRef>
-          <a:fillRef idx="0">
-            <a:schemeClr val="dk1"/>
-          </a:fillRef>
-          <a:effectRef idx="0">
-            <a:schemeClr val="dk1"/>
-          </a:effectRef>
-          <a:fontRef idx="minor">
-            <a:schemeClr val="tx1"/>
-          </a:fontRef>
-        </p:style>
-      </p:cxnSp>
-      <p:cxnSp>
-        <p:nvCxnSpPr>
-          <p:cNvPr id="1319" name="Connector: Elbow 1318">
-            <a:extLst>
-              <a:ext uri="{FF2B5EF4-FFF2-40B4-BE49-F238E27FC236}">
-                <a16:creationId xmlns:a16="http://schemas.microsoft.com/office/drawing/2014/main" id="{E85B8CB5-F9EE-42C4-BEDF-1C64801ED3C9}"/>
-              </a:ext>
-            </a:extLst>
-          </p:cNvPr>
-          <p:cNvCxnSpPr>
-            <a:cxnSpLocks/>
-          </p:cNvCxnSpPr>
-          <p:nvPr/>
-        </p:nvCxnSpPr>
-        <p:spPr>
-          <a:xfrm>
-            <a:off x="26294289" y="1771418"/>
-            <a:ext cx="1002338" cy="149917"/>
-          </a:xfrm>
-          <a:prstGeom prst="bentConnector3">
-            <a:avLst>
-              <a:gd name="adj1" fmla="val 839"/>
-            </a:avLst>
-          </a:prstGeom>
-          <a:ln w="22225"/>
-        </p:spPr>
-        <p:style>
-          <a:lnRef idx="1">
-            <a:schemeClr val="dk1"/>
-          </a:lnRef>
-          <a:fillRef idx="0">
-            <a:schemeClr val="dk1"/>
-          </a:fillRef>
-          <a:effectRef idx="0">
-            <a:schemeClr val="dk1"/>
-          </a:effectRef>
-          <a:fontRef idx="minor">
-            <a:schemeClr val="tx1"/>
-          </a:fontRef>
-        </p:style>
-      </p:cxnSp>
-      <p:sp>
-        <p:nvSpPr>
-          <p:cNvPr id="1322" name="Rectangle 1321">
-            <a:extLst>
-              <a:ext uri="{FF2B5EF4-FFF2-40B4-BE49-F238E27FC236}">
-                <a16:creationId xmlns:a16="http://schemas.microsoft.com/office/drawing/2014/main" id="{33429FF7-9771-4174-9290-F0A6940F41C5}"/>
-              </a:ext>
-            </a:extLst>
-          </p:cNvPr>
-          <p:cNvSpPr/>
-          <p:nvPr/>
-        </p:nvSpPr>
-        <p:spPr>
-          <a:xfrm>
-            <a:off x="25731096" y="5224534"/>
-            <a:ext cx="1622756" cy="2925133"/>
-          </a:xfrm>
-          <a:prstGeom prst="rect">
-            <a:avLst/>
-          </a:prstGeom>
-          <a:noFill/>
-          <a:ln>
-            <a:solidFill>
-              <a:schemeClr val="tx1"/>
-            </a:solidFill>
-          </a:ln>
-        </p:spPr>
-        <p:style>
-          <a:lnRef idx="2">
-            <a:schemeClr val="accent1">
-              <a:shade val="50000"/>
-            </a:schemeClr>
-          </a:lnRef>
-          <a:fillRef idx="1">
-            <a:schemeClr val="accent1"/>
-          </a:fillRef>
-          <a:effectRef idx="0">
-            <a:schemeClr val="accent1"/>
-          </a:effectRef>
-          <a:fontRef idx="minor">
-            <a:schemeClr val="lt1"/>
-          </a:fontRef>
-        </p:style>
-        <p:txBody>
-          <a:bodyPr rtlCol="0" anchor="ctr"/>
-          <a:lstStyle/>
-          <a:p>
-            <a:pPr algn="ctr"/>
-            <a:endParaRPr lang="en-US"/>
-          </a:p>
-        </p:txBody>
-      </p:sp>
-      <p:sp>
-        <p:nvSpPr>
-          <p:cNvPr id="1323" name="TextBox 1322">
-            <a:extLst>
-              <a:ext uri="{FF2B5EF4-FFF2-40B4-BE49-F238E27FC236}">
-                <a16:creationId xmlns:a16="http://schemas.microsoft.com/office/drawing/2014/main" id="{D73C0E1C-F28A-4C73-9B0F-7FB485281514}"/>
-              </a:ext>
-            </a:extLst>
-          </p:cNvPr>
-          <p:cNvSpPr txBox="1"/>
-          <p:nvPr/>
-        </p:nvSpPr>
-        <p:spPr>
-          <a:xfrm>
-            <a:off x="25687589" y="4645133"/>
-            <a:ext cx="1441026" cy="646331"/>
-          </a:xfrm>
-          <a:prstGeom prst="rect">
-            <a:avLst/>
-          </a:prstGeom>
-          <a:noFill/>
-        </p:spPr>
-        <p:txBody>
-          <a:bodyPr wrap="square" rtlCol="0">
-            <a:spAutoFit/>
-          </a:bodyPr>
-          <a:lstStyle/>
-          <a:p>
-            <a:r>
-              <a:rPr lang="en-US" dirty="0"/>
-              <a:t>Front Skirt</a:t>
-            </a:r>
-          </a:p>
-          <a:p>
-            <a:r>
-              <a:rPr lang="en-US" dirty="0"/>
-              <a:t>Power Switch</a:t>
-            </a:r>
-          </a:p>
-        </p:txBody>
-      </p:sp>
-      <p:sp>
-        <p:nvSpPr>
-          <p:cNvPr id="1324" name="TextBox 1323">
-            <a:extLst>
-              <a:ext uri="{FF2B5EF4-FFF2-40B4-BE49-F238E27FC236}">
-                <a16:creationId xmlns:a16="http://schemas.microsoft.com/office/drawing/2014/main" id="{22D1ABEF-6205-45FD-B61F-3E87A2E482D7}"/>
-              </a:ext>
-            </a:extLst>
-          </p:cNvPr>
-          <p:cNvSpPr txBox="1"/>
-          <p:nvPr/>
-        </p:nvSpPr>
-        <p:spPr>
-          <a:xfrm>
-            <a:off x="25724593" y="5221498"/>
-            <a:ext cx="486030" cy="923330"/>
-          </a:xfrm>
-          <a:prstGeom prst="rect">
-            <a:avLst/>
-          </a:prstGeom>
-          <a:noFill/>
-        </p:spPr>
-        <p:txBody>
-          <a:bodyPr wrap="none" rtlCol="0">
-            <a:spAutoFit/>
-          </a:bodyPr>
-          <a:lstStyle/>
-          <a:p>
-            <a:r>
-              <a:rPr lang="en-US" dirty="0"/>
-              <a:t>NC</a:t>
-            </a:r>
-          </a:p>
-          <a:p>
-            <a:r>
-              <a:rPr lang="en-US" dirty="0"/>
-              <a:t>C</a:t>
-            </a:r>
-          </a:p>
-          <a:p>
-            <a:r>
-              <a:rPr lang="en-US" dirty="0"/>
-              <a:t>NO</a:t>
-            </a:r>
-          </a:p>
-        </p:txBody>
-      </p:sp>
-      <p:sp>
-        <p:nvSpPr>
-          <p:cNvPr id="1325" name="TextBox 1324">
-            <a:extLst>
-              <a:ext uri="{FF2B5EF4-FFF2-40B4-BE49-F238E27FC236}">
-                <a16:creationId xmlns:a16="http://schemas.microsoft.com/office/drawing/2014/main" id="{DF68BCA3-2102-4B58-9ED6-593F2FA8BBAF}"/>
-              </a:ext>
-            </a:extLst>
-          </p:cNvPr>
-          <p:cNvSpPr txBox="1"/>
-          <p:nvPr/>
-        </p:nvSpPr>
-        <p:spPr>
-          <a:xfrm>
-            <a:off x="25663035" y="7728130"/>
-            <a:ext cx="926857" cy="307777"/>
-          </a:xfrm>
-          <a:prstGeom prst="rect">
-            <a:avLst/>
-          </a:prstGeom>
-          <a:noFill/>
-        </p:spPr>
-        <p:txBody>
-          <a:bodyPr wrap="none" rtlCol="0">
-            <a:spAutoFit/>
-          </a:bodyPr>
-          <a:lstStyle/>
-          <a:p>
-            <a:r>
-              <a:rPr lang="en-US" sz="1400" dirty="0"/>
-              <a:t>Lamp Gnd</a:t>
-            </a:r>
-          </a:p>
-        </p:txBody>
-      </p:sp>
-      <p:sp>
-        <p:nvSpPr>
-          <p:cNvPr id="1326" name="Oval 1325">
-            <a:extLst>
-              <a:ext uri="{FF2B5EF4-FFF2-40B4-BE49-F238E27FC236}">
-                <a16:creationId xmlns:a16="http://schemas.microsoft.com/office/drawing/2014/main" id="{B338538D-24D7-4ED4-9718-53E81066B475}"/>
-              </a:ext>
-            </a:extLst>
-          </p:cNvPr>
-          <p:cNvSpPr/>
-          <p:nvPr/>
-        </p:nvSpPr>
-        <p:spPr>
-          <a:xfrm>
-            <a:off x="27330537" y="5610952"/>
-            <a:ext cx="66716" cy="72212"/>
-          </a:xfrm>
-          <a:prstGeom prst="ellipse">
-            <a:avLst/>
-          </a:prstGeom>
-          <a:solidFill>
-            <a:schemeClr val="tx1"/>
-          </a:solidFill>
-          <a:ln>
-            <a:solidFill>
-              <a:schemeClr val="tx1"/>
-            </a:solidFill>
-          </a:ln>
-        </p:spPr>
-        <p:style>
-          <a:lnRef idx="2">
-            <a:schemeClr val="accent1">
-              <a:shade val="50000"/>
-            </a:schemeClr>
-          </a:lnRef>
-          <a:fillRef idx="1">
-            <a:schemeClr val="accent1"/>
-          </a:fillRef>
-          <a:effectRef idx="0">
-            <a:schemeClr val="accent1"/>
-          </a:effectRef>
-          <a:fontRef idx="minor">
-            <a:schemeClr val="lt1"/>
-          </a:fontRef>
-        </p:style>
-        <p:txBody>
-          <a:bodyPr rtlCol="0" anchor="ctr"/>
-          <a:lstStyle/>
-          <a:p>
-            <a:pPr algn="ctr"/>
-            <a:endParaRPr lang="en-US"/>
-          </a:p>
-        </p:txBody>
-      </p:sp>
-      <p:sp>
-        <p:nvSpPr>
-          <p:cNvPr id="1327" name="Oval 1326">
-            <a:extLst>
-              <a:ext uri="{FF2B5EF4-FFF2-40B4-BE49-F238E27FC236}">
-                <a16:creationId xmlns:a16="http://schemas.microsoft.com/office/drawing/2014/main" id="{1984B193-459C-48F9-A91E-1F771724A13A}"/>
-              </a:ext>
-            </a:extLst>
-          </p:cNvPr>
-          <p:cNvSpPr/>
-          <p:nvPr/>
-        </p:nvSpPr>
-        <p:spPr>
-          <a:xfrm>
-            <a:off x="27317496" y="7822829"/>
-            <a:ext cx="66716" cy="72212"/>
-          </a:xfrm>
-          <a:prstGeom prst="ellipse">
-            <a:avLst/>
-          </a:prstGeom>
-          <a:solidFill>
-            <a:schemeClr val="tx1"/>
-          </a:solidFill>
-          <a:ln>
-            <a:solidFill>
-              <a:schemeClr val="tx1"/>
-            </a:solidFill>
-          </a:ln>
-        </p:spPr>
-        <p:style>
-          <a:lnRef idx="2">
-            <a:schemeClr val="accent1">
-              <a:shade val="50000"/>
-            </a:schemeClr>
-          </a:lnRef>
-          <a:fillRef idx="1">
-            <a:schemeClr val="accent1"/>
-          </a:fillRef>
-          <a:effectRef idx="0">
-            <a:schemeClr val="accent1"/>
-          </a:effectRef>
-          <a:fontRef idx="minor">
-            <a:schemeClr val="lt1"/>
-          </a:fontRef>
-        </p:style>
-        <p:txBody>
-          <a:bodyPr rtlCol="0" anchor="ctr"/>
-          <a:lstStyle/>
-          <a:p>
-            <a:pPr algn="ctr"/>
-            <a:endParaRPr lang="en-US"/>
-          </a:p>
-        </p:txBody>
-      </p:sp>
-      <p:sp>
-        <p:nvSpPr>
-          <p:cNvPr id="1328" name="Oval 1327">
-            <a:extLst>
-              <a:ext uri="{FF2B5EF4-FFF2-40B4-BE49-F238E27FC236}">
-                <a16:creationId xmlns:a16="http://schemas.microsoft.com/office/drawing/2014/main" id="{74C9538B-DA7D-43E2-BD61-DA5DC200B59E}"/>
-              </a:ext>
-            </a:extLst>
-          </p:cNvPr>
-          <p:cNvSpPr/>
-          <p:nvPr/>
-        </p:nvSpPr>
-        <p:spPr>
-          <a:xfrm>
-            <a:off x="27326728" y="6535488"/>
-            <a:ext cx="66716" cy="72212"/>
-          </a:xfrm>
-          <a:prstGeom prst="ellipse">
-            <a:avLst/>
-          </a:prstGeom>
-          <a:solidFill>
-            <a:schemeClr val="tx1"/>
-          </a:solidFill>
-          <a:ln>
-            <a:solidFill>
-              <a:schemeClr val="tx1"/>
-            </a:solidFill>
-          </a:ln>
-        </p:spPr>
-        <p:style>
-          <a:lnRef idx="2">
-            <a:schemeClr val="accent1">
-              <a:shade val="50000"/>
-            </a:schemeClr>
-          </a:lnRef>
-          <a:fillRef idx="1">
-            <a:schemeClr val="accent1"/>
-          </a:fillRef>
-          <a:effectRef idx="0">
-            <a:schemeClr val="accent1"/>
-          </a:effectRef>
-          <a:fontRef idx="minor">
-            <a:schemeClr val="lt1"/>
-          </a:fontRef>
-        </p:style>
-        <p:txBody>
-          <a:bodyPr rtlCol="0" anchor="ctr"/>
-          <a:lstStyle/>
-          <a:p>
-            <a:pPr algn="ctr"/>
-            <a:endParaRPr lang="en-US"/>
-          </a:p>
-        </p:txBody>
-      </p:sp>
-      <p:sp>
-        <p:nvSpPr>
-          <p:cNvPr id="1329" name="Oval 1328">
-            <a:extLst>
-              <a:ext uri="{FF2B5EF4-FFF2-40B4-BE49-F238E27FC236}">
-                <a16:creationId xmlns:a16="http://schemas.microsoft.com/office/drawing/2014/main" id="{8ADACA3E-1B4C-486C-B795-C9646F1444C0}"/>
-              </a:ext>
-            </a:extLst>
-          </p:cNvPr>
-          <p:cNvSpPr/>
-          <p:nvPr/>
-        </p:nvSpPr>
-        <p:spPr>
-          <a:xfrm>
-            <a:off x="27317380" y="5317676"/>
-            <a:ext cx="66716" cy="72212"/>
-          </a:xfrm>
-          <a:prstGeom prst="ellipse">
-            <a:avLst/>
-          </a:prstGeom>
-          <a:solidFill>
-            <a:schemeClr val="tx1"/>
-          </a:solidFill>
-          <a:ln>
-            <a:solidFill>
-              <a:schemeClr val="tx1"/>
-            </a:solidFill>
-          </a:ln>
-        </p:spPr>
-        <p:style>
-          <a:lnRef idx="2">
-            <a:schemeClr val="accent1">
-              <a:shade val="50000"/>
-            </a:schemeClr>
-          </a:lnRef>
-          <a:fillRef idx="1">
-            <a:schemeClr val="accent1"/>
-          </a:fillRef>
-          <a:effectRef idx="0">
-            <a:schemeClr val="accent1"/>
-          </a:effectRef>
-          <a:fontRef idx="minor">
-            <a:schemeClr val="lt1"/>
-          </a:fontRef>
-        </p:style>
-        <p:txBody>
-          <a:bodyPr rtlCol="0" anchor="ctr"/>
-          <a:lstStyle/>
-          <a:p>
-            <a:pPr algn="ctr"/>
-            <a:endParaRPr lang="en-US"/>
-          </a:p>
-        </p:txBody>
-      </p:sp>
-      <p:sp>
-        <p:nvSpPr>
-          <p:cNvPr id="1330" name="Oval 1329">
-            <a:extLst>
-              <a:ext uri="{FF2B5EF4-FFF2-40B4-BE49-F238E27FC236}">
-                <a16:creationId xmlns:a16="http://schemas.microsoft.com/office/drawing/2014/main" id="{376A4023-95C3-42A1-95ED-815735FFD64C}"/>
-              </a:ext>
-            </a:extLst>
-          </p:cNvPr>
-          <p:cNvSpPr/>
-          <p:nvPr/>
-        </p:nvSpPr>
-        <p:spPr>
-          <a:xfrm>
-            <a:off x="27330644" y="5898024"/>
-            <a:ext cx="66716" cy="72212"/>
-          </a:xfrm>
-          <a:prstGeom prst="ellipse">
-            <a:avLst/>
-          </a:prstGeom>
-          <a:solidFill>
-            <a:schemeClr val="tx1"/>
-          </a:solidFill>
-          <a:ln>
-            <a:solidFill>
-              <a:schemeClr val="tx1"/>
-            </a:solidFill>
-          </a:ln>
-        </p:spPr>
-        <p:style>
-          <a:lnRef idx="2">
-            <a:schemeClr val="accent1">
-              <a:shade val="50000"/>
-            </a:schemeClr>
-          </a:lnRef>
-          <a:fillRef idx="1">
-            <a:schemeClr val="accent1"/>
-          </a:fillRef>
-          <a:effectRef idx="0">
-            <a:schemeClr val="accent1"/>
-          </a:effectRef>
-          <a:fontRef idx="minor">
-            <a:schemeClr val="lt1"/>
-          </a:fontRef>
-        </p:style>
-        <p:txBody>
-          <a:bodyPr rtlCol="0" anchor="ctr"/>
-          <a:lstStyle/>
-          <a:p>
-            <a:pPr algn="ctr"/>
-            <a:endParaRPr lang="en-US"/>
-          </a:p>
-        </p:txBody>
-      </p:sp>
       <p:pic>
         <p:nvPicPr>
-          <p:cNvPr id="1331" name="Picture 8" descr="An image showing the electronic symbol for voltage source, current source, battery, resistive light (lamp), resistor, switch, diode, and LED">
-            <a:extLst>
-              <a:ext uri="{FF2B5EF4-FFF2-40B4-BE49-F238E27FC236}">
-                <a16:creationId xmlns:a16="http://schemas.microsoft.com/office/drawing/2014/main" id="{5FDC498C-560E-4197-B205-4D0743B6CF68}"/>
+          <p:cNvPr id="1334" name="Picture 12" descr="Single Pole Double Throw (SPDT) Switch Circuit">
+            <a:extLst>
+              <a:ext uri="{FF2B5EF4-FFF2-40B4-BE49-F238E27FC236}">
+                <a16:creationId xmlns:a16="http://schemas.microsoft.com/office/drawing/2014/main" id="{49FED227-9504-44F8-9495-243BC9889B69}"/>
               </a:ext>
             </a:extLst>
           </p:cNvPr>
@@ -24239,20 +24284,20 @@
           <p:nvPr/>
         </p:nvPicPr>
         <p:blipFill rotWithShape="1">
-          <a:blip r:embed="rId6">
+          <a:blip r:embed="rId4">
             <a:extLst>
               <a:ext uri="{28A0092B-C50C-407E-A947-70E740481C1C}">
                 <a14:useLocalDpi xmlns:a14="http://schemas.microsoft.com/office/drawing/2010/main" val="0"/>
               </a:ext>
             </a:extLst>
           </a:blip>
-          <a:srcRect l="88112" t="29774" b="26287"/>
+          <a:srcRect l="20259" t="39366" r="56707" b="47524"/>
           <a:stretch/>
         </p:blipFill>
         <p:spPr bwMode="auto">
-          <a:xfrm rot="5400000">
-            <a:off x="26546614" y="6350635"/>
-            <a:ext cx="474199" cy="466335"/>
+          <a:xfrm flipH="1">
+            <a:off x="26328201" y="5447359"/>
+            <a:ext cx="871015" cy="399395"/>
           </a:xfrm>
           <a:prstGeom prst="rect">
             <a:avLst/>
@@ -24269,12 +24314,231 @@
           </a:extLst>
         </p:spPr>
       </p:pic>
+      <p:cxnSp>
+        <p:nvCxnSpPr>
+          <p:cNvPr id="1335" name="Connector: Elbow 1334">
+            <a:extLst>
+              <a:ext uri="{FF2B5EF4-FFF2-40B4-BE49-F238E27FC236}">
+                <a16:creationId xmlns:a16="http://schemas.microsoft.com/office/drawing/2014/main" id="{8EE9B900-AC1F-4102-8DED-67285E8D697A}"/>
+              </a:ext>
+            </a:extLst>
+          </p:cNvPr>
+          <p:cNvCxnSpPr>
+            <a:cxnSpLocks/>
+            <a:endCxn id="1329" idx="2"/>
+          </p:cNvCxnSpPr>
+          <p:nvPr/>
+        </p:nvCxnSpPr>
+        <p:spPr>
+          <a:xfrm flipV="1">
+            <a:off x="26328200" y="5353781"/>
+            <a:ext cx="989180" cy="137126"/>
+          </a:xfrm>
+          <a:prstGeom prst="bentConnector3">
+            <a:avLst>
+              <a:gd name="adj1" fmla="val 442"/>
+            </a:avLst>
+          </a:prstGeom>
+          <a:ln w="22225"/>
+        </p:spPr>
+        <p:style>
+          <a:lnRef idx="1">
+            <a:schemeClr val="dk1"/>
+          </a:lnRef>
+          <a:fillRef idx="0">
+            <a:schemeClr val="dk1"/>
+          </a:fillRef>
+          <a:effectRef idx="0">
+            <a:schemeClr val="dk1"/>
+          </a:effectRef>
+          <a:fontRef idx="minor">
+            <a:schemeClr val="tx1"/>
+          </a:fontRef>
+        </p:style>
+      </p:cxnSp>
+      <p:cxnSp>
+        <p:nvCxnSpPr>
+          <p:cNvPr id="1336" name="Connector: Elbow 1335">
+            <a:extLst>
+              <a:ext uri="{FF2B5EF4-FFF2-40B4-BE49-F238E27FC236}">
+                <a16:creationId xmlns:a16="http://schemas.microsoft.com/office/drawing/2014/main" id="{6AF4B026-BE62-4ED2-AC92-B214F533F5A9}"/>
+              </a:ext>
+            </a:extLst>
+          </p:cNvPr>
+          <p:cNvCxnSpPr>
+            <a:cxnSpLocks/>
+            <a:endCxn id="1326" idx="2"/>
+          </p:cNvCxnSpPr>
+          <p:nvPr/>
+        </p:nvCxnSpPr>
+        <p:spPr>
+          <a:xfrm flipV="1">
+            <a:off x="27189387" y="5647059"/>
+            <a:ext cx="141150" cy="115451"/>
+          </a:xfrm>
+          <a:prstGeom prst="bentConnector3">
+            <a:avLst>
+              <a:gd name="adj1" fmla="val 50000"/>
+            </a:avLst>
+          </a:prstGeom>
+          <a:ln w="25400"/>
+        </p:spPr>
+        <p:style>
+          <a:lnRef idx="1">
+            <a:schemeClr val="dk1"/>
+          </a:lnRef>
+          <a:fillRef idx="0">
+            <a:schemeClr val="dk1"/>
+          </a:fillRef>
+          <a:effectRef idx="0">
+            <a:schemeClr val="dk1"/>
+          </a:effectRef>
+          <a:fontRef idx="minor">
+            <a:schemeClr val="tx1"/>
+          </a:fontRef>
+        </p:style>
+      </p:cxnSp>
+      <p:cxnSp>
+        <p:nvCxnSpPr>
+          <p:cNvPr id="1337" name="Connector: Elbow 1336">
+            <a:extLst>
+              <a:ext uri="{FF2B5EF4-FFF2-40B4-BE49-F238E27FC236}">
+                <a16:creationId xmlns:a16="http://schemas.microsoft.com/office/drawing/2014/main" id="{D0D96C9F-9466-4486-A4FD-6FA74E359684}"/>
+              </a:ext>
+            </a:extLst>
+          </p:cNvPr>
+          <p:cNvCxnSpPr>
+            <a:cxnSpLocks/>
+          </p:cNvCxnSpPr>
+          <p:nvPr/>
+        </p:nvCxnSpPr>
+        <p:spPr>
+          <a:xfrm>
+            <a:off x="26328201" y="5778194"/>
+            <a:ext cx="1002338" cy="149917"/>
+          </a:xfrm>
+          <a:prstGeom prst="bentConnector3">
+            <a:avLst>
+              <a:gd name="adj1" fmla="val 839"/>
+            </a:avLst>
+          </a:prstGeom>
+          <a:ln w="22225"/>
+        </p:spPr>
+        <p:style>
+          <a:lnRef idx="1">
+            <a:schemeClr val="dk1"/>
+          </a:lnRef>
+          <a:fillRef idx="0">
+            <a:schemeClr val="dk1"/>
+          </a:fillRef>
+          <a:effectRef idx="0">
+            <a:schemeClr val="dk1"/>
+          </a:effectRef>
+          <a:fontRef idx="minor">
+            <a:schemeClr val="tx1"/>
+          </a:fontRef>
+        </p:style>
+      </p:cxnSp>
+      <p:cxnSp>
+        <p:nvCxnSpPr>
+          <p:cNvPr id="1340" name="Straight Connector 1339">
+            <a:extLst>
+              <a:ext uri="{FF2B5EF4-FFF2-40B4-BE49-F238E27FC236}">
+                <a16:creationId xmlns:a16="http://schemas.microsoft.com/office/drawing/2014/main" id="{2FB2AD29-9EFA-41A0-A720-8C7C43CE7E4A}"/>
+              </a:ext>
+            </a:extLst>
+          </p:cNvPr>
+          <p:cNvCxnSpPr>
+            <a:cxnSpLocks/>
+            <a:stCxn id="1328" idx="2"/>
+          </p:cNvCxnSpPr>
+          <p:nvPr/>
+        </p:nvCxnSpPr>
+        <p:spPr>
+          <a:xfrm flipH="1">
+            <a:off x="27016512" y="6571593"/>
+            <a:ext cx="310217" cy="0"/>
+          </a:xfrm>
+          <a:prstGeom prst="line">
+            <a:avLst/>
+          </a:prstGeom>
+          <a:ln w="15875"/>
+        </p:spPr>
+        <p:style>
+          <a:lnRef idx="1">
+            <a:schemeClr val="dk1"/>
+          </a:lnRef>
+          <a:fillRef idx="0">
+            <a:schemeClr val="dk1"/>
+          </a:fillRef>
+          <a:effectRef idx="0">
+            <a:schemeClr val="dk1"/>
+          </a:effectRef>
+          <a:fontRef idx="minor">
+            <a:schemeClr val="tx1"/>
+          </a:fontRef>
+        </p:style>
+      </p:cxnSp>
+      <p:sp>
+        <p:nvSpPr>
+          <p:cNvPr id="1343" name="Oval 1342">
+            <a:extLst>
+              <a:ext uri="{FF2B5EF4-FFF2-40B4-BE49-F238E27FC236}">
+                <a16:creationId xmlns:a16="http://schemas.microsoft.com/office/drawing/2014/main" id="{0DCED853-CA47-4145-BA72-F6ABDE66A267}"/>
+              </a:ext>
+            </a:extLst>
+          </p:cNvPr>
+          <p:cNvSpPr/>
+          <p:nvPr/>
+        </p:nvSpPr>
+        <p:spPr>
+          <a:xfrm>
+            <a:off x="27320496" y="6977104"/>
+            <a:ext cx="66716" cy="72212"/>
+          </a:xfrm>
+          <a:prstGeom prst="ellipse">
+            <a:avLst/>
+          </a:prstGeom>
+          <a:solidFill>
+            <a:schemeClr val="tx1"/>
+          </a:solidFill>
+          <a:ln>
+            <a:solidFill>
+              <a:schemeClr val="tx1"/>
+            </a:solidFill>
+          </a:ln>
+        </p:spPr>
+        <p:style>
+          <a:lnRef idx="2">
+            <a:schemeClr val="accent1">
+              <a:shade val="50000"/>
+            </a:schemeClr>
+          </a:lnRef>
+          <a:fillRef idx="1">
+            <a:schemeClr val="accent1"/>
+          </a:fillRef>
+          <a:effectRef idx="0">
+            <a:schemeClr val="accent1"/>
+          </a:effectRef>
+          <a:fontRef idx="minor">
+            <a:schemeClr val="lt1"/>
+          </a:fontRef>
+        </p:style>
+        <p:txBody>
+          <a:bodyPr rtlCol="0" anchor="ctr"/>
+          <a:lstStyle/>
+          <a:p>
+            <a:pPr algn="ctr"/>
+            <a:endParaRPr lang="en-US"/>
+          </a:p>
+        </p:txBody>
+      </p:sp>
       <p:pic>
         <p:nvPicPr>
-          <p:cNvPr id="1334" name="Picture 12" descr="Single Pole Double Throw (SPDT) Switch Circuit">
-            <a:extLst>
-              <a:ext uri="{FF2B5EF4-FFF2-40B4-BE49-F238E27FC236}">
-                <a16:creationId xmlns:a16="http://schemas.microsoft.com/office/drawing/2014/main" id="{49FED227-9504-44F8-9495-243BC9889B69}"/>
+          <p:cNvPr id="1344" name="Picture 8" descr="An image showing the electronic symbol for voltage source, current source, battery, resistive light (lamp), resistor, switch, diode, and LED">
+            <a:extLst>
+              <a:ext uri="{FF2B5EF4-FFF2-40B4-BE49-F238E27FC236}">
+                <a16:creationId xmlns:a16="http://schemas.microsoft.com/office/drawing/2014/main" id="{60EE1D3F-5C62-4BAD-84FA-140532D5D896}"/>
               </a:ext>
             </a:extLst>
           </p:cNvPr>
@@ -24284,20 +24548,20 @@
           <p:nvPr/>
         </p:nvPicPr>
         <p:blipFill rotWithShape="1">
-          <a:blip r:embed="rId2">
+          <a:blip r:embed="rId6">
             <a:extLst>
               <a:ext uri="{28A0092B-C50C-407E-A947-70E740481C1C}">
                 <a14:useLocalDpi xmlns:a14="http://schemas.microsoft.com/office/drawing/2010/main" val="0"/>
               </a:ext>
             </a:extLst>
           </a:blip>
-          <a:srcRect l="20259" t="39366" r="56707" b="47524"/>
+          <a:srcRect l="88112" t="29774" b="26287"/>
           <a:stretch/>
         </p:blipFill>
         <p:spPr bwMode="auto">
-          <a:xfrm flipH="1">
-            <a:off x="26328201" y="5447359"/>
-            <a:ext cx="871015" cy="399395"/>
+          <a:xfrm rot="5400000">
+            <a:off x="26540381" y="6792250"/>
+            <a:ext cx="474199" cy="466335"/>
           </a:xfrm>
           <a:prstGeom prst="rect">
             <a:avLst/>
@@ -24316,30 +24580,28 @@
       </p:pic>
       <p:cxnSp>
         <p:nvCxnSpPr>
-          <p:cNvPr id="1335" name="Connector: Elbow 1334">
-            <a:extLst>
-              <a:ext uri="{FF2B5EF4-FFF2-40B4-BE49-F238E27FC236}">
-                <a16:creationId xmlns:a16="http://schemas.microsoft.com/office/drawing/2014/main" id="{8EE9B900-AC1F-4102-8DED-67285E8D697A}"/>
+          <p:cNvPr id="1345" name="Straight Connector 1344">
+            <a:extLst>
+              <a:ext uri="{FF2B5EF4-FFF2-40B4-BE49-F238E27FC236}">
+                <a16:creationId xmlns:a16="http://schemas.microsoft.com/office/drawing/2014/main" id="{50EB92A6-EF0D-4E10-AF5E-055E9791E6A8}"/>
               </a:ext>
             </a:extLst>
           </p:cNvPr>
           <p:cNvCxnSpPr>
             <a:cxnSpLocks/>
-            <a:endCxn id="1329" idx="2"/>
+            <a:stCxn id="1343" idx="2"/>
           </p:cNvCxnSpPr>
           <p:nvPr/>
         </p:nvCxnSpPr>
         <p:spPr>
-          <a:xfrm flipV="1">
-            <a:off x="26328200" y="5353781"/>
-            <a:ext cx="989180" cy="137126"/>
-          </a:xfrm>
-          <a:prstGeom prst="bentConnector3">
-            <a:avLst>
-              <a:gd name="adj1" fmla="val 442"/>
-            </a:avLst>
-          </a:prstGeom>
-          <a:ln w="22225"/>
+          <a:xfrm flipH="1">
+            <a:off x="27010279" y="7013208"/>
+            <a:ext cx="310217" cy="0"/>
+          </a:xfrm>
+          <a:prstGeom prst="line">
+            <a:avLst/>
+          </a:prstGeom>
+          <a:ln w="15875"/>
         </p:spPr>
         <p:style>
           <a:lnRef idx="1">
@@ -24356,135 +24618,12 @@
           </a:fontRef>
         </p:style>
       </p:cxnSp>
-      <p:cxnSp>
-        <p:nvCxnSpPr>
-          <p:cNvPr id="1336" name="Connector: Elbow 1335">
-            <a:extLst>
-              <a:ext uri="{FF2B5EF4-FFF2-40B4-BE49-F238E27FC236}">
-                <a16:creationId xmlns:a16="http://schemas.microsoft.com/office/drawing/2014/main" id="{6AF4B026-BE62-4ED2-AC92-B214F533F5A9}"/>
-              </a:ext>
-            </a:extLst>
-          </p:cNvPr>
-          <p:cNvCxnSpPr>
-            <a:cxnSpLocks/>
-            <a:endCxn id="1326" idx="2"/>
-          </p:cNvCxnSpPr>
-          <p:nvPr/>
-        </p:nvCxnSpPr>
-        <p:spPr>
-          <a:xfrm flipV="1">
-            <a:off x="27189387" y="5647059"/>
-            <a:ext cx="141150" cy="115451"/>
-          </a:xfrm>
-          <a:prstGeom prst="bentConnector3">
-            <a:avLst>
-              <a:gd name="adj1" fmla="val 50000"/>
-            </a:avLst>
-          </a:prstGeom>
-          <a:ln w="25400"/>
-        </p:spPr>
-        <p:style>
-          <a:lnRef idx="1">
-            <a:schemeClr val="dk1"/>
-          </a:lnRef>
-          <a:fillRef idx="0">
-            <a:schemeClr val="dk1"/>
-          </a:fillRef>
-          <a:effectRef idx="0">
-            <a:schemeClr val="dk1"/>
-          </a:effectRef>
-          <a:fontRef idx="minor">
-            <a:schemeClr val="tx1"/>
-          </a:fontRef>
-        </p:style>
-      </p:cxnSp>
-      <p:cxnSp>
-        <p:nvCxnSpPr>
-          <p:cNvPr id="1337" name="Connector: Elbow 1336">
-            <a:extLst>
-              <a:ext uri="{FF2B5EF4-FFF2-40B4-BE49-F238E27FC236}">
-                <a16:creationId xmlns:a16="http://schemas.microsoft.com/office/drawing/2014/main" id="{D0D96C9F-9466-4486-A4FD-6FA74E359684}"/>
-              </a:ext>
-            </a:extLst>
-          </p:cNvPr>
-          <p:cNvCxnSpPr>
-            <a:cxnSpLocks/>
-          </p:cNvCxnSpPr>
-          <p:nvPr/>
-        </p:nvCxnSpPr>
-        <p:spPr>
-          <a:xfrm>
-            <a:off x="26328201" y="5778194"/>
-            <a:ext cx="1002338" cy="149917"/>
-          </a:xfrm>
-          <a:prstGeom prst="bentConnector3">
-            <a:avLst>
-              <a:gd name="adj1" fmla="val 839"/>
-            </a:avLst>
-          </a:prstGeom>
-          <a:ln w="22225"/>
-        </p:spPr>
-        <p:style>
-          <a:lnRef idx="1">
-            <a:schemeClr val="dk1"/>
-          </a:lnRef>
-          <a:fillRef idx="0">
-            <a:schemeClr val="dk1"/>
-          </a:fillRef>
-          <a:effectRef idx="0">
-            <a:schemeClr val="dk1"/>
-          </a:effectRef>
-          <a:fontRef idx="minor">
-            <a:schemeClr val="tx1"/>
-          </a:fontRef>
-        </p:style>
-      </p:cxnSp>
-      <p:cxnSp>
-        <p:nvCxnSpPr>
-          <p:cNvPr id="1340" name="Straight Connector 1339">
-            <a:extLst>
-              <a:ext uri="{FF2B5EF4-FFF2-40B4-BE49-F238E27FC236}">
-                <a16:creationId xmlns:a16="http://schemas.microsoft.com/office/drawing/2014/main" id="{2FB2AD29-9EFA-41A0-A720-8C7C43CE7E4A}"/>
-              </a:ext>
-            </a:extLst>
-          </p:cNvPr>
-          <p:cNvCxnSpPr>
-            <a:cxnSpLocks/>
-            <a:stCxn id="1328" idx="2"/>
-          </p:cNvCxnSpPr>
-          <p:nvPr/>
-        </p:nvCxnSpPr>
-        <p:spPr>
-          <a:xfrm flipH="1">
-            <a:off x="27016512" y="6571593"/>
-            <a:ext cx="310217" cy="0"/>
-          </a:xfrm>
-          <a:prstGeom prst="line">
-            <a:avLst/>
-          </a:prstGeom>
-          <a:ln w="15875"/>
-        </p:spPr>
-        <p:style>
-          <a:lnRef idx="1">
-            <a:schemeClr val="dk1"/>
-          </a:lnRef>
-          <a:fillRef idx="0">
-            <a:schemeClr val="dk1"/>
-          </a:fillRef>
-          <a:effectRef idx="0">
-            <a:schemeClr val="dk1"/>
-          </a:effectRef>
-          <a:fontRef idx="minor">
-            <a:schemeClr val="tx1"/>
-          </a:fontRef>
-        </p:style>
-      </p:cxnSp>
-      <p:sp>
-        <p:nvSpPr>
-          <p:cNvPr id="1343" name="Oval 1342">
-            <a:extLst>
-              <a:ext uri="{FF2B5EF4-FFF2-40B4-BE49-F238E27FC236}">
-                <a16:creationId xmlns:a16="http://schemas.microsoft.com/office/drawing/2014/main" id="{0DCED853-CA47-4145-BA72-F6ABDE66A267}"/>
+      <p:sp>
+        <p:nvSpPr>
+          <p:cNvPr id="1346" name="Oval 1345">
+            <a:extLst>
+              <a:ext uri="{FF2B5EF4-FFF2-40B4-BE49-F238E27FC236}">
+                <a16:creationId xmlns:a16="http://schemas.microsoft.com/office/drawing/2014/main" id="{93FC704C-80E1-4329-978E-C55EDA8A1000}"/>
               </a:ext>
             </a:extLst>
           </p:cNvPr>
@@ -24493,7 +24632,7 @@
         </p:nvSpPr>
         <p:spPr>
           <a:xfrm>
-            <a:off x="27320496" y="6977104"/>
+            <a:off x="27320496" y="7407025"/>
             <a:ext cx="66716" cy="72212"/>
           </a:xfrm>
           <a:prstGeom prst="ellipse">
@@ -24535,10 +24674,10 @@
       </p:sp>
       <p:pic>
         <p:nvPicPr>
-          <p:cNvPr id="1344" name="Picture 8" descr="An image showing the electronic symbol for voltage source, current source, battery, resistive light (lamp), resistor, switch, diode, and LED">
-            <a:extLst>
-              <a:ext uri="{FF2B5EF4-FFF2-40B4-BE49-F238E27FC236}">
-                <a16:creationId xmlns:a16="http://schemas.microsoft.com/office/drawing/2014/main" id="{60EE1D3F-5C62-4BAD-84FA-140532D5D896}"/>
+          <p:cNvPr id="1347" name="Picture 8" descr="An image showing the electronic symbol for voltage source, current source, battery, resistive light (lamp), resistor, switch, diode, and LED">
+            <a:extLst>
+              <a:ext uri="{FF2B5EF4-FFF2-40B4-BE49-F238E27FC236}">
+                <a16:creationId xmlns:a16="http://schemas.microsoft.com/office/drawing/2014/main" id="{2E3936D4-71D4-48E5-A0CA-2E507629DCF4}"/>
               </a:ext>
             </a:extLst>
           </p:cNvPr>
@@ -24560,7 +24699,7 @@
         </p:blipFill>
         <p:spPr bwMode="auto">
           <a:xfrm rot="5400000">
-            <a:off x="26540381" y="6792250"/>
+            <a:off x="26540381" y="7222173"/>
             <a:ext cx="474199" cy="466335"/>
           </a:xfrm>
           <a:prstGeom prst="rect">
@@ -24580,145 +24719,6 @@
       </p:pic>
       <p:cxnSp>
         <p:nvCxnSpPr>
-          <p:cNvPr id="1345" name="Straight Connector 1344">
-            <a:extLst>
-              <a:ext uri="{FF2B5EF4-FFF2-40B4-BE49-F238E27FC236}">
-                <a16:creationId xmlns:a16="http://schemas.microsoft.com/office/drawing/2014/main" id="{50EB92A6-EF0D-4E10-AF5E-055E9791E6A8}"/>
-              </a:ext>
-            </a:extLst>
-          </p:cNvPr>
-          <p:cNvCxnSpPr>
-            <a:cxnSpLocks/>
-            <a:stCxn id="1343" idx="2"/>
-          </p:cNvCxnSpPr>
-          <p:nvPr/>
-        </p:nvCxnSpPr>
-        <p:spPr>
-          <a:xfrm flipH="1">
-            <a:off x="27010279" y="7013208"/>
-            <a:ext cx="310217" cy="0"/>
-          </a:xfrm>
-          <a:prstGeom prst="line">
-            <a:avLst/>
-          </a:prstGeom>
-          <a:ln w="15875"/>
-        </p:spPr>
-        <p:style>
-          <a:lnRef idx="1">
-            <a:schemeClr val="dk1"/>
-          </a:lnRef>
-          <a:fillRef idx="0">
-            <a:schemeClr val="dk1"/>
-          </a:fillRef>
-          <a:effectRef idx="0">
-            <a:schemeClr val="dk1"/>
-          </a:effectRef>
-          <a:fontRef idx="minor">
-            <a:schemeClr val="tx1"/>
-          </a:fontRef>
-        </p:style>
-      </p:cxnSp>
-      <p:sp>
-        <p:nvSpPr>
-          <p:cNvPr id="1346" name="Oval 1345">
-            <a:extLst>
-              <a:ext uri="{FF2B5EF4-FFF2-40B4-BE49-F238E27FC236}">
-                <a16:creationId xmlns:a16="http://schemas.microsoft.com/office/drawing/2014/main" id="{93FC704C-80E1-4329-978E-C55EDA8A1000}"/>
-              </a:ext>
-            </a:extLst>
-          </p:cNvPr>
-          <p:cNvSpPr/>
-          <p:nvPr/>
-        </p:nvSpPr>
-        <p:spPr>
-          <a:xfrm>
-            <a:off x="27320496" y="7407025"/>
-            <a:ext cx="66716" cy="72212"/>
-          </a:xfrm>
-          <a:prstGeom prst="ellipse">
-            <a:avLst/>
-          </a:prstGeom>
-          <a:solidFill>
-            <a:schemeClr val="tx1"/>
-          </a:solidFill>
-          <a:ln>
-            <a:solidFill>
-              <a:schemeClr val="tx1"/>
-            </a:solidFill>
-          </a:ln>
-        </p:spPr>
-        <p:style>
-          <a:lnRef idx="2">
-            <a:schemeClr val="accent1">
-              <a:shade val="50000"/>
-            </a:schemeClr>
-          </a:lnRef>
-          <a:fillRef idx="1">
-            <a:schemeClr val="accent1"/>
-          </a:fillRef>
-          <a:effectRef idx="0">
-            <a:schemeClr val="accent1"/>
-          </a:effectRef>
-          <a:fontRef idx="minor">
-            <a:schemeClr val="lt1"/>
-          </a:fontRef>
-        </p:style>
-        <p:txBody>
-          <a:bodyPr rtlCol="0" anchor="ctr"/>
-          <a:lstStyle/>
-          <a:p>
-            <a:pPr algn="ctr"/>
-            <a:endParaRPr lang="en-US"/>
-          </a:p>
-        </p:txBody>
-      </p:sp>
-      <p:pic>
-        <p:nvPicPr>
-          <p:cNvPr id="1347" name="Picture 8" descr="An image showing the electronic symbol for voltage source, current source, battery, resistive light (lamp), resistor, switch, diode, and LED">
-            <a:extLst>
-              <a:ext uri="{FF2B5EF4-FFF2-40B4-BE49-F238E27FC236}">
-                <a16:creationId xmlns:a16="http://schemas.microsoft.com/office/drawing/2014/main" id="{2E3936D4-71D4-48E5-A0CA-2E507629DCF4}"/>
-              </a:ext>
-            </a:extLst>
-          </p:cNvPr>
-          <p:cNvPicPr>
-            <a:picLocks noChangeAspect="1" noChangeArrowheads="1"/>
-          </p:cNvPicPr>
-          <p:nvPr/>
-        </p:nvPicPr>
-        <p:blipFill rotWithShape="1">
-          <a:blip r:embed="rId6">
-            <a:extLst>
-              <a:ext uri="{28A0092B-C50C-407E-A947-70E740481C1C}">
-                <a14:useLocalDpi xmlns:a14="http://schemas.microsoft.com/office/drawing/2010/main" val="0"/>
-              </a:ext>
-            </a:extLst>
-          </a:blip>
-          <a:srcRect l="88112" t="29774" b="26287"/>
-          <a:stretch/>
-        </p:blipFill>
-        <p:spPr bwMode="auto">
-          <a:xfrm rot="5400000">
-            <a:off x="26540381" y="7222173"/>
-            <a:ext cx="474199" cy="466335"/>
-          </a:xfrm>
-          <a:prstGeom prst="rect">
-            <a:avLst/>
-          </a:prstGeom>
-          <a:noFill/>
-          <a:extLst>
-            <a:ext uri="{909E8E84-426E-40DD-AFC4-6F175D3DCCD1}">
-              <a14:hiddenFill xmlns:a14="http://schemas.microsoft.com/office/drawing/2010/main">
-                <a:solidFill>
-                  <a:srgbClr val="FFFFFF"/>
-                </a:solidFill>
-              </a14:hiddenFill>
-            </a:ext>
-          </a:extLst>
-        </p:spPr>
-      </p:pic>
-      <p:cxnSp>
-        <p:nvCxnSpPr>
           <p:cNvPr id="1348" name="Straight Connector 1347">
             <a:extLst>
               <a:ext uri="{FF2B5EF4-FFF2-40B4-BE49-F238E27FC236}">
@@ -24868,7 +24868,7 @@
           <p:nvPr/>
         </p:nvPicPr>
         <p:blipFill rotWithShape="1">
-          <a:blip r:embed="rId2">
+          <a:blip r:embed="rId4">
             <a:extLst>
               <a:ext uri="{28A0092B-C50C-407E-A947-70E740481C1C}">
                 <a14:useLocalDpi xmlns:a14="http://schemas.microsoft.com/office/drawing/2010/main" val="0"/>
@@ -40022,7 +40022,7 @@
           </a:xfrm>
           <a:prstGeom prst="bentConnector3">
             <a:avLst>
-              <a:gd name="adj1" fmla="val 75144"/>
+              <a:gd name="adj1" fmla="val 61721"/>
             </a:avLst>
           </a:prstGeom>
           <a:ln w="50800"/>
@@ -42110,7 +42110,7 @@
           <p:nvPr/>
         </p:nvPicPr>
         <p:blipFill rotWithShape="1">
-          <a:blip r:embed="rId4">
+          <a:blip r:embed="rId5">
             <a:clrChange>
               <a:clrFrom>
                 <a:srgbClr val="FFFFFF"/>
@@ -42225,61 +42225,6 @@
           <a:xfrm>
             <a:off x="34071834" y="2468171"/>
             <a:ext cx="375111" cy="6811002"/>
-          </a:xfrm>
-          <a:prstGeom prst="rect">
-            <a:avLst/>
-          </a:prstGeom>
-          <a:noFill/>
-          <a:extLst>
-            <a:ext uri="{909E8E84-426E-40DD-AFC4-6F175D3DCCD1}">
-              <a14:hiddenFill xmlns:a14="http://schemas.microsoft.com/office/drawing/2010/main">
-                <a:solidFill>
-                  <a:srgbClr val="FFFFFF"/>
-                </a:solidFill>
-              </a14:hiddenFill>
-            </a:ext>
-          </a:extLst>
-        </p:spPr>
-      </p:pic>
-      <p:pic>
-        <p:nvPicPr>
-          <p:cNvPr id="852" name="Picture 2">
-            <a:extLst>
-              <a:ext uri="{FF2B5EF4-FFF2-40B4-BE49-F238E27FC236}">
-                <a16:creationId xmlns:a16="http://schemas.microsoft.com/office/drawing/2014/main" id="{7C9F27D8-5D83-4DB0-882F-1830CC07698C}"/>
-              </a:ext>
-            </a:extLst>
-          </p:cNvPr>
-          <p:cNvPicPr>
-            <a:picLocks noChangeAspect="1" noChangeArrowheads="1"/>
-          </p:cNvPicPr>
-          <p:nvPr/>
-        </p:nvPicPr>
-        <p:blipFill rotWithShape="1">
-          <a:blip r:embed="rId3">
-            <a:clrChange>
-              <a:clrFrom>
-                <a:srgbClr val="FFFFFF"/>
-              </a:clrFrom>
-              <a:clrTo>
-                <a:srgbClr val="FFFFFF">
-                  <a:alpha val="0"/>
-                </a:srgbClr>
-              </a:clrTo>
-            </a:clrChange>
-            <a:extLst>
-              <a:ext uri="{28A0092B-C50C-407E-A947-70E740481C1C}">
-                <a14:useLocalDpi xmlns:a14="http://schemas.microsoft.com/office/drawing/2010/main" val="0"/>
-              </a:ext>
-            </a:extLst>
-          </a:blip>
-          <a:srcRect l="82781" t="7237" r="1339" b="26043"/>
-          <a:stretch/>
-        </p:blipFill>
-        <p:spPr bwMode="auto">
-          <a:xfrm rot="5400000">
-            <a:off x="27115735" y="31217837"/>
-            <a:ext cx="2504231" cy="8156218"/>
           </a:xfrm>
           <a:prstGeom prst="rect">
             <a:avLst/>
@@ -42923,8 +42868,8 @@
         </p:nvSpPr>
         <p:spPr>
           <a:xfrm>
-            <a:off x="18891204" y="27996264"/>
-            <a:ext cx="760428" cy="923330"/>
+            <a:off x="18626238" y="28234930"/>
+            <a:ext cx="1025394" cy="584775"/>
           </a:xfrm>
           <a:prstGeom prst="rect">
             <a:avLst/>
@@ -42938,22 +42883,15 @@
           <a:lstStyle/>
           <a:p>
             <a:r>
-              <a:rPr lang="en-US" dirty="0"/>
+              <a:rPr lang="en-US" sz="1600" dirty="0"/>
               <a:t>5VDC</a:t>
             </a:r>
             <a:br>
-              <a:rPr lang="en-US" dirty="0"/>
+              <a:rPr lang="en-US" sz="1600" dirty="0"/>
             </a:br>
             <a:r>
-              <a:rPr lang="en-US" dirty="0"/>
-              <a:t>PSU</a:t>
-            </a:r>
-            <a:br>
-              <a:rPr lang="en-US" dirty="0"/>
-            </a:br>
-            <a:r>
-              <a:rPr lang="en-US" dirty="0"/>
-              <a:t>Fan</a:t>
+              <a:rPr lang="en-US" sz="1600" dirty="0"/>
+              <a:t>PSU Fan</a:t>
             </a:r>
           </a:p>
         </p:txBody>
@@ -43071,8 +43009,8 @@
         </p:nvSpPr>
         <p:spPr>
           <a:xfrm>
-            <a:off x="19186661" y="28841920"/>
-            <a:ext cx="1246124" cy="646331"/>
+            <a:off x="19157633" y="28899976"/>
+            <a:ext cx="1246124" cy="584775"/>
           </a:xfrm>
           <a:prstGeom prst="rect">
             <a:avLst/>
@@ -43086,13 +43024,13 @@
           <a:lstStyle/>
           <a:p>
             <a:r>
-              <a:rPr lang="en-US" dirty="0"/>
+              <a:rPr lang="en-US" sz="1600" dirty="0"/>
               <a:t>Stepper</a:t>
             </a:r>
           </a:p>
           <a:p>
             <a:r>
-              <a:rPr lang="en-US" dirty="0"/>
+              <a:rPr lang="en-US" sz="1600" dirty="0"/>
               <a:t>Driver Fan</a:t>
             </a:r>
           </a:p>
@@ -45828,47 +45766,6 @@
       </p:cxnSp>
       <p:cxnSp>
         <p:nvCxnSpPr>
-          <p:cNvPr id="963" name="Connector: Elbow 962">
-            <a:extLst>
-              <a:ext uri="{FF2B5EF4-FFF2-40B4-BE49-F238E27FC236}">
-                <a16:creationId xmlns:a16="http://schemas.microsoft.com/office/drawing/2014/main" id="{C459CB11-8E3D-4A64-ACC2-4F5808B1121F}"/>
-              </a:ext>
-            </a:extLst>
-          </p:cNvPr>
-          <p:cNvCxnSpPr>
-            <a:cxnSpLocks/>
-            <a:endCxn id="981" idx="0"/>
-          </p:cNvCxnSpPr>
-          <p:nvPr/>
-        </p:nvCxnSpPr>
-        <p:spPr>
-          <a:xfrm rot="5400000">
-            <a:off x="35932996" y="5575193"/>
-            <a:ext cx="515034" cy="12700"/>
-          </a:xfrm>
-          <a:prstGeom prst="bentConnector3">
-            <a:avLst>
-              <a:gd name="adj1" fmla="val 50000"/>
-            </a:avLst>
-          </a:prstGeom>
-        </p:spPr>
-        <p:style>
-          <a:lnRef idx="1">
-            <a:schemeClr val="dk1"/>
-          </a:lnRef>
-          <a:fillRef idx="0">
-            <a:schemeClr val="dk1"/>
-          </a:fillRef>
-          <a:effectRef idx="0">
-            <a:schemeClr val="dk1"/>
-          </a:effectRef>
-          <a:fontRef idx="minor">
-            <a:schemeClr val="tx1"/>
-          </a:fontRef>
-        </p:style>
-      </p:cxnSp>
-      <p:cxnSp>
-        <p:nvCxnSpPr>
           <p:cNvPr id="96" name="Straight Connector 95">
             <a:extLst>
               <a:ext uri="{FF2B5EF4-FFF2-40B4-BE49-F238E27FC236}">
@@ -52797,6 +52694,186 @@
             <a:avLst/>
           </a:prstGeom>
           <a:ln w="50800"/>
+        </p:spPr>
+        <p:style>
+          <a:lnRef idx="1">
+            <a:schemeClr val="dk1"/>
+          </a:lnRef>
+          <a:fillRef idx="0">
+            <a:schemeClr val="dk1"/>
+          </a:fillRef>
+          <a:effectRef idx="0">
+            <a:schemeClr val="dk1"/>
+          </a:effectRef>
+          <a:fontRef idx="minor">
+            <a:schemeClr val="tx1"/>
+          </a:fontRef>
+        </p:style>
+      </p:cxnSp>
+      <p:sp>
+        <p:nvSpPr>
+          <p:cNvPr id="1071" name="Rectangle 1070">
+            <a:extLst>
+              <a:ext uri="{FF2B5EF4-FFF2-40B4-BE49-F238E27FC236}">
+                <a16:creationId xmlns:a16="http://schemas.microsoft.com/office/drawing/2014/main" id="{E03D6195-DAE3-4225-BEB4-9797B238736F}"/>
+              </a:ext>
+            </a:extLst>
+          </p:cNvPr>
+          <p:cNvSpPr/>
+          <p:nvPr/>
+        </p:nvSpPr>
+        <p:spPr>
+          <a:xfrm>
+            <a:off x="28138887" y="30194281"/>
+            <a:ext cx="1721988" cy="1554204"/>
+          </a:xfrm>
+          <a:prstGeom prst="rect">
+            <a:avLst/>
+          </a:prstGeom>
+          <a:noFill/>
+          <a:ln w="38100">
+            <a:solidFill>
+              <a:srgbClr val="FF0000"/>
+            </a:solidFill>
+          </a:ln>
+        </p:spPr>
+        <p:style>
+          <a:lnRef idx="2">
+            <a:schemeClr val="accent1">
+              <a:shade val="50000"/>
+            </a:schemeClr>
+          </a:lnRef>
+          <a:fillRef idx="1">
+            <a:schemeClr val="accent1"/>
+          </a:fillRef>
+          <a:effectRef idx="0">
+            <a:schemeClr val="accent1"/>
+          </a:effectRef>
+          <a:fontRef idx="minor">
+            <a:schemeClr val="lt1"/>
+          </a:fontRef>
+        </p:style>
+        <p:txBody>
+          <a:bodyPr rtlCol="0" anchor="ctr"/>
+          <a:lstStyle/>
+          <a:p>
+            <a:pPr algn="ctr"/>
+            <a:endParaRPr lang="en-US" sz="12101"/>
+          </a:p>
+        </p:txBody>
+      </p:sp>
+      <p:sp>
+        <p:nvSpPr>
+          <p:cNvPr id="1073" name="TextBox 1072">
+            <a:extLst>
+              <a:ext uri="{FF2B5EF4-FFF2-40B4-BE49-F238E27FC236}">
+                <a16:creationId xmlns:a16="http://schemas.microsoft.com/office/drawing/2014/main" id="{068DB7DD-091A-4A32-AF08-8E7CB3832922}"/>
+              </a:ext>
+            </a:extLst>
+          </p:cNvPr>
+          <p:cNvSpPr txBox="1"/>
+          <p:nvPr/>
+        </p:nvSpPr>
+        <p:spPr>
+          <a:xfrm>
+            <a:off x="28410839" y="30794136"/>
+            <a:ext cx="1375431" cy="369332"/>
+          </a:xfrm>
+          <a:prstGeom prst="rect">
+            <a:avLst/>
+          </a:prstGeom>
+          <a:noFill/>
+        </p:spPr>
+        <p:txBody>
+          <a:bodyPr wrap="square" rtlCol="0">
+            <a:spAutoFit/>
+          </a:bodyPr>
+          <a:lstStyle/>
+          <a:p>
+            <a:r>
+              <a:rPr lang="en-US" dirty="0"/>
+              <a:t>LCD Display</a:t>
+            </a:r>
+          </a:p>
+        </p:txBody>
+      </p:sp>
+      <p:pic>
+        <p:nvPicPr>
+          <p:cNvPr id="852" name="Picture 2">
+            <a:extLst>
+              <a:ext uri="{FF2B5EF4-FFF2-40B4-BE49-F238E27FC236}">
+                <a16:creationId xmlns:a16="http://schemas.microsoft.com/office/drawing/2014/main" id="{7C9F27D8-5D83-4DB0-882F-1830CC07698C}"/>
+              </a:ext>
+            </a:extLst>
+          </p:cNvPr>
+          <p:cNvPicPr>
+            <a:picLocks noChangeAspect="1" noChangeArrowheads="1"/>
+          </p:cNvPicPr>
+          <p:nvPr/>
+        </p:nvPicPr>
+        <p:blipFill rotWithShape="1">
+          <a:blip r:embed="rId2">
+            <a:clrChange>
+              <a:clrFrom>
+                <a:srgbClr val="FFFFFF"/>
+              </a:clrFrom>
+              <a:clrTo>
+                <a:srgbClr val="FFFFFF">
+                  <a:alpha val="0"/>
+                </a:srgbClr>
+              </a:clrTo>
+            </a:clrChange>
+            <a:extLst>
+              <a:ext uri="{28A0092B-C50C-407E-A947-70E740481C1C}">
+                <a14:useLocalDpi xmlns:a14="http://schemas.microsoft.com/office/drawing/2010/main" val="0"/>
+              </a:ext>
+            </a:extLst>
+          </a:blip>
+          <a:srcRect l="82781" t="7237" r="1339" b="26043"/>
+          <a:stretch/>
+        </p:blipFill>
+        <p:spPr bwMode="auto">
+          <a:xfrm rot="5400000">
+            <a:off x="27115735" y="31217837"/>
+            <a:ext cx="2504231" cy="8156218"/>
+          </a:xfrm>
+          <a:prstGeom prst="rect">
+            <a:avLst/>
+          </a:prstGeom>
+          <a:noFill/>
+          <a:extLst>
+            <a:ext uri="{909E8E84-426E-40DD-AFC4-6F175D3DCCD1}">
+              <a14:hiddenFill xmlns:a14="http://schemas.microsoft.com/office/drawing/2010/main">
+                <a:solidFill>
+                  <a:srgbClr val="FFFFFF"/>
+                </a:solidFill>
+              </a14:hiddenFill>
+            </a:ext>
+          </a:extLst>
+        </p:spPr>
+      </p:pic>
+      <p:cxnSp>
+        <p:nvCxnSpPr>
+          <p:cNvPr id="20" name="Straight Connector 19">
+            <a:extLst>
+              <a:ext uri="{FF2B5EF4-FFF2-40B4-BE49-F238E27FC236}">
+                <a16:creationId xmlns:a16="http://schemas.microsoft.com/office/drawing/2014/main" id="{3155D267-6E43-4C57-A19A-DAE5C956808D}"/>
+              </a:ext>
+            </a:extLst>
+          </p:cNvPr>
+          <p:cNvCxnSpPr>
+            <a:endCxn id="981" idx="0"/>
+          </p:cNvCxnSpPr>
+          <p:nvPr/>
+        </p:nvCxnSpPr>
+        <p:spPr>
+          <a:xfrm flipH="1">
+            <a:off x="36190513" y="5317676"/>
+            <a:ext cx="1312" cy="515034"/>
+          </a:xfrm>
+          <a:prstGeom prst="line">
+            <a:avLst/>
+          </a:prstGeom>
         </p:spPr>
         <p:style>
           <a:lnRef idx="1">

--- a/V2.2526_Hardware/__WDM/V2.2526 Wiring Diagram.pptx
+++ b/V2.2526_Hardware/__WDM/V2.2526 Wiring Diagram.pptx
@@ -2983,6 +2983,61 @@
       </p:grpSpPr>
       <p:pic>
         <p:nvPicPr>
+          <p:cNvPr id="852" name="Picture 2">
+            <a:extLst>
+              <a:ext uri="{FF2B5EF4-FFF2-40B4-BE49-F238E27FC236}">
+                <a16:creationId xmlns:a16="http://schemas.microsoft.com/office/drawing/2014/main" id="{7C9F27D8-5D83-4DB0-882F-1830CC07698C}"/>
+              </a:ext>
+            </a:extLst>
+          </p:cNvPr>
+          <p:cNvPicPr>
+            <a:picLocks noChangeAspect="1" noChangeArrowheads="1"/>
+          </p:cNvPicPr>
+          <p:nvPr/>
+        </p:nvPicPr>
+        <p:blipFill rotWithShape="1">
+          <a:blip r:embed="rId2">
+            <a:clrChange>
+              <a:clrFrom>
+                <a:srgbClr val="FFFFFF"/>
+              </a:clrFrom>
+              <a:clrTo>
+                <a:srgbClr val="FFFFFF">
+                  <a:alpha val="0"/>
+                </a:srgbClr>
+              </a:clrTo>
+            </a:clrChange>
+            <a:extLst>
+              <a:ext uri="{28A0092B-C50C-407E-A947-70E740481C1C}">
+                <a14:useLocalDpi xmlns:a14="http://schemas.microsoft.com/office/drawing/2010/main" val="0"/>
+              </a:ext>
+            </a:extLst>
+          </a:blip>
+          <a:srcRect l="82781" t="7237" r="1339" b="26043"/>
+          <a:stretch/>
+        </p:blipFill>
+        <p:spPr bwMode="auto">
+          <a:xfrm rot="5400000">
+            <a:off x="27115735" y="31217837"/>
+            <a:ext cx="2504231" cy="8156218"/>
+          </a:xfrm>
+          <a:prstGeom prst="rect">
+            <a:avLst/>
+          </a:prstGeom>
+          <a:noFill/>
+          <a:extLst>
+            <a:ext uri="{909E8E84-426E-40DD-AFC4-6F175D3DCCD1}">
+              <a14:hiddenFill xmlns:a14="http://schemas.microsoft.com/office/drawing/2010/main">
+                <a:solidFill>
+                  <a:srgbClr val="FFFFFF"/>
+                </a:solidFill>
+              </a14:hiddenFill>
+            </a:ext>
+          </a:extLst>
+        </p:spPr>
+      </p:pic>
+      <p:pic>
+        <p:nvPicPr>
           <p:cNvPr id="1026" name="Picture 2">
             <a:extLst>
               <a:ext uri="{FF2B5EF4-FFF2-40B4-BE49-F238E27FC236}">
@@ -52797,61 +52852,6 @@
           </a:p>
         </p:txBody>
       </p:sp>
-      <p:pic>
-        <p:nvPicPr>
-          <p:cNvPr id="852" name="Picture 2">
-            <a:extLst>
-              <a:ext uri="{FF2B5EF4-FFF2-40B4-BE49-F238E27FC236}">
-                <a16:creationId xmlns:a16="http://schemas.microsoft.com/office/drawing/2014/main" id="{7C9F27D8-5D83-4DB0-882F-1830CC07698C}"/>
-              </a:ext>
-            </a:extLst>
-          </p:cNvPr>
-          <p:cNvPicPr>
-            <a:picLocks noChangeAspect="1" noChangeArrowheads="1"/>
-          </p:cNvPicPr>
-          <p:nvPr/>
-        </p:nvPicPr>
-        <p:blipFill rotWithShape="1">
-          <a:blip r:embed="rId2">
-            <a:clrChange>
-              <a:clrFrom>
-                <a:srgbClr val="FFFFFF"/>
-              </a:clrFrom>
-              <a:clrTo>
-                <a:srgbClr val="FFFFFF">
-                  <a:alpha val="0"/>
-                </a:srgbClr>
-              </a:clrTo>
-            </a:clrChange>
-            <a:extLst>
-              <a:ext uri="{28A0092B-C50C-407E-A947-70E740481C1C}">
-                <a14:useLocalDpi xmlns:a14="http://schemas.microsoft.com/office/drawing/2010/main" val="0"/>
-              </a:ext>
-            </a:extLst>
-          </a:blip>
-          <a:srcRect l="82781" t="7237" r="1339" b="26043"/>
-          <a:stretch/>
-        </p:blipFill>
-        <p:spPr bwMode="auto">
-          <a:xfrm rot="5400000">
-            <a:off x="27115735" y="31217837"/>
-            <a:ext cx="2504231" cy="8156218"/>
-          </a:xfrm>
-          <a:prstGeom prst="rect">
-            <a:avLst/>
-          </a:prstGeom>
-          <a:noFill/>
-          <a:extLst>
-            <a:ext uri="{909E8E84-426E-40DD-AFC4-6F175D3DCCD1}">
-              <a14:hiddenFill xmlns:a14="http://schemas.microsoft.com/office/drawing/2010/main">
-                <a:solidFill>
-                  <a:srgbClr val="FFFFFF"/>
-                </a:solidFill>
-              </a14:hiddenFill>
-            </a:ext>
-          </a:extLst>
-        </p:spPr>
-      </p:pic>
       <p:cxnSp>
         <p:nvCxnSpPr>
           <p:cNvPr id="20" name="Straight Connector 19">

--- a/V2.2526_Hardware/__WDM/V2.2526 Wiring Diagram.pptx
+++ b/V2.2526_Hardware/__WDM/V2.2526 Wiring Diagram.pptx
@@ -45522,17 +45522,18 @@
           </p:cNvPr>
           <p:cNvCxnSpPr>
             <a:cxnSpLocks/>
+            <a:endCxn id="1098" idx="0"/>
           </p:cNvCxnSpPr>
           <p:nvPr/>
         </p:nvCxnSpPr>
         <p:spPr>
           <a:xfrm>
             <a:off x="10882983" y="7049892"/>
-            <a:ext cx="17474858" cy="7289260"/>
+            <a:ext cx="17488369" cy="6364102"/>
           </a:xfrm>
           <a:prstGeom prst="bentConnector3">
             <a:avLst>
-              <a:gd name="adj1" fmla="val 36834"/>
+              <a:gd name="adj1" fmla="val 30066"/>
             </a:avLst>
           </a:prstGeom>
           <a:ln>
@@ -46358,7 +46359,7 @@
         </p:nvSpPr>
         <p:spPr>
           <a:xfrm rot="16200000">
-            <a:off x="28723494" y="13871283"/>
+            <a:off x="28740988" y="12942435"/>
             <a:ext cx="206446" cy="935194"/>
           </a:xfrm>
           <a:prstGeom prst="rect">
@@ -46412,7 +46413,7 @@
         </p:nvCxnSpPr>
         <p:spPr>
           <a:xfrm>
-            <a:off x="28348509" y="14336215"/>
+            <a:off x="28366003" y="13407367"/>
             <a:ext cx="940004" cy="5265"/>
           </a:xfrm>
           <a:prstGeom prst="line">
@@ -46449,7 +46450,7 @@
         </p:nvSpPr>
         <p:spPr>
           <a:xfrm rot="16200000">
-            <a:off x="28723493" y="13660723"/>
+            <a:off x="28740987" y="12731875"/>
             <a:ext cx="206446" cy="935194"/>
           </a:xfrm>
           <a:prstGeom prst="rect">
@@ -46503,7 +46504,7 @@
         </p:nvCxnSpPr>
         <p:spPr>
           <a:xfrm>
-            <a:off x="28348508" y="14125655"/>
+            <a:off x="28366002" y="13196807"/>
             <a:ext cx="940004" cy="5265"/>
           </a:xfrm>
           <a:prstGeom prst="line">
@@ -46540,7 +46541,7 @@
         </p:nvSpPr>
         <p:spPr>
           <a:xfrm rot="16200000">
-            <a:off x="28715276" y="13659287"/>
+            <a:off x="28732770" y="12730439"/>
             <a:ext cx="223739" cy="938611"/>
           </a:xfrm>
           <a:prstGeom prst="rect">
@@ -46933,8 +46934,8 @@
         </p:nvCxnSpPr>
         <p:spPr>
           <a:xfrm flipV="1">
-            <a:off x="29296451" y="12517256"/>
-            <a:ext cx="1626783" cy="1611336"/>
+            <a:off x="29313945" y="12517256"/>
+            <a:ext cx="1609289" cy="682488"/>
           </a:xfrm>
           <a:prstGeom prst="bentConnector3">
             <a:avLst/>
@@ -46966,18 +46967,19 @@
           </p:cNvPr>
           <p:cNvCxnSpPr>
             <a:cxnSpLocks/>
+            <a:stCxn id="1048" idx="2"/>
             <a:endCxn id="894" idx="1"/>
           </p:cNvCxnSpPr>
           <p:nvPr/>
         </p:nvCxnSpPr>
         <p:spPr>
-          <a:xfrm flipV="1">
-            <a:off x="29296452" y="13817723"/>
-            <a:ext cx="1646986" cy="521429"/>
+          <a:xfrm>
+            <a:off x="29311808" y="13410032"/>
+            <a:ext cx="1631630" cy="407691"/>
           </a:xfrm>
           <a:prstGeom prst="bentConnector3">
             <a:avLst>
-              <a:gd name="adj1" fmla="val 70820"/>
+              <a:gd name="adj1" fmla="val 50000"/>
             </a:avLst>
           </a:prstGeom>
         </p:spPr>
@@ -47749,7 +47751,7 @@
         </p:nvSpPr>
         <p:spPr>
           <a:xfrm rot="16200000">
-            <a:off x="28711294" y="13873537"/>
+            <a:off x="28728788" y="12944689"/>
             <a:ext cx="223739" cy="938611"/>
           </a:xfrm>
           <a:prstGeom prst="rect">

--- a/V2.2526_Hardware/__WDM/V2.2526 Wiring Diagram.pptx
+++ b/V2.2526_Hardware/__WDM/V2.2526 Wiring Diagram.pptx
@@ -243,7 +243,7 @@
           <a:p>
             <a:fld id="{965F083E-E327-42BE-A4AB-9DCC0F96DD77}" type="datetimeFigureOut">
               <a:rPr lang="en-US" smtClean="0"/>
-              <a:t>22-Apr-22</a:t>
+              <a:t>22-May-22</a:t>
             </a:fld>
             <a:endParaRPr lang="en-US"/>
           </a:p>
@@ -413,7 +413,7 @@
           <a:p>
             <a:fld id="{965F083E-E327-42BE-A4AB-9DCC0F96DD77}" type="datetimeFigureOut">
               <a:rPr lang="en-US" smtClean="0"/>
-              <a:t>22-Apr-22</a:t>
+              <a:t>22-May-22</a:t>
             </a:fld>
             <a:endParaRPr lang="en-US"/>
           </a:p>
@@ -593,7 +593,7 @@
           <a:p>
             <a:fld id="{965F083E-E327-42BE-A4AB-9DCC0F96DD77}" type="datetimeFigureOut">
               <a:rPr lang="en-US" smtClean="0"/>
-              <a:t>22-Apr-22</a:t>
+              <a:t>22-May-22</a:t>
             </a:fld>
             <a:endParaRPr lang="en-US"/>
           </a:p>
@@ -763,7 +763,7 @@
           <a:p>
             <a:fld id="{965F083E-E327-42BE-A4AB-9DCC0F96DD77}" type="datetimeFigureOut">
               <a:rPr lang="en-US" smtClean="0"/>
-              <a:t>22-Apr-22</a:t>
+              <a:t>22-May-22</a:t>
             </a:fld>
             <a:endParaRPr lang="en-US"/>
           </a:p>
@@ -1007,7 +1007,7 @@
           <a:p>
             <a:fld id="{965F083E-E327-42BE-A4AB-9DCC0F96DD77}" type="datetimeFigureOut">
               <a:rPr lang="en-US" smtClean="0"/>
-              <a:t>22-Apr-22</a:t>
+              <a:t>22-May-22</a:t>
             </a:fld>
             <a:endParaRPr lang="en-US"/>
           </a:p>
@@ -1239,7 +1239,7 @@
           <a:p>
             <a:fld id="{965F083E-E327-42BE-A4AB-9DCC0F96DD77}" type="datetimeFigureOut">
               <a:rPr lang="en-US" smtClean="0"/>
-              <a:t>22-Apr-22</a:t>
+              <a:t>22-May-22</a:t>
             </a:fld>
             <a:endParaRPr lang="en-US"/>
           </a:p>
@@ -1606,7 +1606,7 @@
           <a:p>
             <a:fld id="{965F083E-E327-42BE-A4AB-9DCC0F96DD77}" type="datetimeFigureOut">
               <a:rPr lang="en-US" smtClean="0"/>
-              <a:t>22-Apr-22</a:t>
+              <a:t>22-May-22</a:t>
             </a:fld>
             <a:endParaRPr lang="en-US"/>
           </a:p>
@@ -1724,7 +1724,7 @@
           <a:p>
             <a:fld id="{965F083E-E327-42BE-A4AB-9DCC0F96DD77}" type="datetimeFigureOut">
               <a:rPr lang="en-US" smtClean="0"/>
-              <a:t>22-Apr-22</a:t>
+              <a:t>22-May-22</a:t>
             </a:fld>
             <a:endParaRPr lang="en-US"/>
           </a:p>
@@ -1819,7 +1819,7 @@
           <a:p>
             <a:fld id="{965F083E-E327-42BE-A4AB-9DCC0F96DD77}" type="datetimeFigureOut">
               <a:rPr lang="en-US" smtClean="0"/>
-              <a:t>22-Apr-22</a:t>
+              <a:t>22-May-22</a:t>
             </a:fld>
             <a:endParaRPr lang="en-US"/>
           </a:p>
@@ -2096,7 +2096,7 @@
           <a:p>
             <a:fld id="{965F083E-E327-42BE-A4AB-9DCC0F96DD77}" type="datetimeFigureOut">
               <a:rPr lang="en-US" smtClean="0"/>
-              <a:t>22-Apr-22</a:t>
+              <a:t>22-May-22</a:t>
             </a:fld>
             <a:endParaRPr lang="en-US"/>
           </a:p>
@@ -2353,7 +2353,7 @@
           <a:p>
             <a:fld id="{965F083E-E327-42BE-A4AB-9DCC0F96DD77}" type="datetimeFigureOut">
               <a:rPr lang="en-US" smtClean="0"/>
-              <a:t>22-Apr-22</a:t>
+              <a:t>22-May-22</a:t>
             </a:fld>
             <a:endParaRPr lang="en-US"/>
           </a:p>
@@ -2566,7 +2566,7 @@
           <a:p>
             <a:fld id="{965F083E-E327-42BE-A4AB-9DCC0F96DD77}" type="datetimeFigureOut">
               <a:rPr lang="en-US" smtClean="0"/>
-              <a:t>22-Apr-22</a:t>
+              <a:t>22-May-22</a:t>
             </a:fld>
             <a:endParaRPr lang="en-US"/>
           </a:p>
@@ -35567,63 +35567,6 @@
       </p:pic>
       <p:pic>
         <p:nvPicPr>
-          <p:cNvPr id="1983" name="Picture 26" descr="What is the symbol for a Fan on a circuit? Is it just Motor? - Electrical  Engineering Stack Exchange">
-            <a:extLst>
-              <a:ext uri="{FF2B5EF4-FFF2-40B4-BE49-F238E27FC236}">
-                <a16:creationId xmlns:a16="http://schemas.microsoft.com/office/drawing/2014/main" id="{C69F87B1-FBF7-431C-92AC-28B8753475F6}"/>
-              </a:ext>
-            </a:extLst>
-          </p:cNvPr>
-          <p:cNvPicPr>
-            <a:picLocks noChangeAspect="1" noChangeArrowheads="1"/>
-          </p:cNvPicPr>
-          <p:nvPr/>
-        </p:nvPicPr>
-        <p:blipFill>
-          <a:blip r:embed="rId10">
-            <a:clrChange>
-              <a:clrFrom>
-                <a:srgbClr val="FFFFFF"/>
-              </a:clrFrom>
-              <a:clrTo>
-                <a:srgbClr val="FFFFFF">
-                  <a:alpha val="0"/>
-                </a:srgbClr>
-              </a:clrTo>
-            </a:clrChange>
-            <a:extLst>
-              <a:ext uri="{28A0092B-C50C-407E-A947-70E740481C1C}">
-                <a14:useLocalDpi xmlns:a14="http://schemas.microsoft.com/office/drawing/2010/main" val="0"/>
-              </a:ext>
-            </a:extLst>
-          </a:blip>
-          <a:srcRect/>
-          <a:stretch>
-            <a:fillRect/>
-          </a:stretch>
-        </p:blipFill>
-        <p:spPr bwMode="auto">
-          <a:xfrm>
-            <a:off x="315004" y="26273866"/>
-            <a:ext cx="1199202" cy="1199202"/>
-          </a:xfrm>
-          <a:prstGeom prst="rect">
-            <a:avLst/>
-          </a:prstGeom>
-          <a:noFill/>
-          <a:extLst>
-            <a:ext uri="{909E8E84-426E-40DD-AFC4-6F175D3DCCD1}">
-              <a14:hiddenFill xmlns:a14="http://schemas.microsoft.com/office/drawing/2010/main">
-                <a:solidFill>
-                  <a:srgbClr val="FFFFFF"/>
-                </a:solidFill>
-              </a14:hiddenFill>
-            </a:ext>
-          </a:extLst>
-        </p:spPr>
-      </p:pic>
-      <p:pic>
-        <p:nvPicPr>
           <p:cNvPr id="1985" name="Picture 28" descr="Accelerometer png images | PNGEgg">
             <a:extLst>
               <a:ext uri="{FF2B5EF4-FFF2-40B4-BE49-F238E27FC236}">
@@ -36550,13 +36493,14 @@
           </p:cNvPr>
           <p:cNvCxnSpPr>
             <a:cxnSpLocks/>
+            <a:stCxn id="14" idx="3"/>
           </p:cNvCxnSpPr>
           <p:nvPr/>
         </p:nvCxnSpPr>
         <p:spPr>
-          <a:xfrm>
-            <a:off x="1316913" y="26859512"/>
-            <a:ext cx="1221123" cy="0"/>
+          <a:xfrm flipV="1">
+            <a:off x="1820500" y="26831034"/>
+            <a:ext cx="412577" cy="20314"/>
           </a:xfrm>
           <a:prstGeom prst="straightConnector1">
             <a:avLst/>
@@ -41196,17 +41140,7 @@
           <a:p>
             <a:r>
               <a:rPr lang="en-US" sz="4000" dirty="0"/>
-              <a:t>2) </a:t>
-            </a:r>
-            <a:r>
-              <a:rPr lang="en-US" sz="4000" dirty="0">
-                <a:solidFill>
-                  <a:schemeClr val="bg2">
-                    <a:lumMod val="90000"/>
-                  </a:schemeClr>
-                </a:solidFill>
-              </a:rPr>
-              <a:t>– DELETED –</a:t>
+              <a:t>2) Modified EZY BRD so 5VDC powers ERCF MCU (see note 4)</a:t>
             </a:r>
             <a:br>
               <a:rPr lang="en-US" sz="4000" dirty="0"/>
@@ -43080,13 +43014,14 @@
           <a:p>
             <a:r>
               <a:rPr lang="en-US" sz="1600" dirty="0"/>
-              <a:t>Stepper</a:t>
+              <a:t>24VDC</a:t>
             </a:r>
-          </a:p>
-          <a:p>
+            <a:br>
+              <a:rPr lang="en-US" sz="1600" dirty="0"/>
+            </a:br>
             <a:r>
               <a:rPr lang="en-US" sz="1600" dirty="0"/>
-              <a:t>Driver Fan</a:t>
+              <a:t>PSU Fan</a:t>
             </a:r>
           </a:p>
         </p:txBody>
@@ -52892,6 +52827,111 @@
           </a:fontRef>
         </p:style>
       </p:cxnSp>
+      <p:sp>
+        <p:nvSpPr>
+          <p:cNvPr id="14" name="TextBox 13">
+            <a:extLst>
+              <a:ext uri="{FF2B5EF4-FFF2-40B4-BE49-F238E27FC236}">
+                <a16:creationId xmlns:a16="http://schemas.microsoft.com/office/drawing/2014/main" id="{B76E3F90-42F6-ABCF-7774-2AB4BEED4048}"/>
+              </a:ext>
+            </a:extLst>
+          </p:cNvPr>
+          <p:cNvSpPr txBox="1"/>
+          <p:nvPr/>
+        </p:nvSpPr>
+        <p:spPr>
+          <a:xfrm>
+            <a:off x="246223" y="26389683"/>
+            <a:ext cx="1574277" cy="923330"/>
+          </a:xfrm>
+          <a:prstGeom prst="rect">
+            <a:avLst/>
+          </a:prstGeom>
+          <a:noFill/>
+        </p:spPr>
+        <p:txBody>
+          <a:bodyPr wrap="none" rtlCol="0">
+            <a:spAutoFit/>
+          </a:bodyPr>
+          <a:lstStyle/>
+          <a:p>
+            <a:r>
+              <a:rPr lang="en-US" dirty="0"/>
+              <a:t>HEF Removed</a:t>
+            </a:r>
+            <a:br>
+              <a:rPr lang="en-US" dirty="0"/>
+            </a:br>
+            <a:r>
+              <a:rPr lang="en-US" dirty="0"/>
+              <a:t>(Water Cooled</a:t>
+            </a:r>
+            <a:br>
+              <a:rPr lang="en-US" dirty="0"/>
+            </a:br>
+            <a:r>
+              <a:rPr lang="en-US" dirty="0" err="1"/>
+              <a:t>Hotend</a:t>
+            </a:r>
+            <a:r>
+              <a:rPr lang="en-US" dirty="0"/>
+              <a:t> now…)</a:t>
+            </a:r>
+          </a:p>
+        </p:txBody>
+      </p:sp>
+      <p:sp>
+        <p:nvSpPr>
+          <p:cNvPr id="1074" name="Oval 1073">
+            <a:extLst>
+              <a:ext uri="{FF2B5EF4-FFF2-40B4-BE49-F238E27FC236}">
+                <a16:creationId xmlns:a16="http://schemas.microsoft.com/office/drawing/2014/main" id="{0B445F58-A201-9807-8B4A-35B17BC180CB}"/>
+              </a:ext>
+            </a:extLst>
+          </p:cNvPr>
+          <p:cNvSpPr/>
+          <p:nvPr/>
+        </p:nvSpPr>
+        <p:spPr>
+          <a:xfrm>
+            <a:off x="-8523" y="26266334"/>
+            <a:ext cx="2524947" cy="1185714"/>
+          </a:xfrm>
+          <a:prstGeom prst="ellipse">
+            <a:avLst/>
+          </a:prstGeom>
+          <a:noFill/>
+          <a:ln>
+            <a:solidFill>
+              <a:srgbClr val="FF0000"/>
+            </a:solidFill>
+          </a:ln>
+        </p:spPr>
+        <p:style>
+          <a:lnRef idx="2">
+            <a:schemeClr val="accent1">
+              <a:shade val="50000"/>
+            </a:schemeClr>
+          </a:lnRef>
+          <a:fillRef idx="1">
+            <a:schemeClr val="accent1"/>
+          </a:fillRef>
+          <a:effectRef idx="0">
+            <a:schemeClr val="accent1"/>
+          </a:effectRef>
+          <a:fontRef idx="minor">
+            <a:schemeClr val="lt1"/>
+          </a:fontRef>
+        </p:style>
+        <p:txBody>
+          <a:bodyPr rtlCol="0" anchor="ctr"/>
+          <a:lstStyle/>
+          <a:p>
+            <a:pPr algn="ctr"/>
+            <a:endParaRPr lang="en-US" sz="12101"/>
+          </a:p>
+        </p:txBody>
+      </p:sp>
     </p:spTree>
     <p:extLst>
       <p:ext uri="{BB962C8B-B14F-4D97-AF65-F5344CB8AC3E}">
